--- a/Präsentation/PräsiCarchain/Carchain Präsentation.pptx
+++ b/Präsentation/PräsiCarchain/Carchain Präsentation.pptx
@@ -5,7 +5,7 @@
     <p:sldMasterId id="2147483660" r:id="rId1"/>
   </p:sldMasterIdLst>
   <p:notesMasterIdLst>
-    <p:notesMasterId r:id="rId41"/>
+    <p:notesMasterId r:id="rId46"/>
   </p:notesMasterIdLst>
   <p:sldIdLst>
     <p:sldId id="256" r:id="rId2"/>
@@ -24,49 +24,54 @@
     <p:sldId id="262" r:id="rId15"/>
     <p:sldId id="263" r:id="rId16"/>
     <p:sldId id="287" r:id="rId17"/>
-    <p:sldId id="264" r:id="rId18"/>
-    <p:sldId id="282" r:id="rId19"/>
-    <p:sldId id="283" r:id="rId20"/>
-    <p:sldId id="284" r:id="rId21"/>
-    <p:sldId id="285" r:id="rId22"/>
-    <p:sldId id="286" r:id="rId23"/>
-    <p:sldId id="265" r:id="rId24"/>
-    <p:sldId id="266" r:id="rId25"/>
-    <p:sldId id="267" r:id="rId26"/>
-    <p:sldId id="268" r:id="rId27"/>
-    <p:sldId id="269" r:id="rId28"/>
-    <p:sldId id="270" r:id="rId29"/>
-    <p:sldId id="271" r:id="rId30"/>
-    <p:sldId id="272" r:id="rId31"/>
-    <p:sldId id="273" r:id="rId32"/>
-    <p:sldId id="274" r:id="rId33"/>
-    <p:sldId id="275" r:id="rId34"/>
-    <p:sldId id="276" r:id="rId35"/>
-    <p:sldId id="277" r:id="rId36"/>
-    <p:sldId id="278" r:id="rId37"/>
-    <p:sldId id="279" r:id="rId38"/>
-    <p:sldId id="280" r:id="rId39"/>
-    <p:sldId id="296" r:id="rId40"/>
+    <p:sldId id="297" r:id="rId18"/>
+    <p:sldId id="298" r:id="rId19"/>
+    <p:sldId id="302" r:id="rId20"/>
+    <p:sldId id="303" r:id="rId21"/>
+    <p:sldId id="304" r:id="rId22"/>
+    <p:sldId id="264" r:id="rId23"/>
+    <p:sldId id="282" r:id="rId24"/>
+    <p:sldId id="283" r:id="rId25"/>
+    <p:sldId id="284" r:id="rId26"/>
+    <p:sldId id="285" r:id="rId27"/>
+    <p:sldId id="286" r:id="rId28"/>
+    <p:sldId id="265" r:id="rId29"/>
+    <p:sldId id="266" r:id="rId30"/>
+    <p:sldId id="267" r:id="rId31"/>
+    <p:sldId id="268" r:id="rId32"/>
+    <p:sldId id="269" r:id="rId33"/>
+    <p:sldId id="270" r:id="rId34"/>
+    <p:sldId id="271" r:id="rId35"/>
+    <p:sldId id="272" r:id="rId36"/>
+    <p:sldId id="273" r:id="rId37"/>
+    <p:sldId id="274" r:id="rId38"/>
+    <p:sldId id="275" r:id="rId39"/>
+    <p:sldId id="276" r:id="rId40"/>
+    <p:sldId id="277" r:id="rId41"/>
+    <p:sldId id="278" r:id="rId42"/>
+    <p:sldId id="279" r:id="rId43"/>
+    <p:sldId id="280" r:id="rId44"/>
+    <p:sldId id="296" r:id="rId45"/>
   </p:sldIdLst>
   <p:sldSz cx="9144000" cy="5143500" type="screen16x9"/>
   <p:notesSz cx="6858000" cy="9144000"/>
   <p:embeddedFontLst>
     <p:embeddedFont>
       <p:font typeface="Consolas" panose="020B0609020204030204" pitchFamily="49" charset="0"/>
-      <p:regular r:id="rId42"/>
-      <p:bold r:id="rId43"/>
-      <p:italic r:id="rId44"/>
-      <p:boldItalic r:id="rId45"/>
+      <p:regular r:id="rId47"/>
+      <p:bold r:id="rId48"/>
+      <p:italic r:id="rId49"/>
+      <p:boldItalic r:id="rId50"/>
     </p:embeddedFont>
     <p:embeddedFont>
-      <p:font typeface="Roboto Light" panose="02000000000000000000" pitchFamily="2" charset="0"/>
-      <p:regular r:id="rId46"/>
-      <p:italic r:id="rId47"/>
+      <p:font typeface="Roboto Light" panose="020B0604020202020204" charset="0"/>
+      <p:regular r:id="rId51"/>
+      <p:italic r:id="rId52"/>
     </p:embeddedFont>
     <p:embeddedFont>
-      <p:font typeface="Roboto Thin" panose="02000000000000000000" pitchFamily="2" charset="0"/>
-      <p:regular r:id="rId48"/>
-      <p:italic r:id="rId49"/>
+      <p:font typeface="Roboto Thin" panose="020B0604020202020204" charset="0"/>
+      <p:regular r:id="rId53"/>
+      <p:italic r:id="rId54"/>
     </p:embeddedFont>
   </p:embeddedFontLst>
   <p:defaultTextStyle>
@@ -10591,10 +10596,10 @@
               <a:buNone/>
             </a:pPr>
             <a:r>
-              <a:rPr lang="de"/>
+              <a:rPr lang="de" dirty="0"/>
               <a:t>Carchain: Image-Server</a:t>
             </a:r>
-            <a:endParaRPr/>
+            <a:endParaRPr dirty="0"/>
           </a:p>
         </p:txBody>
       </p:sp>
@@ -10798,7 +10803,7 @@
   <p:cSld>
     <p:spTree>
       <p:nvGrpSpPr>
-        <p:cNvPr id="1" name="Shape 101"/>
+        <p:cNvPr id="1" name=""/>
         <p:cNvGrpSpPr/>
         <p:nvPr/>
       </p:nvGrpSpPr>
@@ -10812,159 +10817,349 @@
       </p:grpSpPr>
       <p:sp>
         <p:nvSpPr>
-          <p:cNvPr id="102" name="Google Shape;102;p21"/>
-          <p:cNvSpPr txBox="1">
+          <p:cNvPr id="2" name="Titel 1">
+            <a:extLst>
+              <a:ext uri="{FF2B5EF4-FFF2-40B4-BE49-F238E27FC236}">
+                <a16:creationId xmlns:a16="http://schemas.microsoft.com/office/drawing/2014/main" id="{18F0AAA5-7DF5-4B6F-B106-1846E3FA0D3E}"/>
+              </a:ext>
+            </a:extLst>
+          </p:cNvPr>
+          <p:cNvSpPr>
             <a:spLocks noGrp="1"/>
           </p:cNvSpPr>
           <p:nvPr>
             <p:ph type="title"/>
           </p:nvPr>
         </p:nvSpPr>
-        <p:spPr>
-          <a:prstGeom prst="rect">
-            <a:avLst/>
-          </a:prstGeom>
-        </p:spPr>
+        <p:spPr/>
         <p:txBody>
-          <a:bodyPr spcFirstLastPara="1" wrap="square" lIns="91425" tIns="91425" rIns="91425" bIns="91425" anchor="t" anchorCtr="0">
-            <a:noAutofit/>
+          <a:bodyPr/>
+          <a:lstStyle/>
+          <a:p>
+            <a:r>
+              <a:rPr lang="de" dirty="0"/>
+              <a:t>Carchain: Image-Server-</a:t>
+            </a:r>
+            <a:r>
+              <a:rPr lang="de-DE" dirty="0"/>
+              <a:t>Funktionen</a:t>
+            </a:r>
+            <a:endParaRPr lang="en-GB" dirty="0"/>
+          </a:p>
+        </p:txBody>
+      </p:sp>
+      <p:pic>
+        <p:nvPicPr>
+          <p:cNvPr id="4" name="Grafik 3" descr="Datenbank">
+            <a:extLst>
+              <a:ext uri="{FF2B5EF4-FFF2-40B4-BE49-F238E27FC236}">
+                <a16:creationId xmlns:a16="http://schemas.microsoft.com/office/drawing/2014/main" id="{31B4F24B-3936-4EF2-B9EA-B426DE92442A}"/>
+              </a:ext>
+            </a:extLst>
+          </p:cNvPr>
+          <p:cNvPicPr/>
+          <p:nvPr/>
+        </p:nvPicPr>
+        <p:blipFill>
+          <a:blip r:embed="rId2">
+            <a:extLst>
+              <a:ext uri="{28A0092B-C50C-407E-A947-70E740481C1C}">
+                <a14:useLocalDpi xmlns:a14="http://schemas.microsoft.com/office/drawing/2010/main" val="0"/>
+              </a:ext>
+              <a:ext uri="{96DAC541-7B7A-43D3-8B79-37D633B846F1}">
+                <asvg:svgBlip xmlns:asvg="http://schemas.microsoft.com/office/drawing/2016/SVG/main" r:embed="rId3"/>
+              </a:ext>
+            </a:extLst>
+          </a:blip>
+          <a:stretch>
+            <a:fillRect/>
+          </a:stretch>
+        </p:blipFill>
+        <p:spPr>
+          <a:xfrm>
+            <a:off x="7361728" y="1636391"/>
+            <a:ext cx="1433331" cy="1569852"/>
+          </a:xfrm>
+          <a:prstGeom prst="rect">
+            <a:avLst/>
+          </a:prstGeom>
+        </p:spPr>
+      </p:pic>
+      <p:pic>
+        <p:nvPicPr>
+          <p:cNvPr id="5" name="Grafik 4" descr="Smartphone">
+            <a:extLst>
+              <a:ext uri="{FF2B5EF4-FFF2-40B4-BE49-F238E27FC236}">
+                <a16:creationId xmlns:a16="http://schemas.microsoft.com/office/drawing/2014/main" id="{46579E09-C5B1-4EB7-BAFA-E5B88EFB4D3D}"/>
+              </a:ext>
+            </a:extLst>
+          </p:cNvPr>
+          <p:cNvPicPr/>
+          <p:nvPr/>
+        </p:nvPicPr>
+        <p:blipFill>
+          <a:blip r:embed="rId4">
+            <a:extLst>
+              <a:ext uri="{28A0092B-C50C-407E-A947-70E740481C1C}">
+                <a14:useLocalDpi xmlns:a14="http://schemas.microsoft.com/office/drawing/2010/main" val="0"/>
+              </a:ext>
+              <a:ext uri="{96DAC541-7B7A-43D3-8B79-37D633B846F1}">
+                <asvg:svgBlip xmlns:asvg="http://schemas.microsoft.com/office/drawing/2016/SVG/main" r:embed="rId5"/>
+              </a:ext>
+            </a:extLst>
+          </a:blip>
+          <a:stretch>
+            <a:fillRect/>
+          </a:stretch>
+        </p:blipFill>
+        <p:spPr>
+          <a:xfrm>
+            <a:off x="168997" y="2022887"/>
+            <a:ext cx="1113421" cy="1199444"/>
+          </a:xfrm>
+          <a:prstGeom prst="rect">
+            <a:avLst/>
+          </a:prstGeom>
+        </p:spPr>
+      </p:pic>
+      <p:pic>
+        <p:nvPicPr>
+          <p:cNvPr id="6" name="Grafik 5" descr="Server">
+            <a:extLst>
+              <a:ext uri="{FF2B5EF4-FFF2-40B4-BE49-F238E27FC236}">
+                <a16:creationId xmlns:a16="http://schemas.microsoft.com/office/drawing/2014/main" id="{5FBB7144-3FEC-49C7-857C-7D6A6B16B756}"/>
+              </a:ext>
+            </a:extLst>
+          </p:cNvPr>
+          <p:cNvPicPr/>
+          <p:nvPr/>
+        </p:nvPicPr>
+        <p:blipFill>
+          <a:blip r:embed="rId6">
+            <a:extLst>
+              <a:ext uri="{28A0092B-C50C-407E-A947-70E740481C1C}">
+                <a14:useLocalDpi xmlns:a14="http://schemas.microsoft.com/office/drawing/2010/main" val="0"/>
+              </a:ext>
+              <a:ext uri="{96DAC541-7B7A-43D3-8B79-37D633B846F1}">
+                <asvg:svgBlip xmlns:asvg="http://schemas.microsoft.com/office/drawing/2016/SVG/main" r:embed="rId7"/>
+              </a:ext>
+            </a:extLst>
+          </a:blip>
+          <a:stretch>
+            <a:fillRect/>
+          </a:stretch>
+        </p:blipFill>
+        <p:spPr>
+          <a:xfrm>
+            <a:off x="3833861" y="1404129"/>
+            <a:ext cx="1696478" cy="2321241"/>
+          </a:xfrm>
+          <a:prstGeom prst="rect">
+            <a:avLst/>
+          </a:prstGeom>
+        </p:spPr>
+      </p:pic>
+      <p:cxnSp>
+        <p:nvCxnSpPr>
+          <p:cNvPr id="7" name="Gerade Verbindung mit Pfeil 6">
+            <a:extLst>
+              <a:ext uri="{FF2B5EF4-FFF2-40B4-BE49-F238E27FC236}">
+                <a16:creationId xmlns:a16="http://schemas.microsoft.com/office/drawing/2014/main" id="{B8D0617D-49D5-4377-9EAB-22EC8F0EA27E}"/>
+              </a:ext>
+            </a:extLst>
+          </p:cNvPr>
+          <p:cNvCxnSpPr>
+            <a:cxnSpLocks/>
+          </p:cNvCxnSpPr>
+          <p:nvPr/>
+        </p:nvCxnSpPr>
+        <p:spPr>
+          <a:xfrm flipV="1">
+            <a:off x="1102969" y="2571750"/>
+            <a:ext cx="2783474" cy="68"/>
+          </a:xfrm>
+          <a:prstGeom prst="straightConnector1">
+            <a:avLst/>
+          </a:prstGeom>
+          <a:ln>
+            <a:tailEnd type="triangle"/>
+          </a:ln>
+        </p:spPr>
+        <p:style>
+          <a:lnRef idx="1">
+            <a:schemeClr val="accent1"/>
+          </a:lnRef>
+          <a:fillRef idx="0">
+            <a:schemeClr val="accent1"/>
+          </a:fillRef>
+          <a:effectRef idx="0">
+            <a:schemeClr val="accent1"/>
+          </a:effectRef>
+          <a:fontRef idx="minor">
+            <a:schemeClr val="tx1"/>
+          </a:fontRef>
+        </p:style>
+      </p:cxnSp>
+      <p:sp>
+        <p:nvSpPr>
+          <p:cNvPr id="8" name="Textfeld 7">
+            <a:extLst>
+              <a:ext uri="{FF2B5EF4-FFF2-40B4-BE49-F238E27FC236}">
+                <a16:creationId xmlns:a16="http://schemas.microsoft.com/office/drawing/2014/main" id="{18EE6B1C-1000-414D-BE9E-C0BE43FC2402}"/>
+              </a:ext>
+            </a:extLst>
+          </p:cNvPr>
+          <p:cNvSpPr txBox="1"/>
+          <p:nvPr/>
+        </p:nvSpPr>
+        <p:spPr>
+          <a:xfrm>
+            <a:off x="1623988" y="2202418"/>
+            <a:ext cx="2713272" cy="369332"/>
+          </a:xfrm>
+          <a:prstGeom prst="rect">
+            <a:avLst/>
+          </a:prstGeom>
+          <a:noFill/>
+        </p:spPr>
+        <p:txBody>
+          <a:bodyPr wrap="square" rtlCol="0">
+            <a:spAutoFit/>
           </a:bodyPr>
           <a:lstStyle/>
           <a:p>
-            <a:pPr marL="0" lvl="0" indent="0" algn="l" rtl="0">
-              <a:spcBef>
-                <a:spcPts val="0"/>
-              </a:spcBef>
-              <a:spcAft>
-                <a:spcPts val="0"/>
-              </a:spcAft>
-              <a:buClr>
-                <a:schemeClr val="dk1"/>
-              </a:buClr>
-              <a:buSzPts val="1100"/>
-              <a:buFont typeface="Arial"/>
-              <a:buNone/>
-            </a:pPr>
-            <a:r>
-              <a:rPr lang="de"/>
-              <a:t>Carchain: Android-App</a:t>
-            </a:r>
-            <a:endParaRPr/>
+            <a:r>
+              <a:rPr lang="en-US" b="1" dirty="0"/>
+              <a:t>put /</a:t>
+            </a:r>
+            <a:r>
+              <a:rPr lang="en-US" b="1" dirty="0" err="1"/>
+              <a:t>addCar</a:t>
+            </a:r>
+            <a:r>
+              <a:rPr lang="en-US" b="1" dirty="0"/>
+              <a:t> {“TÜ-LF-308”}</a:t>
+            </a:r>
+            <a:endParaRPr lang="de-DE" dirty="0"/>
+          </a:p>
+        </p:txBody>
+      </p:sp>
+      <p:cxnSp>
+        <p:nvCxnSpPr>
+          <p:cNvPr id="9" name="Gerade Verbindung mit Pfeil 8">
+            <a:extLst>
+              <a:ext uri="{FF2B5EF4-FFF2-40B4-BE49-F238E27FC236}">
+                <a16:creationId xmlns:a16="http://schemas.microsoft.com/office/drawing/2014/main" id="{1CD02A2B-8B6D-477B-86C0-88300F007A63}"/>
+              </a:ext>
+            </a:extLst>
+          </p:cNvPr>
+          <p:cNvCxnSpPr/>
+          <p:nvPr/>
+        </p:nvCxnSpPr>
+        <p:spPr>
+          <a:xfrm flipV="1">
+            <a:off x="5327292" y="2573079"/>
+            <a:ext cx="2221187" cy="6999"/>
+          </a:xfrm>
+          <a:prstGeom prst="straightConnector1">
+            <a:avLst/>
+          </a:prstGeom>
+          <a:ln>
+            <a:headEnd type="triangle"/>
+            <a:tailEnd type="triangle"/>
+          </a:ln>
+        </p:spPr>
+        <p:style>
+          <a:lnRef idx="1">
+            <a:schemeClr val="accent1"/>
+          </a:lnRef>
+          <a:fillRef idx="0">
+            <a:schemeClr val="accent1"/>
+          </a:fillRef>
+          <a:effectRef idx="0">
+            <a:schemeClr val="accent1"/>
+          </a:effectRef>
+          <a:fontRef idx="minor">
+            <a:schemeClr val="tx1"/>
+          </a:fontRef>
+        </p:style>
+      </p:cxnSp>
+      <p:sp>
+        <p:nvSpPr>
+          <p:cNvPr id="10" name="Textfeld 9">
+            <a:extLst>
+              <a:ext uri="{FF2B5EF4-FFF2-40B4-BE49-F238E27FC236}">
+                <a16:creationId xmlns:a16="http://schemas.microsoft.com/office/drawing/2014/main" id="{226ED28E-CADF-4151-9C62-2E8DF8AFD68E}"/>
+              </a:ext>
+            </a:extLst>
+          </p:cNvPr>
+          <p:cNvSpPr txBox="1"/>
+          <p:nvPr/>
+        </p:nvSpPr>
+        <p:spPr>
+          <a:xfrm>
+            <a:off x="4275352" y="3370039"/>
+            <a:ext cx="1091365" cy="369332"/>
+          </a:xfrm>
+          <a:prstGeom prst="rect">
+            <a:avLst/>
+          </a:prstGeom>
+          <a:noFill/>
+        </p:spPr>
+        <p:txBody>
+          <a:bodyPr wrap="square" rtlCol="0">
+            <a:spAutoFit/>
+          </a:bodyPr>
+          <a:lstStyle/>
+          <a:p>
+            <a:r>
+              <a:rPr lang="en-GB" dirty="0"/>
+              <a:t>Server</a:t>
+            </a:r>
           </a:p>
         </p:txBody>
       </p:sp>
       <p:sp>
         <p:nvSpPr>
-          <p:cNvPr id="103" name="Google Shape;103;p21"/>
-          <p:cNvSpPr txBox="1">
-            <a:spLocks noGrp="1"/>
-          </p:cNvSpPr>
-          <p:nvPr>
-            <p:ph idx="1"/>
-          </p:nvPr>
+          <p:cNvPr id="11" name="Textfeld 10">
+            <a:extLst>
+              <a:ext uri="{FF2B5EF4-FFF2-40B4-BE49-F238E27FC236}">
+                <a16:creationId xmlns:a16="http://schemas.microsoft.com/office/drawing/2014/main" id="{DB21CE4E-8993-481E-96E6-AFF60E9DC222}"/>
+              </a:ext>
+            </a:extLst>
+          </p:cNvPr>
+          <p:cNvSpPr txBox="1"/>
+          <p:nvPr/>
         </p:nvSpPr>
         <p:spPr>
-          <a:prstGeom prst="rect">
-            <a:avLst/>
-          </a:prstGeom>
+          <a:xfrm>
+            <a:off x="7628294" y="3037665"/>
+            <a:ext cx="1091365" cy="369332"/>
+          </a:xfrm>
+          <a:prstGeom prst="rect">
+            <a:avLst/>
+          </a:prstGeom>
+          <a:noFill/>
         </p:spPr>
         <p:txBody>
-          <a:bodyPr spcFirstLastPara="1" wrap="square" lIns="91425" tIns="91425" rIns="91425" bIns="91425" anchor="t" anchorCtr="0">
-            <a:noAutofit/>
+          <a:bodyPr wrap="square" rtlCol="0">
+            <a:spAutoFit/>
           </a:bodyPr>
           <a:lstStyle/>
           <a:p>
-            <a:pPr marL="0" indent="0">
-              <a:spcAft>
-                <a:spcPts val="1600"/>
-              </a:spcAft>
-              <a:buNone/>
-            </a:pPr>
-            <a:r>
-              <a:rPr lang="de-DE" dirty="0"/>
-              <a:t>Funktionen der App:</a:t>
-            </a:r>
-          </a:p>
-          <a:p>
-            <a:pPr marL="742950" lvl="1" indent="-285750">
-              <a:spcAft>
-                <a:spcPts val="1600"/>
-              </a:spcAft>
-            </a:pPr>
-            <a:r>
-              <a:rPr lang="de-DE" dirty="0"/>
-              <a:t>Vermieten von Fahrzeugen</a:t>
-            </a:r>
-          </a:p>
-          <a:p>
-            <a:pPr marL="742950" lvl="1" indent="-285750">
-              <a:spcAft>
-                <a:spcPts val="1600"/>
-              </a:spcAft>
-            </a:pPr>
-            <a:r>
-              <a:rPr lang="de-DE" dirty="0"/>
-              <a:t>Suchen &amp; Mieten von Fahrzeugen</a:t>
-            </a:r>
-          </a:p>
-          <a:p>
-            <a:pPr marL="742950" lvl="1" indent="-285750">
-              <a:spcAft>
-                <a:spcPts val="1600"/>
-              </a:spcAft>
-            </a:pPr>
-            <a:r>
-              <a:rPr lang="de-DE" dirty="0"/>
-              <a:t>Rechnungen &amp; Kosten einsehen (Wallet-Verwaltung)</a:t>
-            </a:r>
-          </a:p>
-          <a:p>
-            <a:pPr marL="742950" lvl="1" indent="-285750">
-              <a:spcAft>
-                <a:spcPts val="1600"/>
-              </a:spcAft>
-            </a:pPr>
-            <a:r>
-              <a:rPr lang="de-DE" dirty="0"/>
-              <a:t>Digitaler Autoschlüssel</a:t>
-            </a:r>
-          </a:p>
-          <a:p>
-            <a:pPr marL="742950" lvl="1" indent="-285750">
-              <a:spcAft>
-                <a:spcPts val="1600"/>
-              </a:spcAft>
-            </a:pPr>
-            <a:r>
-              <a:rPr lang="de-DE" dirty="0"/>
-              <a:t>Profilverwaltung</a:t>
-            </a:r>
-          </a:p>
-          <a:p>
-            <a:pPr marL="742950" lvl="1" indent="-285750">
-              <a:spcAft>
-                <a:spcPts val="1600"/>
-              </a:spcAft>
-              <a:buFont typeface="Arial" panose="020B0604020202020204" pitchFamily="34" charset="0"/>
-              <a:buChar char="•"/>
-            </a:pPr>
-            <a:endParaRPr lang="de-DE" dirty="0">
-              <a:latin typeface="+mn-lt"/>
-            </a:endParaRPr>
-          </a:p>
-          <a:p>
-            <a:pPr marL="742950" lvl="1" indent="-285750">
-              <a:spcAft>
-                <a:spcPts val="1600"/>
-              </a:spcAft>
-              <a:buFont typeface="Arial" panose="020B0604020202020204" pitchFamily="34" charset="0"/>
-              <a:buChar char="•"/>
-            </a:pPr>
-            <a:endParaRPr dirty="0"/>
+            <a:r>
+              <a:rPr lang="en-GB" dirty="0"/>
+              <a:t>Postgres</a:t>
+            </a:r>
           </a:p>
         </p:txBody>
       </p:sp>
     </p:spTree>
+    <p:extLst>
+      <p:ext uri="{BB962C8B-B14F-4D97-AF65-F5344CB8AC3E}">
+        <p14:creationId xmlns:p14="http://schemas.microsoft.com/office/powerpoint/2010/main" val="2347063935"/>
+      </p:ext>
+    </p:extLst>
   </p:cSld>
   <p:clrMapOvr>
     <a:masterClrMapping/>
@@ -10994,7 +11189,7 @@
           <p:cNvPr id="2" name="Titel 1">
             <a:extLst>
               <a:ext uri="{FF2B5EF4-FFF2-40B4-BE49-F238E27FC236}">
-                <a16:creationId xmlns:a16="http://schemas.microsoft.com/office/drawing/2014/main" id="{F8DA93B9-D6EB-47BC-B8CE-1EFC9A9BCB95}"/>
+                <a16:creationId xmlns:a16="http://schemas.microsoft.com/office/drawing/2014/main" id="{18F0AAA5-7DF5-4B6F-B106-1846E3FA0D3E}"/>
               </a:ext>
             </a:extLst>
           </p:cNvPr>
@@ -11011,83 +11206,446 @@
           <a:lstStyle/>
           <a:p>
             <a:r>
-              <a:rPr lang="de-DE" dirty="0" err="1"/>
-              <a:t>Carchain</a:t>
+              <a:rPr lang="de" dirty="0"/>
+              <a:t>Carchain: Image-Server-</a:t>
             </a:r>
             <a:r>
               <a:rPr lang="de-DE" dirty="0"/>
-              <a:t>: Autos einsehen</a:t>
+              <a:t>Funktionen</a:t>
+            </a:r>
+            <a:endParaRPr lang="en-GB" dirty="0"/>
+          </a:p>
+        </p:txBody>
+      </p:sp>
+      <p:pic>
+        <p:nvPicPr>
+          <p:cNvPr id="20" name="Grafik 19" descr="Datenbank">
+            <a:extLst>
+              <a:ext uri="{FF2B5EF4-FFF2-40B4-BE49-F238E27FC236}">
+                <a16:creationId xmlns:a16="http://schemas.microsoft.com/office/drawing/2014/main" id="{5FB227EC-C8E1-45EF-A68A-4C708D8FF8CA}"/>
+              </a:ext>
+            </a:extLst>
+          </p:cNvPr>
+          <p:cNvPicPr/>
+          <p:nvPr/>
+        </p:nvPicPr>
+        <p:blipFill>
+          <a:blip r:embed="rId2">
+            <a:extLst>
+              <a:ext uri="{28A0092B-C50C-407E-A947-70E740481C1C}">
+                <a14:useLocalDpi xmlns:a14="http://schemas.microsoft.com/office/drawing/2010/main" val="0"/>
+              </a:ext>
+              <a:ext uri="{96DAC541-7B7A-43D3-8B79-37D633B846F1}">
+                <asvg:svgBlip xmlns:asvg="http://schemas.microsoft.com/office/drawing/2016/SVG/main" r:embed="rId3"/>
+              </a:ext>
+            </a:extLst>
+          </a:blip>
+          <a:stretch>
+            <a:fillRect/>
+          </a:stretch>
+        </p:blipFill>
+        <p:spPr>
+          <a:xfrm>
+            <a:off x="7546859" y="1536373"/>
+            <a:ext cx="1433331" cy="1569852"/>
+          </a:xfrm>
+          <a:prstGeom prst="rect">
+            <a:avLst/>
+          </a:prstGeom>
+        </p:spPr>
+      </p:pic>
+      <p:pic>
+        <p:nvPicPr>
+          <p:cNvPr id="21" name="Grafik 20" descr="Smartphone">
+            <a:extLst>
+              <a:ext uri="{FF2B5EF4-FFF2-40B4-BE49-F238E27FC236}">
+                <a16:creationId xmlns:a16="http://schemas.microsoft.com/office/drawing/2014/main" id="{11DB4639-1743-4747-8EC1-C315AAA2ABDB}"/>
+              </a:ext>
+            </a:extLst>
+          </p:cNvPr>
+          <p:cNvPicPr/>
+          <p:nvPr/>
+        </p:nvPicPr>
+        <p:blipFill>
+          <a:blip r:embed="rId4">
+            <a:extLst>
+              <a:ext uri="{28A0092B-C50C-407E-A947-70E740481C1C}">
+                <a14:useLocalDpi xmlns:a14="http://schemas.microsoft.com/office/drawing/2010/main" val="0"/>
+              </a:ext>
+              <a:ext uri="{96DAC541-7B7A-43D3-8B79-37D633B846F1}">
+                <asvg:svgBlip xmlns:asvg="http://schemas.microsoft.com/office/drawing/2016/SVG/main" r:embed="rId5"/>
+              </a:ext>
+            </a:extLst>
+          </a:blip>
+          <a:stretch>
+            <a:fillRect/>
+          </a:stretch>
+        </p:blipFill>
+        <p:spPr>
+          <a:xfrm>
+            <a:off x="-165882" y="1721578"/>
+            <a:ext cx="1113421" cy="1199444"/>
+          </a:xfrm>
+          <a:prstGeom prst="rect">
+            <a:avLst/>
+          </a:prstGeom>
+        </p:spPr>
+      </p:pic>
+      <p:pic>
+        <p:nvPicPr>
+          <p:cNvPr id="22" name="Grafik 21" descr="Server">
+            <a:extLst>
+              <a:ext uri="{FF2B5EF4-FFF2-40B4-BE49-F238E27FC236}">
+                <a16:creationId xmlns:a16="http://schemas.microsoft.com/office/drawing/2014/main" id="{A098125D-2A55-49FB-90F4-563E39AED728}"/>
+              </a:ext>
+            </a:extLst>
+          </p:cNvPr>
+          <p:cNvPicPr/>
+          <p:nvPr/>
+        </p:nvPicPr>
+        <p:blipFill>
+          <a:blip r:embed="rId6">
+            <a:extLst>
+              <a:ext uri="{28A0092B-C50C-407E-A947-70E740481C1C}">
+                <a14:useLocalDpi xmlns:a14="http://schemas.microsoft.com/office/drawing/2010/main" val="0"/>
+              </a:ext>
+              <a:ext uri="{96DAC541-7B7A-43D3-8B79-37D633B846F1}">
+                <asvg:svgBlip xmlns:asvg="http://schemas.microsoft.com/office/drawing/2016/SVG/main" r:embed="rId7"/>
+              </a:ext>
+            </a:extLst>
+          </a:blip>
+          <a:stretch>
+            <a:fillRect/>
+          </a:stretch>
+        </p:blipFill>
+        <p:spPr>
+          <a:xfrm>
+            <a:off x="4248514" y="1160679"/>
+            <a:ext cx="1696478" cy="2321241"/>
+          </a:xfrm>
+          <a:prstGeom prst="rect">
+            <a:avLst/>
+          </a:prstGeom>
+        </p:spPr>
+      </p:pic>
+      <p:cxnSp>
+        <p:nvCxnSpPr>
+          <p:cNvPr id="23" name="Gerade Verbindung mit Pfeil 22">
+            <a:extLst>
+              <a:ext uri="{FF2B5EF4-FFF2-40B4-BE49-F238E27FC236}">
+                <a16:creationId xmlns:a16="http://schemas.microsoft.com/office/drawing/2014/main" id="{73D8F7CF-6FE0-4FA7-8238-BCCB06FA3B38}"/>
+              </a:ext>
+            </a:extLst>
+          </p:cNvPr>
+          <p:cNvCxnSpPr>
+            <a:cxnSpLocks/>
+            <a:stCxn id="21" idx="3"/>
+            <a:endCxn id="22" idx="1"/>
+          </p:cNvCxnSpPr>
+          <p:nvPr/>
+        </p:nvCxnSpPr>
+        <p:spPr>
+          <a:xfrm>
+            <a:off x="782490" y="2321300"/>
+            <a:ext cx="3631073" cy="0"/>
+          </a:xfrm>
+          <a:prstGeom prst="straightConnector1">
+            <a:avLst/>
+          </a:prstGeom>
+          <a:ln>
+            <a:tailEnd type="triangle"/>
+          </a:ln>
+        </p:spPr>
+        <p:style>
+          <a:lnRef idx="1">
+            <a:schemeClr val="accent1"/>
+          </a:lnRef>
+          <a:fillRef idx="0">
+            <a:schemeClr val="accent1"/>
+          </a:fillRef>
+          <a:effectRef idx="0">
+            <a:schemeClr val="accent1"/>
+          </a:effectRef>
+          <a:fontRef idx="minor">
+            <a:schemeClr val="tx1"/>
+          </a:fontRef>
+        </p:style>
+      </p:cxnSp>
+      <p:sp>
+        <p:nvSpPr>
+          <p:cNvPr id="24" name="Textfeld 23">
+            <a:extLst>
+              <a:ext uri="{FF2B5EF4-FFF2-40B4-BE49-F238E27FC236}">
+                <a16:creationId xmlns:a16="http://schemas.microsoft.com/office/drawing/2014/main" id="{8563D9C5-3182-43E7-8D08-CE8A2F6C598E}"/>
+              </a:ext>
+            </a:extLst>
+          </p:cNvPr>
+          <p:cNvSpPr txBox="1"/>
+          <p:nvPr/>
+        </p:nvSpPr>
+        <p:spPr>
+          <a:xfrm>
+            <a:off x="1422077" y="2004749"/>
+            <a:ext cx="4205473" cy="307777"/>
+          </a:xfrm>
+          <a:prstGeom prst="rect">
+            <a:avLst/>
+          </a:prstGeom>
+          <a:noFill/>
+        </p:spPr>
+        <p:txBody>
+          <a:bodyPr wrap="square" rtlCol="0">
+            <a:spAutoFit/>
+          </a:bodyPr>
+          <a:lstStyle/>
+          <a:p>
+            <a:r>
+              <a:rPr lang="en-US" b="1" dirty="0"/>
+              <a:t>put /</a:t>
+            </a:r>
+            <a:r>
+              <a:rPr lang="en-US" b="1" dirty="0" err="1"/>
+              <a:t>addImage</a:t>
+            </a:r>
+            <a:r>
+              <a:rPr lang="en-US" b="1" dirty="0"/>
+              <a:t>  {“TÜ-LF-308”,        }</a:t>
+            </a:r>
+            <a:endParaRPr lang="de-DE" dirty="0"/>
+          </a:p>
+        </p:txBody>
+      </p:sp>
+      <p:cxnSp>
+        <p:nvCxnSpPr>
+          <p:cNvPr id="25" name="Gerade Verbindung mit Pfeil 24">
+            <a:extLst>
+              <a:ext uri="{FF2B5EF4-FFF2-40B4-BE49-F238E27FC236}">
+                <a16:creationId xmlns:a16="http://schemas.microsoft.com/office/drawing/2014/main" id="{F5B80EBE-14C8-4A47-9F30-DBA0F05FB23E}"/>
+              </a:ext>
+            </a:extLst>
+          </p:cNvPr>
+          <p:cNvCxnSpPr>
+            <a:cxnSpLocks/>
+            <a:stCxn id="22" idx="3"/>
+            <a:endCxn id="20" idx="1"/>
+          </p:cNvCxnSpPr>
+          <p:nvPr/>
+        </p:nvCxnSpPr>
+        <p:spPr>
+          <a:xfrm flipV="1">
+            <a:off x="5944992" y="2321299"/>
+            <a:ext cx="1601867" cy="1"/>
+          </a:xfrm>
+          <a:prstGeom prst="straightConnector1">
+            <a:avLst/>
+          </a:prstGeom>
+          <a:ln>
+            <a:headEnd type="triangle"/>
+            <a:tailEnd type="triangle"/>
+          </a:ln>
+        </p:spPr>
+        <p:style>
+          <a:lnRef idx="1">
+            <a:schemeClr val="accent1"/>
+          </a:lnRef>
+          <a:fillRef idx="0">
+            <a:schemeClr val="accent1"/>
+          </a:fillRef>
+          <a:effectRef idx="0">
+            <a:schemeClr val="accent1"/>
+          </a:effectRef>
+          <a:fontRef idx="minor">
+            <a:schemeClr val="tx1"/>
+          </a:fontRef>
+        </p:style>
+      </p:cxnSp>
+      <p:sp>
+        <p:nvSpPr>
+          <p:cNvPr id="26" name="Textfeld 25">
+            <a:extLst>
+              <a:ext uri="{FF2B5EF4-FFF2-40B4-BE49-F238E27FC236}">
+                <a16:creationId xmlns:a16="http://schemas.microsoft.com/office/drawing/2014/main" id="{3C82D225-BA5C-4FDC-A5DC-39BAFE3A4D2C}"/>
+              </a:ext>
+            </a:extLst>
+          </p:cNvPr>
+          <p:cNvSpPr txBox="1"/>
+          <p:nvPr/>
+        </p:nvSpPr>
+        <p:spPr>
+          <a:xfrm>
+            <a:off x="4705898" y="3112588"/>
+            <a:ext cx="1091365" cy="369332"/>
+          </a:xfrm>
+          <a:prstGeom prst="rect">
+            <a:avLst/>
+          </a:prstGeom>
+          <a:noFill/>
+        </p:spPr>
+        <p:txBody>
+          <a:bodyPr wrap="square" rtlCol="0">
+            <a:spAutoFit/>
+          </a:bodyPr>
+          <a:lstStyle/>
+          <a:p>
+            <a:r>
+              <a:rPr lang="en-GB" dirty="0"/>
+              <a:t>Server</a:t>
             </a:r>
           </a:p>
         </p:txBody>
       </p:sp>
       <p:sp>
         <p:nvSpPr>
-          <p:cNvPr id="3" name="Inhaltsplatzhalter 2">
+          <p:cNvPr id="27" name="Textfeld 26">
             <a:extLst>
               <a:ext uri="{FF2B5EF4-FFF2-40B4-BE49-F238E27FC236}">
-                <a16:creationId xmlns:a16="http://schemas.microsoft.com/office/drawing/2014/main" id="{E33E7B78-699D-496B-80A3-2B5629BC88EF}"/>
+                <a16:creationId xmlns:a16="http://schemas.microsoft.com/office/drawing/2014/main" id="{CD75B87E-0791-4BB2-B50C-8A06909BFFAF}"/>
               </a:ext>
             </a:extLst>
           </p:cNvPr>
-          <p:cNvSpPr>
-            <a:spLocks noGrp="1"/>
-          </p:cNvSpPr>
-          <p:nvPr>
-            <p:ph idx="1"/>
-          </p:nvPr>
+          <p:cNvSpPr txBox="1"/>
+          <p:nvPr/>
         </p:nvSpPr>
         <p:spPr>
           <a:xfrm>
-            <a:off x="2669458" y="990599"/>
-            <a:ext cx="5845892" cy="3641725"/>
-          </a:xfrm>
+            <a:off x="7888825" y="3006962"/>
+            <a:ext cx="1091365" cy="369332"/>
+          </a:xfrm>
+          <a:prstGeom prst="rect">
+            <a:avLst/>
+          </a:prstGeom>
+          <a:noFill/>
         </p:spPr>
         <p:txBody>
-          <a:bodyPr/>
+          <a:bodyPr wrap="square" rtlCol="0">
+            <a:spAutoFit/>
+          </a:bodyPr>
           <a:lstStyle/>
           <a:p>
             <a:r>
-              <a:rPr lang="de-DE" dirty="0"/>
-              <a:t>Autos können eingesehen werden</a:t>
-            </a:r>
-          </a:p>
-          <a:p>
-            <a:pPr lvl="1"/>
-            <a:r>
-              <a:rPr lang="de-DE" dirty="0"/>
-              <a:t>Filter nach:</a:t>
-            </a:r>
-          </a:p>
-          <a:p>
-            <a:pPr lvl="2"/>
-            <a:r>
-              <a:rPr lang="de-DE" dirty="0"/>
-              <a:t>Entfernung</a:t>
-            </a:r>
-          </a:p>
-          <a:p>
-            <a:pPr lvl="2"/>
-            <a:r>
-              <a:rPr lang="de-DE" dirty="0"/>
-              <a:t>Preis (pro Stunde)</a:t>
-            </a:r>
-          </a:p>
-          <a:p>
-            <a:pPr lvl="2"/>
-            <a:r>
-              <a:rPr lang="de-DE" dirty="0"/>
-              <a:t>Ausleihdauer (min. / max.)</a:t>
+              <a:rPr lang="en-GB" dirty="0"/>
+              <a:t>Postgres</a:t>
             </a:r>
           </a:p>
         </p:txBody>
       </p:sp>
       <p:pic>
         <p:nvPicPr>
-          <p:cNvPr id="5" name="Grafik 4" descr="Ein Bild, das Screenshot, Monitor, Bildschirm, Fernsehen enthält.&#10;&#10;Automatisch generierte Beschreibung">
+          <p:cNvPr id="28" name="Grafik 27" descr="Bild">
             <a:extLst>
               <a:ext uri="{FF2B5EF4-FFF2-40B4-BE49-F238E27FC236}">
-                <a16:creationId xmlns:a16="http://schemas.microsoft.com/office/drawing/2014/main" id="{18199687-9B0C-48B8-BB2D-53AFCD3A5C65}"/>
+                <a16:creationId xmlns:a16="http://schemas.microsoft.com/office/drawing/2014/main" id="{4E91C008-10CD-4882-A850-E32EED31C803}"/>
+              </a:ext>
+            </a:extLst>
+          </p:cNvPr>
+          <p:cNvPicPr/>
+          <p:nvPr/>
+        </p:nvPicPr>
+        <p:blipFill>
+          <a:blip r:embed="rId8">
+            <a:extLst>
+              <a:ext uri="{28A0092B-C50C-407E-A947-70E740481C1C}">
+                <a14:useLocalDpi xmlns:a14="http://schemas.microsoft.com/office/drawing/2010/main" val="0"/>
+              </a:ext>
+              <a:ext uri="{96DAC541-7B7A-43D3-8B79-37D633B846F1}">
+                <asvg:svgBlip xmlns:asvg="http://schemas.microsoft.com/office/drawing/2016/SVG/main" r:embed="rId9"/>
+              </a:ext>
+            </a:extLst>
+          </a:blip>
+          <a:stretch>
+            <a:fillRect/>
+          </a:stretch>
+        </p:blipFill>
+        <p:spPr>
+          <a:xfrm>
+            <a:off x="599018" y="1555476"/>
+            <a:ext cx="914400" cy="914400"/>
+          </a:xfrm>
+          <a:prstGeom prst="rect">
+            <a:avLst/>
+          </a:prstGeom>
+        </p:spPr>
+      </p:pic>
+      <p:pic>
+        <p:nvPicPr>
+          <p:cNvPr id="29" name="Grafik 28" descr="Bild">
+            <a:extLst>
+              <a:ext uri="{FF2B5EF4-FFF2-40B4-BE49-F238E27FC236}">
+                <a16:creationId xmlns:a16="http://schemas.microsoft.com/office/drawing/2014/main" id="{19352FAF-51AF-4CAA-BB07-700695963FCC}"/>
+              </a:ext>
+            </a:extLst>
+          </p:cNvPr>
+          <p:cNvPicPr/>
+          <p:nvPr/>
+        </p:nvPicPr>
+        <p:blipFill>
+          <a:blip r:embed="rId8">
+            <a:extLst>
+              <a:ext uri="{28A0092B-C50C-407E-A947-70E740481C1C}">
+                <a14:useLocalDpi xmlns:a14="http://schemas.microsoft.com/office/drawing/2010/main" val="0"/>
+              </a:ext>
+              <a:ext uri="{96DAC541-7B7A-43D3-8B79-37D633B846F1}">
+                <asvg:svgBlip xmlns:asvg="http://schemas.microsoft.com/office/drawing/2016/SVG/main" r:embed="rId9"/>
+              </a:ext>
+            </a:extLst>
+          </a:blip>
+          <a:stretch>
+            <a:fillRect/>
+          </a:stretch>
+        </p:blipFill>
+        <p:spPr>
+          <a:xfrm>
+            <a:off x="3938379" y="1971196"/>
+            <a:ext cx="459318" cy="369332"/>
+          </a:xfrm>
+          <a:prstGeom prst="rect">
+            <a:avLst/>
+          </a:prstGeom>
+        </p:spPr>
+      </p:pic>
+      <p:pic>
+        <p:nvPicPr>
+          <p:cNvPr id="30" name="Grafik 29" descr="Bild">
+            <a:extLst>
+              <a:ext uri="{FF2B5EF4-FFF2-40B4-BE49-F238E27FC236}">
+                <a16:creationId xmlns:a16="http://schemas.microsoft.com/office/drawing/2014/main" id="{1DBF18F5-65AE-4E2A-BE53-280EE8885038}"/>
+              </a:ext>
+            </a:extLst>
+          </p:cNvPr>
+          <p:cNvPicPr/>
+          <p:nvPr/>
+        </p:nvPicPr>
+        <p:blipFill>
+          <a:blip r:embed="rId8">
+            <a:extLst>
+              <a:ext uri="{28A0092B-C50C-407E-A947-70E740481C1C}">
+                <a14:useLocalDpi xmlns:a14="http://schemas.microsoft.com/office/drawing/2010/main" val="0"/>
+              </a:ext>
+              <a:ext uri="{96DAC541-7B7A-43D3-8B79-37D633B846F1}">
+                <asvg:svgBlip xmlns:asvg="http://schemas.microsoft.com/office/drawing/2016/SVG/main" r:embed="rId9"/>
+              </a:ext>
+            </a:extLst>
+          </a:blip>
+          <a:stretch>
+            <a:fillRect/>
+          </a:stretch>
+        </p:blipFill>
+        <p:spPr>
+          <a:xfrm>
+            <a:off x="4682758" y="3257149"/>
+            <a:ext cx="827989" cy="756257"/>
+          </a:xfrm>
+          <a:prstGeom prst="rect">
+            <a:avLst/>
+          </a:prstGeom>
+        </p:spPr>
+      </p:pic>
+      <p:pic>
+        <p:nvPicPr>
+          <p:cNvPr id="31" name="Grafik 30" descr="Zahnräder">
+            <a:extLst>
+              <a:ext uri="{FF2B5EF4-FFF2-40B4-BE49-F238E27FC236}">
+                <a16:creationId xmlns:a16="http://schemas.microsoft.com/office/drawing/2014/main" id="{A6EF0727-28AD-4CAD-AD02-069094F115CB}"/>
               </a:ext>
             </a:extLst>
           </p:cNvPr>
@@ -11097,25 +11655,174 @@
           <p:nvPr/>
         </p:nvPicPr>
         <p:blipFill>
-          <a:blip r:embed="rId2"/>
+          <a:blip r:embed="rId10">
+            <a:extLst>
+              <a:ext uri="{28A0092B-C50C-407E-A947-70E740481C1C}">
+                <a14:useLocalDpi xmlns:a14="http://schemas.microsoft.com/office/drawing/2010/main" val="0"/>
+              </a:ext>
+              <a:ext uri="{96DAC541-7B7A-43D3-8B79-37D633B846F1}">
+                <asvg:svgBlip xmlns:asvg="http://schemas.microsoft.com/office/drawing/2016/SVG/main" r:embed="rId11"/>
+              </a:ext>
+            </a:extLst>
+          </a:blip>
           <a:stretch>
             <a:fillRect/>
           </a:stretch>
         </p:blipFill>
         <p:spPr>
           <a:xfrm>
-            <a:off x="628650" y="990599"/>
-            <a:ext cx="1715690" cy="3525012"/>
+            <a:off x="4716624" y="3837683"/>
+            <a:ext cx="760256" cy="760256"/>
           </a:xfrm>
           <a:prstGeom prst="rect">
             <a:avLst/>
           </a:prstGeom>
         </p:spPr>
       </p:pic>
+      <p:sp>
+        <p:nvSpPr>
+          <p:cNvPr id="32" name="Textfeld 31">
+            <a:extLst>
+              <a:ext uri="{FF2B5EF4-FFF2-40B4-BE49-F238E27FC236}">
+                <a16:creationId xmlns:a16="http://schemas.microsoft.com/office/drawing/2014/main" id="{008D14E2-D819-4989-B934-AE8D834DE86A}"/>
+              </a:ext>
+            </a:extLst>
+          </p:cNvPr>
+          <p:cNvSpPr txBox="1"/>
+          <p:nvPr/>
+        </p:nvSpPr>
+        <p:spPr>
+          <a:xfrm>
+            <a:off x="4682758" y="4581832"/>
+            <a:ext cx="1474812" cy="369332"/>
+          </a:xfrm>
+          <a:prstGeom prst="rect">
+            <a:avLst/>
+          </a:prstGeom>
+          <a:noFill/>
+        </p:spPr>
+        <p:txBody>
+          <a:bodyPr wrap="square" rtlCol="0">
+            <a:spAutoFit/>
+          </a:bodyPr>
+          <a:lstStyle/>
+          <a:p>
+            <a:r>
+              <a:rPr lang="en-GB" dirty="0"/>
+              <a:t>Base64 ….</a:t>
+            </a:r>
+          </a:p>
+        </p:txBody>
+      </p:sp>
+      <p:sp>
+        <p:nvSpPr>
+          <p:cNvPr id="33" name="Textfeld 32">
+            <a:extLst>
+              <a:ext uri="{FF2B5EF4-FFF2-40B4-BE49-F238E27FC236}">
+                <a16:creationId xmlns:a16="http://schemas.microsoft.com/office/drawing/2014/main" id="{4FC63F4B-EF8E-4BC7-B6EC-C5DAE0B0E5BF}"/>
+              </a:ext>
+            </a:extLst>
+          </p:cNvPr>
+          <p:cNvSpPr txBox="1"/>
+          <p:nvPr/>
+        </p:nvSpPr>
+        <p:spPr>
+          <a:xfrm>
+            <a:off x="6245659" y="1971197"/>
+            <a:ext cx="1474812" cy="369332"/>
+          </a:xfrm>
+          <a:prstGeom prst="rect">
+            <a:avLst/>
+          </a:prstGeom>
+          <a:noFill/>
+        </p:spPr>
+        <p:txBody>
+          <a:bodyPr wrap="square" rtlCol="0">
+            <a:spAutoFit/>
+          </a:bodyPr>
+          <a:lstStyle/>
+          <a:p>
+            <a:r>
+              <a:rPr lang="en-GB" dirty="0"/>
+              <a:t>Base64 ….</a:t>
+            </a:r>
+          </a:p>
+        </p:txBody>
+      </p:sp>
+      <p:sp>
+        <p:nvSpPr>
+          <p:cNvPr id="34" name="Textfeld 33">
+            <a:extLst>
+              <a:ext uri="{FF2B5EF4-FFF2-40B4-BE49-F238E27FC236}">
+                <a16:creationId xmlns:a16="http://schemas.microsoft.com/office/drawing/2014/main" id="{71DAFE89-61FC-42C2-AA75-7D2539C38E85}"/>
+              </a:ext>
+            </a:extLst>
+          </p:cNvPr>
+          <p:cNvSpPr txBox="1"/>
+          <p:nvPr/>
+        </p:nvSpPr>
+        <p:spPr>
+          <a:xfrm>
+            <a:off x="6245659" y="2397573"/>
+            <a:ext cx="1474812" cy="369332"/>
+          </a:xfrm>
+          <a:prstGeom prst="rect">
+            <a:avLst/>
+          </a:prstGeom>
+          <a:noFill/>
+        </p:spPr>
+        <p:txBody>
+          <a:bodyPr wrap="square" rtlCol="0">
+            <a:spAutoFit/>
+          </a:bodyPr>
+          <a:lstStyle/>
+          <a:p>
+            <a:r>
+              <a:rPr lang="en-GB" dirty="0"/>
+              <a:t>Image ID=1</a:t>
+            </a:r>
+          </a:p>
+        </p:txBody>
+      </p:sp>
+      <p:sp>
+        <p:nvSpPr>
+          <p:cNvPr id="35" name="Textfeld 34">
+            <a:extLst>
+              <a:ext uri="{FF2B5EF4-FFF2-40B4-BE49-F238E27FC236}">
+                <a16:creationId xmlns:a16="http://schemas.microsoft.com/office/drawing/2014/main" id="{87202AF2-E22A-4271-8826-822AEA35316A}"/>
+              </a:ext>
+            </a:extLst>
+          </p:cNvPr>
+          <p:cNvSpPr txBox="1"/>
+          <p:nvPr/>
+        </p:nvSpPr>
+        <p:spPr>
+          <a:xfrm>
+            <a:off x="2050002" y="2408319"/>
+            <a:ext cx="1474812" cy="369332"/>
+          </a:xfrm>
+          <a:prstGeom prst="rect">
+            <a:avLst/>
+          </a:prstGeom>
+          <a:noFill/>
+        </p:spPr>
+        <p:txBody>
+          <a:bodyPr wrap="square" rtlCol="0">
+            <a:spAutoFit/>
+          </a:bodyPr>
+          <a:lstStyle/>
+          <a:p>
+            <a:r>
+              <a:rPr lang="en-GB" dirty="0"/>
+              <a:t>Image ID=1</a:t>
+            </a:r>
+          </a:p>
+        </p:txBody>
+      </p:sp>
     </p:spTree>
     <p:extLst>
       <p:ext uri="{BB962C8B-B14F-4D97-AF65-F5344CB8AC3E}">
-        <p14:creationId xmlns:p14="http://schemas.microsoft.com/office/powerpoint/2010/main" val="1658972141"/>
+        <p14:creationId xmlns:p14="http://schemas.microsoft.com/office/powerpoint/2010/main" val="568661253"/>
       </p:ext>
     </p:extLst>
   </p:cSld>
@@ -11147,7 +11854,7 @@
           <p:cNvPr id="2" name="Titel 1">
             <a:extLst>
               <a:ext uri="{FF2B5EF4-FFF2-40B4-BE49-F238E27FC236}">
-                <a16:creationId xmlns:a16="http://schemas.microsoft.com/office/drawing/2014/main" id="{F8DA93B9-D6EB-47BC-B8CE-1EFC9A9BCB95}"/>
+                <a16:creationId xmlns:a16="http://schemas.microsoft.com/office/drawing/2014/main" id="{18F0AAA5-7DF5-4B6F-B106-1846E3FA0D3E}"/>
               </a:ext>
             </a:extLst>
           </p:cNvPr>
@@ -11164,100 +11871,440 @@
           <a:lstStyle/>
           <a:p>
             <a:r>
-              <a:rPr lang="de-DE" dirty="0" err="1"/>
-              <a:t>Carchain</a:t>
+              <a:rPr lang="de" dirty="0"/>
+              <a:t>Carchain: Image-Server-</a:t>
             </a:r>
             <a:r>
               <a:rPr lang="de-DE" dirty="0"/>
-              <a:t>: Autos einsehen</a:t>
+              <a:t>Funktionen</a:t>
+            </a:r>
+            <a:endParaRPr lang="en-GB" dirty="0"/>
+          </a:p>
+        </p:txBody>
+      </p:sp>
+      <p:pic>
+        <p:nvPicPr>
+          <p:cNvPr id="20" name="Grafik 19" descr="Datenbank">
+            <a:extLst>
+              <a:ext uri="{FF2B5EF4-FFF2-40B4-BE49-F238E27FC236}">
+                <a16:creationId xmlns:a16="http://schemas.microsoft.com/office/drawing/2014/main" id="{5FB227EC-C8E1-45EF-A68A-4C708D8FF8CA}"/>
+              </a:ext>
+            </a:extLst>
+          </p:cNvPr>
+          <p:cNvPicPr/>
+          <p:nvPr/>
+        </p:nvPicPr>
+        <p:blipFill>
+          <a:blip r:embed="rId2">
+            <a:extLst>
+              <a:ext uri="{28A0092B-C50C-407E-A947-70E740481C1C}">
+                <a14:useLocalDpi xmlns:a14="http://schemas.microsoft.com/office/drawing/2010/main" val="0"/>
+              </a:ext>
+              <a:ext uri="{96DAC541-7B7A-43D3-8B79-37D633B846F1}">
+                <asvg:svgBlip xmlns:asvg="http://schemas.microsoft.com/office/drawing/2016/SVG/main" r:embed="rId3"/>
+              </a:ext>
+            </a:extLst>
+          </a:blip>
+          <a:stretch>
+            <a:fillRect/>
+          </a:stretch>
+        </p:blipFill>
+        <p:spPr>
+          <a:xfrm>
+            <a:off x="7546859" y="1536373"/>
+            <a:ext cx="1433331" cy="1569852"/>
+          </a:xfrm>
+          <a:prstGeom prst="rect">
+            <a:avLst/>
+          </a:prstGeom>
+        </p:spPr>
+      </p:pic>
+      <p:pic>
+        <p:nvPicPr>
+          <p:cNvPr id="21" name="Grafik 20" descr="Smartphone">
+            <a:extLst>
+              <a:ext uri="{FF2B5EF4-FFF2-40B4-BE49-F238E27FC236}">
+                <a16:creationId xmlns:a16="http://schemas.microsoft.com/office/drawing/2014/main" id="{11DB4639-1743-4747-8EC1-C315AAA2ABDB}"/>
+              </a:ext>
+            </a:extLst>
+          </p:cNvPr>
+          <p:cNvPicPr/>
+          <p:nvPr/>
+        </p:nvPicPr>
+        <p:blipFill>
+          <a:blip r:embed="rId4">
+            <a:extLst>
+              <a:ext uri="{28A0092B-C50C-407E-A947-70E740481C1C}">
+                <a14:useLocalDpi xmlns:a14="http://schemas.microsoft.com/office/drawing/2010/main" val="0"/>
+              </a:ext>
+              <a:ext uri="{96DAC541-7B7A-43D3-8B79-37D633B846F1}">
+                <asvg:svgBlip xmlns:asvg="http://schemas.microsoft.com/office/drawing/2016/SVG/main" r:embed="rId5"/>
+              </a:ext>
+            </a:extLst>
+          </a:blip>
+          <a:stretch>
+            <a:fillRect/>
+          </a:stretch>
+        </p:blipFill>
+        <p:spPr>
+          <a:xfrm>
+            <a:off x="-165882" y="1721578"/>
+            <a:ext cx="1113421" cy="1199444"/>
+          </a:xfrm>
+          <a:prstGeom prst="rect">
+            <a:avLst/>
+          </a:prstGeom>
+        </p:spPr>
+      </p:pic>
+      <p:pic>
+        <p:nvPicPr>
+          <p:cNvPr id="22" name="Grafik 21" descr="Server">
+            <a:extLst>
+              <a:ext uri="{FF2B5EF4-FFF2-40B4-BE49-F238E27FC236}">
+                <a16:creationId xmlns:a16="http://schemas.microsoft.com/office/drawing/2014/main" id="{A098125D-2A55-49FB-90F4-563E39AED728}"/>
+              </a:ext>
+            </a:extLst>
+          </p:cNvPr>
+          <p:cNvPicPr/>
+          <p:nvPr/>
+        </p:nvPicPr>
+        <p:blipFill>
+          <a:blip r:embed="rId6">
+            <a:extLst>
+              <a:ext uri="{28A0092B-C50C-407E-A947-70E740481C1C}">
+                <a14:useLocalDpi xmlns:a14="http://schemas.microsoft.com/office/drawing/2010/main" val="0"/>
+              </a:ext>
+              <a:ext uri="{96DAC541-7B7A-43D3-8B79-37D633B846F1}">
+                <asvg:svgBlip xmlns:asvg="http://schemas.microsoft.com/office/drawing/2016/SVG/main" r:embed="rId7"/>
+              </a:ext>
+            </a:extLst>
+          </a:blip>
+          <a:stretch>
+            <a:fillRect/>
+          </a:stretch>
+        </p:blipFill>
+        <p:spPr>
+          <a:xfrm>
+            <a:off x="4248514" y="1160679"/>
+            <a:ext cx="1696478" cy="2321241"/>
+          </a:xfrm>
+          <a:prstGeom prst="rect">
+            <a:avLst/>
+          </a:prstGeom>
+        </p:spPr>
+      </p:pic>
+      <p:cxnSp>
+        <p:nvCxnSpPr>
+          <p:cNvPr id="23" name="Gerade Verbindung mit Pfeil 22">
+            <a:extLst>
+              <a:ext uri="{FF2B5EF4-FFF2-40B4-BE49-F238E27FC236}">
+                <a16:creationId xmlns:a16="http://schemas.microsoft.com/office/drawing/2014/main" id="{73D8F7CF-6FE0-4FA7-8238-BCCB06FA3B38}"/>
+              </a:ext>
+            </a:extLst>
+          </p:cNvPr>
+          <p:cNvCxnSpPr>
+            <a:cxnSpLocks/>
+            <a:stCxn id="21" idx="3"/>
+            <a:endCxn id="22" idx="1"/>
+          </p:cNvCxnSpPr>
+          <p:nvPr/>
+        </p:nvCxnSpPr>
+        <p:spPr>
+          <a:xfrm>
+            <a:off x="782490" y="2321300"/>
+            <a:ext cx="3631073" cy="0"/>
+          </a:xfrm>
+          <a:prstGeom prst="straightConnector1">
+            <a:avLst/>
+          </a:prstGeom>
+          <a:ln>
+            <a:tailEnd type="triangle"/>
+          </a:ln>
+        </p:spPr>
+        <p:style>
+          <a:lnRef idx="1">
+            <a:schemeClr val="accent1"/>
+          </a:lnRef>
+          <a:fillRef idx="0">
+            <a:schemeClr val="accent1"/>
+          </a:fillRef>
+          <a:effectRef idx="0">
+            <a:schemeClr val="accent1"/>
+          </a:effectRef>
+          <a:fontRef idx="minor">
+            <a:schemeClr val="tx1"/>
+          </a:fontRef>
+        </p:style>
+      </p:cxnSp>
+      <p:sp>
+        <p:nvSpPr>
+          <p:cNvPr id="24" name="Textfeld 23">
+            <a:extLst>
+              <a:ext uri="{FF2B5EF4-FFF2-40B4-BE49-F238E27FC236}">
+                <a16:creationId xmlns:a16="http://schemas.microsoft.com/office/drawing/2014/main" id="{8563D9C5-3182-43E7-8D08-CE8A2F6C598E}"/>
+              </a:ext>
+            </a:extLst>
+          </p:cNvPr>
+          <p:cNvSpPr txBox="1"/>
+          <p:nvPr/>
+        </p:nvSpPr>
+        <p:spPr>
+          <a:xfrm>
+            <a:off x="1422077" y="2004749"/>
+            <a:ext cx="4205473" cy="307777"/>
+          </a:xfrm>
+          <a:prstGeom prst="rect">
+            <a:avLst/>
+          </a:prstGeom>
+          <a:noFill/>
+        </p:spPr>
+        <p:txBody>
+          <a:bodyPr wrap="square" rtlCol="0">
+            <a:spAutoFit/>
+          </a:bodyPr>
+          <a:lstStyle/>
+          <a:p>
+            <a:r>
+              <a:rPr lang="en-US" b="1" dirty="0"/>
+              <a:t>get /</a:t>
+            </a:r>
+            <a:r>
+              <a:rPr lang="en-US" b="1" dirty="0" err="1"/>
+              <a:t>getImage</a:t>
+            </a:r>
+            <a:r>
+              <a:rPr lang="en-US" b="1" dirty="0"/>
+              <a:t>/1(=</a:t>
+            </a:r>
+            <a:r>
+              <a:rPr lang="en-US" b="1" dirty="0" err="1"/>
+              <a:t>ImageId</a:t>
+            </a:r>
+            <a:r>
+              <a:rPr lang="en-US" b="1" dirty="0"/>
+              <a:t>)</a:t>
+            </a:r>
+            <a:endParaRPr lang="de-DE" dirty="0"/>
+          </a:p>
+        </p:txBody>
+      </p:sp>
+      <p:cxnSp>
+        <p:nvCxnSpPr>
+          <p:cNvPr id="25" name="Gerade Verbindung mit Pfeil 24">
+            <a:extLst>
+              <a:ext uri="{FF2B5EF4-FFF2-40B4-BE49-F238E27FC236}">
+                <a16:creationId xmlns:a16="http://schemas.microsoft.com/office/drawing/2014/main" id="{F5B80EBE-14C8-4A47-9F30-DBA0F05FB23E}"/>
+              </a:ext>
+            </a:extLst>
+          </p:cNvPr>
+          <p:cNvCxnSpPr>
+            <a:cxnSpLocks/>
+            <a:stCxn id="22" idx="3"/>
+            <a:endCxn id="20" idx="1"/>
+          </p:cNvCxnSpPr>
+          <p:nvPr/>
+        </p:nvCxnSpPr>
+        <p:spPr>
+          <a:xfrm flipV="1">
+            <a:off x="5944992" y="2321299"/>
+            <a:ext cx="1601867" cy="1"/>
+          </a:xfrm>
+          <a:prstGeom prst="straightConnector1">
+            <a:avLst/>
+          </a:prstGeom>
+          <a:ln>
+            <a:headEnd type="triangle"/>
+            <a:tailEnd type="triangle"/>
+          </a:ln>
+        </p:spPr>
+        <p:style>
+          <a:lnRef idx="1">
+            <a:schemeClr val="accent1"/>
+          </a:lnRef>
+          <a:fillRef idx="0">
+            <a:schemeClr val="accent1"/>
+          </a:fillRef>
+          <a:effectRef idx="0">
+            <a:schemeClr val="accent1"/>
+          </a:effectRef>
+          <a:fontRef idx="minor">
+            <a:schemeClr val="tx1"/>
+          </a:fontRef>
+        </p:style>
+      </p:cxnSp>
+      <p:sp>
+        <p:nvSpPr>
+          <p:cNvPr id="26" name="Textfeld 25">
+            <a:extLst>
+              <a:ext uri="{FF2B5EF4-FFF2-40B4-BE49-F238E27FC236}">
+                <a16:creationId xmlns:a16="http://schemas.microsoft.com/office/drawing/2014/main" id="{3C82D225-BA5C-4FDC-A5DC-39BAFE3A4D2C}"/>
+              </a:ext>
+            </a:extLst>
+          </p:cNvPr>
+          <p:cNvSpPr txBox="1"/>
+          <p:nvPr/>
+        </p:nvSpPr>
+        <p:spPr>
+          <a:xfrm>
+            <a:off x="4705898" y="3112588"/>
+            <a:ext cx="1091365" cy="369332"/>
+          </a:xfrm>
+          <a:prstGeom prst="rect">
+            <a:avLst/>
+          </a:prstGeom>
+          <a:noFill/>
+        </p:spPr>
+        <p:txBody>
+          <a:bodyPr wrap="square" rtlCol="0">
+            <a:spAutoFit/>
+          </a:bodyPr>
+          <a:lstStyle/>
+          <a:p>
+            <a:r>
+              <a:rPr lang="en-GB" dirty="0"/>
+              <a:t>Server</a:t>
             </a:r>
           </a:p>
         </p:txBody>
       </p:sp>
       <p:sp>
         <p:nvSpPr>
-          <p:cNvPr id="3" name="Inhaltsplatzhalter 2">
+          <p:cNvPr id="27" name="Textfeld 26">
             <a:extLst>
               <a:ext uri="{FF2B5EF4-FFF2-40B4-BE49-F238E27FC236}">
-                <a16:creationId xmlns:a16="http://schemas.microsoft.com/office/drawing/2014/main" id="{E33E7B78-699D-496B-80A3-2B5629BC88EF}"/>
+                <a16:creationId xmlns:a16="http://schemas.microsoft.com/office/drawing/2014/main" id="{CD75B87E-0791-4BB2-B50C-8A06909BFFAF}"/>
               </a:ext>
             </a:extLst>
           </p:cNvPr>
-          <p:cNvSpPr>
-            <a:spLocks noGrp="1"/>
-          </p:cNvSpPr>
-          <p:nvPr>
-            <p:ph idx="1"/>
-          </p:nvPr>
+          <p:cNvSpPr txBox="1"/>
+          <p:nvPr/>
         </p:nvSpPr>
         <p:spPr>
           <a:xfrm>
-            <a:off x="4434840" y="990599"/>
-            <a:ext cx="4080509" cy="3641725"/>
-          </a:xfrm>
+            <a:off x="7888825" y="3006962"/>
+            <a:ext cx="1091365" cy="369332"/>
+          </a:xfrm>
+          <a:prstGeom prst="rect">
+            <a:avLst/>
+          </a:prstGeom>
+          <a:noFill/>
         </p:spPr>
         <p:txBody>
-          <a:bodyPr/>
+          <a:bodyPr wrap="square" rtlCol="0">
+            <a:spAutoFit/>
+          </a:bodyPr>
           <a:lstStyle/>
           <a:p>
             <a:r>
-              <a:rPr lang="de-DE" dirty="0"/>
-              <a:t>Detail-Ansicht zeigt interessante Daten zum Fahrzeug:</a:t>
-            </a:r>
-          </a:p>
-          <a:p>
-            <a:pPr lvl="1"/>
-            <a:r>
-              <a:rPr lang="de-DE" dirty="0"/>
-              <a:t>Modelldaten</a:t>
-            </a:r>
-          </a:p>
-          <a:p>
-            <a:pPr lvl="1"/>
-            <a:r>
-              <a:rPr lang="de-DE" dirty="0"/>
-              <a:t>Nummernschild</a:t>
-            </a:r>
-          </a:p>
-          <a:p>
-            <a:pPr lvl="1"/>
-            <a:r>
-              <a:rPr lang="de-DE" dirty="0"/>
-              <a:t>Heimatadresse</a:t>
-            </a:r>
-          </a:p>
-          <a:p>
-            <a:pPr lvl="1"/>
-            <a:r>
-              <a:rPr lang="de-DE" dirty="0"/>
-              <a:t>Preise (nach Mietlänge)</a:t>
+              <a:rPr lang="en-GB" dirty="0"/>
+              <a:t>Postgres</a:t>
             </a:r>
           </a:p>
         </p:txBody>
       </p:sp>
       <p:pic>
         <p:nvPicPr>
-          <p:cNvPr id="5" name="Grafik 4">
+          <p:cNvPr id="28" name="Grafik 27" descr="Bild">
             <a:extLst>
               <a:ext uri="{FF2B5EF4-FFF2-40B4-BE49-F238E27FC236}">
-                <a16:creationId xmlns:a16="http://schemas.microsoft.com/office/drawing/2014/main" id="{18199687-9B0C-48B8-BB2D-53AFCD3A5C65}"/>
+                <a16:creationId xmlns:a16="http://schemas.microsoft.com/office/drawing/2014/main" id="{4E91C008-10CD-4882-A850-E32EED31C803}"/>
               </a:ext>
             </a:extLst>
           </p:cNvPr>
-          <p:cNvPicPr>
-            <a:picLocks noChangeAspect="1"/>
-          </p:cNvPicPr>
+          <p:cNvPicPr/>
           <p:nvPr/>
         </p:nvPicPr>
         <p:blipFill>
-          <a:blip r:embed="rId2"/>
-          <a:srcRect/>
-          <a:stretch/>
+          <a:blip r:embed="rId8">
+            <a:extLst>
+              <a:ext uri="{28A0092B-C50C-407E-A947-70E740481C1C}">
+                <a14:useLocalDpi xmlns:a14="http://schemas.microsoft.com/office/drawing/2010/main" val="0"/>
+              </a:ext>
+              <a:ext uri="{96DAC541-7B7A-43D3-8B79-37D633B846F1}">
+                <asvg:svgBlip xmlns:asvg="http://schemas.microsoft.com/office/drawing/2016/SVG/main" r:embed="rId9"/>
+              </a:ext>
+            </a:extLst>
+          </a:blip>
+          <a:stretch>
+            <a:fillRect/>
+          </a:stretch>
         </p:blipFill>
         <p:spPr>
           <a:xfrm>
-            <a:off x="628650" y="990599"/>
-            <a:ext cx="1715689" cy="3525012"/>
+            <a:off x="2140826" y="2206241"/>
+            <a:ext cx="914400" cy="914400"/>
+          </a:xfrm>
+          <a:prstGeom prst="rect">
+            <a:avLst/>
+          </a:prstGeom>
+        </p:spPr>
+      </p:pic>
+      <p:sp>
+        <p:nvSpPr>
+          <p:cNvPr id="34" name="Textfeld 33">
+            <a:extLst>
+              <a:ext uri="{FF2B5EF4-FFF2-40B4-BE49-F238E27FC236}">
+                <a16:creationId xmlns:a16="http://schemas.microsoft.com/office/drawing/2014/main" id="{71DAFE89-61FC-42C2-AA75-7D2539C38E85}"/>
+              </a:ext>
+            </a:extLst>
+          </p:cNvPr>
+          <p:cNvSpPr txBox="1"/>
+          <p:nvPr/>
+        </p:nvSpPr>
+        <p:spPr>
+          <a:xfrm>
+            <a:off x="6157570" y="1973971"/>
+            <a:ext cx="1474812" cy="369332"/>
+          </a:xfrm>
+          <a:prstGeom prst="rect">
+            <a:avLst/>
+          </a:prstGeom>
+          <a:noFill/>
+        </p:spPr>
+        <p:txBody>
+          <a:bodyPr wrap="square" rtlCol="0">
+            <a:spAutoFit/>
+          </a:bodyPr>
+          <a:lstStyle/>
+          <a:p>
+            <a:r>
+              <a:rPr lang="en-GB" dirty="0"/>
+              <a:t>Image ID=1</a:t>
+            </a:r>
+          </a:p>
+        </p:txBody>
+      </p:sp>
+      <p:pic>
+        <p:nvPicPr>
+          <p:cNvPr id="19" name="Grafik 18" descr="Bild">
+            <a:extLst>
+              <a:ext uri="{FF2B5EF4-FFF2-40B4-BE49-F238E27FC236}">
+                <a16:creationId xmlns:a16="http://schemas.microsoft.com/office/drawing/2014/main" id="{B0DFA01F-E086-4BEE-9324-D573E1BB4490}"/>
+              </a:ext>
+            </a:extLst>
+          </p:cNvPr>
+          <p:cNvPicPr/>
+          <p:nvPr/>
+        </p:nvPicPr>
+        <p:blipFill>
+          <a:blip r:embed="rId8">
+            <a:extLst>
+              <a:ext uri="{28A0092B-C50C-407E-A947-70E740481C1C}">
+                <a14:useLocalDpi xmlns:a14="http://schemas.microsoft.com/office/drawing/2010/main" val="0"/>
+              </a:ext>
+              <a:ext uri="{96DAC541-7B7A-43D3-8B79-37D633B846F1}">
+                <asvg:svgBlip xmlns:asvg="http://schemas.microsoft.com/office/drawing/2016/SVG/main" r:embed="rId9"/>
+              </a:ext>
+            </a:extLst>
+          </a:blip>
+          <a:stretch>
+            <a:fillRect/>
+          </a:stretch>
+        </p:blipFill>
+        <p:spPr>
+          <a:xfrm>
+            <a:off x="6239222" y="2198188"/>
+            <a:ext cx="914400" cy="914400"/>
           </a:xfrm>
           <a:prstGeom prst="rect">
             <a:avLst/>
@@ -11266,27 +12313,35 @@
       </p:pic>
       <p:pic>
         <p:nvPicPr>
-          <p:cNvPr id="6" name="Grafik 5">
+          <p:cNvPr id="36" name="Grafik 35" descr="Bild">
             <a:extLst>
               <a:ext uri="{FF2B5EF4-FFF2-40B4-BE49-F238E27FC236}">
-                <a16:creationId xmlns:a16="http://schemas.microsoft.com/office/drawing/2014/main" id="{7B6C9B6C-38D1-4652-8100-52785F938D72}"/>
+                <a16:creationId xmlns:a16="http://schemas.microsoft.com/office/drawing/2014/main" id="{1EE6F99C-D231-400F-84EF-A0FDB93334DF}"/>
               </a:ext>
             </a:extLst>
           </p:cNvPr>
-          <p:cNvPicPr>
-            <a:picLocks noChangeAspect="1"/>
-          </p:cNvPicPr>
+          <p:cNvPicPr/>
           <p:nvPr/>
         </p:nvPicPr>
         <p:blipFill>
-          <a:blip r:embed="rId3"/>
-          <a:srcRect/>
-          <a:stretch/>
+          <a:blip r:embed="rId8">
+            <a:extLst>
+              <a:ext uri="{28A0092B-C50C-407E-A947-70E740481C1C}">
+                <a14:useLocalDpi xmlns:a14="http://schemas.microsoft.com/office/drawing/2010/main" val="0"/>
+              </a:ext>
+              <a:ext uri="{96DAC541-7B7A-43D3-8B79-37D633B846F1}">
+                <asvg:svgBlip xmlns:asvg="http://schemas.microsoft.com/office/drawing/2016/SVG/main" r:embed="rId9"/>
+              </a:ext>
+            </a:extLst>
+          </a:blip>
+          <a:stretch>
+            <a:fillRect/>
+          </a:stretch>
         </p:blipFill>
         <p:spPr>
           <a:xfrm>
-            <a:off x="2432870" y="990599"/>
-            <a:ext cx="1715689" cy="3525011"/>
+            <a:off x="33138" y="2734428"/>
+            <a:ext cx="914400" cy="914400"/>
           </a:xfrm>
           <a:prstGeom prst="rect">
             <a:avLst/>
@@ -11296,7 +12351,7 @@
     </p:spTree>
     <p:extLst>
       <p:ext uri="{BB962C8B-B14F-4D97-AF65-F5344CB8AC3E}">
-        <p14:creationId xmlns:p14="http://schemas.microsoft.com/office/powerpoint/2010/main" val="1130871309"/>
+        <p14:creationId xmlns:p14="http://schemas.microsoft.com/office/powerpoint/2010/main" val="455604647"/>
       </p:ext>
     </p:extLst>
   </p:cSld>
@@ -11703,7 +12758,7 @@
           <p:cNvPr id="2" name="Titel 1">
             <a:extLst>
               <a:ext uri="{FF2B5EF4-FFF2-40B4-BE49-F238E27FC236}">
-                <a16:creationId xmlns:a16="http://schemas.microsoft.com/office/drawing/2014/main" id="{F8DA93B9-D6EB-47BC-B8CE-1EFC9A9BCB95}"/>
+                <a16:creationId xmlns:a16="http://schemas.microsoft.com/office/drawing/2014/main" id="{18F0AAA5-7DF5-4B6F-B106-1846E3FA0D3E}"/>
               </a:ext>
             </a:extLst>
           </p:cNvPr>
@@ -11720,100 +12775,485 @@
           <a:lstStyle/>
           <a:p>
             <a:r>
-              <a:rPr lang="de-DE" dirty="0" err="1"/>
-              <a:t>Carchain</a:t>
+              <a:rPr lang="de" dirty="0"/>
+              <a:t>Carchain: Image-Server-</a:t>
             </a:r>
             <a:r>
               <a:rPr lang="de-DE" dirty="0"/>
-              <a:t>: Auto mieten</a:t>
+              <a:t>Funktionen</a:t>
+            </a:r>
+            <a:endParaRPr lang="en-GB" dirty="0"/>
+          </a:p>
+        </p:txBody>
+      </p:sp>
+      <p:pic>
+        <p:nvPicPr>
+          <p:cNvPr id="20" name="Grafik 19" descr="Datenbank">
+            <a:extLst>
+              <a:ext uri="{FF2B5EF4-FFF2-40B4-BE49-F238E27FC236}">
+                <a16:creationId xmlns:a16="http://schemas.microsoft.com/office/drawing/2014/main" id="{5FB227EC-C8E1-45EF-A68A-4C708D8FF8CA}"/>
+              </a:ext>
+            </a:extLst>
+          </p:cNvPr>
+          <p:cNvPicPr/>
+          <p:nvPr/>
+        </p:nvPicPr>
+        <p:blipFill>
+          <a:blip r:embed="rId2">
+            <a:extLst>
+              <a:ext uri="{28A0092B-C50C-407E-A947-70E740481C1C}">
+                <a14:useLocalDpi xmlns:a14="http://schemas.microsoft.com/office/drawing/2010/main" val="0"/>
+              </a:ext>
+              <a:ext uri="{96DAC541-7B7A-43D3-8B79-37D633B846F1}">
+                <asvg:svgBlip xmlns:asvg="http://schemas.microsoft.com/office/drawing/2016/SVG/main" r:embed="rId3"/>
+              </a:ext>
+            </a:extLst>
+          </a:blip>
+          <a:stretch>
+            <a:fillRect/>
+          </a:stretch>
+        </p:blipFill>
+        <p:spPr>
+          <a:xfrm>
+            <a:off x="7546859" y="1536373"/>
+            <a:ext cx="1433331" cy="1569852"/>
+          </a:xfrm>
+          <a:prstGeom prst="rect">
+            <a:avLst/>
+          </a:prstGeom>
+        </p:spPr>
+      </p:pic>
+      <p:pic>
+        <p:nvPicPr>
+          <p:cNvPr id="21" name="Grafik 20" descr="Smartphone">
+            <a:extLst>
+              <a:ext uri="{FF2B5EF4-FFF2-40B4-BE49-F238E27FC236}">
+                <a16:creationId xmlns:a16="http://schemas.microsoft.com/office/drawing/2014/main" id="{11DB4639-1743-4747-8EC1-C315AAA2ABDB}"/>
+              </a:ext>
+            </a:extLst>
+          </p:cNvPr>
+          <p:cNvPicPr/>
+          <p:nvPr/>
+        </p:nvPicPr>
+        <p:blipFill>
+          <a:blip r:embed="rId4">
+            <a:extLst>
+              <a:ext uri="{28A0092B-C50C-407E-A947-70E740481C1C}">
+                <a14:useLocalDpi xmlns:a14="http://schemas.microsoft.com/office/drawing/2010/main" val="0"/>
+              </a:ext>
+              <a:ext uri="{96DAC541-7B7A-43D3-8B79-37D633B846F1}">
+                <asvg:svgBlip xmlns:asvg="http://schemas.microsoft.com/office/drawing/2016/SVG/main" r:embed="rId5"/>
+              </a:ext>
+            </a:extLst>
+          </a:blip>
+          <a:stretch>
+            <a:fillRect/>
+          </a:stretch>
+        </p:blipFill>
+        <p:spPr>
+          <a:xfrm>
+            <a:off x="-165882" y="1721578"/>
+            <a:ext cx="1113421" cy="1199444"/>
+          </a:xfrm>
+          <a:prstGeom prst="rect">
+            <a:avLst/>
+          </a:prstGeom>
+        </p:spPr>
+      </p:pic>
+      <p:pic>
+        <p:nvPicPr>
+          <p:cNvPr id="22" name="Grafik 21" descr="Server">
+            <a:extLst>
+              <a:ext uri="{FF2B5EF4-FFF2-40B4-BE49-F238E27FC236}">
+                <a16:creationId xmlns:a16="http://schemas.microsoft.com/office/drawing/2014/main" id="{A098125D-2A55-49FB-90F4-563E39AED728}"/>
+              </a:ext>
+            </a:extLst>
+          </p:cNvPr>
+          <p:cNvPicPr/>
+          <p:nvPr/>
+        </p:nvPicPr>
+        <p:blipFill>
+          <a:blip r:embed="rId6">
+            <a:extLst>
+              <a:ext uri="{28A0092B-C50C-407E-A947-70E740481C1C}">
+                <a14:useLocalDpi xmlns:a14="http://schemas.microsoft.com/office/drawing/2010/main" val="0"/>
+              </a:ext>
+              <a:ext uri="{96DAC541-7B7A-43D3-8B79-37D633B846F1}">
+                <asvg:svgBlip xmlns:asvg="http://schemas.microsoft.com/office/drawing/2016/SVG/main" r:embed="rId7"/>
+              </a:ext>
+            </a:extLst>
+          </a:blip>
+          <a:stretch>
+            <a:fillRect/>
+          </a:stretch>
+        </p:blipFill>
+        <p:spPr>
+          <a:xfrm>
+            <a:off x="4248514" y="1160679"/>
+            <a:ext cx="1696478" cy="2321241"/>
+          </a:xfrm>
+          <a:prstGeom prst="rect">
+            <a:avLst/>
+          </a:prstGeom>
+        </p:spPr>
+      </p:pic>
+      <p:cxnSp>
+        <p:nvCxnSpPr>
+          <p:cNvPr id="23" name="Gerade Verbindung mit Pfeil 22">
+            <a:extLst>
+              <a:ext uri="{FF2B5EF4-FFF2-40B4-BE49-F238E27FC236}">
+                <a16:creationId xmlns:a16="http://schemas.microsoft.com/office/drawing/2014/main" id="{73D8F7CF-6FE0-4FA7-8238-BCCB06FA3B38}"/>
+              </a:ext>
+            </a:extLst>
+          </p:cNvPr>
+          <p:cNvCxnSpPr>
+            <a:cxnSpLocks/>
+            <a:stCxn id="21" idx="3"/>
+            <a:endCxn id="22" idx="1"/>
+          </p:cNvCxnSpPr>
+          <p:nvPr/>
+        </p:nvCxnSpPr>
+        <p:spPr>
+          <a:xfrm>
+            <a:off x="782490" y="2321300"/>
+            <a:ext cx="3631073" cy="0"/>
+          </a:xfrm>
+          <a:prstGeom prst="straightConnector1">
+            <a:avLst/>
+          </a:prstGeom>
+          <a:ln>
+            <a:tailEnd type="triangle"/>
+          </a:ln>
+        </p:spPr>
+        <p:style>
+          <a:lnRef idx="1">
+            <a:schemeClr val="accent1"/>
+          </a:lnRef>
+          <a:fillRef idx="0">
+            <a:schemeClr val="accent1"/>
+          </a:fillRef>
+          <a:effectRef idx="0">
+            <a:schemeClr val="accent1"/>
+          </a:effectRef>
+          <a:fontRef idx="minor">
+            <a:schemeClr val="tx1"/>
+          </a:fontRef>
+        </p:style>
+      </p:cxnSp>
+      <p:sp>
+        <p:nvSpPr>
+          <p:cNvPr id="24" name="Textfeld 23">
+            <a:extLst>
+              <a:ext uri="{FF2B5EF4-FFF2-40B4-BE49-F238E27FC236}">
+                <a16:creationId xmlns:a16="http://schemas.microsoft.com/office/drawing/2014/main" id="{8563D9C5-3182-43E7-8D08-CE8A2F6C598E}"/>
+              </a:ext>
+            </a:extLst>
+          </p:cNvPr>
+          <p:cNvSpPr txBox="1"/>
+          <p:nvPr/>
+        </p:nvSpPr>
+        <p:spPr>
+          <a:xfrm>
+            <a:off x="891280" y="2014760"/>
+            <a:ext cx="4205473" cy="307777"/>
+          </a:xfrm>
+          <a:prstGeom prst="rect">
+            <a:avLst/>
+          </a:prstGeom>
+          <a:noFill/>
+        </p:spPr>
+        <p:txBody>
+          <a:bodyPr wrap="square" rtlCol="0">
+            <a:spAutoFit/>
+          </a:bodyPr>
+          <a:lstStyle/>
+          <a:p>
+            <a:r>
+              <a:rPr lang="en-US" b="1" dirty="0"/>
+              <a:t>get /</a:t>
+            </a:r>
+            <a:r>
+              <a:rPr lang="en-US" b="1" dirty="0" err="1"/>
+              <a:t>getImages</a:t>
+            </a:r>
+            <a:r>
+              <a:rPr lang="en-US" b="1" dirty="0"/>
+              <a:t>/”TÜ-LF-308”(=</a:t>
+            </a:r>
+            <a:r>
+              <a:rPr lang="en-US" b="1" dirty="0" err="1"/>
+              <a:t>CarId</a:t>
+            </a:r>
+            <a:r>
+              <a:rPr lang="en-US" b="1" dirty="0"/>
+              <a:t>)</a:t>
+            </a:r>
+            <a:endParaRPr lang="de-DE" dirty="0"/>
+          </a:p>
+        </p:txBody>
+      </p:sp>
+      <p:cxnSp>
+        <p:nvCxnSpPr>
+          <p:cNvPr id="25" name="Gerade Verbindung mit Pfeil 24">
+            <a:extLst>
+              <a:ext uri="{FF2B5EF4-FFF2-40B4-BE49-F238E27FC236}">
+                <a16:creationId xmlns:a16="http://schemas.microsoft.com/office/drawing/2014/main" id="{F5B80EBE-14C8-4A47-9F30-DBA0F05FB23E}"/>
+              </a:ext>
+            </a:extLst>
+          </p:cNvPr>
+          <p:cNvCxnSpPr>
+            <a:cxnSpLocks/>
+            <a:stCxn id="22" idx="3"/>
+            <a:endCxn id="20" idx="1"/>
+          </p:cNvCxnSpPr>
+          <p:nvPr/>
+        </p:nvCxnSpPr>
+        <p:spPr>
+          <a:xfrm flipV="1">
+            <a:off x="5944992" y="2321299"/>
+            <a:ext cx="1601867" cy="1"/>
+          </a:xfrm>
+          <a:prstGeom prst="straightConnector1">
+            <a:avLst/>
+          </a:prstGeom>
+          <a:ln>
+            <a:headEnd type="triangle"/>
+            <a:tailEnd type="triangle"/>
+          </a:ln>
+        </p:spPr>
+        <p:style>
+          <a:lnRef idx="1">
+            <a:schemeClr val="accent1"/>
+          </a:lnRef>
+          <a:fillRef idx="0">
+            <a:schemeClr val="accent1"/>
+          </a:fillRef>
+          <a:effectRef idx="0">
+            <a:schemeClr val="accent1"/>
+          </a:effectRef>
+          <a:fontRef idx="minor">
+            <a:schemeClr val="tx1"/>
+          </a:fontRef>
+        </p:style>
+      </p:cxnSp>
+      <p:sp>
+        <p:nvSpPr>
+          <p:cNvPr id="26" name="Textfeld 25">
+            <a:extLst>
+              <a:ext uri="{FF2B5EF4-FFF2-40B4-BE49-F238E27FC236}">
+                <a16:creationId xmlns:a16="http://schemas.microsoft.com/office/drawing/2014/main" id="{3C82D225-BA5C-4FDC-A5DC-39BAFE3A4D2C}"/>
+              </a:ext>
+            </a:extLst>
+          </p:cNvPr>
+          <p:cNvSpPr txBox="1"/>
+          <p:nvPr/>
+        </p:nvSpPr>
+        <p:spPr>
+          <a:xfrm>
+            <a:off x="4705898" y="3112588"/>
+            <a:ext cx="1091365" cy="369332"/>
+          </a:xfrm>
+          <a:prstGeom prst="rect">
+            <a:avLst/>
+          </a:prstGeom>
+          <a:noFill/>
+        </p:spPr>
+        <p:txBody>
+          <a:bodyPr wrap="square" rtlCol="0">
+            <a:spAutoFit/>
+          </a:bodyPr>
+          <a:lstStyle/>
+          <a:p>
+            <a:r>
+              <a:rPr lang="en-GB" dirty="0"/>
+              <a:t>Server</a:t>
             </a:r>
           </a:p>
         </p:txBody>
       </p:sp>
       <p:sp>
         <p:nvSpPr>
-          <p:cNvPr id="3" name="Inhaltsplatzhalter 2">
+          <p:cNvPr id="27" name="Textfeld 26">
             <a:extLst>
               <a:ext uri="{FF2B5EF4-FFF2-40B4-BE49-F238E27FC236}">
-                <a16:creationId xmlns:a16="http://schemas.microsoft.com/office/drawing/2014/main" id="{E33E7B78-699D-496B-80A3-2B5629BC88EF}"/>
+                <a16:creationId xmlns:a16="http://schemas.microsoft.com/office/drawing/2014/main" id="{CD75B87E-0791-4BB2-B50C-8A06909BFFAF}"/>
               </a:ext>
             </a:extLst>
           </p:cNvPr>
-          <p:cNvSpPr>
-            <a:spLocks noGrp="1"/>
-          </p:cNvSpPr>
-          <p:nvPr>
-            <p:ph idx="1"/>
-          </p:nvPr>
+          <p:cNvSpPr txBox="1"/>
+          <p:nvPr/>
         </p:nvSpPr>
         <p:spPr>
           <a:xfrm>
-            <a:off x="2669458" y="990599"/>
-            <a:ext cx="5845892" cy="3641725"/>
-          </a:xfrm>
+            <a:off x="7888825" y="3006962"/>
+            <a:ext cx="1091365" cy="369332"/>
+          </a:xfrm>
+          <a:prstGeom prst="rect">
+            <a:avLst/>
+          </a:prstGeom>
+          <a:noFill/>
         </p:spPr>
         <p:txBody>
-          <a:bodyPr/>
+          <a:bodyPr wrap="square" rtlCol="0">
+            <a:spAutoFit/>
+          </a:bodyPr>
           <a:lstStyle/>
           <a:p>
             <a:r>
-              <a:rPr lang="de-DE" dirty="0"/>
-              <a:t>Mit der Miete wird Auto verfügbar:</a:t>
-            </a:r>
-          </a:p>
-          <a:p>
-            <a:pPr lvl="1"/>
-            <a:r>
-              <a:rPr lang="de-DE" dirty="0"/>
-              <a:t>Digitaler Autoschlüssel freigeschaltet</a:t>
-            </a:r>
-          </a:p>
-          <a:p>
-            <a:pPr lvl="1"/>
-            <a:r>
-              <a:rPr lang="de-DE" dirty="0"/>
-              <a:t>Entfernung</a:t>
-            </a:r>
-          </a:p>
-          <a:p>
-            <a:pPr lvl="1"/>
-            <a:r>
-              <a:rPr lang="de-DE" dirty="0"/>
-              <a:t>Restmietdauer</a:t>
-            </a:r>
-          </a:p>
-          <a:p>
-            <a:pPr lvl="1"/>
-            <a:r>
-              <a:rPr lang="de-DE" dirty="0"/>
-              <a:t>…</a:t>
+              <a:rPr lang="en-GB" dirty="0"/>
+              <a:t>Postgres</a:t>
+            </a:r>
+          </a:p>
+        </p:txBody>
+      </p:sp>
+      <p:sp>
+        <p:nvSpPr>
+          <p:cNvPr id="34" name="Textfeld 33">
+            <a:extLst>
+              <a:ext uri="{FF2B5EF4-FFF2-40B4-BE49-F238E27FC236}">
+                <a16:creationId xmlns:a16="http://schemas.microsoft.com/office/drawing/2014/main" id="{71DAFE89-61FC-42C2-AA75-7D2539C38E85}"/>
+              </a:ext>
+            </a:extLst>
+          </p:cNvPr>
+          <p:cNvSpPr txBox="1"/>
+          <p:nvPr/>
+        </p:nvSpPr>
+        <p:spPr>
+          <a:xfrm>
+            <a:off x="5919527" y="1978974"/>
+            <a:ext cx="1885763" cy="307777"/>
+          </a:xfrm>
+          <a:prstGeom prst="rect">
+            <a:avLst/>
+          </a:prstGeom>
+          <a:noFill/>
+        </p:spPr>
+        <p:txBody>
+          <a:bodyPr wrap="square" rtlCol="0">
+            <a:spAutoFit/>
+          </a:bodyPr>
+          <a:lstStyle/>
+          <a:p>
+            <a:r>
+              <a:rPr lang="en-GB" dirty="0"/>
+              <a:t>TÜ-LF-308(=</a:t>
+            </a:r>
+            <a:r>
+              <a:rPr lang="en-GB" dirty="0" err="1"/>
+              <a:t>CarId</a:t>
+            </a:r>
+            <a:r>
+              <a:rPr lang="en-GB" dirty="0"/>
+              <a:t>)</a:t>
             </a:r>
           </a:p>
         </p:txBody>
       </p:sp>
       <p:pic>
         <p:nvPicPr>
-          <p:cNvPr id="5" name="Grafik 4">
+          <p:cNvPr id="15" name="Grafik 14" descr="Bilder">
             <a:extLst>
               <a:ext uri="{FF2B5EF4-FFF2-40B4-BE49-F238E27FC236}">
-                <a16:creationId xmlns:a16="http://schemas.microsoft.com/office/drawing/2014/main" id="{18199687-9B0C-48B8-BB2D-53AFCD3A5C65}"/>
+                <a16:creationId xmlns:a16="http://schemas.microsoft.com/office/drawing/2014/main" id="{3F5B122A-6B59-4FC3-994B-37CCEB8097E5}"/>
               </a:ext>
             </a:extLst>
           </p:cNvPr>
-          <p:cNvPicPr>
-            <a:picLocks noChangeAspect="1"/>
-          </p:cNvPicPr>
+          <p:cNvPicPr/>
           <p:nvPr/>
         </p:nvPicPr>
         <p:blipFill>
-          <a:blip r:embed="rId2"/>
-          <a:srcRect/>
-          <a:stretch/>
+          <a:blip r:embed="rId8">
+            <a:extLst>
+              <a:ext uri="{28A0092B-C50C-407E-A947-70E740481C1C}">
+                <a14:useLocalDpi xmlns:a14="http://schemas.microsoft.com/office/drawing/2010/main" val="0"/>
+              </a:ext>
+              <a:ext uri="{96DAC541-7B7A-43D3-8B79-37D633B846F1}">
+                <asvg:svgBlip xmlns:asvg="http://schemas.microsoft.com/office/drawing/2016/SVG/main" r:embed="rId9"/>
+              </a:ext>
+            </a:extLst>
+          </a:blip>
+          <a:stretch>
+            <a:fillRect/>
+          </a:stretch>
         </p:blipFill>
         <p:spPr>
           <a:xfrm>
-            <a:off x="628650" y="990599"/>
-            <a:ext cx="1715689" cy="3525012"/>
+            <a:off x="6321159" y="2277228"/>
+            <a:ext cx="914400" cy="914400"/>
+          </a:xfrm>
+          <a:prstGeom prst="rect">
+            <a:avLst/>
+          </a:prstGeom>
+        </p:spPr>
+      </p:pic>
+      <p:pic>
+        <p:nvPicPr>
+          <p:cNvPr id="16" name="Grafik 15" descr="Bilder">
+            <a:extLst>
+              <a:ext uri="{FF2B5EF4-FFF2-40B4-BE49-F238E27FC236}">
+                <a16:creationId xmlns:a16="http://schemas.microsoft.com/office/drawing/2014/main" id="{70FBBF75-91F3-43FF-97FB-027F6E54017D}"/>
+              </a:ext>
+            </a:extLst>
+          </p:cNvPr>
+          <p:cNvPicPr/>
+          <p:nvPr/>
+        </p:nvPicPr>
+        <p:blipFill>
+          <a:blip r:embed="rId8">
+            <a:extLst>
+              <a:ext uri="{28A0092B-C50C-407E-A947-70E740481C1C}">
+                <a14:useLocalDpi xmlns:a14="http://schemas.microsoft.com/office/drawing/2010/main" val="0"/>
+              </a:ext>
+              <a:ext uri="{96DAC541-7B7A-43D3-8B79-37D633B846F1}">
+                <asvg:svgBlip xmlns:asvg="http://schemas.microsoft.com/office/drawing/2016/SVG/main" r:embed="rId9"/>
+              </a:ext>
+            </a:extLst>
+          </a:blip>
+          <a:stretch>
+            <a:fillRect/>
+          </a:stretch>
+        </p:blipFill>
+        <p:spPr>
+          <a:xfrm>
+            <a:off x="2092206" y="2297882"/>
+            <a:ext cx="914400" cy="914400"/>
+          </a:xfrm>
+          <a:prstGeom prst="rect">
+            <a:avLst/>
+          </a:prstGeom>
+        </p:spPr>
+      </p:pic>
+      <p:pic>
+        <p:nvPicPr>
+          <p:cNvPr id="17" name="Grafik 16" descr="Bilder">
+            <a:extLst>
+              <a:ext uri="{FF2B5EF4-FFF2-40B4-BE49-F238E27FC236}">
+                <a16:creationId xmlns:a16="http://schemas.microsoft.com/office/drawing/2014/main" id="{E7586D17-3CF0-4175-8C11-9D7A891AB271}"/>
+              </a:ext>
+            </a:extLst>
+          </p:cNvPr>
+          <p:cNvPicPr/>
+          <p:nvPr/>
+        </p:nvPicPr>
+        <p:blipFill>
+          <a:blip r:embed="rId8">
+            <a:extLst>
+              <a:ext uri="{28A0092B-C50C-407E-A947-70E740481C1C}">
+                <a14:useLocalDpi xmlns:a14="http://schemas.microsoft.com/office/drawing/2010/main" val="0"/>
+              </a:ext>
+              <a:ext uri="{96DAC541-7B7A-43D3-8B79-37D633B846F1}">
+                <asvg:svgBlip xmlns:asvg="http://schemas.microsoft.com/office/drawing/2016/SVG/main" r:embed="rId9"/>
+              </a:ext>
+            </a:extLst>
+          </a:blip>
+          <a:stretch>
+            <a:fillRect/>
+          </a:stretch>
+        </p:blipFill>
+        <p:spPr>
+          <a:xfrm>
+            <a:off x="33139" y="2763065"/>
+            <a:ext cx="914400" cy="914400"/>
           </a:xfrm>
           <a:prstGeom prst="rect">
             <a:avLst/>
@@ -11823,7 +13263,7 @@
     </p:spTree>
     <p:extLst>
       <p:ext uri="{BB962C8B-B14F-4D97-AF65-F5344CB8AC3E}">
-        <p14:creationId xmlns:p14="http://schemas.microsoft.com/office/powerpoint/2010/main" val="1595226375"/>
+        <p14:creationId xmlns:p14="http://schemas.microsoft.com/office/powerpoint/2010/main" val="2502225764"/>
       </p:ext>
     </p:extLst>
   </p:cSld>
@@ -11855,7 +13295,7 @@
           <p:cNvPr id="2" name="Titel 1">
             <a:extLst>
               <a:ext uri="{FF2B5EF4-FFF2-40B4-BE49-F238E27FC236}">
-                <a16:creationId xmlns:a16="http://schemas.microsoft.com/office/drawing/2014/main" id="{F8DA93B9-D6EB-47BC-B8CE-1EFC9A9BCB95}"/>
+                <a16:creationId xmlns:a16="http://schemas.microsoft.com/office/drawing/2014/main" id="{18F0AAA5-7DF5-4B6F-B106-1846E3FA0D3E}"/>
               </a:ext>
             </a:extLst>
           </p:cNvPr>
@@ -11872,87 +13312,423 @@
           <a:lstStyle/>
           <a:p>
             <a:r>
-              <a:rPr lang="de-DE" dirty="0" err="1"/>
-              <a:t>Carchain</a:t>
+              <a:rPr lang="de" dirty="0"/>
+              <a:t>Carchain: Image-Server-</a:t>
             </a:r>
             <a:r>
               <a:rPr lang="de-DE" dirty="0"/>
-              <a:t>: Auto nutzen</a:t>
+              <a:t>Funktionen</a:t>
+            </a:r>
+            <a:endParaRPr lang="en-GB" dirty="0"/>
+          </a:p>
+        </p:txBody>
+      </p:sp>
+      <p:pic>
+        <p:nvPicPr>
+          <p:cNvPr id="20" name="Grafik 19" descr="Datenbank">
+            <a:extLst>
+              <a:ext uri="{FF2B5EF4-FFF2-40B4-BE49-F238E27FC236}">
+                <a16:creationId xmlns:a16="http://schemas.microsoft.com/office/drawing/2014/main" id="{5FB227EC-C8E1-45EF-A68A-4C708D8FF8CA}"/>
+              </a:ext>
+            </a:extLst>
+          </p:cNvPr>
+          <p:cNvPicPr/>
+          <p:nvPr/>
+        </p:nvPicPr>
+        <p:blipFill>
+          <a:blip r:embed="rId2">
+            <a:extLst>
+              <a:ext uri="{28A0092B-C50C-407E-A947-70E740481C1C}">
+                <a14:useLocalDpi xmlns:a14="http://schemas.microsoft.com/office/drawing/2010/main" val="0"/>
+              </a:ext>
+              <a:ext uri="{96DAC541-7B7A-43D3-8B79-37D633B846F1}">
+                <asvg:svgBlip xmlns:asvg="http://schemas.microsoft.com/office/drawing/2016/SVG/main" r:embed="rId3"/>
+              </a:ext>
+            </a:extLst>
+          </a:blip>
+          <a:stretch>
+            <a:fillRect/>
+          </a:stretch>
+        </p:blipFill>
+        <p:spPr>
+          <a:xfrm>
+            <a:off x="6763130" y="1536373"/>
+            <a:ext cx="1433331" cy="1569852"/>
+          </a:xfrm>
+          <a:prstGeom prst="rect">
+            <a:avLst/>
+          </a:prstGeom>
+        </p:spPr>
+      </p:pic>
+      <p:pic>
+        <p:nvPicPr>
+          <p:cNvPr id="21" name="Grafik 20" descr="Smartphone">
+            <a:extLst>
+              <a:ext uri="{FF2B5EF4-FFF2-40B4-BE49-F238E27FC236}">
+                <a16:creationId xmlns:a16="http://schemas.microsoft.com/office/drawing/2014/main" id="{11DB4639-1743-4747-8EC1-C315AAA2ABDB}"/>
+              </a:ext>
+            </a:extLst>
+          </p:cNvPr>
+          <p:cNvPicPr/>
+          <p:nvPr/>
+        </p:nvPicPr>
+        <p:blipFill>
+          <a:blip r:embed="rId4">
+            <a:extLst>
+              <a:ext uri="{28A0092B-C50C-407E-A947-70E740481C1C}">
+                <a14:useLocalDpi xmlns:a14="http://schemas.microsoft.com/office/drawing/2010/main" val="0"/>
+              </a:ext>
+              <a:ext uri="{96DAC541-7B7A-43D3-8B79-37D633B846F1}">
+                <asvg:svgBlip xmlns:asvg="http://schemas.microsoft.com/office/drawing/2016/SVG/main" r:embed="rId5"/>
+              </a:ext>
+            </a:extLst>
+          </a:blip>
+          <a:stretch>
+            <a:fillRect/>
+          </a:stretch>
+        </p:blipFill>
+        <p:spPr>
+          <a:xfrm>
+            <a:off x="-165882" y="1721578"/>
+            <a:ext cx="1113421" cy="1199444"/>
+          </a:xfrm>
+          <a:prstGeom prst="rect">
+            <a:avLst/>
+          </a:prstGeom>
+        </p:spPr>
+      </p:pic>
+      <p:pic>
+        <p:nvPicPr>
+          <p:cNvPr id="22" name="Grafik 21" descr="Server">
+            <a:extLst>
+              <a:ext uri="{FF2B5EF4-FFF2-40B4-BE49-F238E27FC236}">
+                <a16:creationId xmlns:a16="http://schemas.microsoft.com/office/drawing/2014/main" id="{A098125D-2A55-49FB-90F4-563E39AED728}"/>
+              </a:ext>
+            </a:extLst>
+          </p:cNvPr>
+          <p:cNvPicPr/>
+          <p:nvPr/>
+        </p:nvPicPr>
+        <p:blipFill>
+          <a:blip r:embed="rId6">
+            <a:extLst>
+              <a:ext uri="{28A0092B-C50C-407E-A947-70E740481C1C}">
+                <a14:useLocalDpi xmlns:a14="http://schemas.microsoft.com/office/drawing/2010/main" val="0"/>
+              </a:ext>
+              <a:ext uri="{96DAC541-7B7A-43D3-8B79-37D633B846F1}">
+                <asvg:svgBlip xmlns:asvg="http://schemas.microsoft.com/office/drawing/2016/SVG/main" r:embed="rId7"/>
+              </a:ext>
+            </a:extLst>
+          </a:blip>
+          <a:stretch>
+            <a:fillRect/>
+          </a:stretch>
+        </p:blipFill>
+        <p:spPr>
+          <a:xfrm>
+            <a:off x="3742241" y="1160679"/>
+            <a:ext cx="1696478" cy="2321241"/>
+          </a:xfrm>
+          <a:prstGeom prst="rect">
+            <a:avLst/>
+          </a:prstGeom>
+        </p:spPr>
+      </p:pic>
+      <p:cxnSp>
+        <p:nvCxnSpPr>
+          <p:cNvPr id="23" name="Gerade Verbindung mit Pfeil 22">
+            <a:extLst>
+              <a:ext uri="{FF2B5EF4-FFF2-40B4-BE49-F238E27FC236}">
+                <a16:creationId xmlns:a16="http://schemas.microsoft.com/office/drawing/2014/main" id="{73D8F7CF-6FE0-4FA7-8238-BCCB06FA3B38}"/>
+              </a:ext>
+            </a:extLst>
+          </p:cNvPr>
+          <p:cNvCxnSpPr>
+            <a:cxnSpLocks/>
+            <a:stCxn id="21" idx="3"/>
+            <a:endCxn id="22" idx="1"/>
+          </p:cNvCxnSpPr>
+          <p:nvPr/>
+        </p:nvCxnSpPr>
+        <p:spPr>
+          <a:xfrm>
+            <a:off x="947539" y="2321300"/>
+            <a:ext cx="2794702" cy="0"/>
+          </a:xfrm>
+          <a:prstGeom prst="straightConnector1">
+            <a:avLst/>
+          </a:prstGeom>
+          <a:ln>
+            <a:tailEnd type="triangle"/>
+          </a:ln>
+        </p:spPr>
+        <p:style>
+          <a:lnRef idx="1">
+            <a:schemeClr val="accent1"/>
+          </a:lnRef>
+          <a:fillRef idx="0">
+            <a:schemeClr val="accent1"/>
+          </a:fillRef>
+          <a:effectRef idx="0">
+            <a:schemeClr val="accent1"/>
+          </a:effectRef>
+          <a:fontRef idx="minor">
+            <a:schemeClr val="tx1"/>
+          </a:fontRef>
+        </p:style>
+      </p:cxnSp>
+      <p:sp>
+        <p:nvSpPr>
+          <p:cNvPr id="24" name="Textfeld 23">
+            <a:extLst>
+              <a:ext uri="{FF2B5EF4-FFF2-40B4-BE49-F238E27FC236}">
+                <a16:creationId xmlns:a16="http://schemas.microsoft.com/office/drawing/2014/main" id="{8563D9C5-3182-43E7-8D08-CE8A2F6C598E}"/>
+              </a:ext>
+            </a:extLst>
+          </p:cNvPr>
+          <p:cNvSpPr txBox="1"/>
+          <p:nvPr/>
+        </p:nvSpPr>
+        <p:spPr>
+          <a:xfrm>
+            <a:off x="713479" y="2014760"/>
+            <a:ext cx="4205473" cy="307777"/>
+          </a:xfrm>
+          <a:prstGeom prst="rect">
+            <a:avLst/>
+          </a:prstGeom>
+          <a:noFill/>
+        </p:spPr>
+        <p:txBody>
+          <a:bodyPr wrap="square" rtlCol="0">
+            <a:spAutoFit/>
+          </a:bodyPr>
+          <a:lstStyle/>
+          <a:p>
+            <a:r>
+              <a:rPr lang="en-US" b="1" dirty="0"/>
+              <a:t>delete /</a:t>
+            </a:r>
+            <a:r>
+              <a:rPr lang="en-US" b="1" dirty="0" err="1"/>
+              <a:t>deleteCar</a:t>
+            </a:r>
+            <a:r>
+              <a:rPr lang="en-US" b="1" dirty="0"/>
+              <a:t>/”TÜ-LF-308”(=</a:t>
+            </a:r>
+            <a:r>
+              <a:rPr lang="en-US" b="1" dirty="0" err="1"/>
+              <a:t>CarId</a:t>
+            </a:r>
+            <a:r>
+              <a:rPr lang="en-US" b="1" dirty="0"/>
+              <a:t>)</a:t>
+            </a:r>
+            <a:endParaRPr lang="de-DE" dirty="0"/>
+          </a:p>
+        </p:txBody>
+      </p:sp>
+      <p:cxnSp>
+        <p:nvCxnSpPr>
+          <p:cNvPr id="25" name="Gerade Verbindung mit Pfeil 24">
+            <a:extLst>
+              <a:ext uri="{FF2B5EF4-FFF2-40B4-BE49-F238E27FC236}">
+                <a16:creationId xmlns:a16="http://schemas.microsoft.com/office/drawing/2014/main" id="{F5B80EBE-14C8-4A47-9F30-DBA0F05FB23E}"/>
+              </a:ext>
+            </a:extLst>
+          </p:cNvPr>
+          <p:cNvCxnSpPr>
+            <a:cxnSpLocks/>
+            <a:stCxn id="22" idx="3"/>
+            <a:endCxn id="20" idx="1"/>
+          </p:cNvCxnSpPr>
+          <p:nvPr/>
+        </p:nvCxnSpPr>
+        <p:spPr>
+          <a:xfrm flipV="1">
+            <a:off x="5438719" y="2321299"/>
+            <a:ext cx="1324411" cy="1"/>
+          </a:xfrm>
+          <a:prstGeom prst="straightConnector1">
+            <a:avLst/>
+          </a:prstGeom>
+          <a:ln>
+            <a:headEnd type="triangle"/>
+            <a:tailEnd type="triangle"/>
+          </a:ln>
+        </p:spPr>
+        <p:style>
+          <a:lnRef idx="1">
+            <a:schemeClr val="accent1"/>
+          </a:lnRef>
+          <a:fillRef idx="0">
+            <a:schemeClr val="accent1"/>
+          </a:fillRef>
+          <a:effectRef idx="0">
+            <a:schemeClr val="accent1"/>
+          </a:effectRef>
+          <a:fontRef idx="minor">
+            <a:schemeClr val="tx1"/>
+          </a:fontRef>
+        </p:style>
+      </p:cxnSp>
+      <p:sp>
+        <p:nvSpPr>
+          <p:cNvPr id="26" name="Textfeld 25">
+            <a:extLst>
+              <a:ext uri="{FF2B5EF4-FFF2-40B4-BE49-F238E27FC236}">
+                <a16:creationId xmlns:a16="http://schemas.microsoft.com/office/drawing/2014/main" id="{3C82D225-BA5C-4FDC-A5DC-39BAFE3A4D2C}"/>
+              </a:ext>
+            </a:extLst>
+          </p:cNvPr>
+          <p:cNvSpPr txBox="1"/>
+          <p:nvPr/>
+        </p:nvSpPr>
+        <p:spPr>
+          <a:xfrm>
+            <a:off x="4242892" y="3212351"/>
+            <a:ext cx="1091365" cy="369332"/>
+          </a:xfrm>
+          <a:prstGeom prst="rect">
+            <a:avLst/>
+          </a:prstGeom>
+          <a:noFill/>
+        </p:spPr>
+        <p:txBody>
+          <a:bodyPr wrap="square" rtlCol="0">
+            <a:spAutoFit/>
+          </a:bodyPr>
+          <a:lstStyle/>
+          <a:p>
+            <a:r>
+              <a:rPr lang="en-GB" dirty="0"/>
+              <a:t>Server</a:t>
             </a:r>
           </a:p>
         </p:txBody>
       </p:sp>
       <p:sp>
         <p:nvSpPr>
-          <p:cNvPr id="3" name="Inhaltsplatzhalter 2">
+          <p:cNvPr id="27" name="Textfeld 26">
             <a:extLst>
               <a:ext uri="{FF2B5EF4-FFF2-40B4-BE49-F238E27FC236}">
-                <a16:creationId xmlns:a16="http://schemas.microsoft.com/office/drawing/2014/main" id="{E33E7B78-699D-496B-80A3-2B5629BC88EF}"/>
+                <a16:creationId xmlns:a16="http://schemas.microsoft.com/office/drawing/2014/main" id="{CD75B87E-0791-4BB2-B50C-8A06909BFFAF}"/>
               </a:ext>
             </a:extLst>
           </p:cNvPr>
-          <p:cNvSpPr>
-            <a:spLocks noGrp="1"/>
-          </p:cNvSpPr>
-          <p:nvPr>
-            <p:ph idx="1"/>
-          </p:nvPr>
+          <p:cNvSpPr txBox="1"/>
+          <p:nvPr/>
         </p:nvSpPr>
         <p:spPr>
           <a:xfrm>
-            <a:off x="2669458" y="990599"/>
-            <a:ext cx="5845892" cy="3641725"/>
-          </a:xfrm>
+            <a:off x="7105096" y="2976381"/>
+            <a:ext cx="1091365" cy="369332"/>
+          </a:xfrm>
+          <a:prstGeom prst="rect">
+            <a:avLst/>
+          </a:prstGeom>
+          <a:noFill/>
         </p:spPr>
         <p:txBody>
-          <a:bodyPr/>
+          <a:bodyPr wrap="square" rtlCol="0">
+            <a:spAutoFit/>
+          </a:bodyPr>
           <a:lstStyle/>
           <a:p>
             <a:r>
-              <a:rPr lang="de-DE" dirty="0"/>
-              <a:t>Digitaler Autoschlüssel kann genutzt werden</a:t>
-            </a:r>
-          </a:p>
-          <a:p>
-            <a:r>
-              <a:rPr lang="de-DE" dirty="0"/>
-              <a:t>Am Auto vorhalten</a:t>
-            </a:r>
-            <a:br>
-              <a:rPr lang="de-DE" dirty="0"/>
-            </a:br>
-            <a:r>
-              <a:rPr lang="de-DE" dirty="0">
-                <a:sym typeface="Wingdings" panose="05000000000000000000" pitchFamily="2" charset="2"/>
-              </a:rPr>
-              <a:t> Miete wird geprüft und Auto geöffnet</a:t>
-            </a:r>
-          </a:p>
-          <a:p>
-            <a:endParaRPr lang="de-DE" dirty="0">
-              <a:sym typeface="Wingdings" panose="05000000000000000000" pitchFamily="2" charset="2"/>
-            </a:endParaRPr>
-          </a:p>
-          <a:p>
-            <a:pPr marL="0" indent="0">
-              <a:buNone/>
-            </a:pPr>
-            <a:r>
-              <a:rPr lang="de-DE" dirty="0">
-                <a:sym typeface="Wingdings" panose="05000000000000000000" pitchFamily="2" charset="2"/>
-              </a:rPr>
-              <a:t> Nach Mietende nutzlos!</a:t>
-            </a:r>
-            <a:endParaRPr lang="de-DE" dirty="0"/>
+              <a:rPr lang="en-GB" dirty="0"/>
+              <a:t>Postgres</a:t>
+            </a:r>
+          </a:p>
+        </p:txBody>
+      </p:sp>
+      <p:sp>
+        <p:nvSpPr>
+          <p:cNvPr id="34" name="Textfeld 33">
+            <a:extLst>
+              <a:ext uri="{FF2B5EF4-FFF2-40B4-BE49-F238E27FC236}">
+                <a16:creationId xmlns:a16="http://schemas.microsoft.com/office/drawing/2014/main" id="{71DAFE89-61FC-42C2-AA75-7D2539C38E85}"/>
+              </a:ext>
+            </a:extLst>
+          </p:cNvPr>
+          <p:cNvSpPr txBox="1"/>
+          <p:nvPr/>
+        </p:nvSpPr>
+        <p:spPr>
+          <a:xfrm>
+            <a:off x="5219333" y="1979379"/>
+            <a:ext cx="1885763" cy="307777"/>
+          </a:xfrm>
+          <a:prstGeom prst="rect">
+            <a:avLst/>
+          </a:prstGeom>
+          <a:noFill/>
+        </p:spPr>
+        <p:txBody>
+          <a:bodyPr wrap="square" rtlCol="0">
+            <a:spAutoFit/>
+          </a:bodyPr>
+          <a:lstStyle/>
+          <a:p>
+            <a:r>
+              <a:rPr lang="en-GB" dirty="0"/>
+              <a:t>TÜ-LF-308(=</a:t>
+            </a:r>
+            <a:r>
+              <a:rPr lang="en-GB" dirty="0" err="1"/>
+              <a:t>CarId</a:t>
+            </a:r>
+            <a:r>
+              <a:rPr lang="en-GB" dirty="0"/>
+              <a:t>)</a:t>
+            </a:r>
           </a:p>
         </p:txBody>
       </p:sp>
       <p:pic>
         <p:nvPicPr>
-          <p:cNvPr id="5" name="Grafik 4">
+          <p:cNvPr id="15" name="Grafik 14" descr="Bilder">
             <a:extLst>
               <a:ext uri="{FF2B5EF4-FFF2-40B4-BE49-F238E27FC236}">
-                <a16:creationId xmlns:a16="http://schemas.microsoft.com/office/drawing/2014/main" id="{18199687-9B0C-48B8-BB2D-53AFCD3A5C65}"/>
+                <a16:creationId xmlns:a16="http://schemas.microsoft.com/office/drawing/2014/main" id="{3F5B122A-6B59-4FC3-994B-37CCEB8097E5}"/>
+              </a:ext>
+            </a:extLst>
+          </p:cNvPr>
+          <p:cNvPicPr/>
+          <p:nvPr/>
+        </p:nvPicPr>
+        <p:blipFill>
+          <a:blip r:embed="rId8">
+            <a:extLst>
+              <a:ext uri="{28A0092B-C50C-407E-A947-70E740481C1C}">
+                <a14:useLocalDpi xmlns:a14="http://schemas.microsoft.com/office/drawing/2010/main" val="0"/>
+              </a:ext>
+              <a:ext uri="{96DAC541-7B7A-43D3-8B79-37D633B846F1}">
+                <asvg:svgBlip xmlns:asvg="http://schemas.microsoft.com/office/drawing/2016/SVG/main" r:embed="rId9"/>
+              </a:ext>
+            </a:extLst>
+          </a:blip>
+          <a:stretch>
+            <a:fillRect/>
+          </a:stretch>
+        </p:blipFill>
+        <p:spPr>
+          <a:xfrm>
+            <a:off x="8087541" y="1775861"/>
+            <a:ext cx="914400" cy="914400"/>
+          </a:xfrm>
+          <a:prstGeom prst="rect">
+            <a:avLst/>
+          </a:prstGeom>
+        </p:spPr>
+      </p:pic>
+      <p:pic>
+        <p:nvPicPr>
+          <p:cNvPr id="18" name="Grafik 17" descr="Schließen">
+            <a:extLst>
+              <a:ext uri="{FF2B5EF4-FFF2-40B4-BE49-F238E27FC236}">
+                <a16:creationId xmlns:a16="http://schemas.microsoft.com/office/drawing/2014/main" id="{FEF447EB-AF5C-4E48-9CC2-9E4935C9EE6B}"/>
               </a:ext>
             </a:extLst>
           </p:cNvPr>
@@ -11962,14 +13738,24 @@
           <p:nvPr/>
         </p:nvPicPr>
         <p:blipFill>
-          <a:blip r:embed="rId2"/>
-          <a:srcRect/>
-          <a:stretch/>
+          <a:blip r:embed="rId10">
+            <a:extLst>
+              <a:ext uri="{28A0092B-C50C-407E-A947-70E740481C1C}">
+                <a14:useLocalDpi xmlns:a14="http://schemas.microsoft.com/office/drawing/2010/main" val="0"/>
+              </a:ext>
+              <a:ext uri="{96DAC541-7B7A-43D3-8B79-37D633B846F1}">
+                <asvg:svgBlip xmlns:asvg="http://schemas.microsoft.com/office/drawing/2016/SVG/main" r:embed="rId11"/>
+              </a:ext>
+            </a:extLst>
+          </a:blip>
+          <a:stretch>
+            <a:fillRect/>
+          </a:stretch>
         </p:blipFill>
         <p:spPr>
           <a:xfrm>
-            <a:off x="628650" y="990599"/>
-            <a:ext cx="1715689" cy="3525011"/>
+            <a:off x="8087541" y="1775861"/>
+            <a:ext cx="914400" cy="914400"/>
           </a:xfrm>
           <a:prstGeom prst="rect">
             <a:avLst/>
@@ -11979,7 +13765,7 @@
     </p:spTree>
     <p:extLst>
       <p:ext uri="{BB962C8B-B14F-4D97-AF65-F5344CB8AC3E}">
-        <p14:creationId xmlns:p14="http://schemas.microsoft.com/office/powerpoint/2010/main" val="1976569414"/>
+        <p14:creationId xmlns:p14="http://schemas.microsoft.com/office/powerpoint/2010/main" val="891199433"/>
       </p:ext>
     </p:extLst>
   </p:cSld>
@@ -11990,6 +13776,185 @@
 </file>
 
 <file path=ppt/slides/slide22.xml><?xml version="1.0" encoding="utf-8"?>
+<p:sld xmlns:a="http://schemas.openxmlformats.org/drawingml/2006/main" xmlns:r="http://schemas.openxmlformats.org/officeDocument/2006/relationships" xmlns:p="http://schemas.openxmlformats.org/presentationml/2006/main">
+  <p:cSld>
+    <p:spTree>
+      <p:nvGrpSpPr>
+        <p:cNvPr id="1" name="Shape 101"/>
+        <p:cNvGrpSpPr/>
+        <p:nvPr/>
+      </p:nvGrpSpPr>
+      <p:grpSpPr>
+        <a:xfrm>
+          <a:off x="0" y="0"/>
+          <a:ext cx="0" cy="0"/>
+          <a:chOff x="0" y="0"/>
+          <a:chExt cx="0" cy="0"/>
+        </a:xfrm>
+      </p:grpSpPr>
+      <p:sp>
+        <p:nvSpPr>
+          <p:cNvPr id="102" name="Google Shape;102;p21"/>
+          <p:cNvSpPr txBox="1">
+            <a:spLocks noGrp="1"/>
+          </p:cNvSpPr>
+          <p:nvPr>
+            <p:ph type="title"/>
+          </p:nvPr>
+        </p:nvSpPr>
+        <p:spPr>
+          <a:prstGeom prst="rect">
+            <a:avLst/>
+          </a:prstGeom>
+        </p:spPr>
+        <p:txBody>
+          <a:bodyPr spcFirstLastPara="1" wrap="square" lIns="91425" tIns="91425" rIns="91425" bIns="91425" anchor="t" anchorCtr="0">
+            <a:noAutofit/>
+          </a:bodyPr>
+          <a:lstStyle/>
+          <a:p>
+            <a:pPr marL="0" lvl="0" indent="0" algn="l" rtl="0">
+              <a:spcBef>
+                <a:spcPts val="0"/>
+              </a:spcBef>
+              <a:spcAft>
+                <a:spcPts val="0"/>
+              </a:spcAft>
+              <a:buClr>
+                <a:schemeClr val="dk1"/>
+              </a:buClr>
+              <a:buSzPts val="1100"/>
+              <a:buFont typeface="Arial"/>
+              <a:buNone/>
+            </a:pPr>
+            <a:r>
+              <a:rPr lang="de"/>
+              <a:t>Carchain: Android-App</a:t>
+            </a:r>
+            <a:endParaRPr/>
+          </a:p>
+        </p:txBody>
+      </p:sp>
+      <p:sp>
+        <p:nvSpPr>
+          <p:cNvPr id="103" name="Google Shape;103;p21"/>
+          <p:cNvSpPr txBox="1">
+            <a:spLocks noGrp="1"/>
+          </p:cNvSpPr>
+          <p:nvPr>
+            <p:ph idx="1"/>
+          </p:nvPr>
+        </p:nvSpPr>
+        <p:spPr>
+          <a:prstGeom prst="rect">
+            <a:avLst/>
+          </a:prstGeom>
+        </p:spPr>
+        <p:txBody>
+          <a:bodyPr spcFirstLastPara="1" wrap="square" lIns="91425" tIns="91425" rIns="91425" bIns="91425" anchor="t" anchorCtr="0">
+            <a:noAutofit/>
+          </a:bodyPr>
+          <a:lstStyle/>
+          <a:p>
+            <a:pPr marL="0" indent="0">
+              <a:spcAft>
+                <a:spcPts val="1600"/>
+              </a:spcAft>
+              <a:buNone/>
+            </a:pPr>
+            <a:r>
+              <a:rPr lang="de-DE" dirty="0"/>
+              <a:t>Funktionen der App:</a:t>
+            </a:r>
+          </a:p>
+          <a:p>
+            <a:pPr marL="742950" lvl="1" indent="-285750">
+              <a:spcAft>
+                <a:spcPts val="1600"/>
+              </a:spcAft>
+            </a:pPr>
+            <a:r>
+              <a:rPr lang="de-DE" dirty="0"/>
+              <a:t>Vermieten von Fahrzeugen</a:t>
+            </a:r>
+          </a:p>
+          <a:p>
+            <a:pPr marL="742950" lvl="1" indent="-285750">
+              <a:spcAft>
+                <a:spcPts val="1600"/>
+              </a:spcAft>
+            </a:pPr>
+            <a:r>
+              <a:rPr lang="de-DE" dirty="0"/>
+              <a:t>Suchen &amp; Mieten von Fahrzeugen</a:t>
+            </a:r>
+          </a:p>
+          <a:p>
+            <a:pPr marL="742950" lvl="1" indent="-285750">
+              <a:spcAft>
+                <a:spcPts val="1600"/>
+              </a:spcAft>
+            </a:pPr>
+            <a:r>
+              <a:rPr lang="de-DE" dirty="0"/>
+              <a:t>Rechnungen &amp; Kosten einsehen (Wallet-Verwaltung)</a:t>
+            </a:r>
+          </a:p>
+          <a:p>
+            <a:pPr marL="742950" lvl="1" indent="-285750">
+              <a:spcAft>
+                <a:spcPts val="1600"/>
+              </a:spcAft>
+            </a:pPr>
+            <a:r>
+              <a:rPr lang="de-DE" dirty="0"/>
+              <a:t>Digitaler Autoschlüssel</a:t>
+            </a:r>
+          </a:p>
+          <a:p>
+            <a:pPr marL="742950" lvl="1" indent="-285750">
+              <a:spcAft>
+                <a:spcPts val="1600"/>
+              </a:spcAft>
+            </a:pPr>
+            <a:r>
+              <a:rPr lang="de-DE" dirty="0"/>
+              <a:t>Profilverwaltung</a:t>
+            </a:r>
+          </a:p>
+          <a:p>
+            <a:pPr marL="742950" lvl="1" indent="-285750">
+              <a:spcAft>
+                <a:spcPts val="1600"/>
+              </a:spcAft>
+              <a:buFont typeface="Arial" panose="020B0604020202020204" pitchFamily="34" charset="0"/>
+              <a:buChar char="•"/>
+            </a:pPr>
+            <a:endParaRPr lang="de-DE" dirty="0">
+              <a:latin typeface="+mn-lt"/>
+            </a:endParaRPr>
+          </a:p>
+          <a:p>
+            <a:pPr marL="742950" lvl="1" indent="-285750">
+              <a:spcAft>
+                <a:spcPts val="1600"/>
+              </a:spcAft>
+              <a:buFont typeface="Arial" panose="020B0604020202020204" pitchFamily="34" charset="0"/>
+              <a:buChar char="•"/>
+            </a:pPr>
+            <a:endParaRPr dirty="0"/>
+          </a:p>
+        </p:txBody>
+      </p:sp>
+    </p:spTree>
+  </p:cSld>
+  <p:clrMapOvr>
+    <a:masterClrMapping/>
+  </p:clrMapOvr>
+</p:sld>
+</file>
+
+<file path=ppt/slides/slide23.xml><?xml version="1.0" encoding="utf-8"?>
 <p:sld xmlns:a="http://schemas.openxmlformats.org/drawingml/2006/main" xmlns:r="http://schemas.openxmlformats.org/officeDocument/2006/relationships" xmlns:p="http://schemas.openxmlformats.org/presentationml/2006/main">
   <p:cSld>
     <p:spTree>
@@ -12011,6 +13976,648 @@
           <p:cNvPr id="2" name="Titel 1">
             <a:extLst>
               <a:ext uri="{FF2B5EF4-FFF2-40B4-BE49-F238E27FC236}">
+                <a16:creationId xmlns:a16="http://schemas.microsoft.com/office/drawing/2014/main" id="{F8DA93B9-D6EB-47BC-B8CE-1EFC9A9BCB95}"/>
+              </a:ext>
+            </a:extLst>
+          </p:cNvPr>
+          <p:cNvSpPr>
+            <a:spLocks noGrp="1"/>
+          </p:cNvSpPr>
+          <p:nvPr>
+            <p:ph type="title"/>
+          </p:nvPr>
+        </p:nvSpPr>
+        <p:spPr/>
+        <p:txBody>
+          <a:bodyPr/>
+          <a:lstStyle/>
+          <a:p>
+            <a:r>
+              <a:rPr lang="de-DE" dirty="0" err="1"/>
+              <a:t>Carchain</a:t>
+            </a:r>
+            <a:r>
+              <a:rPr lang="de-DE" dirty="0"/>
+              <a:t>: Autos einsehen</a:t>
+            </a:r>
+          </a:p>
+        </p:txBody>
+      </p:sp>
+      <p:sp>
+        <p:nvSpPr>
+          <p:cNvPr id="3" name="Inhaltsplatzhalter 2">
+            <a:extLst>
+              <a:ext uri="{FF2B5EF4-FFF2-40B4-BE49-F238E27FC236}">
+                <a16:creationId xmlns:a16="http://schemas.microsoft.com/office/drawing/2014/main" id="{E33E7B78-699D-496B-80A3-2B5629BC88EF}"/>
+              </a:ext>
+            </a:extLst>
+          </p:cNvPr>
+          <p:cNvSpPr>
+            <a:spLocks noGrp="1"/>
+          </p:cNvSpPr>
+          <p:nvPr>
+            <p:ph idx="1"/>
+          </p:nvPr>
+        </p:nvSpPr>
+        <p:spPr>
+          <a:xfrm>
+            <a:off x="2669458" y="990599"/>
+            <a:ext cx="5845892" cy="3641725"/>
+          </a:xfrm>
+        </p:spPr>
+        <p:txBody>
+          <a:bodyPr/>
+          <a:lstStyle/>
+          <a:p>
+            <a:r>
+              <a:rPr lang="de-DE" dirty="0"/>
+              <a:t>Autos können eingesehen werden</a:t>
+            </a:r>
+          </a:p>
+          <a:p>
+            <a:pPr lvl="1"/>
+            <a:r>
+              <a:rPr lang="de-DE" dirty="0"/>
+              <a:t>Filter nach:</a:t>
+            </a:r>
+          </a:p>
+          <a:p>
+            <a:pPr lvl="2"/>
+            <a:r>
+              <a:rPr lang="de-DE" dirty="0"/>
+              <a:t>Entfernung</a:t>
+            </a:r>
+          </a:p>
+          <a:p>
+            <a:pPr lvl="2"/>
+            <a:r>
+              <a:rPr lang="de-DE" dirty="0"/>
+              <a:t>Preis (pro Stunde)</a:t>
+            </a:r>
+          </a:p>
+          <a:p>
+            <a:pPr lvl="2"/>
+            <a:r>
+              <a:rPr lang="de-DE" dirty="0"/>
+              <a:t>Ausleihdauer (min. / max.)</a:t>
+            </a:r>
+          </a:p>
+        </p:txBody>
+      </p:sp>
+      <p:pic>
+        <p:nvPicPr>
+          <p:cNvPr id="5" name="Grafik 4" descr="Ein Bild, das Screenshot, Monitor, Bildschirm, Fernsehen enthält.&#10;&#10;Automatisch generierte Beschreibung">
+            <a:extLst>
+              <a:ext uri="{FF2B5EF4-FFF2-40B4-BE49-F238E27FC236}">
+                <a16:creationId xmlns:a16="http://schemas.microsoft.com/office/drawing/2014/main" id="{18199687-9B0C-48B8-BB2D-53AFCD3A5C65}"/>
+              </a:ext>
+            </a:extLst>
+          </p:cNvPr>
+          <p:cNvPicPr>
+            <a:picLocks noChangeAspect="1"/>
+          </p:cNvPicPr>
+          <p:nvPr/>
+        </p:nvPicPr>
+        <p:blipFill>
+          <a:blip r:embed="rId2"/>
+          <a:stretch>
+            <a:fillRect/>
+          </a:stretch>
+        </p:blipFill>
+        <p:spPr>
+          <a:xfrm>
+            <a:off x="628650" y="990599"/>
+            <a:ext cx="1715690" cy="3525012"/>
+          </a:xfrm>
+          <a:prstGeom prst="rect">
+            <a:avLst/>
+          </a:prstGeom>
+        </p:spPr>
+      </p:pic>
+    </p:spTree>
+    <p:extLst>
+      <p:ext uri="{BB962C8B-B14F-4D97-AF65-F5344CB8AC3E}">
+        <p14:creationId xmlns:p14="http://schemas.microsoft.com/office/powerpoint/2010/main" val="1658972141"/>
+      </p:ext>
+    </p:extLst>
+  </p:cSld>
+  <p:clrMapOvr>
+    <a:masterClrMapping/>
+  </p:clrMapOvr>
+</p:sld>
+</file>
+
+<file path=ppt/slides/slide24.xml><?xml version="1.0" encoding="utf-8"?>
+<p:sld xmlns:a="http://schemas.openxmlformats.org/drawingml/2006/main" xmlns:r="http://schemas.openxmlformats.org/officeDocument/2006/relationships" xmlns:p="http://schemas.openxmlformats.org/presentationml/2006/main">
+  <p:cSld>
+    <p:spTree>
+      <p:nvGrpSpPr>
+        <p:cNvPr id="1" name=""/>
+        <p:cNvGrpSpPr/>
+        <p:nvPr/>
+      </p:nvGrpSpPr>
+      <p:grpSpPr>
+        <a:xfrm>
+          <a:off x="0" y="0"/>
+          <a:ext cx="0" cy="0"/>
+          <a:chOff x="0" y="0"/>
+          <a:chExt cx="0" cy="0"/>
+        </a:xfrm>
+      </p:grpSpPr>
+      <p:sp>
+        <p:nvSpPr>
+          <p:cNvPr id="2" name="Titel 1">
+            <a:extLst>
+              <a:ext uri="{FF2B5EF4-FFF2-40B4-BE49-F238E27FC236}">
+                <a16:creationId xmlns:a16="http://schemas.microsoft.com/office/drawing/2014/main" id="{F8DA93B9-D6EB-47BC-B8CE-1EFC9A9BCB95}"/>
+              </a:ext>
+            </a:extLst>
+          </p:cNvPr>
+          <p:cNvSpPr>
+            <a:spLocks noGrp="1"/>
+          </p:cNvSpPr>
+          <p:nvPr>
+            <p:ph type="title"/>
+          </p:nvPr>
+        </p:nvSpPr>
+        <p:spPr/>
+        <p:txBody>
+          <a:bodyPr/>
+          <a:lstStyle/>
+          <a:p>
+            <a:r>
+              <a:rPr lang="de-DE" dirty="0" err="1"/>
+              <a:t>Carchain</a:t>
+            </a:r>
+            <a:r>
+              <a:rPr lang="de-DE" dirty="0"/>
+              <a:t>: Autos einsehen</a:t>
+            </a:r>
+          </a:p>
+        </p:txBody>
+      </p:sp>
+      <p:sp>
+        <p:nvSpPr>
+          <p:cNvPr id="3" name="Inhaltsplatzhalter 2">
+            <a:extLst>
+              <a:ext uri="{FF2B5EF4-FFF2-40B4-BE49-F238E27FC236}">
+                <a16:creationId xmlns:a16="http://schemas.microsoft.com/office/drawing/2014/main" id="{E33E7B78-699D-496B-80A3-2B5629BC88EF}"/>
+              </a:ext>
+            </a:extLst>
+          </p:cNvPr>
+          <p:cNvSpPr>
+            <a:spLocks noGrp="1"/>
+          </p:cNvSpPr>
+          <p:nvPr>
+            <p:ph idx="1"/>
+          </p:nvPr>
+        </p:nvSpPr>
+        <p:spPr>
+          <a:xfrm>
+            <a:off x="4434840" y="990599"/>
+            <a:ext cx="4080509" cy="3641725"/>
+          </a:xfrm>
+        </p:spPr>
+        <p:txBody>
+          <a:bodyPr/>
+          <a:lstStyle/>
+          <a:p>
+            <a:r>
+              <a:rPr lang="de-DE" dirty="0"/>
+              <a:t>Detail-Ansicht zeigt interessante Daten zum Fahrzeug:</a:t>
+            </a:r>
+          </a:p>
+          <a:p>
+            <a:pPr lvl="1"/>
+            <a:r>
+              <a:rPr lang="de-DE" dirty="0"/>
+              <a:t>Modelldaten</a:t>
+            </a:r>
+          </a:p>
+          <a:p>
+            <a:pPr lvl="1"/>
+            <a:r>
+              <a:rPr lang="de-DE" dirty="0"/>
+              <a:t>Nummernschild</a:t>
+            </a:r>
+          </a:p>
+          <a:p>
+            <a:pPr lvl="1"/>
+            <a:r>
+              <a:rPr lang="de-DE" dirty="0"/>
+              <a:t>Heimatadresse</a:t>
+            </a:r>
+          </a:p>
+          <a:p>
+            <a:pPr lvl="1"/>
+            <a:r>
+              <a:rPr lang="de-DE" dirty="0"/>
+              <a:t>Preise (nach Mietlänge)</a:t>
+            </a:r>
+          </a:p>
+        </p:txBody>
+      </p:sp>
+      <p:pic>
+        <p:nvPicPr>
+          <p:cNvPr id="5" name="Grafik 4">
+            <a:extLst>
+              <a:ext uri="{FF2B5EF4-FFF2-40B4-BE49-F238E27FC236}">
+                <a16:creationId xmlns:a16="http://schemas.microsoft.com/office/drawing/2014/main" id="{18199687-9B0C-48B8-BB2D-53AFCD3A5C65}"/>
+              </a:ext>
+            </a:extLst>
+          </p:cNvPr>
+          <p:cNvPicPr>
+            <a:picLocks noChangeAspect="1"/>
+          </p:cNvPicPr>
+          <p:nvPr/>
+        </p:nvPicPr>
+        <p:blipFill>
+          <a:blip r:embed="rId2"/>
+          <a:srcRect/>
+          <a:stretch/>
+        </p:blipFill>
+        <p:spPr>
+          <a:xfrm>
+            <a:off x="628650" y="990599"/>
+            <a:ext cx="1715689" cy="3525012"/>
+          </a:xfrm>
+          <a:prstGeom prst="rect">
+            <a:avLst/>
+          </a:prstGeom>
+        </p:spPr>
+      </p:pic>
+      <p:pic>
+        <p:nvPicPr>
+          <p:cNvPr id="6" name="Grafik 5">
+            <a:extLst>
+              <a:ext uri="{FF2B5EF4-FFF2-40B4-BE49-F238E27FC236}">
+                <a16:creationId xmlns:a16="http://schemas.microsoft.com/office/drawing/2014/main" id="{7B6C9B6C-38D1-4652-8100-52785F938D72}"/>
+              </a:ext>
+            </a:extLst>
+          </p:cNvPr>
+          <p:cNvPicPr>
+            <a:picLocks noChangeAspect="1"/>
+          </p:cNvPicPr>
+          <p:nvPr/>
+        </p:nvPicPr>
+        <p:blipFill>
+          <a:blip r:embed="rId3"/>
+          <a:srcRect/>
+          <a:stretch/>
+        </p:blipFill>
+        <p:spPr>
+          <a:xfrm>
+            <a:off x="2432870" y="990599"/>
+            <a:ext cx="1715689" cy="3525011"/>
+          </a:xfrm>
+          <a:prstGeom prst="rect">
+            <a:avLst/>
+          </a:prstGeom>
+        </p:spPr>
+      </p:pic>
+    </p:spTree>
+    <p:extLst>
+      <p:ext uri="{BB962C8B-B14F-4D97-AF65-F5344CB8AC3E}">
+        <p14:creationId xmlns:p14="http://schemas.microsoft.com/office/powerpoint/2010/main" val="1130871309"/>
+      </p:ext>
+    </p:extLst>
+  </p:cSld>
+  <p:clrMapOvr>
+    <a:masterClrMapping/>
+  </p:clrMapOvr>
+</p:sld>
+</file>
+
+<file path=ppt/slides/slide25.xml><?xml version="1.0" encoding="utf-8"?>
+<p:sld xmlns:a="http://schemas.openxmlformats.org/drawingml/2006/main" xmlns:r="http://schemas.openxmlformats.org/officeDocument/2006/relationships" xmlns:p="http://schemas.openxmlformats.org/presentationml/2006/main">
+  <p:cSld>
+    <p:spTree>
+      <p:nvGrpSpPr>
+        <p:cNvPr id="1" name=""/>
+        <p:cNvGrpSpPr/>
+        <p:nvPr/>
+      </p:nvGrpSpPr>
+      <p:grpSpPr>
+        <a:xfrm>
+          <a:off x="0" y="0"/>
+          <a:ext cx="0" cy="0"/>
+          <a:chOff x="0" y="0"/>
+          <a:chExt cx="0" cy="0"/>
+        </a:xfrm>
+      </p:grpSpPr>
+      <p:sp>
+        <p:nvSpPr>
+          <p:cNvPr id="2" name="Titel 1">
+            <a:extLst>
+              <a:ext uri="{FF2B5EF4-FFF2-40B4-BE49-F238E27FC236}">
+                <a16:creationId xmlns:a16="http://schemas.microsoft.com/office/drawing/2014/main" id="{F8DA93B9-D6EB-47BC-B8CE-1EFC9A9BCB95}"/>
+              </a:ext>
+            </a:extLst>
+          </p:cNvPr>
+          <p:cNvSpPr>
+            <a:spLocks noGrp="1"/>
+          </p:cNvSpPr>
+          <p:nvPr>
+            <p:ph type="title"/>
+          </p:nvPr>
+        </p:nvSpPr>
+        <p:spPr/>
+        <p:txBody>
+          <a:bodyPr/>
+          <a:lstStyle/>
+          <a:p>
+            <a:r>
+              <a:rPr lang="de-DE" dirty="0" err="1"/>
+              <a:t>Carchain</a:t>
+            </a:r>
+            <a:r>
+              <a:rPr lang="de-DE" dirty="0"/>
+              <a:t>: Auto mieten</a:t>
+            </a:r>
+          </a:p>
+        </p:txBody>
+      </p:sp>
+      <p:sp>
+        <p:nvSpPr>
+          <p:cNvPr id="3" name="Inhaltsplatzhalter 2">
+            <a:extLst>
+              <a:ext uri="{FF2B5EF4-FFF2-40B4-BE49-F238E27FC236}">
+                <a16:creationId xmlns:a16="http://schemas.microsoft.com/office/drawing/2014/main" id="{E33E7B78-699D-496B-80A3-2B5629BC88EF}"/>
+              </a:ext>
+            </a:extLst>
+          </p:cNvPr>
+          <p:cNvSpPr>
+            <a:spLocks noGrp="1"/>
+          </p:cNvSpPr>
+          <p:nvPr>
+            <p:ph idx="1"/>
+          </p:nvPr>
+        </p:nvSpPr>
+        <p:spPr>
+          <a:xfrm>
+            <a:off x="2669458" y="990599"/>
+            <a:ext cx="5845892" cy="3641725"/>
+          </a:xfrm>
+        </p:spPr>
+        <p:txBody>
+          <a:bodyPr/>
+          <a:lstStyle/>
+          <a:p>
+            <a:r>
+              <a:rPr lang="de-DE" dirty="0"/>
+              <a:t>Mit der Miete wird Auto verfügbar:</a:t>
+            </a:r>
+          </a:p>
+          <a:p>
+            <a:pPr lvl="1"/>
+            <a:r>
+              <a:rPr lang="de-DE" dirty="0"/>
+              <a:t>Digitaler Autoschlüssel freigeschaltet</a:t>
+            </a:r>
+          </a:p>
+          <a:p>
+            <a:pPr lvl="1"/>
+            <a:r>
+              <a:rPr lang="de-DE" dirty="0"/>
+              <a:t>Entfernung</a:t>
+            </a:r>
+          </a:p>
+          <a:p>
+            <a:pPr lvl="1"/>
+            <a:r>
+              <a:rPr lang="de-DE" dirty="0"/>
+              <a:t>Restmietdauer</a:t>
+            </a:r>
+          </a:p>
+          <a:p>
+            <a:pPr lvl="1"/>
+            <a:r>
+              <a:rPr lang="de-DE" dirty="0"/>
+              <a:t>…</a:t>
+            </a:r>
+          </a:p>
+        </p:txBody>
+      </p:sp>
+      <p:pic>
+        <p:nvPicPr>
+          <p:cNvPr id="5" name="Grafik 4">
+            <a:extLst>
+              <a:ext uri="{FF2B5EF4-FFF2-40B4-BE49-F238E27FC236}">
+                <a16:creationId xmlns:a16="http://schemas.microsoft.com/office/drawing/2014/main" id="{18199687-9B0C-48B8-BB2D-53AFCD3A5C65}"/>
+              </a:ext>
+            </a:extLst>
+          </p:cNvPr>
+          <p:cNvPicPr>
+            <a:picLocks noChangeAspect="1"/>
+          </p:cNvPicPr>
+          <p:nvPr/>
+        </p:nvPicPr>
+        <p:blipFill>
+          <a:blip r:embed="rId2"/>
+          <a:srcRect/>
+          <a:stretch/>
+        </p:blipFill>
+        <p:spPr>
+          <a:xfrm>
+            <a:off x="628650" y="990599"/>
+            <a:ext cx="1715689" cy="3525012"/>
+          </a:xfrm>
+          <a:prstGeom prst="rect">
+            <a:avLst/>
+          </a:prstGeom>
+        </p:spPr>
+      </p:pic>
+    </p:spTree>
+    <p:extLst>
+      <p:ext uri="{BB962C8B-B14F-4D97-AF65-F5344CB8AC3E}">
+        <p14:creationId xmlns:p14="http://schemas.microsoft.com/office/powerpoint/2010/main" val="1595226375"/>
+      </p:ext>
+    </p:extLst>
+  </p:cSld>
+  <p:clrMapOvr>
+    <a:masterClrMapping/>
+  </p:clrMapOvr>
+</p:sld>
+</file>
+
+<file path=ppt/slides/slide26.xml><?xml version="1.0" encoding="utf-8"?>
+<p:sld xmlns:a="http://schemas.openxmlformats.org/drawingml/2006/main" xmlns:r="http://schemas.openxmlformats.org/officeDocument/2006/relationships" xmlns:p="http://schemas.openxmlformats.org/presentationml/2006/main">
+  <p:cSld>
+    <p:spTree>
+      <p:nvGrpSpPr>
+        <p:cNvPr id="1" name=""/>
+        <p:cNvGrpSpPr/>
+        <p:nvPr/>
+      </p:nvGrpSpPr>
+      <p:grpSpPr>
+        <a:xfrm>
+          <a:off x="0" y="0"/>
+          <a:ext cx="0" cy="0"/>
+          <a:chOff x="0" y="0"/>
+          <a:chExt cx="0" cy="0"/>
+        </a:xfrm>
+      </p:grpSpPr>
+      <p:sp>
+        <p:nvSpPr>
+          <p:cNvPr id="2" name="Titel 1">
+            <a:extLst>
+              <a:ext uri="{FF2B5EF4-FFF2-40B4-BE49-F238E27FC236}">
+                <a16:creationId xmlns:a16="http://schemas.microsoft.com/office/drawing/2014/main" id="{F8DA93B9-D6EB-47BC-B8CE-1EFC9A9BCB95}"/>
+              </a:ext>
+            </a:extLst>
+          </p:cNvPr>
+          <p:cNvSpPr>
+            <a:spLocks noGrp="1"/>
+          </p:cNvSpPr>
+          <p:nvPr>
+            <p:ph type="title"/>
+          </p:nvPr>
+        </p:nvSpPr>
+        <p:spPr/>
+        <p:txBody>
+          <a:bodyPr/>
+          <a:lstStyle/>
+          <a:p>
+            <a:r>
+              <a:rPr lang="de-DE" dirty="0" err="1"/>
+              <a:t>Carchain</a:t>
+            </a:r>
+            <a:r>
+              <a:rPr lang="de-DE" dirty="0"/>
+              <a:t>: Auto nutzen</a:t>
+            </a:r>
+          </a:p>
+        </p:txBody>
+      </p:sp>
+      <p:sp>
+        <p:nvSpPr>
+          <p:cNvPr id="3" name="Inhaltsplatzhalter 2">
+            <a:extLst>
+              <a:ext uri="{FF2B5EF4-FFF2-40B4-BE49-F238E27FC236}">
+                <a16:creationId xmlns:a16="http://schemas.microsoft.com/office/drawing/2014/main" id="{E33E7B78-699D-496B-80A3-2B5629BC88EF}"/>
+              </a:ext>
+            </a:extLst>
+          </p:cNvPr>
+          <p:cNvSpPr>
+            <a:spLocks noGrp="1"/>
+          </p:cNvSpPr>
+          <p:nvPr>
+            <p:ph idx="1"/>
+          </p:nvPr>
+        </p:nvSpPr>
+        <p:spPr>
+          <a:xfrm>
+            <a:off x="2669458" y="990599"/>
+            <a:ext cx="5845892" cy="3641725"/>
+          </a:xfrm>
+        </p:spPr>
+        <p:txBody>
+          <a:bodyPr/>
+          <a:lstStyle/>
+          <a:p>
+            <a:r>
+              <a:rPr lang="de-DE" dirty="0"/>
+              <a:t>Digitaler Autoschlüssel kann genutzt werden</a:t>
+            </a:r>
+          </a:p>
+          <a:p>
+            <a:r>
+              <a:rPr lang="de-DE" dirty="0"/>
+              <a:t>Am Auto vorhalten</a:t>
+            </a:r>
+            <a:br>
+              <a:rPr lang="de-DE" dirty="0"/>
+            </a:br>
+            <a:r>
+              <a:rPr lang="de-DE" dirty="0">
+                <a:sym typeface="Wingdings" panose="05000000000000000000" pitchFamily="2" charset="2"/>
+              </a:rPr>
+              <a:t> Miete wird geprüft und Auto geöffnet</a:t>
+            </a:r>
+          </a:p>
+          <a:p>
+            <a:endParaRPr lang="de-DE" dirty="0">
+              <a:sym typeface="Wingdings" panose="05000000000000000000" pitchFamily="2" charset="2"/>
+            </a:endParaRPr>
+          </a:p>
+          <a:p>
+            <a:pPr marL="0" indent="0">
+              <a:buNone/>
+            </a:pPr>
+            <a:r>
+              <a:rPr lang="de-DE" dirty="0">
+                <a:sym typeface="Wingdings" panose="05000000000000000000" pitchFamily="2" charset="2"/>
+              </a:rPr>
+              <a:t> Nach Mietende nutzlos!</a:t>
+            </a:r>
+            <a:endParaRPr lang="de-DE" dirty="0"/>
+          </a:p>
+        </p:txBody>
+      </p:sp>
+      <p:pic>
+        <p:nvPicPr>
+          <p:cNvPr id="5" name="Grafik 4">
+            <a:extLst>
+              <a:ext uri="{FF2B5EF4-FFF2-40B4-BE49-F238E27FC236}">
+                <a16:creationId xmlns:a16="http://schemas.microsoft.com/office/drawing/2014/main" id="{18199687-9B0C-48B8-BB2D-53AFCD3A5C65}"/>
+              </a:ext>
+            </a:extLst>
+          </p:cNvPr>
+          <p:cNvPicPr>
+            <a:picLocks noChangeAspect="1"/>
+          </p:cNvPicPr>
+          <p:nvPr/>
+        </p:nvPicPr>
+        <p:blipFill>
+          <a:blip r:embed="rId2"/>
+          <a:srcRect/>
+          <a:stretch/>
+        </p:blipFill>
+        <p:spPr>
+          <a:xfrm>
+            <a:off x="628650" y="990599"/>
+            <a:ext cx="1715689" cy="3525011"/>
+          </a:xfrm>
+          <a:prstGeom prst="rect">
+            <a:avLst/>
+          </a:prstGeom>
+        </p:spPr>
+      </p:pic>
+    </p:spTree>
+    <p:extLst>
+      <p:ext uri="{BB962C8B-B14F-4D97-AF65-F5344CB8AC3E}">
+        <p14:creationId xmlns:p14="http://schemas.microsoft.com/office/powerpoint/2010/main" val="1976569414"/>
+      </p:ext>
+    </p:extLst>
+  </p:cSld>
+  <p:clrMapOvr>
+    <a:masterClrMapping/>
+  </p:clrMapOvr>
+</p:sld>
+</file>
+
+<file path=ppt/slides/slide27.xml><?xml version="1.0" encoding="utf-8"?>
+<p:sld xmlns:a="http://schemas.openxmlformats.org/drawingml/2006/main" xmlns:r="http://schemas.openxmlformats.org/officeDocument/2006/relationships" xmlns:p="http://schemas.openxmlformats.org/presentationml/2006/main">
+  <p:cSld>
+    <p:spTree>
+      <p:nvGrpSpPr>
+        <p:cNvPr id="1" name=""/>
+        <p:cNvGrpSpPr/>
+        <p:nvPr/>
+      </p:nvGrpSpPr>
+      <p:grpSpPr>
+        <a:xfrm>
+          <a:off x="0" y="0"/>
+          <a:ext cx="0" cy="0"/>
+          <a:chOff x="0" y="0"/>
+          <a:chExt cx="0" cy="0"/>
+        </a:xfrm>
+      </p:grpSpPr>
+      <p:sp>
+        <p:nvSpPr>
+          <p:cNvPr id="2" name="Titel 1">
+            <a:extLst>
+              <a:ext uri="{FF2B5EF4-FFF2-40B4-BE49-F238E27FC236}">
                 <a16:creationId xmlns:a16="http://schemas.microsoft.com/office/drawing/2014/main" id="{D9A92D01-A24F-4B06-A617-9B1108423B1B}"/>
               </a:ext>
             </a:extLst>
@@ -12164,7 +14771,7 @@
 </p:sld>
 </file>
 
-<file path=ppt/slides/slide23.xml><?xml version="1.0" encoding="utf-8"?>
+<file path=ppt/slides/slide28.xml><?xml version="1.0" encoding="utf-8"?>
 <p:sld xmlns:a="http://schemas.openxmlformats.org/drawingml/2006/main" xmlns:r="http://schemas.openxmlformats.org/officeDocument/2006/relationships" xmlns:p="http://schemas.openxmlformats.org/presentationml/2006/main">
   <p:cSld>
     <p:spTree>
@@ -12440,7 +15047,7 @@
 </p:sld>
 </file>
 
-<file path=ppt/slides/slide24.xml><?xml version="1.0" encoding="utf-8"?>
+<file path=ppt/slides/slide29.xml><?xml version="1.0" encoding="utf-8"?>
 <p:sld xmlns:a="http://schemas.openxmlformats.org/drawingml/2006/main" xmlns:r="http://schemas.openxmlformats.org/officeDocument/2006/relationships" xmlns:p="http://schemas.openxmlformats.org/presentationml/2006/main">
   <p:cSld>
     <p:spTree>
@@ -12736,2177 +15343,6 @@
           </a:ln>
         </p:spPr>
       </p:pic>
-    </p:spTree>
-  </p:cSld>
-  <p:clrMapOvr>
-    <a:masterClrMapping/>
-  </p:clrMapOvr>
-</p:sld>
-</file>
-
-<file path=ppt/slides/slide25.xml><?xml version="1.0" encoding="utf-8"?>
-<p:sld xmlns:a="http://schemas.openxmlformats.org/drawingml/2006/main" xmlns:r="http://schemas.openxmlformats.org/officeDocument/2006/relationships" xmlns:p="http://schemas.openxmlformats.org/presentationml/2006/main">
-  <p:cSld>
-    <p:spTree>
-      <p:nvGrpSpPr>
-        <p:cNvPr id="1" name="Shape 123"/>
-        <p:cNvGrpSpPr/>
-        <p:nvPr/>
-      </p:nvGrpSpPr>
-      <p:grpSpPr>
-        <a:xfrm>
-          <a:off x="0" y="0"/>
-          <a:ext cx="0" cy="0"/>
-          <a:chOff x="0" y="0"/>
-          <a:chExt cx="0" cy="0"/>
-        </a:xfrm>
-      </p:grpSpPr>
-      <p:sp>
-        <p:nvSpPr>
-          <p:cNvPr id="124" name="Google Shape;124;p24"/>
-          <p:cNvSpPr txBox="1">
-            <a:spLocks noGrp="1"/>
-          </p:cNvSpPr>
-          <p:nvPr>
-            <p:ph type="title"/>
-          </p:nvPr>
-        </p:nvSpPr>
-        <p:spPr>
-          <a:prstGeom prst="rect">
-            <a:avLst/>
-          </a:prstGeom>
-        </p:spPr>
-        <p:txBody>
-          <a:bodyPr spcFirstLastPara="1" wrap="square" lIns="91425" tIns="91425" rIns="91425" bIns="91425" anchor="t" anchorCtr="0">
-            <a:noAutofit/>
-          </a:bodyPr>
-          <a:lstStyle/>
-          <a:p>
-            <a:pPr marL="0" lvl="0" indent="0" algn="l" rtl="0">
-              <a:spcBef>
-                <a:spcPts val="0"/>
-              </a:spcBef>
-              <a:spcAft>
-                <a:spcPts val="0"/>
-              </a:spcAft>
-              <a:buClr>
-                <a:schemeClr val="dk1"/>
-              </a:buClr>
-              <a:buSzPts val="1100"/>
-              <a:buFont typeface="Arial"/>
-              <a:buNone/>
-            </a:pPr>
-            <a:r>
-              <a:rPr lang="de"/>
-              <a:t>Carchain: Smart Contracts</a:t>
-            </a:r>
-            <a:endParaRPr/>
-          </a:p>
-        </p:txBody>
-      </p:sp>
-      <p:sp>
-        <p:nvSpPr>
-          <p:cNvPr id="125" name="Google Shape;125;p24"/>
-          <p:cNvSpPr txBox="1">
-            <a:spLocks noGrp="1"/>
-          </p:cNvSpPr>
-          <p:nvPr>
-            <p:ph idx="1"/>
-          </p:nvPr>
-        </p:nvSpPr>
-        <p:spPr>
-          <a:prstGeom prst="rect">
-            <a:avLst/>
-          </a:prstGeom>
-        </p:spPr>
-        <p:txBody>
-          <a:bodyPr spcFirstLastPara="1" wrap="square" lIns="91425" tIns="91425" rIns="91425" bIns="91425" anchor="t" anchorCtr="0">
-            <a:noAutofit/>
-          </a:bodyPr>
-          <a:lstStyle/>
-          <a:p>
-            <a:pPr lvl="0" algn="l" rtl="0">
-              <a:spcBef>
-                <a:spcPts val="0"/>
-              </a:spcBef>
-              <a:spcAft>
-                <a:spcPts val="0"/>
-              </a:spcAft>
-              <a:buSzPts val="1800"/>
-              <a:buFont typeface="Arial" panose="020B0604020202020204" pitchFamily="34" charset="0"/>
-              <a:buChar char="•"/>
-            </a:pPr>
-            <a:r>
-              <a:rPr lang="de" dirty="0"/>
-              <a:t>Besonderheiten:</a:t>
-            </a:r>
-            <a:endParaRPr dirty="0"/>
-          </a:p>
-          <a:p>
-            <a:pPr lvl="1" algn="l" rtl="0">
-              <a:spcBef>
-                <a:spcPts val="0"/>
-              </a:spcBef>
-              <a:spcAft>
-                <a:spcPts val="0"/>
-              </a:spcAft>
-              <a:buSzPts val="1400"/>
-              <a:buFont typeface="Arial" panose="020B0604020202020204" pitchFamily="34" charset="0"/>
-              <a:buChar char="•"/>
-            </a:pPr>
-            <a:r>
-              <a:rPr lang="de" dirty="0"/>
-              <a:t>views</a:t>
-            </a:r>
-            <a:endParaRPr dirty="0"/>
-          </a:p>
-          <a:p>
-            <a:pPr lvl="1" algn="l" rtl="0">
-              <a:spcBef>
-                <a:spcPts val="0"/>
-              </a:spcBef>
-              <a:spcAft>
-                <a:spcPts val="0"/>
-              </a:spcAft>
-              <a:buSzPts val="1400"/>
-              <a:buFont typeface="Arial" panose="020B0604020202020204" pitchFamily="34" charset="0"/>
-              <a:buChar char="•"/>
-            </a:pPr>
-            <a:r>
-              <a:rPr lang="de" dirty="0"/>
-              <a:t>Variablentypen wie address</a:t>
-            </a:r>
-            <a:endParaRPr dirty="0"/>
-          </a:p>
-          <a:p>
-            <a:pPr lvl="1" algn="l" rtl="0">
-              <a:spcBef>
-                <a:spcPts val="0"/>
-              </a:spcBef>
-              <a:spcAft>
-                <a:spcPts val="0"/>
-              </a:spcAft>
-              <a:buSzPts val="1400"/>
-              <a:buFont typeface="Arial" panose="020B0604020202020204" pitchFamily="34" charset="0"/>
-              <a:buChar char="•"/>
-            </a:pPr>
-            <a:r>
-              <a:rPr lang="en-GB" dirty="0"/>
-              <a:t>M</a:t>
-            </a:r>
-            <a:r>
-              <a:rPr lang="de" dirty="0"/>
-              <a:t>emory</a:t>
-            </a:r>
-            <a:br>
-              <a:rPr lang="de" dirty="0"/>
-            </a:br>
-            <a:endParaRPr dirty="0"/>
-          </a:p>
-          <a:p>
-            <a:pPr lvl="0" algn="l" rtl="0">
-              <a:spcBef>
-                <a:spcPts val="0"/>
-              </a:spcBef>
-              <a:spcAft>
-                <a:spcPts val="0"/>
-              </a:spcAft>
-              <a:buSzPts val="1800"/>
-              <a:buFont typeface="Arial" panose="020B0604020202020204" pitchFamily="34" charset="0"/>
-              <a:buChar char="•"/>
-            </a:pPr>
-            <a:r>
-              <a:rPr lang="de" dirty="0"/>
-              <a:t>Optimierung:</a:t>
-            </a:r>
-            <a:endParaRPr dirty="0"/>
-          </a:p>
-          <a:p>
-            <a:pPr lvl="1" algn="l" rtl="0">
-              <a:spcBef>
-                <a:spcPts val="0"/>
-              </a:spcBef>
-              <a:spcAft>
-                <a:spcPts val="0"/>
-              </a:spcAft>
-              <a:buSzPts val="1400"/>
-              <a:buFont typeface="Arial" panose="020B0604020202020204" pitchFamily="34" charset="0"/>
-              <a:buChar char="•"/>
-            </a:pPr>
-            <a:r>
-              <a:rPr lang="de" dirty="0"/>
-              <a:t>Variablen</a:t>
-            </a:r>
-            <a:endParaRPr dirty="0"/>
-          </a:p>
-          <a:p>
-            <a:pPr lvl="1" algn="l" rtl="0">
-              <a:spcBef>
-                <a:spcPts val="0"/>
-              </a:spcBef>
-              <a:spcAft>
-                <a:spcPts val="0"/>
-              </a:spcAft>
-              <a:buSzPts val="1400"/>
-              <a:buFont typeface="Arial" panose="020B0604020202020204" pitchFamily="34" charset="0"/>
-              <a:buChar char="•"/>
-            </a:pPr>
-            <a:r>
-              <a:rPr lang="de" dirty="0"/>
-              <a:t>requires</a:t>
-            </a:r>
-            <a:endParaRPr dirty="0"/>
-          </a:p>
-          <a:p>
-            <a:pPr lvl="1" algn="l" rtl="0">
-              <a:spcBef>
-                <a:spcPts val="0"/>
-              </a:spcBef>
-              <a:spcAft>
-                <a:spcPts val="0"/>
-              </a:spcAft>
-              <a:buSzPts val="1400"/>
-              <a:buFont typeface="Arial" panose="020B0604020202020204" pitchFamily="34" charset="0"/>
-              <a:buChar char="•"/>
-            </a:pPr>
-            <a:r>
-              <a:rPr lang="de" dirty="0"/>
-              <a:t>modifier</a:t>
-            </a:r>
-            <a:endParaRPr dirty="0"/>
-          </a:p>
-        </p:txBody>
-      </p:sp>
-      <p:pic>
-        <p:nvPicPr>
-          <p:cNvPr id="126" name="Google Shape;126;p24"/>
-          <p:cNvPicPr preferRelativeResize="0"/>
-          <p:nvPr/>
-        </p:nvPicPr>
-        <p:blipFill>
-          <a:blip r:embed="rId3">
-            <a:alphaModFix/>
-          </a:blip>
-          <a:stretch>
-            <a:fillRect/>
-          </a:stretch>
-        </p:blipFill>
-        <p:spPr>
-          <a:xfrm>
-            <a:off x="3886717" y="2571750"/>
-            <a:ext cx="5026699" cy="643398"/>
-          </a:xfrm>
-          <a:prstGeom prst="rect">
-            <a:avLst/>
-          </a:prstGeom>
-          <a:noFill/>
-          <a:ln>
-            <a:noFill/>
-          </a:ln>
-        </p:spPr>
-      </p:pic>
-      <p:pic>
-        <p:nvPicPr>
-          <p:cNvPr id="127" name="Google Shape;127;p24"/>
-          <p:cNvPicPr preferRelativeResize="0"/>
-          <p:nvPr/>
-        </p:nvPicPr>
-        <p:blipFill>
-          <a:blip r:embed="rId4">
-            <a:alphaModFix/>
-          </a:blip>
-          <a:stretch>
-            <a:fillRect/>
-          </a:stretch>
-        </p:blipFill>
-        <p:spPr>
-          <a:xfrm>
-            <a:off x="3878815" y="1138502"/>
-            <a:ext cx="5034601" cy="454324"/>
-          </a:xfrm>
-          <a:prstGeom prst="rect">
-            <a:avLst/>
-          </a:prstGeom>
-          <a:noFill/>
-          <a:ln>
-            <a:noFill/>
-          </a:ln>
-        </p:spPr>
-      </p:pic>
-    </p:spTree>
-  </p:cSld>
-  <p:clrMapOvr>
-    <a:masterClrMapping/>
-  </p:clrMapOvr>
-</p:sld>
-</file>
-
-<file path=ppt/slides/slide26.xml><?xml version="1.0" encoding="utf-8"?>
-<p:sld xmlns:a="http://schemas.openxmlformats.org/drawingml/2006/main" xmlns:r="http://schemas.openxmlformats.org/officeDocument/2006/relationships" xmlns:p="http://schemas.openxmlformats.org/presentationml/2006/main">
-  <p:cSld>
-    <p:spTree>
-      <p:nvGrpSpPr>
-        <p:cNvPr id="1" name="Shape 131"/>
-        <p:cNvGrpSpPr/>
-        <p:nvPr/>
-      </p:nvGrpSpPr>
-      <p:grpSpPr>
-        <a:xfrm>
-          <a:off x="0" y="0"/>
-          <a:ext cx="0" cy="0"/>
-          <a:chOff x="0" y="0"/>
-          <a:chExt cx="0" cy="0"/>
-        </a:xfrm>
-      </p:grpSpPr>
-      <p:sp>
-        <p:nvSpPr>
-          <p:cNvPr id="132" name="Google Shape;132;p25"/>
-          <p:cNvSpPr txBox="1">
-            <a:spLocks noGrp="1"/>
-          </p:cNvSpPr>
-          <p:nvPr>
-            <p:ph type="title"/>
-          </p:nvPr>
-        </p:nvSpPr>
-        <p:spPr>
-          <a:prstGeom prst="rect">
-            <a:avLst/>
-          </a:prstGeom>
-        </p:spPr>
-        <p:txBody>
-          <a:bodyPr spcFirstLastPara="1" wrap="square" lIns="91425" tIns="91425" rIns="91425" bIns="91425" anchor="t" anchorCtr="0">
-            <a:noAutofit/>
-          </a:bodyPr>
-          <a:lstStyle/>
-          <a:p>
-            <a:pPr marL="0" lvl="0" indent="0" algn="l" rtl="0">
-              <a:spcBef>
-                <a:spcPts val="0"/>
-              </a:spcBef>
-              <a:spcAft>
-                <a:spcPts val="0"/>
-              </a:spcAft>
-              <a:buClr>
-                <a:schemeClr val="dk1"/>
-              </a:buClr>
-              <a:buSzPts val="1100"/>
-              <a:buFont typeface="Arial"/>
-              <a:buNone/>
-            </a:pPr>
-            <a:r>
-              <a:rPr lang="de" sz="3200" dirty="0"/>
-              <a:t>Carchain: Smart Contract Implementierung</a:t>
-            </a:r>
-            <a:endParaRPr sz="3200" dirty="0"/>
-          </a:p>
-        </p:txBody>
-      </p:sp>
-      <p:sp>
-        <p:nvSpPr>
-          <p:cNvPr id="133" name="Google Shape;133;p25"/>
-          <p:cNvSpPr txBox="1">
-            <a:spLocks noGrp="1"/>
-          </p:cNvSpPr>
-          <p:nvPr>
-            <p:ph idx="1"/>
-          </p:nvPr>
-        </p:nvSpPr>
-        <p:spPr>
-          <a:prstGeom prst="rect">
-            <a:avLst/>
-          </a:prstGeom>
-        </p:spPr>
-        <p:txBody>
-          <a:bodyPr spcFirstLastPara="1" wrap="square" lIns="91425" tIns="91425" rIns="91425" bIns="91425" anchor="t" anchorCtr="0">
-            <a:noAutofit/>
-          </a:bodyPr>
-          <a:lstStyle/>
-          <a:p>
-            <a:pPr lvl="0" algn="l" rtl="0">
-              <a:spcBef>
-                <a:spcPts val="0"/>
-              </a:spcBef>
-              <a:spcAft>
-                <a:spcPts val="0"/>
-              </a:spcAft>
-              <a:buSzPts val="1800"/>
-              <a:buFont typeface="Arial" panose="020B0604020202020204" pitchFamily="34" charset="0"/>
-              <a:buChar char="•"/>
-            </a:pPr>
-            <a:r>
-              <a:rPr lang="de" dirty="0"/>
-              <a:t>addCar</a:t>
-            </a:r>
-            <a:endParaRPr dirty="0"/>
-          </a:p>
-          <a:p>
-            <a:pPr lvl="0" algn="l" rtl="0">
-              <a:spcBef>
-                <a:spcPts val="0"/>
-              </a:spcBef>
-              <a:spcAft>
-                <a:spcPts val="0"/>
-              </a:spcAft>
-              <a:buSzPts val="1800"/>
-              <a:buFont typeface="Arial" panose="020B0604020202020204" pitchFamily="34" charset="0"/>
-              <a:buChar char="•"/>
-            </a:pPr>
-            <a:r>
-              <a:rPr lang="de" dirty="0"/>
-              <a:t>removeCar</a:t>
-            </a:r>
-            <a:endParaRPr dirty="0"/>
-          </a:p>
-          <a:p>
-            <a:pPr lvl="0" algn="l" rtl="0">
-              <a:spcBef>
-                <a:spcPts val="0"/>
-              </a:spcBef>
-              <a:spcAft>
-                <a:spcPts val="0"/>
-              </a:spcAft>
-              <a:buSzPts val="1800"/>
-              <a:buFont typeface="Arial" panose="020B0604020202020204" pitchFamily="34" charset="0"/>
-              <a:buChar char="•"/>
-            </a:pPr>
-            <a:r>
-              <a:rPr lang="de" dirty="0"/>
-              <a:t>rentCar</a:t>
-            </a:r>
-            <a:endParaRPr dirty="0"/>
-          </a:p>
-          <a:p>
-            <a:pPr lvl="0" algn="l" rtl="0">
-              <a:spcBef>
-                <a:spcPts val="0"/>
-              </a:spcBef>
-              <a:spcAft>
-                <a:spcPts val="0"/>
-              </a:spcAft>
-              <a:buSzPts val="1800"/>
-              <a:buFont typeface="Arial" panose="020B0604020202020204" pitchFamily="34" charset="0"/>
-              <a:buChar char="•"/>
-            </a:pPr>
-            <a:r>
-              <a:rPr lang="de" dirty="0"/>
-              <a:t>mayRent</a:t>
-            </a:r>
-            <a:endParaRPr dirty="0"/>
-          </a:p>
-          <a:p>
-            <a:pPr lvl="0" algn="l" rtl="0">
-              <a:spcBef>
-                <a:spcPts val="0"/>
-              </a:spcBef>
-              <a:spcAft>
-                <a:spcPts val="0"/>
-              </a:spcAft>
-              <a:buSzPts val="1800"/>
-              <a:buFont typeface="Arial" panose="020B0604020202020204" pitchFamily="34" charset="0"/>
-              <a:buChar char="•"/>
-            </a:pPr>
-            <a:r>
-              <a:rPr lang="de" dirty="0"/>
-              <a:t>isLegalLeaser</a:t>
-            </a:r>
-            <a:endParaRPr dirty="0"/>
-          </a:p>
-          <a:p>
-            <a:pPr lvl="0" algn="l" rtl="0">
-              <a:spcBef>
-                <a:spcPts val="0"/>
-              </a:spcBef>
-              <a:spcAft>
-                <a:spcPts val="0"/>
-              </a:spcAft>
-              <a:buSzPts val="1800"/>
-              <a:buFont typeface="Arial" panose="020B0604020202020204" pitchFamily="34" charset="0"/>
-              <a:buChar char="•"/>
-            </a:pPr>
-            <a:r>
-              <a:rPr lang="de" dirty="0"/>
-              <a:t>returnCarToCarpool</a:t>
-            </a:r>
-            <a:endParaRPr dirty="0"/>
-          </a:p>
-          <a:p>
-            <a:pPr lvl="0" algn="l" rtl="0">
-              <a:spcBef>
-                <a:spcPts val="0"/>
-              </a:spcBef>
-              <a:spcAft>
-                <a:spcPts val="0"/>
-              </a:spcAft>
-              <a:buSzPts val="1800"/>
-              <a:buFont typeface="Arial" panose="020B0604020202020204" pitchFamily="34" charset="0"/>
-              <a:buChar char="•"/>
-            </a:pPr>
-            <a:r>
-              <a:rPr lang="de" dirty="0"/>
-              <a:t>getAvaibleVehicles</a:t>
-            </a:r>
-            <a:endParaRPr dirty="0"/>
-          </a:p>
-          <a:p>
-            <a:pPr lvl="0" algn="l" rtl="0">
-              <a:spcBef>
-                <a:spcPts val="0"/>
-              </a:spcBef>
-              <a:spcAft>
-                <a:spcPts val="0"/>
-              </a:spcAft>
-              <a:buSzPts val="1800"/>
-              <a:buFont typeface="Arial" panose="020B0604020202020204" pitchFamily="34" charset="0"/>
-              <a:buChar char="•"/>
-            </a:pPr>
-            <a:r>
-              <a:rPr lang="de" dirty="0"/>
-              <a:t>resetCars</a:t>
-            </a:r>
-            <a:endParaRPr dirty="0"/>
-          </a:p>
-        </p:txBody>
-      </p:sp>
-      <p:pic>
-        <p:nvPicPr>
-          <p:cNvPr id="134" name="Google Shape;134;p25"/>
-          <p:cNvPicPr preferRelativeResize="0"/>
-          <p:nvPr/>
-        </p:nvPicPr>
-        <p:blipFill>
-          <a:blip r:embed="rId3">
-            <a:alphaModFix/>
-          </a:blip>
-          <a:stretch>
-            <a:fillRect/>
-          </a:stretch>
-        </p:blipFill>
-        <p:spPr>
-          <a:xfrm>
-            <a:off x="5130421" y="1017725"/>
-            <a:ext cx="2147907" cy="2660040"/>
-          </a:xfrm>
-          <a:prstGeom prst="rect">
-            <a:avLst/>
-          </a:prstGeom>
-          <a:noFill/>
-          <a:ln>
-            <a:noFill/>
-          </a:ln>
-        </p:spPr>
-      </p:pic>
-    </p:spTree>
-  </p:cSld>
-  <p:clrMapOvr>
-    <a:masterClrMapping/>
-  </p:clrMapOvr>
-</p:sld>
-</file>
-
-<file path=ppt/slides/slide27.xml><?xml version="1.0" encoding="utf-8"?>
-<p:sld xmlns:a="http://schemas.openxmlformats.org/drawingml/2006/main" xmlns:r="http://schemas.openxmlformats.org/officeDocument/2006/relationships" xmlns:p="http://schemas.openxmlformats.org/presentationml/2006/main">
-  <p:cSld>
-    <p:spTree>
-      <p:nvGrpSpPr>
-        <p:cNvPr id="1" name="Shape 138"/>
-        <p:cNvGrpSpPr/>
-        <p:nvPr/>
-      </p:nvGrpSpPr>
-      <p:grpSpPr>
-        <a:xfrm>
-          <a:off x="0" y="0"/>
-          <a:ext cx="0" cy="0"/>
-          <a:chOff x="0" y="0"/>
-          <a:chExt cx="0" cy="0"/>
-        </a:xfrm>
-      </p:grpSpPr>
-      <p:sp>
-        <p:nvSpPr>
-          <p:cNvPr id="139" name="Google Shape;139;p26"/>
-          <p:cNvSpPr txBox="1">
-            <a:spLocks noGrp="1"/>
-          </p:cNvSpPr>
-          <p:nvPr>
-            <p:ph type="title"/>
-          </p:nvPr>
-        </p:nvSpPr>
-        <p:spPr>
-          <a:prstGeom prst="rect">
-            <a:avLst/>
-          </a:prstGeom>
-        </p:spPr>
-        <p:txBody>
-          <a:bodyPr spcFirstLastPara="1" wrap="square" lIns="91425" tIns="91425" rIns="91425" bIns="91425" anchor="t" anchorCtr="0">
-            <a:noAutofit/>
-          </a:bodyPr>
-          <a:lstStyle/>
-          <a:p>
-            <a:pPr marL="0" lvl="0" indent="0" algn="l" rtl="0">
-              <a:spcBef>
-                <a:spcPts val="0"/>
-              </a:spcBef>
-              <a:spcAft>
-                <a:spcPts val="0"/>
-              </a:spcAft>
-              <a:buClr>
-                <a:schemeClr val="dk1"/>
-              </a:buClr>
-              <a:buSzPts val="1100"/>
-              <a:buFont typeface="Arial"/>
-              <a:buNone/>
-            </a:pPr>
-            <a:r>
-              <a:rPr lang="de"/>
-              <a:t>Carchain: Funktionsweise</a:t>
-            </a:r>
-            <a:endParaRPr/>
-          </a:p>
-        </p:txBody>
-      </p:sp>
-      <p:sp>
-        <p:nvSpPr>
-          <p:cNvPr id="140" name="Google Shape;140;p26"/>
-          <p:cNvSpPr/>
-          <p:nvPr/>
-        </p:nvSpPr>
-        <p:spPr>
-          <a:xfrm>
-            <a:off x="733075" y="1256800"/>
-            <a:ext cx="1998900" cy="348600"/>
-          </a:xfrm>
-          <a:prstGeom prst="rect">
-            <a:avLst/>
-          </a:prstGeom>
-          <a:solidFill>
-            <a:schemeClr val="accent2">
-              <a:lumMod val="40000"/>
-              <a:lumOff val="60000"/>
-            </a:schemeClr>
-          </a:solidFill>
-          <a:ln>
-            <a:headEnd type="none" w="sm" len="sm"/>
-            <a:tailEnd type="none" w="sm" len="sm"/>
-          </a:ln>
-        </p:spPr>
-        <p:style>
-          <a:lnRef idx="1">
-            <a:schemeClr val="dk1"/>
-          </a:lnRef>
-          <a:fillRef idx="2">
-            <a:schemeClr val="dk1"/>
-          </a:fillRef>
-          <a:effectRef idx="1">
-            <a:schemeClr val="dk1"/>
-          </a:effectRef>
-          <a:fontRef idx="minor">
-            <a:schemeClr val="dk1"/>
-          </a:fontRef>
-        </p:style>
-        <p:txBody>
-          <a:bodyPr spcFirstLastPara="1" wrap="square" lIns="91425" tIns="91425" rIns="91425" bIns="91425" anchor="ctr" anchorCtr="0">
-            <a:noAutofit/>
-          </a:bodyPr>
-          <a:lstStyle/>
-          <a:p>
-            <a:pPr marL="0" lvl="0" indent="0" algn="l" rtl="0">
-              <a:spcBef>
-                <a:spcPts val="0"/>
-              </a:spcBef>
-              <a:spcAft>
-                <a:spcPts val="0"/>
-              </a:spcAft>
-              <a:buNone/>
-            </a:pPr>
-            <a:r>
-              <a:rPr lang="de" dirty="0">
-                <a:latin typeface="+mn-lt"/>
-              </a:rPr>
-              <a:t>Blockchain aufbauen</a:t>
-            </a:r>
-            <a:endParaRPr dirty="0">
-              <a:latin typeface="+mn-lt"/>
-            </a:endParaRPr>
-          </a:p>
-        </p:txBody>
-      </p:sp>
-      <p:sp>
-        <p:nvSpPr>
-          <p:cNvPr id="141" name="Google Shape;141;p26"/>
-          <p:cNvSpPr/>
-          <p:nvPr/>
-        </p:nvSpPr>
-        <p:spPr>
-          <a:xfrm>
-            <a:off x="754825" y="1827125"/>
-            <a:ext cx="1998900" cy="348600"/>
-          </a:xfrm>
-          <a:prstGeom prst="rect">
-            <a:avLst/>
-          </a:prstGeom>
-          <a:solidFill>
-            <a:schemeClr val="accent2">
-              <a:lumMod val="40000"/>
-              <a:lumOff val="60000"/>
-            </a:schemeClr>
-          </a:solidFill>
-          <a:ln>
-            <a:headEnd type="none" w="sm" len="sm"/>
-            <a:tailEnd type="none" w="sm" len="sm"/>
-          </a:ln>
-        </p:spPr>
-        <p:style>
-          <a:lnRef idx="1">
-            <a:schemeClr val="dk1"/>
-          </a:lnRef>
-          <a:fillRef idx="2">
-            <a:schemeClr val="dk1"/>
-          </a:fillRef>
-          <a:effectRef idx="1">
-            <a:schemeClr val="dk1"/>
-          </a:effectRef>
-          <a:fontRef idx="minor">
-            <a:schemeClr val="dk1"/>
-          </a:fontRef>
-        </p:style>
-        <p:txBody>
-          <a:bodyPr spcFirstLastPara="1" wrap="square" lIns="91425" tIns="91425" rIns="91425" bIns="91425" anchor="ctr" anchorCtr="0">
-            <a:noAutofit/>
-          </a:bodyPr>
-          <a:lstStyle/>
-          <a:p>
-            <a:pPr marL="0" lvl="0" indent="0" algn="l" rtl="0">
-              <a:spcBef>
-                <a:spcPts val="0"/>
-              </a:spcBef>
-              <a:spcAft>
-                <a:spcPts val="0"/>
-              </a:spcAft>
-              <a:buNone/>
-            </a:pPr>
-            <a:r>
-              <a:rPr lang="de">
-                <a:latin typeface="+mn-lt"/>
-              </a:rPr>
-              <a:t>Contract kompilieren</a:t>
-            </a:r>
-            <a:endParaRPr>
-              <a:latin typeface="+mn-lt"/>
-            </a:endParaRPr>
-          </a:p>
-        </p:txBody>
-      </p:sp>
-      <p:sp>
-        <p:nvSpPr>
-          <p:cNvPr id="142" name="Google Shape;142;p26"/>
-          <p:cNvSpPr/>
-          <p:nvPr/>
-        </p:nvSpPr>
-        <p:spPr>
-          <a:xfrm>
-            <a:off x="754825" y="2397450"/>
-            <a:ext cx="1998900" cy="348600"/>
-          </a:xfrm>
-          <a:prstGeom prst="rect">
-            <a:avLst/>
-          </a:prstGeom>
-          <a:solidFill>
-            <a:schemeClr val="accent2">
-              <a:lumMod val="40000"/>
-              <a:lumOff val="60000"/>
-            </a:schemeClr>
-          </a:solidFill>
-          <a:ln>
-            <a:headEnd type="none" w="sm" len="sm"/>
-            <a:tailEnd type="none" w="sm" len="sm"/>
-          </a:ln>
-        </p:spPr>
-        <p:style>
-          <a:lnRef idx="1">
-            <a:schemeClr val="dk1"/>
-          </a:lnRef>
-          <a:fillRef idx="2">
-            <a:schemeClr val="dk1"/>
-          </a:fillRef>
-          <a:effectRef idx="1">
-            <a:schemeClr val="dk1"/>
-          </a:effectRef>
-          <a:fontRef idx="minor">
-            <a:schemeClr val="dk1"/>
-          </a:fontRef>
-        </p:style>
-        <p:txBody>
-          <a:bodyPr spcFirstLastPara="1" wrap="square" lIns="91425" tIns="91425" rIns="91425" bIns="91425" anchor="ctr" anchorCtr="0">
-            <a:noAutofit/>
-          </a:bodyPr>
-          <a:lstStyle/>
-          <a:p>
-            <a:pPr marL="0" lvl="0" indent="0" algn="l" rtl="0">
-              <a:spcBef>
-                <a:spcPts val="0"/>
-              </a:spcBef>
-              <a:spcAft>
-                <a:spcPts val="0"/>
-              </a:spcAft>
-              <a:buNone/>
-            </a:pPr>
-            <a:r>
-              <a:rPr lang="de">
-                <a:latin typeface="+mn-lt"/>
-              </a:rPr>
-              <a:t>Contract deployen</a:t>
-            </a:r>
-            <a:endParaRPr>
-              <a:latin typeface="+mn-lt"/>
-            </a:endParaRPr>
-          </a:p>
-        </p:txBody>
-      </p:sp>
-      <p:sp>
-        <p:nvSpPr>
-          <p:cNvPr id="143" name="Google Shape;143;p26"/>
-          <p:cNvSpPr/>
-          <p:nvPr/>
-        </p:nvSpPr>
-        <p:spPr>
-          <a:xfrm>
-            <a:off x="754825" y="2967775"/>
-            <a:ext cx="1998900" cy="348600"/>
-          </a:xfrm>
-          <a:prstGeom prst="rect">
-            <a:avLst/>
-          </a:prstGeom>
-          <a:solidFill>
-            <a:schemeClr val="accent2">
-              <a:lumMod val="40000"/>
-              <a:lumOff val="60000"/>
-            </a:schemeClr>
-          </a:solidFill>
-          <a:ln>
-            <a:headEnd type="none" w="sm" len="sm"/>
-            <a:tailEnd type="none" w="sm" len="sm"/>
-          </a:ln>
-        </p:spPr>
-        <p:style>
-          <a:lnRef idx="1">
-            <a:schemeClr val="dk1"/>
-          </a:lnRef>
-          <a:fillRef idx="2">
-            <a:schemeClr val="dk1"/>
-          </a:fillRef>
-          <a:effectRef idx="1">
-            <a:schemeClr val="dk1"/>
-          </a:effectRef>
-          <a:fontRef idx="minor">
-            <a:schemeClr val="dk1"/>
-          </a:fontRef>
-        </p:style>
-        <p:txBody>
-          <a:bodyPr spcFirstLastPara="1" wrap="square" lIns="91425" tIns="91425" rIns="91425" bIns="91425" anchor="ctr" anchorCtr="0">
-            <a:noAutofit/>
-          </a:bodyPr>
-          <a:lstStyle/>
-          <a:p>
-            <a:pPr marL="0" lvl="0" indent="0" algn="l" rtl="0">
-              <a:spcBef>
-                <a:spcPts val="0"/>
-              </a:spcBef>
-              <a:spcAft>
-                <a:spcPts val="0"/>
-              </a:spcAft>
-              <a:buNone/>
-            </a:pPr>
-            <a:r>
-              <a:rPr lang="de">
-                <a:latin typeface="+mn-lt"/>
-              </a:rPr>
-              <a:t>Web3 Connect</a:t>
-            </a:r>
-            <a:endParaRPr>
-              <a:latin typeface="+mn-lt"/>
-            </a:endParaRPr>
-          </a:p>
-        </p:txBody>
-      </p:sp>
-      <p:sp>
-        <p:nvSpPr>
-          <p:cNvPr id="144" name="Google Shape;144;p26"/>
-          <p:cNvSpPr/>
-          <p:nvPr/>
-        </p:nvSpPr>
-        <p:spPr>
-          <a:xfrm>
-            <a:off x="711175" y="4108375"/>
-            <a:ext cx="2020800" cy="348600"/>
-          </a:xfrm>
-          <a:prstGeom prst="rect">
-            <a:avLst/>
-          </a:prstGeom>
-          <a:solidFill>
-            <a:schemeClr val="accent2">
-              <a:lumMod val="40000"/>
-              <a:lumOff val="60000"/>
-            </a:schemeClr>
-          </a:solidFill>
-          <a:ln>
-            <a:headEnd type="none" w="sm" len="sm"/>
-            <a:tailEnd type="none" w="sm" len="sm"/>
-          </a:ln>
-        </p:spPr>
-        <p:style>
-          <a:lnRef idx="1">
-            <a:schemeClr val="dk1"/>
-          </a:lnRef>
-          <a:fillRef idx="2">
-            <a:schemeClr val="dk1"/>
-          </a:fillRef>
-          <a:effectRef idx="1">
-            <a:schemeClr val="dk1"/>
-          </a:effectRef>
-          <a:fontRef idx="minor">
-            <a:schemeClr val="dk1"/>
-          </a:fontRef>
-        </p:style>
-        <p:txBody>
-          <a:bodyPr spcFirstLastPara="1" wrap="square" lIns="91425" tIns="91425" rIns="91425" bIns="91425" anchor="ctr" anchorCtr="0">
-            <a:noAutofit/>
-          </a:bodyPr>
-          <a:lstStyle/>
-          <a:p>
-            <a:pPr marL="0" lvl="0" indent="0" algn="l" rtl="0">
-              <a:spcBef>
-                <a:spcPts val="0"/>
-              </a:spcBef>
-              <a:spcAft>
-                <a:spcPts val="0"/>
-              </a:spcAft>
-              <a:buNone/>
-            </a:pPr>
-            <a:r>
-              <a:rPr lang="de">
-                <a:latin typeface="+mn-lt"/>
-              </a:rPr>
-              <a:t>Funktionen ausführen</a:t>
-            </a:r>
-            <a:endParaRPr>
-              <a:latin typeface="+mn-lt"/>
-            </a:endParaRPr>
-          </a:p>
-        </p:txBody>
-      </p:sp>
-      <p:sp>
-        <p:nvSpPr>
-          <p:cNvPr id="145" name="Google Shape;145;p26"/>
-          <p:cNvSpPr/>
-          <p:nvPr/>
-        </p:nvSpPr>
-        <p:spPr>
-          <a:xfrm>
-            <a:off x="1674775" y="1609762"/>
-            <a:ext cx="159000" cy="213000"/>
-          </a:xfrm>
-          <a:prstGeom prst="downArrow">
-            <a:avLst>
-              <a:gd name="adj1" fmla="val 50000"/>
-              <a:gd name="adj2" fmla="val 50000"/>
-            </a:avLst>
-          </a:prstGeom>
-          <a:solidFill>
-            <a:schemeClr val="accent2">
-              <a:lumMod val="40000"/>
-              <a:lumOff val="60000"/>
-            </a:schemeClr>
-          </a:solidFill>
-          <a:ln>
-            <a:headEnd type="none" w="sm" len="sm"/>
-            <a:tailEnd type="none" w="sm" len="sm"/>
-          </a:ln>
-        </p:spPr>
-        <p:style>
-          <a:lnRef idx="1">
-            <a:schemeClr val="dk1"/>
-          </a:lnRef>
-          <a:fillRef idx="2">
-            <a:schemeClr val="dk1"/>
-          </a:fillRef>
-          <a:effectRef idx="1">
-            <a:schemeClr val="dk1"/>
-          </a:effectRef>
-          <a:fontRef idx="minor">
-            <a:schemeClr val="dk1"/>
-          </a:fontRef>
-        </p:style>
-        <p:txBody>
-          <a:bodyPr spcFirstLastPara="1" wrap="square" lIns="91425" tIns="91425" rIns="91425" bIns="91425" anchor="ctr" anchorCtr="0">
-            <a:noAutofit/>
-          </a:bodyPr>
-          <a:lstStyle/>
-          <a:p>
-            <a:pPr marL="0" lvl="0" indent="0" algn="l" rtl="0">
-              <a:spcBef>
-                <a:spcPts val="0"/>
-              </a:spcBef>
-              <a:spcAft>
-                <a:spcPts val="0"/>
-              </a:spcAft>
-              <a:buNone/>
-            </a:pPr>
-            <a:endParaRPr>
-              <a:latin typeface="+mn-lt"/>
-            </a:endParaRPr>
-          </a:p>
-        </p:txBody>
-      </p:sp>
-      <p:sp>
-        <p:nvSpPr>
-          <p:cNvPr id="146" name="Google Shape;146;p26"/>
-          <p:cNvSpPr/>
-          <p:nvPr/>
-        </p:nvSpPr>
-        <p:spPr>
-          <a:xfrm>
-            <a:off x="1663975" y="2180099"/>
-            <a:ext cx="159000" cy="213000"/>
-          </a:xfrm>
-          <a:prstGeom prst="downArrow">
-            <a:avLst>
-              <a:gd name="adj1" fmla="val 50000"/>
-              <a:gd name="adj2" fmla="val 50000"/>
-            </a:avLst>
-          </a:prstGeom>
-          <a:solidFill>
-            <a:schemeClr val="accent2">
-              <a:lumMod val="40000"/>
-              <a:lumOff val="60000"/>
-            </a:schemeClr>
-          </a:solidFill>
-          <a:ln>
-            <a:headEnd type="none" w="sm" len="sm"/>
-            <a:tailEnd type="none" w="sm" len="sm"/>
-          </a:ln>
-        </p:spPr>
-        <p:style>
-          <a:lnRef idx="1">
-            <a:schemeClr val="dk1"/>
-          </a:lnRef>
-          <a:fillRef idx="2">
-            <a:schemeClr val="dk1"/>
-          </a:fillRef>
-          <a:effectRef idx="1">
-            <a:schemeClr val="dk1"/>
-          </a:effectRef>
-          <a:fontRef idx="minor">
-            <a:schemeClr val="dk1"/>
-          </a:fontRef>
-        </p:style>
-        <p:txBody>
-          <a:bodyPr spcFirstLastPara="1" wrap="square" lIns="91425" tIns="91425" rIns="91425" bIns="91425" anchor="ctr" anchorCtr="0">
-            <a:noAutofit/>
-          </a:bodyPr>
-          <a:lstStyle/>
-          <a:p>
-            <a:pPr marL="0" lvl="0" indent="0" algn="l" rtl="0">
-              <a:spcBef>
-                <a:spcPts val="0"/>
-              </a:spcBef>
-              <a:spcAft>
-                <a:spcPts val="0"/>
-              </a:spcAft>
-              <a:buNone/>
-            </a:pPr>
-            <a:endParaRPr>
-              <a:latin typeface="+mn-lt"/>
-            </a:endParaRPr>
-          </a:p>
-        </p:txBody>
-      </p:sp>
-      <p:sp>
-        <p:nvSpPr>
-          <p:cNvPr id="147" name="Google Shape;147;p26"/>
-          <p:cNvSpPr/>
-          <p:nvPr/>
-        </p:nvSpPr>
-        <p:spPr>
-          <a:xfrm>
-            <a:off x="1663975" y="2750424"/>
-            <a:ext cx="159000" cy="213000"/>
-          </a:xfrm>
-          <a:prstGeom prst="downArrow">
-            <a:avLst>
-              <a:gd name="adj1" fmla="val 50000"/>
-              <a:gd name="adj2" fmla="val 50000"/>
-            </a:avLst>
-          </a:prstGeom>
-          <a:solidFill>
-            <a:schemeClr val="accent2">
-              <a:lumMod val="40000"/>
-              <a:lumOff val="60000"/>
-            </a:schemeClr>
-          </a:solidFill>
-          <a:ln>
-            <a:headEnd type="none" w="sm" len="sm"/>
-            <a:tailEnd type="none" w="sm" len="sm"/>
-          </a:ln>
-        </p:spPr>
-        <p:style>
-          <a:lnRef idx="1">
-            <a:schemeClr val="dk1"/>
-          </a:lnRef>
-          <a:fillRef idx="2">
-            <a:schemeClr val="dk1"/>
-          </a:fillRef>
-          <a:effectRef idx="1">
-            <a:schemeClr val="dk1"/>
-          </a:effectRef>
-          <a:fontRef idx="minor">
-            <a:schemeClr val="dk1"/>
-          </a:fontRef>
-        </p:style>
-        <p:txBody>
-          <a:bodyPr spcFirstLastPara="1" wrap="square" lIns="91425" tIns="91425" rIns="91425" bIns="91425" anchor="ctr" anchorCtr="0">
-            <a:noAutofit/>
-          </a:bodyPr>
-          <a:lstStyle/>
-          <a:p>
-            <a:pPr marL="0" lvl="0" indent="0" algn="l" rtl="0">
-              <a:spcBef>
-                <a:spcPts val="0"/>
-              </a:spcBef>
-              <a:spcAft>
-                <a:spcPts val="0"/>
-              </a:spcAft>
-              <a:buNone/>
-            </a:pPr>
-            <a:endParaRPr>
-              <a:latin typeface="+mn-lt"/>
-            </a:endParaRPr>
-          </a:p>
-        </p:txBody>
-      </p:sp>
-      <p:sp>
-        <p:nvSpPr>
-          <p:cNvPr id="148" name="Google Shape;148;p26"/>
-          <p:cNvSpPr/>
-          <p:nvPr/>
-        </p:nvSpPr>
-        <p:spPr>
-          <a:xfrm>
-            <a:off x="1674775" y="3320724"/>
-            <a:ext cx="159000" cy="213000"/>
-          </a:xfrm>
-          <a:prstGeom prst="downArrow">
-            <a:avLst>
-              <a:gd name="adj1" fmla="val 50000"/>
-              <a:gd name="adj2" fmla="val 50000"/>
-            </a:avLst>
-          </a:prstGeom>
-          <a:solidFill>
-            <a:schemeClr val="accent2">
-              <a:lumMod val="40000"/>
-              <a:lumOff val="60000"/>
-            </a:schemeClr>
-          </a:solidFill>
-          <a:ln>
-            <a:headEnd type="none" w="sm" len="sm"/>
-            <a:tailEnd type="none" w="sm" len="sm"/>
-          </a:ln>
-        </p:spPr>
-        <p:style>
-          <a:lnRef idx="1">
-            <a:schemeClr val="dk1"/>
-          </a:lnRef>
-          <a:fillRef idx="2">
-            <a:schemeClr val="dk1"/>
-          </a:fillRef>
-          <a:effectRef idx="1">
-            <a:schemeClr val="dk1"/>
-          </a:effectRef>
-          <a:fontRef idx="minor">
-            <a:schemeClr val="dk1"/>
-          </a:fontRef>
-        </p:style>
-        <p:txBody>
-          <a:bodyPr spcFirstLastPara="1" wrap="square" lIns="91425" tIns="91425" rIns="91425" bIns="91425" anchor="ctr" anchorCtr="0">
-            <a:noAutofit/>
-          </a:bodyPr>
-          <a:lstStyle/>
-          <a:p>
-            <a:pPr marL="0" lvl="0" indent="0" algn="l" rtl="0">
-              <a:spcBef>
-                <a:spcPts val="0"/>
-              </a:spcBef>
-              <a:spcAft>
-                <a:spcPts val="0"/>
-              </a:spcAft>
-              <a:buNone/>
-            </a:pPr>
-            <a:endParaRPr>
-              <a:latin typeface="+mn-lt"/>
-            </a:endParaRPr>
-          </a:p>
-        </p:txBody>
-      </p:sp>
-      <p:sp>
-        <p:nvSpPr>
-          <p:cNvPr id="149" name="Google Shape;149;p26"/>
-          <p:cNvSpPr/>
-          <p:nvPr/>
-        </p:nvSpPr>
-        <p:spPr>
-          <a:xfrm>
-            <a:off x="3043175" y="1256800"/>
-            <a:ext cx="357000" cy="1489200"/>
-          </a:xfrm>
-          <a:prstGeom prst="rightBrace">
-            <a:avLst>
-              <a:gd name="adj1" fmla="val 50000"/>
-              <a:gd name="adj2" fmla="val 50000"/>
-            </a:avLst>
-          </a:prstGeom>
-          <a:noFill/>
-          <a:ln w="9525" cap="flat" cmpd="sng">
-            <a:solidFill>
-              <a:schemeClr val="dk2"/>
-            </a:solidFill>
-            <a:prstDash val="solid"/>
-            <a:round/>
-            <a:headEnd type="none" w="sm" len="sm"/>
-            <a:tailEnd type="none" w="sm" len="sm"/>
-          </a:ln>
-        </p:spPr>
-        <p:txBody>
-          <a:bodyPr spcFirstLastPara="1" wrap="square" lIns="91425" tIns="91425" rIns="91425" bIns="91425" anchor="ctr" anchorCtr="0">
-            <a:noAutofit/>
-          </a:bodyPr>
-          <a:lstStyle/>
-          <a:p>
-            <a:pPr marL="0" lvl="0" indent="0" algn="l" rtl="0">
-              <a:spcBef>
-                <a:spcPts val="0"/>
-              </a:spcBef>
-              <a:spcAft>
-                <a:spcPts val="0"/>
-              </a:spcAft>
-              <a:buNone/>
-            </a:pPr>
-            <a:endParaRPr/>
-          </a:p>
-        </p:txBody>
-      </p:sp>
-      <p:sp>
-        <p:nvSpPr>
-          <p:cNvPr id="150" name="Google Shape;150;p26"/>
-          <p:cNvSpPr/>
-          <p:nvPr/>
-        </p:nvSpPr>
-        <p:spPr>
-          <a:xfrm>
-            <a:off x="3043175" y="2963425"/>
-            <a:ext cx="357000" cy="1489200"/>
-          </a:xfrm>
-          <a:prstGeom prst="rightBrace">
-            <a:avLst>
-              <a:gd name="adj1" fmla="val 50000"/>
-              <a:gd name="adj2" fmla="val 50000"/>
-            </a:avLst>
-          </a:prstGeom>
-          <a:noFill/>
-          <a:ln w="9525" cap="flat" cmpd="sng">
-            <a:solidFill>
-              <a:schemeClr val="dk2"/>
-            </a:solidFill>
-            <a:prstDash val="solid"/>
-            <a:round/>
-            <a:headEnd type="none" w="sm" len="sm"/>
-            <a:tailEnd type="none" w="sm" len="sm"/>
-          </a:ln>
-        </p:spPr>
-        <p:txBody>
-          <a:bodyPr spcFirstLastPara="1" wrap="square" lIns="91425" tIns="91425" rIns="91425" bIns="91425" anchor="ctr" anchorCtr="0">
-            <a:noAutofit/>
-          </a:bodyPr>
-          <a:lstStyle/>
-          <a:p>
-            <a:pPr marL="0" lvl="0" indent="0" algn="l" rtl="0">
-              <a:spcBef>
-                <a:spcPts val="0"/>
-              </a:spcBef>
-              <a:spcAft>
-                <a:spcPts val="0"/>
-              </a:spcAft>
-              <a:buNone/>
-            </a:pPr>
-            <a:endParaRPr/>
-          </a:p>
-        </p:txBody>
-      </p:sp>
-      <p:sp>
-        <p:nvSpPr>
-          <p:cNvPr id="151" name="Google Shape;151;p26"/>
-          <p:cNvSpPr txBox="1"/>
-          <p:nvPr/>
-        </p:nvSpPr>
-        <p:spPr>
-          <a:xfrm>
-            <a:off x="3689625" y="1827100"/>
-            <a:ext cx="1239300" cy="348600"/>
-          </a:xfrm>
-          <a:prstGeom prst="rect">
-            <a:avLst/>
-          </a:prstGeom>
-          <a:noFill/>
-          <a:ln>
-            <a:noFill/>
-          </a:ln>
-        </p:spPr>
-        <p:txBody>
-          <a:bodyPr spcFirstLastPara="1" wrap="square" lIns="91425" tIns="91425" rIns="91425" bIns="91425" anchor="t" anchorCtr="0">
-            <a:noAutofit/>
-          </a:bodyPr>
-          <a:lstStyle/>
-          <a:p>
-            <a:pPr marL="0" lvl="0" indent="0" algn="l" rtl="0">
-              <a:spcBef>
-                <a:spcPts val="0"/>
-              </a:spcBef>
-              <a:spcAft>
-                <a:spcPts val="0"/>
-              </a:spcAft>
-              <a:buNone/>
-            </a:pPr>
-            <a:r>
-              <a:rPr lang="de" dirty="0">
-                <a:latin typeface="+mn-lt"/>
-              </a:rPr>
-              <a:t>Commands</a:t>
-            </a:r>
-            <a:endParaRPr dirty="0">
-              <a:latin typeface="+mn-lt"/>
-            </a:endParaRPr>
-          </a:p>
-        </p:txBody>
-      </p:sp>
-      <p:sp>
-        <p:nvSpPr>
-          <p:cNvPr id="152" name="Google Shape;152;p26"/>
-          <p:cNvSpPr txBox="1"/>
-          <p:nvPr/>
-        </p:nvSpPr>
-        <p:spPr>
-          <a:xfrm>
-            <a:off x="3612300" y="3538075"/>
-            <a:ext cx="1919400" cy="348600"/>
-          </a:xfrm>
-          <a:prstGeom prst="rect">
-            <a:avLst/>
-          </a:prstGeom>
-          <a:noFill/>
-          <a:ln>
-            <a:noFill/>
-          </a:ln>
-        </p:spPr>
-        <p:txBody>
-          <a:bodyPr spcFirstLastPara="1" wrap="square" lIns="91425" tIns="91425" rIns="91425" bIns="91425" anchor="t" anchorCtr="0">
-            <a:noAutofit/>
-          </a:bodyPr>
-          <a:lstStyle/>
-          <a:p>
-            <a:pPr marL="0" lvl="0" indent="0" algn="l" rtl="0">
-              <a:spcBef>
-                <a:spcPts val="0"/>
-              </a:spcBef>
-              <a:spcAft>
-                <a:spcPts val="0"/>
-              </a:spcAft>
-              <a:buNone/>
-            </a:pPr>
-            <a:r>
-              <a:rPr lang="de">
-                <a:latin typeface="+mn-lt"/>
-              </a:rPr>
-              <a:t>Programmiersprache</a:t>
-            </a:r>
-            <a:endParaRPr>
-              <a:latin typeface="+mn-lt"/>
-            </a:endParaRPr>
-          </a:p>
-        </p:txBody>
-      </p:sp>
-      <p:sp>
-        <p:nvSpPr>
-          <p:cNvPr id="153" name="Google Shape;153;p26"/>
-          <p:cNvSpPr txBox="1"/>
-          <p:nvPr/>
-        </p:nvSpPr>
-        <p:spPr>
-          <a:xfrm>
-            <a:off x="4306013" y="1160342"/>
-            <a:ext cx="4778477" cy="324000"/>
-          </a:xfrm>
-          <a:prstGeom prst="rect">
-            <a:avLst/>
-          </a:prstGeom>
-          <a:noFill/>
-          <a:ln>
-            <a:noFill/>
-          </a:ln>
-        </p:spPr>
-        <p:txBody>
-          <a:bodyPr spcFirstLastPara="1" wrap="square" lIns="91425" tIns="91425" rIns="91425" bIns="91425" anchor="t" anchorCtr="0">
-            <a:noAutofit/>
-          </a:bodyPr>
-          <a:lstStyle/>
-          <a:p>
-            <a:pPr marL="0" lvl="0" indent="0" algn="l" rtl="0">
-              <a:spcBef>
-                <a:spcPts val="0"/>
-              </a:spcBef>
-              <a:spcAft>
-                <a:spcPts val="0"/>
-              </a:spcAft>
-              <a:buClr>
-                <a:schemeClr val="dk1"/>
-              </a:buClr>
-              <a:buSzPts val="1100"/>
-              <a:buFont typeface="Arial"/>
-              <a:buNone/>
-            </a:pPr>
-            <a:r>
-              <a:rPr lang="de" sz="1100" dirty="0">
-                <a:latin typeface="Consolas" panose="020B0609020204030204" pitchFamily="49" charset="0"/>
-              </a:rPr>
-              <a:t>ganache-cli -m "dragon canoe knife need marine business arctic honey make layer company solar" </a:t>
-            </a:r>
-            <a:br>
-              <a:rPr lang="de" sz="1100" dirty="0">
-                <a:latin typeface="Consolas" panose="020B0609020204030204" pitchFamily="49" charset="0"/>
-              </a:rPr>
-            </a:br>
-            <a:r>
-              <a:rPr lang="de" sz="1100" dirty="0">
-                <a:latin typeface="Consolas" panose="020B0609020204030204" pitchFamily="49" charset="0"/>
-              </a:rPr>
-              <a:t>-h "193.196.54.51" -p 8545 -e 10000 &amp;</a:t>
-            </a:r>
-            <a:endParaRPr sz="1100" dirty="0">
-              <a:latin typeface="Consolas" panose="020B0609020204030204" pitchFamily="49" charset="0"/>
-            </a:endParaRPr>
-          </a:p>
-          <a:p>
-            <a:pPr marL="0" lvl="0" indent="0" algn="l" rtl="0">
-              <a:spcBef>
-                <a:spcPts val="0"/>
-              </a:spcBef>
-              <a:spcAft>
-                <a:spcPts val="0"/>
-              </a:spcAft>
-              <a:buClr>
-                <a:schemeClr val="dk1"/>
-              </a:buClr>
-              <a:buSzPts val="1100"/>
-              <a:buFont typeface="Arial"/>
-              <a:buNone/>
-            </a:pPr>
-            <a:endParaRPr dirty="0">
-              <a:latin typeface="Consolas" panose="020B0609020204030204" pitchFamily="49" charset="0"/>
-            </a:endParaRPr>
-          </a:p>
-          <a:p>
-            <a:pPr marL="0" lvl="0" indent="0" algn="l" rtl="0">
-              <a:spcBef>
-                <a:spcPts val="0"/>
-              </a:spcBef>
-              <a:spcAft>
-                <a:spcPts val="0"/>
-              </a:spcAft>
-              <a:buClr>
-                <a:schemeClr val="dk1"/>
-              </a:buClr>
-              <a:buSzPts val="1100"/>
-              <a:buFont typeface="Arial"/>
-              <a:buNone/>
-            </a:pPr>
-            <a:endParaRPr dirty="0">
-              <a:latin typeface="Consolas" panose="020B0609020204030204" pitchFamily="49" charset="0"/>
-            </a:endParaRPr>
-          </a:p>
-          <a:p>
-            <a:pPr marL="0" lvl="0" indent="0" algn="l" rtl="0">
-              <a:spcBef>
-                <a:spcPts val="0"/>
-              </a:spcBef>
-              <a:spcAft>
-                <a:spcPts val="0"/>
-              </a:spcAft>
-              <a:buNone/>
-            </a:pPr>
-            <a:endParaRPr dirty="0">
-              <a:latin typeface="Consolas" panose="020B0609020204030204" pitchFamily="49" charset="0"/>
-            </a:endParaRPr>
-          </a:p>
-        </p:txBody>
-      </p:sp>
-      <p:sp>
-        <p:nvSpPr>
-          <p:cNvPr id="154" name="Google Shape;154;p26"/>
-          <p:cNvSpPr txBox="1"/>
-          <p:nvPr/>
-        </p:nvSpPr>
-        <p:spPr>
-          <a:xfrm>
-            <a:off x="4306013" y="2247750"/>
-            <a:ext cx="4731055" cy="324000"/>
-          </a:xfrm>
-          <a:prstGeom prst="rect">
-            <a:avLst/>
-          </a:prstGeom>
-          <a:noFill/>
-          <a:ln>
-            <a:noFill/>
-          </a:ln>
-        </p:spPr>
-        <p:txBody>
-          <a:bodyPr spcFirstLastPara="1" wrap="square" lIns="91425" tIns="91425" rIns="91425" bIns="91425" anchor="t" anchorCtr="0">
-            <a:noAutofit/>
-          </a:bodyPr>
-          <a:lstStyle/>
-          <a:p>
-            <a:pPr marL="0" lvl="0" indent="0" algn="l" rtl="0">
-              <a:spcBef>
-                <a:spcPts val="0"/>
-              </a:spcBef>
-              <a:spcAft>
-                <a:spcPts val="0"/>
-              </a:spcAft>
-              <a:buClr>
-                <a:schemeClr val="dk1"/>
-              </a:buClr>
-              <a:buSzPts val="1100"/>
-              <a:buFont typeface="Arial"/>
-              <a:buNone/>
-            </a:pPr>
-            <a:r>
-              <a:rPr lang="de" sz="1100" dirty="0">
-                <a:solidFill>
-                  <a:schemeClr val="dk1"/>
-                </a:solidFill>
-                <a:latin typeface="Consolas" panose="020B0609020204030204" pitchFamily="49" charset="0"/>
-              </a:rPr>
-              <a:t>truffle migrate --network ganacheOnServer --reset</a:t>
-            </a:r>
-            <a:endParaRPr sz="1100" dirty="0">
-              <a:latin typeface="Consolas" panose="020B0609020204030204" pitchFamily="49" charset="0"/>
-            </a:endParaRPr>
-          </a:p>
-        </p:txBody>
-      </p:sp>
-      <p:sp>
-        <p:nvSpPr>
-          <p:cNvPr id="155" name="Google Shape;155;p26"/>
-          <p:cNvSpPr/>
-          <p:nvPr/>
-        </p:nvSpPr>
-        <p:spPr>
-          <a:xfrm>
-            <a:off x="722125" y="3538075"/>
-            <a:ext cx="2020800" cy="348600"/>
-          </a:xfrm>
-          <a:prstGeom prst="rect">
-            <a:avLst/>
-          </a:prstGeom>
-          <a:solidFill>
-            <a:schemeClr val="accent2">
-              <a:lumMod val="40000"/>
-              <a:lumOff val="60000"/>
-            </a:schemeClr>
-          </a:solidFill>
-          <a:ln>
-            <a:headEnd type="none" w="sm" len="sm"/>
-            <a:tailEnd type="none" w="sm" len="sm"/>
-          </a:ln>
-        </p:spPr>
-        <p:style>
-          <a:lnRef idx="1">
-            <a:schemeClr val="dk1"/>
-          </a:lnRef>
-          <a:fillRef idx="2">
-            <a:schemeClr val="dk1"/>
-          </a:fillRef>
-          <a:effectRef idx="1">
-            <a:schemeClr val="dk1"/>
-          </a:effectRef>
-          <a:fontRef idx="minor">
-            <a:schemeClr val="dk1"/>
-          </a:fontRef>
-        </p:style>
-        <p:txBody>
-          <a:bodyPr spcFirstLastPara="1" wrap="square" lIns="91425" tIns="91425" rIns="91425" bIns="91425" anchor="ctr" anchorCtr="0">
-            <a:noAutofit/>
-          </a:bodyPr>
-          <a:lstStyle/>
-          <a:p>
-            <a:pPr marL="0" lvl="0" indent="0" algn="l" rtl="0">
-              <a:spcBef>
-                <a:spcPts val="0"/>
-              </a:spcBef>
-              <a:spcAft>
-                <a:spcPts val="0"/>
-              </a:spcAft>
-              <a:buNone/>
-            </a:pPr>
-            <a:r>
-              <a:rPr lang="de">
-                <a:latin typeface="+mn-lt"/>
-              </a:rPr>
-              <a:t>Interface bereitstellen</a:t>
-            </a:r>
-            <a:endParaRPr>
-              <a:latin typeface="+mn-lt"/>
-            </a:endParaRPr>
-          </a:p>
-        </p:txBody>
-      </p:sp>
-      <p:sp>
-        <p:nvSpPr>
-          <p:cNvPr id="156" name="Google Shape;156;p26"/>
-          <p:cNvSpPr/>
-          <p:nvPr/>
-        </p:nvSpPr>
-        <p:spPr>
-          <a:xfrm>
-            <a:off x="1674775" y="3891024"/>
-            <a:ext cx="159000" cy="213000"/>
-          </a:xfrm>
-          <a:prstGeom prst="downArrow">
-            <a:avLst>
-              <a:gd name="adj1" fmla="val 50000"/>
-              <a:gd name="adj2" fmla="val 50000"/>
-            </a:avLst>
-          </a:prstGeom>
-          <a:solidFill>
-            <a:schemeClr val="accent2">
-              <a:lumMod val="40000"/>
-              <a:lumOff val="60000"/>
-            </a:schemeClr>
-          </a:solidFill>
-          <a:ln>
-            <a:headEnd type="none" w="sm" len="sm"/>
-            <a:tailEnd type="none" w="sm" len="sm"/>
-          </a:ln>
-        </p:spPr>
-        <p:style>
-          <a:lnRef idx="1">
-            <a:schemeClr val="dk1"/>
-          </a:lnRef>
-          <a:fillRef idx="2">
-            <a:schemeClr val="dk1"/>
-          </a:fillRef>
-          <a:effectRef idx="1">
-            <a:schemeClr val="dk1"/>
-          </a:effectRef>
-          <a:fontRef idx="minor">
-            <a:schemeClr val="dk1"/>
-          </a:fontRef>
-        </p:style>
-        <p:txBody>
-          <a:bodyPr spcFirstLastPara="1" wrap="square" lIns="91425" tIns="91425" rIns="91425" bIns="91425" anchor="ctr" anchorCtr="0">
-            <a:noAutofit/>
-          </a:bodyPr>
-          <a:lstStyle/>
-          <a:p>
-            <a:pPr marL="0" lvl="0" indent="0" algn="l" rtl="0">
-              <a:spcBef>
-                <a:spcPts val="0"/>
-              </a:spcBef>
-              <a:spcAft>
-                <a:spcPts val="0"/>
-              </a:spcAft>
-              <a:buNone/>
-            </a:pPr>
-            <a:endParaRPr>
-              <a:latin typeface="+mn-lt"/>
-            </a:endParaRPr>
-          </a:p>
-        </p:txBody>
-      </p:sp>
-    </p:spTree>
-  </p:cSld>
-  <p:clrMapOvr>
-    <a:masterClrMapping/>
-  </p:clrMapOvr>
-</p:sld>
-</file>
-
-<file path=ppt/slides/slide28.xml><?xml version="1.0" encoding="utf-8"?>
-<p:sld xmlns:a="http://schemas.openxmlformats.org/drawingml/2006/main" xmlns:r="http://schemas.openxmlformats.org/officeDocument/2006/relationships" xmlns:p="http://schemas.openxmlformats.org/presentationml/2006/main">
-  <p:cSld>
-    <p:spTree>
-      <p:nvGrpSpPr>
-        <p:cNvPr id="1" name="Shape 160"/>
-        <p:cNvGrpSpPr/>
-        <p:nvPr/>
-      </p:nvGrpSpPr>
-      <p:grpSpPr>
-        <a:xfrm>
-          <a:off x="0" y="0"/>
-          <a:ext cx="0" cy="0"/>
-          <a:chOff x="0" y="0"/>
-          <a:chExt cx="0" cy="0"/>
-        </a:xfrm>
-      </p:grpSpPr>
-      <p:sp>
-        <p:nvSpPr>
-          <p:cNvPr id="161" name="Google Shape;161;p27"/>
-          <p:cNvSpPr txBox="1">
-            <a:spLocks noGrp="1"/>
-          </p:cNvSpPr>
-          <p:nvPr>
-            <p:ph type="title"/>
-          </p:nvPr>
-        </p:nvSpPr>
-        <p:spPr>
-          <a:prstGeom prst="rect">
-            <a:avLst/>
-          </a:prstGeom>
-        </p:spPr>
-        <p:txBody>
-          <a:bodyPr spcFirstLastPara="1" wrap="square" lIns="91425" tIns="91425" rIns="91425" bIns="91425" anchor="t" anchorCtr="0">
-            <a:noAutofit/>
-          </a:bodyPr>
-          <a:lstStyle/>
-          <a:p>
-            <a:pPr marL="0" lvl="0" indent="0" algn="l" rtl="0">
-              <a:spcBef>
-                <a:spcPts val="0"/>
-              </a:spcBef>
-              <a:spcAft>
-                <a:spcPts val="0"/>
-              </a:spcAft>
-              <a:buClr>
-                <a:schemeClr val="dk1"/>
-              </a:buClr>
-              <a:buSzPts val="1100"/>
-              <a:buFont typeface="Arial"/>
-              <a:buNone/>
-            </a:pPr>
-            <a:r>
-              <a:rPr lang="de"/>
-              <a:t>Carchain: Funktionsweise</a:t>
-            </a:r>
-            <a:endParaRPr/>
-          </a:p>
-        </p:txBody>
-      </p:sp>
-      <p:sp>
-        <p:nvSpPr>
-          <p:cNvPr id="2" name="Inhaltsplatzhalter 1">
-            <a:extLst>
-              <a:ext uri="{FF2B5EF4-FFF2-40B4-BE49-F238E27FC236}">
-                <a16:creationId xmlns:a16="http://schemas.microsoft.com/office/drawing/2014/main" id="{CF60FB9F-F923-46BB-AC09-6380140ABF85}"/>
-              </a:ext>
-            </a:extLst>
-          </p:cNvPr>
-          <p:cNvSpPr>
-            <a:spLocks noGrp="1"/>
-          </p:cNvSpPr>
-          <p:nvPr>
-            <p:ph idx="1"/>
-          </p:nvPr>
-        </p:nvSpPr>
-        <p:spPr/>
-        <p:txBody>
-          <a:bodyPr/>
-          <a:lstStyle/>
-          <a:p>
-            <a:endParaRPr lang="de-DE"/>
-          </a:p>
-        </p:txBody>
-      </p:sp>
-      <p:pic>
-        <p:nvPicPr>
-          <p:cNvPr id="162" name="Google Shape;162;p27"/>
-          <p:cNvPicPr preferRelativeResize="0"/>
-          <p:nvPr/>
-        </p:nvPicPr>
-        <p:blipFill>
-          <a:blip r:embed="rId3">
-            <a:alphaModFix/>
-          </a:blip>
-          <a:stretch>
-            <a:fillRect/>
-          </a:stretch>
-        </p:blipFill>
-        <p:spPr>
-          <a:xfrm>
-            <a:off x="311700" y="1170125"/>
-            <a:ext cx="4514850" cy="1085850"/>
-          </a:xfrm>
-          <a:prstGeom prst="rect">
-            <a:avLst/>
-          </a:prstGeom>
-          <a:noFill/>
-          <a:ln>
-            <a:noFill/>
-          </a:ln>
-        </p:spPr>
-      </p:pic>
-      <p:pic>
-        <p:nvPicPr>
-          <p:cNvPr id="163" name="Google Shape;163;p27"/>
-          <p:cNvPicPr preferRelativeResize="0"/>
-          <p:nvPr/>
-        </p:nvPicPr>
-        <p:blipFill>
-          <a:blip r:embed="rId4">
-            <a:alphaModFix/>
-          </a:blip>
-          <a:stretch>
-            <a:fillRect/>
-          </a:stretch>
-        </p:blipFill>
-        <p:spPr>
-          <a:xfrm>
-            <a:off x="311700" y="2408375"/>
-            <a:ext cx="7324725" cy="695325"/>
-          </a:xfrm>
-          <a:prstGeom prst="rect">
-            <a:avLst/>
-          </a:prstGeom>
-          <a:noFill/>
-          <a:ln>
-            <a:noFill/>
-          </a:ln>
-        </p:spPr>
-      </p:pic>
-      <p:pic>
-        <p:nvPicPr>
-          <p:cNvPr id="164" name="Google Shape;164;p27"/>
-          <p:cNvPicPr preferRelativeResize="0"/>
-          <p:nvPr/>
-        </p:nvPicPr>
-        <p:blipFill>
-          <a:blip r:embed="rId5">
-            <a:alphaModFix/>
-          </a:blip>
-          <a:stretch>
-            <a:fillRect/>
-          </a:stretch>
-        </p:blipFill>
-        <p:spPr>
-          <a:xfrm>
-            <a:off x="292400" y="3280200"/>
-            <a:ext cx="8682800" cy="304775"/>
-          </a:xfrm>
-          <a:prstGeom prst="rect">
-            <a:avLst/>
-          </a:prstGeom>
-          <a:noFill/>
-          <a:ln>
-            <a:noFill/>
-          </a:ln>
-        </p:spPr>
-      </p:pic>
-    </p:spTree>
-  </p:cSld>
-  <p:clrMapOvr>
-    <a:masterClrMapping/>
-  </p:clrMapOvr>
-</p:sld>
-</file>
-
-<file path=ppt/slides/slide29.xml><?xml version="1.0" encoding="utf-8"?>
-<p:sld xmlns:a="http://schemas.openxmlformats.org/drawingml/2006/main" xmlns:r="http://schemas.openxmlformats.org/officeDocument/2006/relationships" xmlns:p="http://schemas.openxmlformats.org/presentationml/2006/main">
-  <p:cSld>
-    <p:spTree>
-      <p:nvGrpSpPr>
-        <p:cNvPr id="1" name="Shape 168"/>
-        <p:cNvGrpSpPr/>
-        <p:nvPr/>
-      </p:nvGrpSpPr>
-      <p:grpSpPr>
-        <a:xfrm>
-          <a:off x="0" y="0"/>
-          <a:ext cx="0" cy="0"/>
-          <a:chOff x="0" y="0"/>
-          <a:chExt cx="0" cy="0"/>
-        </a:xfrm>
-      </p:grpSpPr>
-      <p:sp>
-        <p:nvSpPr>
-          <p:cNvPr id="169" name="Google Shape;169;p28"/>
-          <p:cNvSpPr txBox="1">
-            <a:spLocks noGrp="1"/>
-          </p:cNvSpPr>
-          <p:nvPr>
-            <p:ph type="title"/>
-          </p:nvPr>
-        </p:nvSpPr>
-        <p:spPr>
-          <a:prstGeom prst="rect">
-            <a:avLst/>
-          </a:prstGeom>
-        </p:spPr>
-        <p:txBody>
-          <a:bodyPr spcFirstLastPara="1" wrap="square" lIns="91425" tIns="91425" rIns="91425" bIns="91425" anchor="t" anchorCtr="0">
-            <a:noAutofit/>
-          </a:bodyPr>
-          <a:lstStyle/>
-          <a:p>
-            <a:pPr marL="0" lvl="0" indent="0" algn="l" rtl="0">
-              <a:spcBef>
-                <a:spcPts val="0"/>
-              </a:spcBef>
-              <a:spcAft>
-                <a:spcPts val="0"/>
-              </a:spcAft>
-              <a:buClr>
-                <a:schemeClr val="dk1"/>
-              </a:buClr>
-              <a:buSzPts val="1100"/>
-              <a:buFont typeface="Arial"/>
-              <a:buNone/>
-            </a:pPr>
-            <a:r>
-              <a:rPr lang="de"/>
-              <a:t>Carchain: SmartCar (RaspberryPi)</a:t>
-            </a:r>
-            <a:endParaRPr/>
-          </a:p>
-        </p:txBody>
-      </p:sp>
-      <p:sp>
-        <p:nvSpPr>
-          <p:cNvPr id="170" name="Google Shape;170;p28"/>
-          <p:cNvSpPr txBox="1">
-            <a:spLocks noGrp="1"/>
-          </p:cNvSpPr>
-          <p:nvPr>
-            <p:ph idx="1"/>
-          </p:nvPr>
-        </p:nvSpPr>
-        <p:spPr>
-          <a:prstGeom prst="rect">
-            <a:avLst/>
-          </a:prstGeom>
-        </p:spPr>
-        <p:txBody>
-          <a:bodyPr spcFirstLastPara="1" wrap="square" lIns="91425" tIns="91425" rIns="91425" bIns="91425" anchor="t" anchorCtr="0">
-            <a:noAutofit/>
-          </a:bodyPr>
-          <a:lstStyle/>
-          <a:p>
-            <a:pPr marL="285750" lvl="0" indent="-285750" algn="l" rtl="0">
-              <a:spcBef>
-                <a:spcPts val="0"/>
-              </a:spcBef>
-              <a:spcAft>
-                <a:spcPts val="0"/>
-              </a:spcAft>
-              <a:buFont typeface="Arial" panose="020B0604020202020204" pitchFamily="34" charset="0"/>
-              <a:buChar char="•"/>
-            </a:pPr>
-            <a:r>
-              <a:rPr lang="de" sz="1800" dirty="0"/>
-              <a:t>Aufbau der Entwicklungsumgebung: </a:t>
-            </a:r>
-            <a:endParaRPr sz="1800" dirty="0"/>
-          </a:p>
-          <a:p>
-            <a:pPr lvl="0" algn="l" rtl="0">
-              <a:spcBef>
-                <a:spcPts val="1600"/>
-              </a:spcBef>
-              <a:spcAft>
-                <a:spcPts val="0"/>
-              </a:spcAft>
-              <a:buSzPts val="1800"/>
-              <a:buFont typeface="Arial" panose="020B0604020202020204" pitchFamily="34" charset="0"/>
-              <a:buChar char="•"/>
-            </a:pPr>
-            <a:r>
-              <a:rPr lang="de" sz="1800" dirty="0"/>
-              <a:t>Anschließen und aktivieren der Kamera</a:t>
-            </a:r>
-            <a:endParaRPr sz="1800" dirty="0"/>
-          </a:p>
-          <a:p>
-            <a:pPr lvl="0" algn="l" rtl="0">
-              <a:spcBef>
-                <a:spcPts val="0"/>
-              </a:spcBef>
-              <a:spcAft>
-                <a:spcPts val="0"/>
-              </a:spcAft>
-              <a:buSzPts val="1800"/>
-              <a:buFont typeface="Arial" panose="020B0604020202020204" pitchFamily="34" charset="0"/>
-              <a:buChar char="•"/>
-            </a:pPr>
-            <a:r>
-              <a:rPr lang="de" sz="1800" dirty="0"/>
-              <a:t>Ausgedruckter physischer QR-Code</a:t>
-            </a:r>
-            <a:endParaRPr sz="1800" dirty="0"/>
-          </a:p>
-          <a:p>
-            <a:pPr lvl="0" algn="l" rtl="0">
-              <a:spcBef>
-                <a:spcPts val="0"/>
-              </a:spcBef>
-              <a:spcAft>
-                <a:spcPts val="0"/>
-              </a:spcAft>
-              <a:buSzPts val="1800"/>
-              <a:buFont typeface="Arial" panose="020B0604020202020204" pitchFamily="34" charset="0"/>
-              <a:buChar char="•"/>
-            </a:pPr>
-            <a:r>
-              <a:rPr lang="de" sz="1800" dirty="0"/>
-              <a:t>T-Cobbler &amp; Steckplatine mit 3 LEDs und 2 Buttons</a:t>
-            </a:r>
-            <a:endParaRPr sz="1800" dirty="0"/>
-          </a:p>
-          <a:p>
-            <a:pPr lvl="0" algn="l" rtl="0">
-              <a:spcBef>
-                <a:spcPts val="0"/>
-              </a:spcBef>
-              <a:spcAft>
-                <a:spcPts val="0"/>
-              </a:spcAft>
-              <a:buSzPts val="1800"/>
-              <a:buFont typeface="Arial" panose="020B0604020202020204" pitchFamily="34" charset="0"/>
-              <a:buChar char="•"/>
-            </a:pPr>
-            <a:r>
-              <a:rPr lang="de" sz="1800" dirty="0"/>
-              <a:t>Test-Skripte (dev-ausleihen.js &amp; dev-zurueckgeben.js)</a:t>
-            </a:r>
-            <a:endParaRPr sz="1800" dirty="0"/>
-          </a:p>
-          <a:p>
-            <a:pPr lvl="0" algn="l" rtl="0">
-              <a:spcBef>
-                <a:spcPts val="0"/>
-              </a:spcBef>
-              <a:spcAft>
-                <a:spcPts val="0"/>
-              </a:spcAft>
-              <a:buSzPts val="1800"/>
-              <a:buFont typeface="Arial" panose="020B0604020202020204" pitchFamily="34" charset="0"/>
-              <a:buChar char="•"/>
-            </a:pPr>
-            <a:r>
-              <a:rPr lang="de" sz="1800" dirty="0"/>
-              <a:t>Externer Zugriff</a:t>
-            </a:r>
-            <a:endParaRPr sz="1800" dirty="0"/>
-          </a:p>
-          <a:p>
-            <a:pPr lvl="1" algn="l" rtl="0">
-              <a:spcBef>
-                <a:spcPts val="0"/>
-              </a:spcBef>
-              <a:spcAft>
-                <a:spcPts val="0"/>
-              </a:spcAft>
-              <a:buSzPts val="1400"/>
-              <a:buFont typeface="Arial" panose="020B0604020202020204" pitchFamily="34" charset="0"/>
-              <a:buChar char="•"/>
-            </a:pPr>
-            <a:r>
-              <a:rPr lang="de" sz="1600" dirty="0">
-                <a:latin typeface="+mn-lt"/>
-              </a:rPr>
-              <a:t>OpenSSH enabled + Public Key Authentifizierung</a:t>
-            </a:r>
-            <a:endParaRPr sz="1600" dirty="0">
-              <a:latin typeface="+mn-lt"/>
-            </a:endParaRPr>
-          </a:p>
-          <a:p>
-            <a:pPr lvl="1" algn="l" rtl="0">
-              <a:spcBef>
-                <a:spcPts val="0"/>
-              </a:spcBef>
-              <a:spcAft>
-                <a:spcPts val="0"/>
-              </a:spcAft>
-              <a:buSzPts val="1400"/>
-              <a:buFont typeface="Arial" panose="020B0604020202020204" pitchFamily="34" charset="0"/>
-              <a:buChar char="•"/>
-            </a:pPr>
-            <a:r>
-              <a:rPr lang="de" sz="1600" dirty="0">
-                <a:latin typeface="+mn-lt"/>
-              </a:rPr>
-              <a:t>Statische private IP am Pi (192.168.178.42)</a:t>
-            </a:r>
-            <a:endParaRPr sz="1600" dirty="0">
-              <a:latin typeface="+mn-lt"/>
-            </a:endParaRPr>
-          </a:p>
-          <a:p>
-            <a:pPr lvl="1" algn="l" rtl="0">
-              <a:spcBef>
-                <a:spcPts val="0"/>
-              </a:spcBef>
-              <a:spcAft>
-                <a:spcPts val="0"/>
-              </a:spcAft>
-              <a:buSzPts val="1400"/>
-              <a:buFont typeface="Arial" panose="020B0604020202020204" pitchFamily="34" charset="0"/>
-              <a:buChar char="•"/>
-            </a:pPr>
-            <a:r>
-              <a:rPr lang="de" sz="1600" dirty="0">
-                <a:latin typeface="+mn-lt"/>
-              </a:rPr>
-              <a:t>DynDNS Eintrag an der FRITZ!Box (carchain-pi.dnsuser.de &lt;-&gt; Wechselnde öffentliche IP)</a:t>
-            </a:r>
-            <a:endParaRPr sz="1600" dirty="0">
-              <a:latin typeface="+mn-lt"/>
-            </a:endParaRPr>
-          </a:p>
-          <a:p>
-            <a:pPr lvl="1" algn="l" rtl="0">
-              <a:spcBef>
-                <a:spcPts val="0"/>
-              </a:spcBef>
-              <a:spcAft>
-                <a:spcPts val="0"/>
-              </a:spcAft>
-              <a:buSzPts val="1400"/>
-              <a:buFont typeface="Arial" panose="020B0604020202020204" pitchFamily="34" charset="0"/>
-              <a:buChar char="•"/>
-            </a:pPr>
-            <a:r>
-              <a:rPr lang="de" sz="1600" dirty="0">
-                <a:latin typeface="+mn-lt"/>
-              </a:rPr>
-              <a:t>Portweiterleitung an der FRITZ!Box (Wechselnde öffentliche IP:22 &lt;-&gt; 192.168.178.42:22)</a:t>
-            </a:r>
-            <a:endParaRPr sz="1600" dirty="0">
-              <a:latin typeface="+mn-lt"/>
-            </a:endParaRPr>
-          </a:p>
-          <a:p>
-            <a:pPr marL="285750" lvl="0" indent="-285750" algn="l" rtl="0">
-              <a:spcBef>
-                <a:spcPts val="1600"/>
-              </a:spcBef>
-              <a:spcAft>
-                <a:spcPts val="1600"/>
-              </a:spcAft>
-              <a:buFont typeface="Arial" panose="020B0604020202020204" pitchFamily="34" charset="0"/>
-              <a:buChar char="•"/>
-            </a:pPr>
-            <a:r>
-              <a:rPr lang="de" sz="1800" dirty="0"/>
-              <a:t>→ SSH-Zugriff auf Pi im lokalen Netz über carchain-pi.dnsuser.de möglich</a:t>
-            </a:r>
-            <a:endParaRPr sz="1800" dirty="0"/>
-          </a:p>
-        </p:txBody>
-      </p:sp>
     </p:spTree>
   </p:cSld>
   <p:clrMapOvr>
@@ -15803,6 +16239,2177 @@
   <p:cSld>
     <p:spTree>
       <p:nvGrpSpPr>
+        <p:cNvPr id="1" name="Shape 123"/>
+        <p:cNvGrpSpPr/>
+        <p:nvPr/>
+      </p:nvGrpSpPr>
+      <p:grpSpPr>
+        <a:xfrm>
+          <a:off x="0" y="0"/>
+          <a:ext cx="0" cy="0"/>
+          <a:chOff x="0" y="0"/>
+          <a:chExt cx="0" cy="0"/>
+        </a:xfrm>
+      </p:grpSpPr>
+      <p:sp>
+        <p:nvSpPr>
+          <p:cNvPr id="124" name="Google Shape;124;p24"/>
+          <p:cNvSpPr txBox="1">
+            <a:spLocks noGrp="1"/>
+          </p:cNvSpPr>
+          <p:nvPr>
+            <p:ph type="title"/>
+          </p:nvPr>
+        </p:nvSpPr>
+        <p:spPr>
+          <a:prstGeom prst="rect">
+            <a:avLst/>
+          </a:prstGeom>
+        </p:spPr>
+        <p:txBody>
+          <a:bodyPr spcFirstLastPara="1" wrap="square" lIns="91425" tIns="91425" rIns="91425" bIns="91425" anchor="t" anchorCtr="0">
+            <a:noAutofit/>
+          </a:bodyPr>
+          <a:lstStyle/>
+          <a:p>
+            <a:pPr marL="0" lvl="0" indent="0" algn="l" rtl="0">
+              <a:spcBef>
+                <a:spcPts val="0"/>
+              </a:spcBef>
+              <a:spcAft>
+                <a:spcPts val="0"/>
+              </a:spcAft>
+              <a:buClr>
+                <a:schemeClr val="dk1"/>
+              </a:buClr>
+              <a:buSzPts val="1100"/>
+              <a:buFont typeface="Arial"/>
+              <a:buNone/>
+            </a:pPr>
+            <a:r>
+              <a:rPr lang="de"/>
+              <a:t>Carchain: Smart Contracts</a:t>
+            </a:r>
+            <a:endParaRPr/>
+          </a:p>
+        </p:txBody>
+      </p:sp>
+      <p:sp>
+        <p:nvSpPr>
+          <p:cNvPr id="125" name="Google Shape;125;p24"/>
+          <p:cNvSpPr txBox="1">
+            <a:spLocks noGrp="1"/>
+          </p:cNvSpPr>
+          <p:nvPr>
+            <p:ph idx="1"/>
+          </p:nvPr>
+        </p:nvSpPr>
+        <p:spPr>
+          <a:prstGeom prst="rect">
+            <a:avLst/>
+          </a:prstGeom>
+        </p:spPr>
+        <p:txBody>
+          <a:bodyPr spcFirstLastPara="1" wrap="square" lIns="91425" tIns="91425" rIns="91425" bIns="91425" anchor="t" anchorCtr="0">
+            <a:noAutofit/>
+          </a:bodyPr>
+          <a:lstStyle/>
+          <a:p>
+            <a:pPr lvl="0" algn="l" rtl="0">
+              <a:spcBef>
+                <a:spcPts val="0"/>
+              </a:spcBef>
+              <a:spcAft>
+                <a:spcPts val="0"/>
+              </a:spcAft>
+              <a:buSzPts val="1800"/>
+              <a:buFont typeface="Arial" panose="020B0604020202020204" pitchFamily="34" charset="0"/>
+              <a:buChar char="•"/>
+            </a:pPr>
+            <a:r>
+              <a:rPr lang="de" dirty="0"/>
+              <a:t>Besonderheiten:</a:t>
+            </a:r>
+            <a:endParaRPr dirty="0"/>
+          </a:p>
+          <a:p>
+            <a:pPr lvl="1" algn="l" rtl="0">
+              <a:spcBef>
+                <a:spcPts val="0"/>
+              </a:spcBef>
+              <a:spcAft>
+                <a:spcPts val="0"/>
+              </a:spcAft>
+              <a:buSzPts val="1400"/>
+              <a:buFont typeface="Arial" panose="020B0604020202020204" pitchFamily="34" charset="0"/>
+              <a:buChar char="•"/>
+            </a:pPr>
+            <a:r>
+              <a:rPr lang="de" dirty="0"/>
+              <a:t>views</a:t>
+            </a:r>
+            <a:endParaRPr dirty="0"/>
+          </a:p>
+          <a:p>
+            <a:pPr lvl="1" algn="l" rtl="0">
+              <a:spcBef>
+                <a:spcPts val="0"/>
+              </a:spcBef>
+              <a:spcAft>
+                <a:spcPts val="0"/>
+              </a:spcAft>
+              <a:buSzPts val="1400"/>
+              <a:buFont typeface="Arial" panose="020B0604020202020204" pitchFamily="34" charset="0"/>
+              <a:buChar char="•"/>
+            </a:pPr>
+            <a:r>
+              <a:rPr lang="de" dirty="0"/>
+              <a:t>Variablentypen wie address</a:t>
+            </a:r>
+            <a:endParaRPr dirty="0"/>
+          </a:p>
+          <a:p>
+            <a:pPr lvl="1" algn="l" rtl="0">
+              <a:spcBef>
+                <a:spcPts val="0"/>
+              </a:spcBef>
+              <a:spcAft>
+                <a:spcPts val="0"/>
+              </a:spcAft>
+              <a:buSzPts val="1400"/>
+              <a:buFont typeface="Arial" panose="020B0604020202020204" pitchFamily="34" charset="0"/>
+              <a:buChar char="•"/>
+            </a:pPr>
+            <a:r>
+              <a:rPr lang="en-GB" dirty="0"/>
+              <a:t>M</a:t>
+            </a:r>
+            <a:r>
+              <a:rPr lang="de" dirty="0"/>
+              <a:t>emory</a:t>
+            </a:r>
+            <a:br>
+              <a:rPr lang="de" dirty="0"/>
+            </a:br>
+            <a:endParaRPr dirty="0"/>
+          </a:p>
+          <a:p>
+            <a:pPr lvl="0" algn="l" rtl="0">
+              <a:spcBef>
+                <a:spcPts val="0"/>
+              </a:spcBef>
+              <a:spcAft>
+                <a:spcPts val="0"/>
+              </a:spcAft>
+              <a:buSzPts val="1800"/>
+              <a:buFont typeface="Arial" panose="020B0604020202020204" pitchFamily="34" charset="0"/>
+              <a:buChar char="•"/>
+            </a:pPr>
+            <a:r>
+              <a:rPr lang="de" dirty="0"/>
+              <a:t>Optimierung:</a:t>
+            </a:r>
+            <a:endParaRPr dirty="0"/>
+          </a:p>
+          <a:p>
+            <a:pPr lvl="1" algn="l" rtl="0">
+              <a:spcBef>
+                <a:spcPts val="0"/>
+              </a:spcBef>
+              <a:spcAft>
+                <a:spcPts val="0"/>
+              </a:spcAft>
+              <a:buSzPts val="1400"/>
+              <a:buFont typeface="Arial" panose="020B0604020202020204" pitchFamily="34" charset="0"/>
+              <a:buChar char="•"/>
+            </a:pPr>
+            <a:r>
+              <a:rPr lang="de" dirty="0"/>
+              <a:t>Variablen</a:t>
+            </a:r>
+            <a:endParaRPr dirty="0"/>
+          </a:p>
+          <a:p>
+            <a:pPr lvl="1" algn="l" rtl="0">
+              <a:spcBef>
+                <a:spcPts val="0"/>
+              </a:spcBef>
+              <a:spcAft>
+                <a:spcPts val="0"/>
+              </a:spcAft>
+              <a:buSzPts val="1400"/>
+              <a:buFont typeface="Arial" panose="020B0604020202020204" pitchFamily="34" charset="0"/>
+              <a:buChar char="•"/>
+            </a:pPr>
+            <a:r>
+              <a:rPr lang="de" dirty="0"/>
+              <a:t>requires</a:t>
+            </a:r>
+            <a:endParaRPr dirty="0"/>
+          </a:p>
+          <a:p>
+            <a:pPr lvl="1" algn="l" rtl="0">
+              <a:spcBef>
+                <a:spcPts val="0"/>
+              </a:spcBef>
+              <a:spcAft>
+                <a:spcPts val="0"/>
+              </a:spcAft>
+              <a:buSzPts val="1400"/>
+              <a:buFont typeface="Arial" panose="020B0604020202020204" pitchFamily="34" charset="0"/>
+              <a:buChar char="•"/>
+            </a:pPr>
+            <a:r>
+              <a:rPr lang="de" dirty="0"/>
+              <a:t>modifier</a:t>
+            </a:r>
+            <a:endParaRPr dirty="0"/>
+          </a:p>
+        </p:txBody>
+      </p:sp>
+      <p:pic>
+        <p:nvPicPr>
+          <p:cNvPr id="126" name="Google Shape;126;p24"/>
+          <p:cNvPicPr preferRelativeResize="0"/>
+          <p:nvPr/>
+        </p:nvPicPr>
+        <p:blipFill>
+          <a:blip r:embed="rId3">
+            <a:alphaModFix/>
+          </a:blip>
+          <a:stretch>
+            <a:fillRect/>
+          </a:stretch>
+        </p:blipFill>
+        <p:spPr>
+          <a:xfrm>
+            <a:off x="3886717" y="2571750"/>
+            <a:ext cx="5026699" cy="643398"/>
+          </a:xfrm>
+          <a:prstGeom prst="rect">
+            <a:avLst/>
+          </a:prstGeom>
+          <a:noFill/>
+          <a:ln>
+            <a:noFill/>
+          </a:ln>
+        </p:spPr>
+      </p:pic>
+      <p:pic>
+        <p:nvPicPr>
+          <p:cNvPr id="127" name="Google Shape;127;p24"/>
+          <p:cNvPicPr preferRelativeResize="0"/>
+          <p:nvPr/>
+        </p:nvPicPr>
+        <p:blipFill>
+          <a:blip r:embed="rId4">
+            <a:alphaModFix/>
+          </a:blip>
+          <a:stretch>
+            <a:fillRect/>
+          </a:stretch>
+        </p:blipFill>
+        <p:spPr>
+          <a:xfrm>
+            <a:off x="3878815" y="1138502"/>
+            <a:ext cx="5034601" cy="454324"/>
+          </a:xfrm>
+          <a:prstGeom prst="rect">
+            <a:avLst/>
+          </a:prstGeom>
+          <a:noFill/>
+          <a:ln>
+            <a:noFill/>
+          </a:ln>
+        </p:spPr>
+      </p:pic>
+    </p:spTree>
+  </p:cSld>
+  <p:clrMapOvr>
+    <a:masterClrMapping/>
+  </p:clrMapOvr>
+</p:sld>
+</file>
+
+<file path=ppt/slides/slide31.xml><?xml version="1.0" encoding="utf-8"?>
+<p:sld xmlns:a="http://schemas.openxmlformats.org/drawingml/2006/main" xmlns:r="http://schemas.openxmlformats.org/officeDocument/2006/relationships" xmlns:p="http://schemas.openxmlformats.org/presentationml/2006/main">
+  <p:cSld>
+    <p:spTree>
+      <p:nvGrpSpPr>
+        <p:cNvPr id="1" name="Shape 131"/>
+        <p:cNvGrpSpPr/>
+        <p:nvPr/>
+      </p:nvGrpSpPr>
+      <p:grpSpPr>
+        <a:xfrm>
+          <a:off x="0" y="0"/>
+          <a:ext cx="0" cy="0"/>
+          <a:chOff x="0" y="0"/>
+          <a:chExt cx="0" cy="0"/>
+        </a:xfrm>
+      </p:grpSpPr>
+      <p:sp>
+        <p:nvSpPr>
+          <p:cNvPr id="132" name="Google Shape;132;p25"/>
+          <p:cNvSpPr txBox="1">
+            <a:spLocks noGrp="1"/>
+          </p:cNvSpPr>
+          <p:nvPr>
+            <p:ph type="title"/>
+          </p:nvPr>
+        </p:nvSpPr>
+        <p:spPr>
+          <a:prstGeom prst="rect">
+            <a:avLst/>
+          </a:prstGeom>
+        </p:spPr>
+        <p:txBody>
+          <a:bodyPr spcFirstLastPara="1" wrap="square" lIns="91425" tIns="91425" rIns="91425" bIns="91425" anchor="t" anchorCtr="0">
+            <a:noAutofit/>
+          </a:bodyPr>
+          <a:lstStyle/>
+          <a:p>
+            <a:pPr marL="0" lvl="0" indent="0" algn="l" rtl="0">
+              <a:spcBef>
+                <a:spcPts val="0"/>
+              </a:spcBef>
+              <a:spcAft>
+                <a:spcPts val="0"/>
+              </a:spcAft>
+              <a:buClr>
+                <a:schemeClr val="dk1"/>
+              </a:buClr>
+              <a:buSzPts val="1100"/>
+              <a:buFont typeface="Arial"/>
+              <a:buNone/>
+            </a:pPr>
+            <a:r>
+              <a:rPr lang="de" sz="3200" dirty="0"/>
+              <a:t>Carchain: Smart Contract Implementierung</a:t>
+            </a:r>
+            <a:endParaRPr sz="3200" dirty="0"/>
+          </a:p>
+        </p:txBody>
+      </p:sp>
+      <p:sp>
+        <p:nvSpPr>
+          <p:cNvPr id="133" name="Google Shape;133;p25"/>
+          <p:cNvSpPr txBox="1">
+            <a:spLocks noGrp="1"/>
+          </p:cNvSpPr>
+          <p:nvPr>
+            <p:ph idx="1"/>
+          </p:nvPr>
+        </p:nvSpPr>
+        <p:spPr>
+          <a:prstGeom prst="rect">
+            <a:avLst/>
+          </a:prstGeom>
+        </p:spPr>
+        <p:txBody>
+          <a:bodyPr spcFirstLastPara="1" wrap="square" lIns="91425" tIns="91425" rIns="91425" bIns="91425" anchor="t" anchorCtr="0">
+            <a:noAutofit/>
+          </a:bodyPr>
+          <a:lstStyle/>
+          <a:p>
+            <a:pPr lvl="0" algn="l" rtl="0">
+              <a:spcBef>
+                <a:spcPts val="0"/>
+              </a:spcBef>
+              <a:spcAft>
+                <a:spcPts val="0"/>
+              </a:spcAft>
+              <a:buSzPts val="1800"/>
+              <a:buFont typeface="Arial" panose="020B0604020202020204" pitchFamily="34" charset="0"/>
+              <a:buChar char="•"/>
+            </a:pPr>
+            <a:r>
+              <a:rPr lang="de" dirty="0"/>
+              <a:t>addCar</a:t>
+            </a:r>
+            <a:endParaRPr dirty="0"/>
+          </a:p>
+          <a:p>
+            <a:pPr lvl="0" algn="l" rtl="0">
+              <a:spcBef>
+                <a:spcPts val="0"/>
+              </a:spcBef>
+              <a:spcAft>
+                <a:spcPts val="0"/>
+              </a:spcAft>
+              <a:buSzPts val="1800"/>
+              <a:buFont typeface="Arial" panose="020B0604020202020204" pitchFamily="34" charset="0"/>
+              <a:buChar char="•"/>
+            </a:pPr>
+            <a:r>
+              <a:rPr lang="de" dirty="0"/>
+              <a:t>removeCar</a:t>
+            </a:r>
+            <a:endParaRPr dirty="0"/>
+          </a:p>
+          <a:p>
+            <a:pPr lvl="0" algn="l" rtl="0">
+              <a:spcBef>
+                <a:spcPts val="0"/>
+              </a:spcBef>
+              <a:spcAft>
+                <a:spcPts val="0"/>
+              </a:spcAft>
+              <a:buSzPts val="1800"/>
+              <a:buFont typeface="Arial" panose="020B0604020202020204" pitchFamily="34" charset="0"/>
+              <a:buChar char="•"/>
+            </a:pPr>
+            <a:r>
+              <a:rPr lang="de" dirty="0"/>
+              <a:t>rentCar</a:t>
+            </a:r>
+            <a:endParaRPr dirty="0"/>
+          </a:p>
+          <a:p>
+            <a:pPr lvl="0" algn="l" rtl="0">
+              <a:spcBef>
+                <a:spcPts val="0"/>
+              </a:spcBef>
+              <a:spcAft>
+                <a:spcPts val="0"/>
+              </a:spcAft>
+              <a:buSzPts val="1800"/>
+              <a:buFont typeface="Arial" panose="020B0604020202020204" pitchFamily="34" charset="0"/>
+              <a:buChar char="•"/>
+            </a:pPr>
+            <a:r>
+              <a:rPr lang="de" dirty="0"/>
+              <a:t>mayRent</a:t>
+            </a:r>
+            <a:endParaRPr dirty="0"/>
+          </a:p>
+          <a:p>
+            <a:pPr lvl="0" algn="l" rtl="0">
+              <a:spcBef>
+                <a:spcPts val="0"/>
+              </a:spcBef>
+              <a:spcAft>
+                <a:spcPts val="0"/>
+              </a:spcAft>
+              <a:buSzPts val="1800"/>
+              <a:buFont typeface="Arial" panose="020B0604020202020204" pitchFamily="34" charset="0"/>
+              <a:buChar char="•"/>
+            </a:pPr>
+            <a:r>
+              <a:rPr lang="de" dirty="0"/>
+              <a:t>isLegalLeaser</a:t>
+            </a:r>
+            <a:endParaRPr dirty="0"/>
+          </a:p>
+          <a:p>
+            <a:pPr lvl="0" algn="l" rtl="0">
+              <a:spcBef>
+                <a:spcPts val="0"/>
+              </a:spcBef>
+              <a:spcAft>
+                <a:spcPts val="0"/>
+              </a:spcAft>
+              <a:buSzPts val="1800"/>
+              <a:buFont typeface="Arial" panose="020B0604020202020204" pitchFamily="34" charset="0"/>
+              <a:buChar char="•"/>
+            </a:pPr>
+            <a:r>
+              <a:rPr lang="de" dirty="0"/>
+              <a:t>returnCarToCarpool</a:t>
+            </a:r>
+            <a:endParaRPr dirty="0"/>
+          </a:p>
+          <a:p>
+            <a:pPr lvl="0" algn="l" rtl="0">
+              <a:spcBef>
+                <a:spcPts val="0"/>
+              </a:spcBef>
+              <a:spcAft>
+                <a:spcPts val="0"/>
+              </a:spcAft>
+              <a:buSzPts val="1800"/>
+              <a:buFont typeface="Arial" panose="020B0604020202020204" pitchFamily="34" charset="0"/>
+              <a:buChar char="•"/>
+            </a:pPr>
+            <a:r>
+              <a:rPr lang="de" dirty="0"/>
+              <a:t>getAvaibleVehicles</a:t>
+            </a:r>
+            <a:endParaRPr dirty="0"/>
+          </a:p>
+          <a:p>
+            <a:pPr lvl="0" algn="l" rtl="0">
+              <a:spcBef>
+                <a:spcPts val="0"/>
+              </a:spcBef>
+              <a:spcAft>
+                <a:spcPts val="0"/>
+              </a:spcAft>
+              <a:buSzPts val="1800"/>
+              <a:buFont typeface="Arial" panose="020B0604020202020204" pitchFamily="34" charset="0"/>
+              <a:buChar char="•"/>
+            </a:pPr>
+            <a:r>
+              <a:rPr lang="de" dirty="0"/>
+              <a:t>resetCars</a:t>
+            </a:r>
+            <a:endParaRPr dirty="0"/>
+          </a:p>
+        </p:txBody>
+      </p:sp>
+      <p:pic>
+        <p:nvPicPr>
+          <p:cNvPr id="134" name="Google Shape;134;p25"/>
+          <p:cNvPicPr preferRelativeResize="0"/>
+          <p:nvPr/>
+        </p:nvPicPr>
+        <p:blipFill>
+          <a:blip r:embed="rId3">
+            <a:alphaModFix/>
+          </a:blip>
+          <a:stretch>
+            <a:fillRect/>
+          </a:stretch>
+        </p:blipFill>
+        <p:spPr>
+          <a:xfrm>
+            <a:off x="5130421" y="1017725"/>
+            <a:ext cx="2147907" cy="2660040"/>
+          </a:xfrm>
+          <a:prstGeom prst="rect">
+            <a:avLst/>
+          </a:prstGeom>
+          <a:noFill/>
+          <a:ln>
+            <a:noFill/>
+          </a:ln>
+        </p:spPr>
+      </p:pic>
+    </p:spTree>
+  </p:cSld>
+  <p:clrMapOvr>
+    <a:masterClrMapping/>
+  </p:clrMapOvr>
+</p:sld>
+</file>
+
+<file path=ppt/slides/slide32.xml><?xml version="1.0" encoding="utf-8"?>
+<p:sld xmlns:a="http://schemas.openxmlformats.org/drawingml/2006/main" xmlns:r="http://schemas.openxmlformats.org/officeDocument/2006/relationships" xmlns:p="http://schemas.openxmlformats.org/presentationml/2006/main">
+  <p:cSld>
+    <p:spTree>
+      <p:nvGrpSpPr>
+        <p:cNvPr id="1" name="Shape 138"/>
+        <p:cNvGrpSpPr/>
+        <p:nvPr/>
+      </p:nvGrpSpPr>
+      <p:grpSpPr>
+        <a:xfrm>
+          <a:off x="0" y="0"/>
+          <a:ext cx="0" cy="0"/>
+          <a:chOff x="0" y="0"/>
+          <a:chExt cx="0" cy="0"/>
+        </a:xfrm>
+      </p:grpSpPr>
+      <p:sp>
+        <p:nvSpPr>
+          <p:cNvPr id="139" name="Google Shape;139;p26"/>
+          <p:cNvSpPr txBox="1">
+            <a:spLocks noGrp="1"/>
+          </p:cNvSpPr>
+          <p:nvPr>
+            <p:ph type="title"/>
+          </p:nvPr>
+        </p:nvSpPr>
+        <p:spPr>
+          <a:prstGeom prst="rect">
+            <a:avLst/>
+          </a:prstGeom>
+        </p:spPr>
+        <p:txBody>
+          <a:bodyPr spcFirstLastPara="1" wrap="square" lIns="91425" tIns="91425" rIns="91425" bIns="91425" anchor="t" anchorCtr="0">
+            <a:noAutofit/>
+          </a:bodyPr>
+          <a:lstStyle/>
+          <a:p>
+            <a:pPr marL="0" lvl="0" indent="0" algn="l" rtl="0">
+              <a:spcBef>
+                <a:spcPts val="0"/>
+              </a:spcBef>
+              <a:spcAft>
+                <a:spcPts val="0"/>
+              </a:spcAft>
+              <a:buClr>
+                <a:schemeClr val="dk1"/>
+              </a:buClr>
+              <a:buSzPts val="1100"/>
+              <a:buFont typeface="Arial"/>
+              <a:buNone/>
+            </a:pPr>
+            <a:r>
+              <a:rPr lang="de"/>
+              <a:t>Carchain: Funktionsweise</a:t>
+            </a:r>
+            <a:endParaRPr/>
+          </a:p>
+        </p:txBody>
+      </p:sp>
+      <p:sp>
+        <p:nvSpPr>
+          <p:cNvPr id="140" name="Google Shape;140;p26"/>
+          <p:cNvSpPr/>
+          <p:nvPr/>
+        </p:nvSpPr>
+        <p:spPr>
+          <a:xfrm>
+            <a:off x="733075" y="1256800"/>
+            <a:ext cx="1998900" cy="348600"/>
+          </a:xfrm>
+          <a:prstGeom prst="rect">
+            <a:avLst/>
+          </a:prstGeom>
+          <a:solidFill>
+            <a:schemeClr val="accent2">
+              <a:lumMod val="40000"/>
+              <a:lumOff val="60000"/>
+            </a:schemeClr>
+          </a:solidFill>
+          <a:ln>
+            <a:headEnd type="none" w="sm" len="sm"/>
+            <a:tailEnd type="none" w="sm" len="sm"/>
+          </a:ln>
+        </p:spPr>
+        <p:style>
+          <a:lnRef idx="1">
+            <a:schemeClr val="dk1"/>
+          </a:lnRef>
+          <a:fillRef idx="2">
+            <a:schemeClr val="dk1"/>
+          </a:fillRef>
+          <a:effectRef idx="1">
+            <a:schemeClr val="dk1"/>
+          </a:effectRef>
+          <a:fontRef idx="minor">
+            <a:schemeClr val="dk1"/>
+          </a:fontRef>
+        </p:style>
+        <p:txBody>
+          <a:bodyPr spcFirstLastPara="1" wrap="square" lIns="91425" tIns="91425" rIns="91425" bIns="91425" anchor="ctr" anchorCtr="0">
+            <a:noAutofit/>
+          </a:bodyPr>
+          <a:lstStyle/>
+          <a:p>
+            <a:pPr marL="0" lvl="0" indent="0" algn="l" rtl="0">
+              <a:spcBef>
+                <a:spcPts val="0"/>
+              </a:spcBef>
+              <a:spcAft>
+                <a:spcPts val="0"/>
+              </a:spcAft>
+              <a:buNone/>
+            </a:pPr>
+            <a:r>
+              <a:rPr lang="de" dirty="0">
+                <a:latin typeface="+mn-lt"/>
+              </a:rPr>
+              <a:t>Blockchain aufbauen</a:t>
+            </a:r>
+            <a:endParaRPr dirty="0">
+              <a:latin typeface="+mn-lt"/>
+            </a:endParaRPr>
+          </a:p>
+        </p:txBody>
+      </p:sp>
+      <p:sp>
+        <p:nvSpPr>
+          <p:cNvPr id="141" name="Google Shape;141;p26"/>
+          <p:cNvSpPr/>
+          <p:nvPr/>
+        </p:nvSpPr>
+        <p:spPr>
+          <a:xfrm>
+            <a:off x="754825" y="1827125"/>
+            <a:ext cx="1998900" cy="348600"/>
+          </a:xfrm>
+          <a:prstGeom prst="rect">
+            <a:avLst/>
+          </a:prstGeom>
+          <a:solidFill>
+            <a:schemeClr val="accent2">
+              <a:lumMod val="40000"/>
+              <a:lumOff val="60000"/>
+            </a:schemeClr>
+          </a:solidFill>
+          <a:ln>
+            <a:headEnd type="none" w="sm" len="sm"/>
+            <a:tailEnd type="none" w="sm" len="sm"/>
+          </a:ln>
+        </p:spPr>
+        <p:style>
+          <a:lnRef idx="1">
+            <a:schemeClr val="dk1"/>
+          </a:lnRef>
+          <a:fillRef idx="2">
+            <a:schemeClr val="dk1"/>
+          </a:fillRef>
+          <a:effectRef idx="1">
+            <a:schemeClr val="dk1"/>
+          </a:effectRef>
+          <a:fontRef idx="minor">
+            <a:schemeClr val="dk1"/>
+          </a:fontRef>
+        </p:style>
+        <p:txBody>
+          <a:bodyPr spcFirstLastPara="1" wrap="square" lIns="91425" tIns="91425" rIns="91425" bIns="91425" anchor="ctr" anchorCtr="0">
+            <a:noAutofit/>
+          </a:bodyPr>
+          <a:lstStyle/>
+          <a:p>
+            <a:pPr marL="0" lvl="0" indent="0" algn="l" rtl="0">
+              <a:spcBef>
+                <a:spcPts val="0"/>
+              </a:spcBef>
+              <a:spcAft>
+                <a:spcPts val="0"/>
+              </a:spcAft>
+              <a:buNone/>
+            </a:pPr>
+            <a:r>
+              <a:rPr lang="de">
+                <a:latin typeface="+mn-lt"/>
+              </a:rPr>
+              <a:t>Contract kompilieren</a:t>
+            </a:r>
+            <a:endParaRPr>
+              <a:latin typeface="+mn-lt"/>
+            </a:endParaRPr>
+          </a:p>
+        </p:txBody>
+      </p:sp>
+      <p:sp>
+        <p:nvSpPr>
+          <p:cNvPr id="142" name="Google Shape;142;p26"/>
+          <p:cNvSpPr/>
+          <p:nvPr/>
+        </p:nvSpPr>
+        <p:spPr>
+          <a:xfrm>
+            <a:off x="754825" y="2397450"/>
+            <a:ext cx="1998900" cy="348600"/>
+          </a:xfrm>
+          <a:prstGeom prst="rect">
+            <a:avLst/>
+          </a:prstGeom>
+          <a:solidFill>
+            <a:schemeClr val="accent2">
+              <a:lumMod val="40000"/>
+              <a:lumOff val="60000"/>
+            </a:schemeClr>
+          </a:solidFill>
+          <a:ln>
+            <a:headEnd type="none" w="sm" len="sm"/>
+            <a:tailEnd type="none" w="sm" len="sm"/>
+          </a:ln>
+        </p:spPr>
+        <p:style>
+          <a:lnRef idx="1">
+            <a:schemeClr val="dk1"/>
+          </a:lnRef>
+          <a:fillRef idx="2">
+            <a:schemeClr val="dk1"/>
+          </a:fillRef>
+          <a:effectRef idx="1">
+            <a:schemeClr val="dk1"/>
+          </a:effectRef>
+          <a:fontRef idx="minor">
+            <a:schemeClr val="dk1"/>
+          </a:fontRef>
+        </p:style>
+        <p:txBody>
+          <a:bodyPr spcFirstLastPara="1" wrap="square" lIns="91425" tIns="91425" rIns="91425" bIns="91425" anchor="ctr" anchorCtr="0">
+            <a:noAutofit/>
+          </a:bodyPr>
+          <a:lstStyle/>
+          <a:p>
+            <a:pPr marL="0" lvl="0" indent="0" algn="l" rtl="0">
+              <a:spcBef>
+                <a:spcPts val="0"/>
+              </a:spcBef>
+              <a:spcAft>
+                <a:spcPts val="0"/>
+              </a:spcAft>
+              <a:buNone/>
+            </a:pPr>
+            <a:r>
+              <a:rPr lang="de">
+                <a:latin typeface="+mn-lt"/>
+              </a:rPr>
+              <a:t>Contract deployen</a:t>
+            </a:r>
+            <a:endParaRPr>
+              <a:latin typeface="+mn-lt"/>
+            </a:endParaRPr>
+          </a:p>
+        </p:txBody>
+      </p:sp>
+      <p:sp>
+        <p:nvSpPr>
+          <p:cNvPr id="143" name="Google Shape;143;p26"/>
+          <p:cNvSpPr/>
+          <p:nvPr/>
+        </p:nvSpPr>
+        <p:spPr>
+          <a:xfrm>
+            <a:off x="754825" y="2967775"/>
+            <a:ext cx="1998900" cy="348600"/>
+          </a:xfrm>
+          <a:prstGeom prst="rect">
+            <a:avLst/>
+          </a:prstGeom>
+          <a:solidFill>
+            <a:schemeClr val="accent2">
+              <a:lumMod val="40000"/>
+              <a:lumOff val="60000"/>
+            </a:schemeClr>
+          </a:solidFill>
+          <a:ln>
+            <a:headEnd type="none" w="sm" len="sm"/>
+            <a:tailEnd type="none" w="sm" len="sm"/>
+          </a:ln>
+        </p:spPr>
+        <p:style>
+          <a:lnRef idx="1">
+            <a:schemeClr val="dk1"/>
+          </a:lnRef>
+          <a:fillRef idx="2">
+            <a:schemeClr val="dk1"/>
+          </a:fillRef>
+          <a:effectRef idx="1">
+            <a:schemeClr val="dk1"/>
+          </a:effectRef>
+          <a:fontRef idx="minor">
+            <a:schemeClr val="dk1"/>
+          </a:fontRef>
+        </p:style>
+        <p:txBody>
+          <a:bodyPr spcFirstLastPara="1" wrap="square" lIns="91425" tIns="91425" rIns="91425" bIns="91425" anchor="ctr" anchorCtr="0">
+            <a:noAutofit/>
+          </a:bodyPr>
+          <a:lstStyle/>
+          <a:p>
+            <a:pPr marL="0" lvl="0" indent="0" algn="l" rtl="0">
+              <a:spcBef>
+                <a:spcPts val="0"/>
+              </a:spcBef>
+              <a:spcAft>
+                <a:spcPts val="0"/>
+              </a:spcAft>
+              <a:buNone/>
+            </a:pPr>
+            <a:r>
+              <a:rPr lang="de">
+                <a:latin typeface="+mn-lt"/>
+              </a:rPr>
+              <a:t>Web3 Connect</a:t>
+            </a:r>
+            <a:endParaRPr>
+              <a:latin typeface="+mn-lt"/>
+            </a:endParaRPr>
+          </a:p>
+        </p:txBody>
+      </p:sp>
+      <p:sp>
+        <p:nvSpPr>
+          <p:cNvPr id="144" name="Google Shape;144;p26"/>
+          <p:cNvSpPr/>
+          <p:nvPr/>
+        </p:nvSpPr>
+        <p:spPr>
+          <a:xfrm>
+            <a:off x="711175" y="4108375"/>
+            <a:ext cx="2020800" cy="348600"/>
+          </a:xfrm>
+          <a:prstGeom prst="rect">
+            <a:avLst/>
+          </a:prstGeom>
+          <a:solidFill>
+            <a:schemeClr val="accent2">
+              <a:lumMod val="40000"/>
+              <a:lumOff val="60000"/>
+            </a:schemeClr>
+          </a:solidFill>
+          <a:ln>
+            <a:headEnd type="none" w="sm" len="sm"/>
+            <a:tailEnd type="none" w="sm" len="sm"/>
+          </a:ln>
+        </p:spPr>
+        <p:style>
+          <a:lnRef idx="1">
+            <a:schemeClr val="dk1"/>
+          </a:lnRef>
+          <a:fillRef idx="2">
+            <a:schemeClr val="dk1"/>
+          </a:fillRef>
+          <a:effectRef idx="1">
+            <a:schemeClr val="dk1"/>
+          </a:effectRef>
+          <a:fontRef idx="minor">
+            <a:schemeClr val="dk1"/>
+          </a:fontRef>
+        </p:style>
+        <p:txBody>
+          <a:bodyPr spcFirstLastPara="1" wrap="square" lIns="91425" tIns="91425" rIns="91425" bIns="91425" anchor="ctr" anchorCtr="0">
+            <a:noAutofit/>
+          </a:bodyPr>
+          <a:lstStyle/>
+          <a:p>
+            <a:pPr marL="0" lvl="0" indent="0" algn="l" rtl="0">
+              <a:spcBef>
+                <a:spcPts val="0"/>
+              </a:spcBef>
+              <a:spcAft>
+                <a:spcPts val="0"/>
+              </a:spcAft>
+              <a:buNone/>
+            </a:pPr>
+            <a:r>
+              <a:rPr lang="de">
+                <a:latin typeface="+mn-lt"/>
+              </a:rPr>
+              <a:t>Funktionen ausführen</a:t>
+            </a:r>
+            <a:endParaRPr>
+              <a:latin typeface="+mn-lt"/>
+            </a:endParaRPr>
+          </a:p>
+        </p:txBody>
+      </p:sp>
+      <p:sp>
+        <p:nvSpPr>
+          <p:cNvPr id="145" name="Google Shape;145;p26"/>
+          <p:cNvSpPr/>
+          <p:nvPr/>
+        </p:nvSpPr>
+        <p:spPr>
+          <a:xfrm>
+            <a:off x="1674775" y="1609762"/>
+            <a:ext cx="159000" cy="213000"/>
+          </a:xfrm>
+          <a:prstGeom prst="downArrow">
+            <a:avLst>
+              <a:gd name="adj1" fmla="val 50000"/>
+              <a:gd name="adj2" fmla="val 50000"/>
+            </a:avLst>
+          </a:prstGeom>
+          <a:solidFill>
+            <a:schemeClr val="accent2">
+              <a:lumMod val="40000"/>
+              <a:lumOff val="60000"/>
+            </a:schemeClr>
+          </a:solidFill>
+          <a:ln>
+            <a:headEnd type="none" w="sm" len="sm"/>
+            <a:tailEnd type="none" w="sm" len="sm"/>
+          </a:ln>
+        </p:spPr>
+        <p:style>
+          <a:lnRef idx="1">
+            <a:schemeClr val="dk1"/>
+          </a:lnRef>
+          <a:fillRef idx="2">
+            <a:schemeClr val="dk1"/>
+          </a:fillRef>
+          <a:effectRef idx="1">
+            <a:schemeClr val="dk1"/>
+          </a:effectRef>
+          <a:fontRef idx="minor">
+            <a:schemeClr val="dk1"/>
+          </a:fontRef>
+        </p:style>
+        <p:txBody>
+          <a:bodyPr spcFirstLastPara="1" wrap="square" lIns="91425" tIns="91425" rIns="91425" bIns="91425" anchor="ctr" anchorCtr="0">
+            <a:noAutofit/>
+          </a:bodyPr>
+          <a:lstStyle/>
+          <a:p>
+            <a:pPr marL="0" lvl="0" indent="0" algn="l" rtl="0">
+              <a:spcBef>
+                <a:spcPts val="0"/>
+              </a:spcBef>
+              <a:spcAft>
+                <a:spcPts val="0"/>
+              </a:spcAft>
+              <a:buNone/>
+            </a:pPr>
+            <a:endParaRPr>
+              <a:latin typeface="+mn-lt"/>
+            </a:endParaRPr>
+          </a:p>
+        </p:txBody>
+      </p:sp>
+      <p:sp>
+        <p:nvSpPr>
+          <p:cNvPr id="146" name="Google Shape;146;p26"/>
+          <p:cNvSpPr/>
+          <p:nvPr/>
+        </p:nvSpPr>
+        <p:spPr>
+          <a:xfrm>
+            <a:off x="1663975" y="2180099"/>
+            <a:ext cx="159000" cy="213000"/>
+          </a:xfrm>
+          <a:prstGeom prst="downArrow">
+            <a:avLst>
+              <a:gd name="adj1" fmla="val 50000"/>
+              <a:gd name="adj2" fmla="val 50000"/>
+            </a:avLst>
+          </a:prstGeom>
+          <a:solidFill>
+            <a:schemeClr val="accent2">
+              <a:lumMod val="40000"/>
+              <a:lumOff val="60000"/>
+            </a:schemeClr>
+          </a:solidFill>
+          <a:ln>
+            <a:headEnd type="none" w="sm" len="sm"/>
+            <a:tailEnd type="none" w="sm" len="sm"/>
+          </a:ln>
+        </p:spPr>
+        <p:style>
+          <a:lnRef idx="1">
+            <a:schemeClr val="dk1"/>
+          </a:lnRef>
+          <a:fillRef idx="2">
+            <a:schemeClr val="dk1"/>
+          </a:fillRef>
+          <a:effectRef idx="1">
+            <a:schemeClr val="dk1"/>
+          </a:effectRef>
+          <a:fontRef idx="minor">
+            <a:schemeClr val="dk1"/>
+          </a:fontRef>
+        </p:style>
+        <p:txBody>
+          <a:bodyPr spcFirstLastPara="1" wrap="square" lIns="91425" tIns="91425" rIns="91425" bIns="91425" anchor="ctr" anchorCtr="0">
+            <a:noAutofit/>
+          </a:bodyPr>
+          <a:lstStyle/>
+          <a:p>
+            <a:pPr marL="0" lvl="0" indent="0" algn="l" rtl="0">
+              <a:spcBef>
+                <a:spcPts val="0"/>
+              </a:spcBef>
+              <a:spcAft>
+                <a:spcPts val="0"/>
+              </a:spcAft>
+              <a:buNone/>
+            </a:pPr>
+            <a:endParaRPr>
+              <a:latin typeface="+mn-lt"/>
+            </a:endParaRPr>
+          </a:p>
+        </p:txBody>
+      </p:sp>
+      <p:sp>
+        <p:nvSpPr>
+          <p:cNvPr id="147" name="Google Shape;147;p26"/>
+          <p:cNvSpPr/>
+          <p:nvPr/>
+        </p:nvSpPr>
+        <p:spPr>
+          <a:xfrm>
+            <a:off x="1663975" y="2750424"/>
+            <a:ext cx="159000" cy="213000"/>
+          </a:xfrm>
+          <a:prstGeom prst="downArrow">
+            <a:avLst>
+              <a:gd name="adj1" fmla="val 50000"/>
+              <a:gd name="adj2" fmla="val 50000"/>
+            </a:avLst>
+          </a:prstGeom>
+          <a:solidFill>
+            <a:schemeClr val="accent2">
+              <a:lumMod val="40000"/>
+              <a:lumOff val="60000"/>
+            </a:schemeClr>
+          </a:solidFill>
+          <a:ln>
+            <a:headEnd type="none" w="sm" len="sm"/>
+            <a:tailEnd type="none" w="sm" len="sm"/>
+          </a:ln>
+        </p:spPr>
+        <p:style>
+          <a:lnRef idx="1">
+            <a:schemeClr val="dk1"/>
+          </a:lnRef>
+          <a:fillRef idx="2">
+            <a:schemeClr val="dk1"/>
+          </a:fillRef>
+          <a:effectRef idx="1">
+            <a:schemeClr val="dk1"/>
+          </a:effectRef>
+          <a:fontRef idx="minor">
+            <a:schemeClr val="dk1"/>
+          </a:fontRef>
+        </p:style>
+        <p:txBody>
+          <a:bodyPr spcFirstLastPara="1" wrap="square" lIns="91425" tIns="91425" rIns="91425" bIns="91425" anchor="ctr" anchorCtr="0">
+            <a:noAutofit/>
+          </a:bodyPr>
+          <a:lstStyle/>
+          <a:p>
+            <a:pPr marL="0" lvl="0" indent="0" algn="l" rtl="0">
+              <a:spcBef>
+                <a:spcPts val="0"/>
+              </a:spcBef>
+              <a:spcAft>
+                <a:spcPts val="0"/>
+              </a:spcAft>
+              <a:buNone/>
+            </a:pPr>
+            <a:endParaRPr>
+              <a:latin typeface="+mn-lt"/>
+            </a:endParaRPr>
+          </a:p>
+        </p:txBody>
+      </p:sp>
+      <p:sp>
+        <p:nvSpPr>
+          <p:cNvPr id="148" name="Google Shape;148;p26"/>
+          <p:cNvSpPr/>
+          <p:nvPr/>
+        </p:nvSpPr>
+        <p:spPr>
+          <a:xfrm>
+            <a:off x="1674775" y="3320724"/>
+            <a:ext cx="159000" cy="213000"/>
+          </a:xfrm>
+          <a:prstGeom prst="downArrow">
+            <a:avLst>
+              <a:gd name="adj1" fmla="val 50000"/>
+              <a:gd name="adj2" fmla="val 50000"/>
+            </a:avLst>
+          </a:prstGeom>
+          <a:solidFill>
+            <a:schemeClr val="accent2">
+              <a:lumMod val="40000"/>
+              <a:lumOff val="60000"/>
+            </a:schemeClr>
+          </a:solidFill>
+          <a:ln>
+            <a:headEnd type="none" w="sm" len="sm"/>
+            <a:tailEnd type="none" w="sm" len="sm"/>
+          </a:ln>
+        </p:spPr>
+        <p:style>
+          <a:lnRef idx="1">
+            <a:schemeClr val="dk1"/>
+          </a:lnRef>
+          <a:fillRef idx="2">
+            <a:schemeClr val="dk1"/>
+          </a:fillRef>
+          <a:effectRef idx="1">
+            <a:schemeClr val="dk1"/>
+          </a:effectRef>
+          <a:fontRef idx="minor">
+            <a:schemeClr val="dk1"/>
+          </a:fontRef>
+        </p:style>
+        <p:txBody>
+          <a:bodyPr spcFirstLastPara="1" wrap="square" lIns="91425" tIns="91425" rIns="91425" bIns="91425" anchor="ctr" anchorCtr="0">
+            <a:noAutofit/>
+          </a:bodyPr>
+          <a:lstStyle/>
+          <a:p>
+            <a:pPr marL="0" lvl="0" indent="0" algn="l" rtl="0">
+              <a:spcBef>
+                <a:spcPts val="0"/>
+              </a:spcBef>
+              <a:spcAft>
+                <a:spcPts val="0"/>
+              </a:spcAft>
+              <a:buNone/>
+            </a:pPr>
+            <a:endParaRPr>
+              <a:latin typeface="+mn-lt"/>
+            </a:endParaRPr>
+          </a:p>
+        </p:txBody>
+      </p:sp>
+      <p:sp>
+        <p:nvSpPr>
+          <p:cNvPr id="149" name="Google Shape;149;p26"/>
+          <p:cNvSpPr/>
+          <p:nvPr/>
+        </p:nvSpPr>
+        <p:spPr>
+          <a:xfrm>
+            <a:off x="3043175" y="1256800"/>
+            <a:ext cx="357000" cy="1489200"/>
+          </a:xfrm>
+          <a:prstGeom prst="rightBrace">
+            <a:avLst>
+              <a:gd name="adj1" fmla="val 50000"/>
+              <a:gd name="adj2" fmla="val 50000"/>
+            </a:avLst>
+          </a:prstGeom>
+          <a:noFill/>
+          <a:ln w="9525" cap="flat" cmpd="sng">
+            <a:solidFill>
+              <a:schemeClr val="dk2"/>
+            </a:solidFill>
+            <a:prstDash val="solid"/>
+            <a:round/>
+            <a:headEnd type="none" w="sm" len="sm"/>
+            <a:tailEnd type="none" w="sm" len="sm"/>
+          </a:ln>
+        </p:spPr>
+        <p:txBody>
+          <a:bodyPr spcFirstLastPara="1" wrap="square" lIns="91425" tIns="91425" rIns="91425" bIns="91425" anchor="ctr" anchorCtr="0">
+            <a:noAutofit/>
+          </a:bodyPr>
+          <a:lstStyle/>
+          <a:p>
+            <a:pPr marL="0" lvl="0" indent="0" algn="l" rtl="0">
+              <a:spcBef>
+                <a:spcPts val="0"/>
+              </a:spcBef>
+              <a:spcAft>
+                <a:spcPts val="0"/>
+              </a:spcAft>
+              <a:buNone/>
+            </a:pPr>
+            <a:endParaRPr/>
+          </a:p>
+        </p:txBody>
+      </p:sp>
+      <p:sp>
+        <p:nvSpPr>
+          <p:cNvPr id="150" name="Google Shape;150;p26"/>
+          <p:cNvSpPr/>
+          <p:nvPr/>
+        </p:nvSpPr>
+        <p:spPr>
+          <a:xfrm>
+            <a:off x="3043175" y="2963425"/>
+            <a:ext cx="357000" cy="1489200"/>
+          </a:xfrm>
+          <a:prstGeom prst="rightBrace">
+            <a:avLst>
+              <a:gd name="adj1" fmla="val 50000"/>
+              <a:gd name="adj2" fmla="val 50000"/>
+            </a:avLst>
+          </a:prstGeom>
+          <a:noFill/>
+          <a:ln w="9525" cap="flat" cmpd="sng">
+            <a:solidFill>
+              <a:schemeClr val="dk2"/>
+            </a:solidFill>
+            <a:prstDash val="solid"/>
+            <a:round/>
+            <a:headEnd type="none" w="sm" len="sm"/>
+            <a:tailEnd type="none" w="sm" len="sm"/>
+          </a:ln>
+        </p:spPr>
+        <p:txBody>
+          <a:bodyPr spcFirstLastPara="1" wrap="square" lIns="91425" tIns="91425" rIns="91425" bIns="91425" anchor="ctr" anchorCtr="0">
+            <a:noAutofit/>
+          </a:bodyPr>
+          <a:lstStyle/>
+          <a:p>
+            <a:pPr marL="0" lvl="0" indent="0" algn="l" rtl="0">
+              <a:spcBef>
+                <a:spcPts val="0"/>
+              </a:spcBef>
+              <a:spcAft>
+                <a:spcPts val="0"/>
+              </a:spcAft>
+              <a:buNone/>
+            </a:pPr>
+            <a:endParaRPr/>
+          </a:p>
+        </p:txBody>
+      </p:sp>
+      <p:sp>
+        <p:nvSpPr>
+          <p:cNvPr id="151" name="Google Shape;151;p26"/>
+          <p:cNvSpPr txBox="1"/>
+          <p:nvPr/>
+        </p:nvSpPr>
+        <p:spPr>
+          <a:xfrm>
+            <a:off x="3689625" y="1827100"/>
+            <a:ext cx="1239300" cy="348600"/>
+          </a:xfrm>
+          <a:prstGeom prst="rect">
+            <a:avLst/>
+          </a:prstGeom>
+          <a:noFill/>
+          <a:ln>
+            <a:noFill/>
+          </a:ln>
+        </p:spPr>
+        <p:txBody>
+          <a:bodyPr spcFirstLastPara="1" wrap="square" lIns="91425" tIns="91425" rIns="91425" bIns="91425" anchor="t" anchorCtr="0">
+            <a:noAutofit/>
+          </a:bodyPr>
+          <a:lstStyle/>
+          <a:p>
+            <a:pPr marL="0" lvl="0" indent="0" algn="l" rtl="0">
+              <a:spcBef>
+                <a:spcPts val="0"/>
+              </a:spcBef>
+              <a:spcAft>
+                <a:spcPts val="0"/>
+              </a:spcAft>
+              <a:buNone/>
+            </a:pPr>
+            <a:r>
+              <a:rPr lang="de" dirty="0">
+                <a:latin typeface="+mn-lt"/>
+              </a:rPr>
+              <a:t>Commands</a:t>
+            </a:r>
+            <a:endParaRPr dirty="0">
+              <a:latin typeface="+mn-lt"/>
+            </a:endParaRPr>
+          </a:p>
+        </p:txBody>
+      </p:sp>
+      <p:sp>
+        <p:nvSpPr>
+          <p:cNvPr id="152" name="Google Shape;152;p26"/>
+          <p:cNvSpPr txBox="1"/>
+          <p:nvPr/>
+        </p:nvSpPr>
+        <p:spPr>
+          <a:xfrm>
+            <a:off x="3612300" y="3538075"/>
+            <a:ext cx="1919400" cy="348600"/>
+          </a:xfrm>
+          <a:prstGeom prst="rect">
+            <a:avLst/>
+          </a:prstGeom>
+          <a:noFill/>
+          <a:ln>
+            <a:noFill/>
+          </a:ln>
+        </p:spPr>
+        <p:txBody>
+          <a:bodyPr spcFirstLastPara="1" wrap="square" lIns="91425" tIns="91425" rIns="91425" bIns="91425" anchor="t" anchorCtr="0">
+            <a:noAutofit/>
+          </a:bodyPr>
+          <a:lstStyle/>
+          <a:p>
+            <a:pPr marL="0" lvl="0" indent="0" algn="l" rtl="0">
+              <a:spcBef>
+                <a:spcPts val="0"/>
+              </a:spcBef>
+              <a:spcAft>
+                <a:spcPts val="0"/>
+              </a:spcAft>
+              <a:buNone/>
+            </a:pPr>
+            <a:r>
+              <a:rPr lang="de">
+                <a:latin typeface="+mn-lt"/>
+              </a:rPr>
+              <a:t>Programmiersprache</a:t>
+            </a:r>
+            <a:endParaRPr>
+              <a:latin typeface="+mn-lt"/>
+            </a:endParaRPr>
+          </a:p>
+        </p:txBody>
+      </p:sp>
+      <p:sp>
+        <p:nvSpPr>
+          <p:cNvPr id="153" name="Google Shape;153;p26"/>
+          <p:cNvSpPr txBox="1"/>
+          <p:nvPr/>
+        </p:nvSpPr>
+        <p:spPr>
+          <a:xfrm>
+            <a:off x="4306013" y="1160342"/>
+            <a:ext cx="4778477" cy="324000"/>
+          </a:xfrm>
+          <a:prstGeom prst="rect">
+            <a:avLst/>
+          </a:prstGeom>
+          <a:noFill/>
+          <a:ln>
+            <a:noFill/>
+          </a:ln>
+        </p:spPr>
+        <p:txBody>
+          <a:bodyPr spcFirstLastPara="1" wrap="square" lIns="91425" tIns="91425" rIns="91425" bIns="91425" anchor="t" anchorCtr="0">
+            <a:noAutofit/>
+          </a:bodyPr>
+          <a:lstStyle/>
+          <a:p>
+            <a:pPr marL="0" lvl="0" indent="0" algn="l" rtl="0">
+              <a:spcBef>
+                <a:spcPts val="0"/>
+              </a:spcBef>
+              <a:spcAft>
+                <a:spcPts val="0"/>
+              </a:spcAft>
+              <a:buClr>
+                <a:schemeClr val="dk1"/>
+              </a:buClr>
+              <a:buSzPts val="1100"/>
+              <a:buFont typeface="Arial"/>
+              <a:buNone/>
+            </a:pPr>
+            <a:r>
+              <a:rPr lang="de" sz="1100" dirty="0">
+                <a:latin typeface="Consolas" panose="020B0609020204030204" pitchFamily="49" charset="0"/>
+              </a:rPr>
+              <a:t>ganache-cli -m "dragon canoe knife need marine business arctic honey make layer company solar" </a:t>
+            </a:r>
+            <a:br>
+              <a:rPr lang="de" sz="1100" dirty="0">
+                <a:latin typeface="Consolas" panose="020B0609020204030204" pitchFamily="49" charset="0"/>
+              </a:rPr>
+            </a:br>
+            <a:r>
+              <a:rPr lang="de" sz="1100" dirty="0">
+                <a:latin typeface="Consolas" panose="020B0609020204030204" pitchFamily="49" charset="0"/>
+              </a:rPr>
+              <a:t>-h "193.196.54.51" -p 8545 -e 10000 &amp;</a:t>
+            </a:r>
+            <a:endParaRPr sz="1100" dirty="0">
+              <a:latin typeface="Consolas" panose="020B0609020204030204" pitchFamily="49" charset="0"/>
+            </a:endParaRPr>
+          </a:p>
+          <a:p>
+            <a:pPr marL="0" lvl="0" indent="0" algn="l" rtl="0">
+              <a:spcBef>
+                <a:spcPts val="0"/>
+              </a:spcBef>
+              <a:spcAft>
+                <a:spcPts val="0"/>
+              </a:spcAft>
+              <a:buClr>
+                <a:schemeClr val="dk1"/>
+              </a:buClr>
+              <a:buSzPts val="1100"/>
+              <a:buFont typeface="Arial"/>
+              <a:buNone/>
+            </a:pPr>
+            <a:endParaRPr dirty="0">
+              <a:latin typeface="Consolas" panose="020B0609020204030204" pitchFamily="49" charset="0"/>
+            </a:endParaRPr>
+          </a:p>
+          <a:p>
+            <a:pPr marL="0" lvl="0" indent="0" algn="l" rtl="0">
+              <a:spcBef>
+                <a:spcPts val="0"/>
+              </a:spcBef>
+              <a:spcAft>
+                <a:spcPts val="0"/>
+              </a:spcAft>
+              <a:buClr>
+                <a:schemeClr val="dk1"/>
+              </a:buClr>
+              <a:buSzPts val="1100"/>
+              <a:buFont typeface="Arial"/>
+              <a:buNone/>
+            </a:pPr>
+            <a:endParaRPr dirty="0">
+              <a:latin typeface="Consolas" panose="020B0609020204030204" pitchFamily="49" charset="0"/>
+            </a:endParaRPr>
+          </a:p>
+          <a:p>
+            <a:pPr marL="0" lvl="0" indent="0" algn="l" rtl="0">
+              <a:spcBef>
+                <a:spcPts val="0"/>
+              </a:spcBef>
+              <a:spcAft>
+                <a:spcPts val="0"/>
+              </a:spcAft>
+              <a:buNone/>
+            </a:pPr>
+            <a:endParaRPr dirty="0">
+              <a:latin typeface="Consolas" panose="020B0609020204030204" pitchFamily="49" charset="0"/>
+            </a:endParaRPr>
+          </a:p>
+        </p:txBody>
+      </p:sp>
+      <p:sp>
+        <p:nvSpPr>
+          <p:cNvPr id="154" name="Google Shape;154;p26"/>
+          <p:cNvSpPr txBox="1"/>
+          <p:nvPr/>
+        </p:nvSpPr>
+        <p:spPr>
+          <a:xfrm>
+            <a:off x="4306013" y="2247750"/>
+            <a:ext cx="4731055" cy="324000"/>
+          </a:xfrm>
+          <a:prstGeom prst="rect">
+            <a:avLst/>
+          </a:prstGeom>
+          <a:noFill/>
+          <a:ln>
+            <a:noFill/>
+          </a:ln>
+        </p:spPr>
+        <p:txBody>
+          <a:bodyPr spcFirstLastPara="1" wrap="square" lIns="91425" tIns="91425" rIns="91425" bIns="91425" anchor="t" anchorCtr="0">
+            <a:noAutofit/>
+          </a:bodyPr>
+          <a:lstStyle/>
+          <a:p>
+            <a:pPr marL="0" lvl="0" indent="0" algn="l" rtl="0">
+              <a:spcBef>
+                <a:spcPts val="0"/>
+              </a:spcBef>
+              <a:spcAft>
+                <a:spcPts val="0"/>
+              </a:spcAft>
+              <a:buClr>
+                <a:schemeClr val="dk1"/>
+              </a:buClr>
+              <a:buSzPts val="1100"/>
+              <a:buFont typeface="Arial"/>
+              <a:buNone/>
+            </a:pPr>
+            <a:r>
+              <a:rPr lang="de" sz="1100" dirty="0">
+                <a:solidFill>
+                  <a:schemeClr val="dk1"/>
+                </a:solidFill>
+                <a:latin typeface="Consolas" panose="020B0609020204030204" pitchFamily="49" charset="0"/>
+              </a:rPr>
+              <a:t>truffle migrate --network ganacheOnServer --reset</a:t>
+            </a:r>
+            <a:endParaRPr sz="1100" dirty="0">
+              <a:latin typeface="Consolas" panose="020B0609020204030204" pitchFamily="49" charset="0"/>
+            </a:endParaRPr>
+          </a:p>
+        </p:txBody>
+      </p:sp>
+      <p:sp>
+        <p:nvSpPr>
+          <p:cNvPr id="155" name="Google Shape;155;p26"/>
+          <p:cNvSpPr/>
+          <p:nvPr/>
+        </p:nvSpPr>
+        <p:spPr>
+          <a:xfrm>
+            <a:off x="722125" y="3538075"/>
+            <a:ext cx="2020800" cy="348600"/>
+          </a:xfrm>
+          <a:prstGeom prst="rect">
+            <a:avLst/>
+          </a:prstGeom>
+          <a:solidFill>
+            <a:schemeClr val="accent2">
+              <a:lumMod val="40000"/>
+              <a:lumOff val="60000"/>
+            </a:schemeClr>
+          </a:solidFill>
+          <a:ln>
+            <a:headEnd type="none" w="sm" len="sm"/>
+            <a:tailEnd type="none" w="sm" len="sm"/>
+          </a:ln>
+        </p:spPr>
+        <p:style>
+          <a:lnRef idx="1">
+            <a:schemeClr val="dk1"/>
+          </a:lnRef>
+          <a:fillRef idx="2">
+            <a:schemeClr val="dk1"/>
+          </a:fillRef>
+          <a:effectRef idx="1">
+            <a:schemeClr val="dk1"/>
+          </a:effectRef>
+          <a:fontRef idx="minor">
+            <a:schemeClr val="dk1"/>
+          </a:fontRef>
+        </p:style>
+        <p:txBody>
+          <a:bodyPr spcFirstLastPara="1" wrap="square" lIns="91425" tIns="91425" rIns="91425" bIns="91425" anchor="ctr" anchorCtr="0">
+            <a:noAutofit/>
+          </a:bodyPr>
+          <a:lstStyle/>
+          <a:p>
+            <a:pPr marL="0" lvl="0" indent="0" algn="l" rtl="0">
+              <a:spcBef>
+                <a:spcPts val="0"/>
+              </a:spcBef>
+              <a:spcAft>
+                <a:spcPts val="0"/>
+              </a:spcAft>
+              <a:buNone/>
+            </a:pPr>
+            <a:r>
+              <a:rPr lang="de">
+                <a:latin typeface="+mn-lt"/>
+              </a:rPr>
+              <a:t>Interface bereitstellen</a:t>
+            </a:r>
+            <a:endParaRPr>
+              <a:latin typeface="+mn-lt"/>
+            </a:endParaRPr>
+          </a:p>
+        </p:txBody>
+      </p:sp>
+      <p:sp>
+        <p:nvSpPr>
+          <p:cNvPr id="156" name="Google Shape;156;p26"/>
+          <p:cNvSpPr/>
+          <p:nvPr/>
+        </p:nvSpPr>
+        <p:spPr>
+          <a:xfrm>
+            <a:off x="1674775" y="3891024"/>
+            <a:ext cx="159000" cy="213000"/>
+          </a:xfrm>
+          <a:prstGeom prst="downArrow">
+            <a:avLst>
+              <a:gd name="adj1" fmla="val 50000"/>
+              <a:gd name="adj2" fmla="val 50000"/>
+            </a:avLst>
+          </a:prstGeom>
+          <a:solidFill>
+            <a:schemeClr val="accent2">
+              <a:lumMod val="40000"/>
+              <a:lumOff val="60000"/>
+            </a:schemeClr>
+          </a:solidFill>
+          <a:ln>
+            <a:headEnd type="none" w="sm" len="sm"/>
+            <a:tailEnd type="none" w="sm" len="sm"/>
+          </a:ln>
+        </p:spPr>
+        <p:style>
+          <a:lnRef idx="1">
+            <a:schemeClr val="dk1"/>
+          </a:lnRef>
+          <a:fillRef idx="2">
+            <a:schemeClr val="dk1"/>
+          </a:fillRef>
+          <a:effectRef idx="1">
+            <a:schemeClr val="dk1"/>
+          </a:effectRef>
+          <a:fontRef idx="minor">
+            <a:schemeClr val="dk1"/>
+          </a:fontRef>
+        </p:style>
+        <p:txBody>
+          <a:bodyPr spcFirstLastPara="1" wrap="square" lIns="91425" tIns="91425" rIns="91425" bIns="91425" anchor="ctr" anchorCtr="0">
+            <a:noAutofit/>
+          </a:bodyPr>
+          <a:lstStyle/>
+          <a:p>
+            <a:pPr marL="0" lvl="0" indent="0" algn="l" rtl="0">
+              <a:spcBef>
+                <a:spcPts val="0"/>
+              </a:spcBef>
+              <a:spcAft>
+                <a:spcPts val="0"/>
+              </a:spcAft>
+              <a:buNone/>
+            </a:pPr>
+            <a:endParaRPr>
+              <a:latin typeface="+mn-lt"/>
+            </a:endParaRPr>
+          </a:p>
+        </p:txBody>
+      </p:sp>
+    </p:spTree>
+  </p:cSld>
+  <p:clrMapOvr>
+    <a:masterClrMapping/>
+  </p:clrMapOvr>
+</p:sld>
+</file>
+
+<file path=ppt/slides/slide33.xml><?xml version="1.0" encoding="utf-8"?>
+<p:sld xmlns:a="http://schemas.openxmlformats.org/drawingml/2006/main" xmlns:r="http://schemas.openxmlformats.org/officeDocument/2006/relationships" xmlns:p="http://schemas.openxmlformats.org/presentationml/2006/main">
+  <p:cSld>
+    <p:spTree>
+      <p:nvGrpSpPr>
+        <p:cNvPr id="1" name="Shape 160"/>
+        <p:cNvGrpSpPr/>
+        <p:nvPr/>
+      </p:nvGrpSpPr>
+      <p:grpSpPr>
+        <a:xfrm>
+          <a:off x="0" y="0"/>
+          <a:ext cx="0" cy="0"/>
+          <a:chOff x="0" y="0"/>
+          <a:chExt cx="0" cy="0"/>
+        </a:xfrm>
+      </p:grpSpPr>
+      <p:sp>
+        <p:nvSpPr>
+          <p:cNvPr id="161" name="Google Shape;161;p27"/>
+          <p:cNvSpPr txBox="1">
+            <a:spLocks noGrp="1"/>
+          </p:cNvSpPr>
+          <p:nvPr>
+            <p:ph type="title"/>
+          </p:nvPr>
+        </p:nvSpPr>
+        <p:spPr>
+          <a:prstGeom prst="rect">
+            <a:avLst/>
+          </a:prstGeom>
+        </p:spPr>
+        <p:txBody>
+          <a:bodyPr spcFirstLastPara="1" wrap="square" lIns="91425" tIns="91425" rIns="91425" bIns="91425" anchor="t" anchorCtr="0">
+            <a:noAutofit/>
+          </a:bodyPr>
+          <a:lstStyle/>
+          <a:p>
+            <a:pPr marL="0" lvl="0" indent="0" algn="l" rtl="0">
+              <a:spcBef>
+                <a:spcPts val="0"/>
+              </a:spcBef>
+              <a:spcAft>
+                <a:spcPts val="0"/>
+              </a:spcAft>
+              <a:buClr>
+                <a:schemeClr val="dk1"/>
+              </a:buClr>
+              <a:buSzPts val="1100"/>
+              <a:buFont typeface="Arial"/>
+              <a:buNone/>
+            </a:pPr>
+            <a:r>
+              <a:rPr lang="de"/>
+              <a:t>Carchain: Funktionsweise</a:t>
+            </a:r>
+            <a:endParaRPr/>
+          </a:p>
+        </p:txBody>
+      </p:sp>
+      <p:sp>
+        <p:nvSpPr>
+          <p:cNvPr id="2" name="Inhaltsplatzhalter 1">
+            <a:extLst>
+              <a:ext uri="{FF2B5EF4-FFF2-40B4-BE49-F238E27FC236}">
+                <a16:creationId xmlns:a16="http://schemas.microsoft.com/office/drawing/2014/main" id="{CF60FB9F-F923-46BB-AC09-6380140ABF85}"/>
+              </a:ext>
+            </a:extLst>
+          </p:cNvPr>
+          <p:cNvSpPr>
+            <a:spLocks noGrp="1"/>
+          </p:cNvSpPr>
+          <p:nvPr>
+            <p:ph idx="1"/>
+          </p:nvPr>
+        </p:nvSpPr>
+        <p:spPr/>
+        <p:txBody>
+          <a:bodyPr/>
+          <a:lstStyle/>
+          <a:p>
+            <a:endParaRPr lang="de-DE"/>
+          </a:p>
+        </p:txBody>
+      </p:sp>
+      <p:pic>
+        <p:nvPicPr>
+          <p:cNvPr id="162" name="Google Shape;162;p27"/>
+          <p:cNvPicPr preferRelativeResize="0"/>
+          <p:nvPr/>
+        </p:nvPicPr>
+        <p:blipFill>
+          <a:blip r:embed="rId3">
+            <a:alphaModFix/>
+          </a:blip>
+          <a:stretch>
+            <a:fillRect/>
+          </a:stretch>
+        </p:blipFill>
+        <p:spPr>
+          <a:xfrm>
+            <a:off x="311700" y="1170125"/>
+            <a:ext cx="4514850" cy="1085850"/>
+          </a:xfrm>
+          <a:prstGeom prst="rect">
+            <a:avLst/>
+          </a:prstGeom>
+          <a:noFill/>
+          <a:ln>
+            <a:noFill/>
+          </a:ln>
+        </p:spPr>
+      </p:pic>
+      <p:pic>
+        <p:nvPicPr>
+          <p:cNvPr id="163" name="Google Shape;163;p27"/>
+          <p:cNvPicPr preferRelativeResize="0"/>
+          <p:nvPr/>
+        </p:nvPicPr>
+        <p:blipFill>
+          <a:blip r:embed="rId4">
+            <a:alphaModFix/>
+          </a:blip>
+          <a:stretch>
+            <a:fillRect/>
+          </a:stretch>
+        </p:blipFill>
+        <p:spPr>
+          <a:xfrm>
+            <a:off x="311700" y="2408375"/>
+            <a:ext cx="7324725" cy="695325"/>
+          </a:xfrm>
+          <a:prstGeom prst="rect">
+            <a:avLst/>
+          </a:prstGeom>
+          <a:noFill/>
+          <a:ln>
+            <a:noFill/>
+          </a:ln>
+        </p:spPr>
+      </p:pic>
+      <p:pic>
+        <p:nvPicPr>
+          <p:cNvPr id="164" name="Google Shape;164;p27"/>
+          <p:cNvPicPr preferRelativeResize="0"/>
+          <p:nvPr/>
+        </p:nvPicPr>
+        <p:blipFill>
+          <a:blip r:embed="rId5">
+            <a:alphaModFix/>
+          </a:blip>
+          <a:stretch>
+            <a:fillRect/>
+          </a:stretch>
+        </p:blipFill>
+        <p:spPr>
+          <a:xfrm>
+            <a:off x="292400" y="3280200"/>
+            <a:ext cx="8682800" cy="304775"/>
+          </a:xfrm>
+          <a:prstGeom prst="rect">
+            <a:avLst/>
+          </a:prstGeom>
+          <a:noFill/>
+          <a:ln>
+            <a:noFill/>
+          </a:ln>
+        </p:spPr>
+      </p:pic>
+    </p:spTree>
+  </p:cSld>
+  <p:clrMapOvr>
+    <a:masterClrMapping/>
+  </p:clrMapOvr>
+</p:sld>
+</file>
+
+<file path=ppt/slides/slide34.xml><?xml version="1.0" encoding="utf-8"?>
+<p:sld xmlns:a="http://schemas.openxmlformats.org/drawingml/2006/main" xmlns:r="http://schemas.openxmlformats.org/officeDocument/2006/relationships" xmlns:p="http://schemas.openxmlformats.org/presentationml/2006/main">
+  <p:cSld>
+    <p:spTree>
+      <p:nvGrpSpPr>
+        <p:cNvPr id="1" name="Shape 168"/>
+        <p:cNvGrpSpPr/>
+        <p:nvPr/>
+      </p:nvGrpSpPr>
+      <p:grpSpPr>
+        <a:xfrm>
+          <a:off x="0" y="0"/>
+          <a:ext cx="0" cy="0"/>
+          <a:chOff x="0" y="0"/>
+          <a:chExt cx="0" cy="0"/>
+        </a:xfrm>
+      </p:grpSpPr>
+      <p:sp>
+        <p:nvSpPr>
+          <p:cNvPr id="169" name="Google Shape;169;p28"/>
+          <p:cNvSpPr txBox="1">
+            <a:spLocks noGrp="1"/>
+          </p:cNvSpPr>
+          <p:nvPr>
+            <p:ph type="title"/>
+          </p:nvPr>
+        </p:nvSpPr>
+        <p:spPr>
+          <a:prstGeom prst="rect">
+            <a:avLst/>
+          </a:prstGeom>
+        </p:spPr>
+        <p:txBody>
+          <a:bodyPr spcFirstLastPara="1" wrap="square" lIns="91425" tIns="91425" rIns="91425" bIns="91425" anchor="t" anchorCtr="0">
+            <a:noAutofit/>
+          </a:bodyPr>
+          <a:lstStyle/>
+          <a:p>
+            <a:pPr marL="0" lvl="0" indent="0" algn="l" rtl="0">
+              <a:spcBef>
+                <a:spcPts val="0"/>
+              </a:spcBef>
+              <a:spcAft>
+                <a:spcPts val="0"/>
+              </a:spcAft>
+              <a:buClr>
+                <a:schemeClr val="dk1"/>
+              </a:buClr>
+              <a:buSzPts val="1100"/>
+              <a:buFont typeface="Arial"/>
+              <a:buNone/>
+            </a:pPr>
+            <a:r>
+              <a:rPr lang="de"/>
+              <a:t>Carchain: SmartCar (RaspberryPi)</a:t>
+            </a:r>
+            <a:endParaRPr/>
+          </a:p>
+        </p:txBody>
+      </p:sp>
+      <p:sp>
+        <p:nvSpPr>
+          <p:cNvPr id="170" name="Google Shape;170;p28"/>
+          <p:cNvSpPr txBox="1">
+            <a:spLocks noGrp="1"/>
+          </p:cNvSpPr>
+          <p:nvPr>
+            <p:ph idx="1"/>
+          </p:nvPr>
+        </p:nvSpPr>
+        <p:spPr>
+          <a:prstGeom prst="rect">
+            <a:avLst/>
+          </a:prstGeom>
+        </p:spPr>
+        <p:txBody>
+          <a:bodyPr spcFirstLastPara="1" wrap="square" lIns="91425" tIns="91425" rIns="91425" bIns="91425" anchor="t" anchorCtr="0">
+            <a:noAutofit/>
+          </a:bodyPr>
+          <a:lstStyle/>
+          <a:p>
+            <a:pPr marL="285750" lvl="0" indent="-285750" algn="l" rtl="0">
+              <a:spcBef>
+                <a:spcPts val="0"/>
+              </a:spcBef>
+              <a:spcAft>
+                <a:spcPts val="0"/>
+              </a:spcAft>
+              <a:buFont typeface="Arial" panose="020B0604020202020204" pitchFamily="34" charset="0"/>
+              <a:buChar char="•"/>
+            </a:pPr>
+            <a:r>
+              <a:rPr lang="de" sz="1800" dirty="0"/>
+              <a:t>Aufbau der Entwicklungsumgebung: </a:t>
+            </a:r>
+            <a:endParaRPr sz="1800" dirty="0"/>
+          </a:p>
+          <a:p>
+            <a:pPr lvl="0" algn="l" rtl="0">
+              <a:spcBef>
+                <a:spcPts val="1600"/>
+              </a:spcBef>
+              <a:spcAft>
+                <a:spcPts val="0"/>
+              </a:spcAft>
+              <a:buSzPts val="1800"/>
+              <a:buFont typeface="Arial" panose="020B0604020202020204" pitchFamily="34" charset="0"/>
+              <a:buChar char="•"/>
+            </a:pPr>
+            <a:r>
+              <a:rPr lang="de" sz="1800" dirty="0"/>
+              <a:t>Anschließen und aktivieren der Kamera</a:t>
+            </a:r>
+            <a:endParaRPr sz="1800" dirty="0"/>
+          </a:p>
+          <a:p>
+            <a:pPr lvl="0" algn="l" rtl="0">
+              <a:spcBef>
+                <a:spcPts val="0"/>
+              </a:spcBef>
+              <a:spcAft>
+                <a:spcPts val="0"/>
+              </a:spcAft>
+              <a:buSzPts val="1800"/>
+              <a:buFont typeface="Arial" panose="020B0604020202020204" pitchFamily="34" charset="0"/>
+              <a:buChar char="•"/>
+            </a:pPr>
+            <a:r>
+              <a:rPr lang="de" sz="1800" dirty="0"/>
+              <a:t>Ausgedruckter physischer QR-Code</a:t>
+            </a:r>
+            <a:endParaRPr sz="1800" dirty="0"/>
+          </a:p>
+          <a:p>
+            <a:pPr lvl="0" algn="l" rtl="0">
+              <a:spcBef>
+                <a:spcPts val="0"/>
+              </a:spcBef>
+              <a:spcAft>
+                <a:spcPts val="0"/>
+              </a:spcAft>
+              <a:buSzPts val="1800"/>
+              <a:buFont typeface="Arial" panose="020B0604020202020204" pitchFamily="34" charset="0"/>
+              <a:buChar char="•"/>
+            </a:pPr>
+            <a:r>
+              <a:rPr lang="de" sz="1800" dirty="0"/>
+              <a:t>T-Cobbler &amp; Steckplatine mit 3 LEDs und 2 Buttons</a:t>
+            </a:r>
+            <a:endParaRPr sz="1800" dirty="0"/>
+          </a:p>
+          <a:p>
+            <a:pPr lvl="0" algn="l" rtl="0">
+              <a:spcBef>
+                <a:spcPts val="0"/>
+              </a:spcBef>
+              <a:spcAft>
+                <a:spcPts val="0"/>
+              </a:spcAft>
+              <a:buSzPts val="1800"/>
+              <a:buFont typeface="Arial" panose="020B0604020202020204" pitchFamily="34" charset="0"/>
+              <a:buChar char="•"/>
+            </a:pPr>
+            <a:r>
+              <a:rPr lang="de" sz="1800" dirty="0"/>
+              <a:t>Test-Skripte (dev-ausleihen.js &amp; dev-zurueckgeben.js)</a:t>
+            </a:r>
+            <a:endParaRPr sz="1800" dirty="0"/>
+          </a:p>
+          <a:p>
+            <a:pPr lvl="0" algn="l" rtl="0">
+              <a:spcBef>
+                <a:spcPts val="0"/>
+              </a:spcBef>
+              <a:spcAft>
+                <a:spcPts val="0"/>
+              </a:spcAft>
+              <a:buSzPts val="1800"/>
+              <a:buFont typeface="Arial" panose="020B0604020202020204" pitchFamily="34" charset="0"/>
+              <a:buChar char="•"/>
+            </a:pPr>
+            <a:r>
+              <a:rPr lang="de" sz="1800" dirty="0"/>
+              <a:t>Externer Zugriff</a:t>
+            </a:r>
+            <a:endParaRPr sz="1800" dirty="0"/>
+          </a:p>
+          <a:p>
+            <a:pPr lvl="1" algn="l" rtl="0">
+              <a:spcBef>
+                <a:spcPts val="0"/>
+              </a:spcBef>
+              <a:spcAft>
+                <a:spcPts val="0"/>
+              </a:spcAft>
+              <a:buSzPts val="1400"/>
+              <a:buFont typeface="Arial" panose="020B0604020202020204" pitchFamily="34" charset="0"/>
+              <a:buChar char="•"/>
+            </a:pPr>
+            <a:r>
+              <a:rPr lang="de" sz="1600" dirty="0">
+                <a:latin typeface="+mn-lt"/>
+              </a:rPr>
+              <a:t>OpenSSH enabled + Public Key Authentifizierung</a:t>
+            </a:r>
+            <a:endParaRPr sz="1600" dirty="0">
+              <a:latin typeface="+mn-lt"/>
+            </a:endParaRPr>
+          </a:p>
+          <a:p>
+            <a:pPr lvl="1" algn="l" rtl="0">
+              <a:spcBef>
+                <a:spcPts val="0"/>
+              </a:spcBef>
+              <a:spcAft>
+                <a:spcPts val="0"/>
+              </a:spcAft>
+              <a:buSzPts val="1400"/>
+              <a:buFont typeface="Arial" panose="020B0604020202020204" pitchFamily="34" charset="0"/>
+              <a:buChar char="•"/>
+            </a:pPr>
+            <a:r>
+              <a:rPr lang="de" sz="1600" dirty="0">
+                <a:latin typeface="+mn-lt"/>
+              </a:rPr>
+              <a:t>Statische private IP am Pi (192.168.178.42)</a:t>
+            </a:r>
+            <a:endParaRPr sz="1600" dirty="0">
+              <a:latin typeface="+mn-lt"/>
+            </a:endParaRPr>
+          </a:p>
+          <a:p>
+            <a:pPr lvl="1" algn="l" rtl="0">
+              <a:spcBef>
+                <a:spcPts val="0"/>
+              </a:spcBef>
+              <a:spcAft>
+                <a:spcPts val="0"/>
+              </a:spcAft>
+              <a:buSzPts val="1400"/>
+              <a:buFont typeface="Arial" panose="020B0604020202020204" pitchFamily="34" charset="0"/>
+              <a:buChar char="•"/>
+            </a:pPr>
+            <a:r>
+              <a:rPr lang="de" sz="1600" dirty="0">
+                <a:latin typeface="+mn-lt"/>
+              </a:rPr>
+              <a:t>DynDNS Eintrag an der FRITZ!Box (carchain-pi.dnsuser.de &lt;-&gt; Wechselnde öffentliche IP)</a:t>
+            </a:r>
+            <a:endParaRPr sz="1600" dirty="0">
+              <a:latin typeface="+mn-lt"/>
+            </a:endParaRPr>
+          </a:p>
+          <a:p>
+            <a:pPr lvl="1" algn="l" rtl="0">
+              <a:spcBef>
+                <a:spcPts val="0"/>
+              </a:spcBef>
+              <a:spcAft>
+                <a:spcPts val="0"/>
+              </a:spcAft>
+              <a:buSzPts val="1400"/>
+              <a:buFont typeface="Arial" panose="020B0604020202020204" pitchFamily="34" charset="0"/>
+              <a:buChar char="•"/>
+            </a:pPr>
+            <a:r>
+              <a:rPr lang="de" sz="1600" dirty="0">
+                <a:latin typeface="+mn-lt"/>
+              </a:rPr>
+              <a:t>Portweiterleitung an der FRITZ!Box (Wechselnde öffentliche IP:22 &lt;-&gt; 192.168.178.42:22)</a:t>
+            </a:r>
+            <a:endParaRPr sz="1600" dirty="0">
+              <a:latin typeface="+mn-lt"/>
+            </a:endParaRPr>
+          </a:p>
+          <a:p>
+            <a:pPr marL="285750" lvl="0" indent="-285750" algn="l" rtl="0">
+              <a:spcBef>
+                <a:spcPts val="1600"/>
+              </a:spcBef>
+              <a:spcAft>
+                <a:spcPts val="1600"/>
+              </a:spcAft>
+              <a:buFont typeface="Arial" panose="020B0604020202020204" pitchFamily="34" charset="0"/>
+              <a:buChar char="•"/>
+            </a:pPr>
+            <a:r>
+              <a:rPr lang="de" sz="1800" dirty="0"/>
+              <a:t>→ SSH-Zugriff auf Pi im lokalen Netz über carchain-pi.dnsuser.de möglich</a:t>
+            </a:r>
+            <a:endParaRPr sz="1800" dirty="0"/>
+          </a:p>
+        </p:txBody>
+      </p:sp>
+    </p:spTree>
+  </p:cSld>
+  <p:clrMapOvr>
+    <a:masterClrMapping/>
+  </p:clrMapOvr>
+</p:sld>
+</file>
+
+<file path=ppt/slides/slide35.xml><?xml version="1.0" encoding="utf-8"?>
+<p:sld xmlns:a="http://schemas.openxmlformats.org/drawingml/2006/main" xmlns:r="http://schemas.openxmlformats.org/officeDocument/2006/relationships" xmlns:p="http://schemas.openxmlformats.org/presentationml/2006/main">
+  <p:cSld>
+    <p:spTree>
+      <p:nvGrpSpPr>
         <p:cNvPr id="1" name="Shape 174"/>
         <p:cNvGrpSpPr/>
         <p:nvPr/>
@@ -15972,7 +18579,7 @@
 </p:sld>
 </file>
 
-<file path=ppt/slides/slide31.xml><?xml version="1.0" encoding="utf-8"?>
+<file path=ppt/slides/slide36.xml><?xml version="1.0" encoding="utf-8"?>
 <p:sld xmlns:a="http://schemas.openxmlformats.org/drawingml/2006/main" xmlns:r="http://schemas.openxmlformats.org/officeDocument/2006/relationships" xmlns:p="http://schemas.openxmlformats.org/presentationml/2006/main">
   <p:cSld>
     <p:spTree>
@@ -16283,7 +18890,7 @@
 </p:sld>
 </file>
 
-<file path=ppt/slides/slide32.xml><?xml version="1.0" encoding="utf-8"?>
+<file path=ppt/slides/slide37.xml><?xml version="1.0" encoding="utf-8"?>
 <p:sld xmlns:a="http://schemas.openxmlformats.org/drawingml/2006/main" xmlns:r="http://schemas.openxmlformats.org/officeDocument/2006/relationships" xmlns:p="http://schemas.openxmlformats.org/presentationml/2006/main">
   <p:cSld>
     <p:spTree>
@@ -16611,7 +19218,7 @@
 </p:sld>
 </file>
 
-<file path=ppt/slides/slide33.xml><?xml version="1.0" encoding="utf-8"?>
+<file path=ppt/slides/slide38.xml><?xml version="1.0" encoding="utf-8"?>
 <p:sld xmlns:a="http://schemas.openxmlformats.org/drawingml/2006/main" xmlns:r="http://schemas.openxmlformats.org/officeDocument/2006/relationships" xmlns:p="http://schemas.openxmlformats.org/presentationml/2006/main">
   <p:cSld>
     <p:spTree>
@@ -16947,7 +19554,7 @@
 </p:sld>
 </file>
 
-<file path=ppt/slides/slide34.xml><?xml version="1.0" encoding="utf-8"?>
+<file path=ppt/slides/slide39.xml><?xml version="1.0" encoding="utf-8"?>
 <p:sld xmlns:a="http://schemas.openxmlformats.org/drawingml/2006/main" xmlns:r="http://schemas.openxmlformats.org/officeDocument/2006/relationships" xmlns:p="http://schemas.openxmlformats.org/presentationml/2006/main">
   <p:cSld>
     <p:spTree>
@@ -17407,745 +20014,6 @@
         </p:spPr>
       </p:pic>
     </p:spTree>
-  </p:cSld>
-  <p:clrMapOvr>
-    <a:masterClrMapping/>
-  </p:clrMapOvr>
-</p:sld>
-</file>
-
-<file path=ppt/slides/slide35.xml><?xml version="1.0" encoding="utf-8"?>
-<p:sld xmlns:a="http://schemas.openxmlformats.org/drawingml/2006/main" xmlns:r="http://schemas.openxmlformats.org/officeDocument/2006/relationships" xmlns:p="http://schemas.openxmlformats.org/presentationml/2006/main">
-  <p:cSld>
-    <p:spTree>
-      <p:nvGrpSpPr>
-        <p:cNvPr id="1" name="Shape 213"/>
-        <p:cNvGrpSpPr/>
-        <p:nvPr/>
-      </p:nvGrpSpPr>
-      <p:grpSpPr>
-        <a:xfrm>
-          <a:off x="0" y="0"/>
-          <a:ext cx="0" cy="0"/>
-          <a:chOff x="0" y="0"/>
-          <a:chExt cx="0" cy="0"/>
-        </a:xfrm>
-      </p:grpSpPr>
-      <p:sp>
-        <p:nvSpPr>
-          <p:cNvPr id="214" name="Google Shape;214;p34"/>
-          <p:cNvSpPr txBox="1">
-            <a:spLocks noGrp="1"/>
-          </p:cNvSpPr>
-          <p:nvPr>
-            <p:ph type="title"/>
-          </p:nvPr>
-        </p:nvSpPr>
-        <p:spPr>
-          <a:prstGeom prst="rect">
-            <a:avLst/>
-          </a:prstGeom>
-        </p:spPr>
-        <p:txBody>
-          <a:bodyPr spcFirstLastPara="1" wrap="square" lIns="91425" tIns="91425" rIns="91425" bIns="91425" anchor="t" anchorCtr="0">
-            <a:noAutofit/>
-          </a:bodyPr>
-          <a:lstStyle/>
-          <a:p>
-            <a:pPr marL="0" lvl="0" indent="0" algn="l" rtl="0">
-              <a:spcBef>
-                <a:spcPts val="0"/>
-              </a:spcBef>
-              <a:spcAft>
-                <a:spcPts val="0"/>
-              </a:spcAft>
-              <a:buClr>
-                <a:schemeClr val="dk1"/>
-              </a:buClr>
-              <a:buSzPts val="1100"/>
-              <a:buFont typeface="Arial"/>
-              <a:buNone/>
-            </a:pPr>
-            <a:r>
-              <a:rPr lang="de"/>
-              <a:t>Carchain: SmartCar (RaspberryPi)</a:t>
-            </a:r>
-            <a:endParaRPr/>
-          </a:p>
-        </p:txBody>
-      </p:sp>
-      <p:sp>
-        <p:nvSpPr>
-          <p:cNvPr id="215" name="Google Shape;215;p34"/>
-          <p:cNvSpPr txBox="1">
-            <a:spLocks noGrp="1"/>
-          </p:cNvSpPr>
-          <p:nvPr>
-            <p:ph idx="1"/>
-          </p:nvPr>
-        </p:nvSpPr>
-        <p:spPr>
-          <a:prstGeom prst="rect">
-            <a:avLst/>
-          </a:prstGeom>
-        </p:spPr>
-        <p:txBody>
-          <a:bodyPr spcFirstLastPara="1" wrap="square" lIns="91425" tIns="91425" rIns="91425" bIns="91425" anchor="t" anchorCtr="0">
-            <a:noAutofit/>
-          </a:bodyPr>
-          <a:lstStyle/>
-          <a:p>
-            <a:pPr marL="0" lvl="0" indent="0" algn="l" rtl="0">
-              <a:spcBef>
-                <a:spcPts val="0"/>
-              </a:spcBef>
-              <a:spcAft>
-                <a:spcPts val="1600"/>
-              </a:spcAft>
-              <a:buNone/>
-            </a:pPr>
-            <a:r>
-              <a:rPr lang="de" dirty="0"/>
-              <a:t>Monitoring (Prometheus &amp; Grafana)</a:t>
-            </a:r>
-            <a:endParaRPr dirty="0"/>
-          </a:p>
-        </p:txBody>
-      </p:sp>
-      <p:pic>
-        <p:nvPicPr>
-          <p:cNvPr id="216" name="Google Shape;216;p34"/>
-          <p:cNvPicPr preferRelativeResize="0"/>
-          <p:nvPr/>
-        </p:nvPicPr>
-        <p:blipFill>
-          <a:blip r:embed="rId3">
-            <a:alphaModFix/>
-          </a:blip>
-          <a:stretch>
-            <a:fillRect/>
-          </a:stretch>
-        </p:blipFill>
-        <p:spPr>
-          <a:xfrm>
-            <a:off x="1656801" y="1476903"/>
-            <a:ext cx="5599406" cy="3155421"/>
-          </a:xfrm>
-          <a:prstGeom prst="rect">
-            <a:avLst/>
-          </a:prstGeom>
-          <a:noFill/>
-          <a:ln>
-            <a:noFill/>
-          </a:ln>
-        </p:spPr>
-      </p:pic>
-    </p:spTree>
-  </p:cSld>
-  <p:clrMapOvr>
-    <a:masterClrMapping/>
-  </p:clrMapOvr>
-</p:sld>
-</file>
-
-<file path=ppt/slides/slide36.xml><?xml version="1.0" encoding="utf-8"?>
-<p:sld xmlns:a="http://schemas.openxmlformats.org/drawingml/2006/main" xmlns:r="http://schemas.openxmlformats.org/officeDocument/2006/relationships" xmlns:p="http://schemas.openxmlformats.org/presentationml/2006/main">
-  <p:cSld>
-    <p:spTree>
-      <p:nvGrpSpPr>
-        <p:cNvPr id="1" name="Shape 220"/>
-        <p:cNvGrpSpPr/>
-        <p:nvPr/>
-      </p:nvGrpSpPr>
-      <p:grpSpPr>
-        <a:xfrm>
-          <a:off x="0" y="0"/>
-          <a:ext cx="0" cy="0"/>
-          <a:chOff x="0" y="0"/>
-          <a:chExt cx="0" cy="0"/>
-        </a:xfrm>
-      </p:grpSpPr>
-      <p:sp>
-        <p:nvSpPr>
-          <p:cNvPr id="221" name="Google Shape;221;p35"/>
-          <p:cNvSpPr txBox="1">
-            <a:spLocks noGrp="1"/>
-          </p:cNvSpPr>
-          <p:nvPr>
-            <p:ph type="title"/>
-          </p:nvPr>
-        </p:nvSpPr>
-        <p:spPr>
-          <a:prstGeom prst="rect">
-            <a:avLst/>
-          </a:prstGeom>
-        </p:spPr>
-        <p:txBody>
-          <a:bodyPr spcFirstLastPara="1" wrap="square" lIns="91425" tIns="91425" rIns="91425" bIns="91425" anchor="t" anchorCtr="0">
-            <a:noAutofit/>
-          </a:bodyPr>
-          <a:lstStyle/>
-          <a:p>
-            <a:pPr marL="0" lvl="0" indent="0" algn="l" rtl="0">
-              <a:spcBef>
-                <a:spcPts val="0"/>
-              </a:spcBef>
-              <a:spcAft>
-                <a:spcPts val="0"/>
-              </a:spcAft>
-              <a:buNone/>
-            </a:pPr>
-            <a:r>
-              <a:rPr lang="de" dirty="0"/>
-              <a:t>Ergebnis: Carchain - Stand</a:t>
-            </a:r>
-            <a:endParaRPr dirty="0"/>
-          </a:p>
-        </p:txBody>
-      </p:sp>
-      <p:sp>
-        <p:nvSpPr>
-          <p:cNvPr id="2" name="Inhaltsplatzhalter 1">
-            <a:extLst>
-              <a:ext uri="{FF2B5EF4-FFF2-40B4-BE49-F238E27FC236}">
-                <a16:creationId xmlns:a16="http://schemas.microsoft.com/office/drawing/2014/main" id="{72D4D259-0489-4E4E-B272-01F620A1E99A}"/>
-              </a:ext>
-            </a:extLst>
-          </p:cNvPr>
-          <p:cNvSpPr>
-            <a:spLocks noGrp="1"/>
-          </p:cNvSpPr>
-          <p:nvPr>
-            <p:ph idx="1"/>
-          </p:nvPr>
-        </p:nvSpPr>
-        <p:spPr/>
-        <p:txBody>
-          <a:bodyPr/>
-          <a:lstStyle/>
-          <a:p>
-            <a:endParaRPr lang="de-DE" dirty="0"/>
-          </a:p>
-          <a:p>
-            <a:r>
-              <a:rPr lang="de-DE" dirty="0"/>
-              <a:t>Blockchain:</a:t>
-            </a:r>
-          </a:p>
-          <a:p>
-            <a:r>
-              <a:rPr lang="de-DE" dirty="0"/>
-              <a:t>Image-Server:</a:t>
-            </a:r>
-          </a:p>
-          <a:p>
-            <a:r>
-              <a:rPr lang="de-DE" dirty="0"/>
-              <a:t>Car-</a:t>
-            </a:r>
-            <a:r>
-              <a:rPr lang="de-DE" dirty="0" err="1"/>
-              <a:t>Provisioning</a:t>
-            </a:r>
-            <a:r>
-              <a:rPr lang="de-DE" dirty="0"/>
-              <a:t>:</a:t>
-            </a:r>
-          </a:p>
-          <a:p>
-            <a:r>
-              <a:rPr lang="de-DE" dirty="0"/>
-              <a:t>App-Anbindung:</a:t>
-            </a:r>
-          </a:p>
-        </p:txBody>
-      </p:sp>
-      <p:sp>
-        <p:nvSpPr>
-          <p:cNvPr id="3" name="L-Form 2">
-            <a:extLst>
-              <a:ext uri="{FF2B5EF4-FFF2-40B4-BE49-F238E27FC236}">
-                <a16:creationId xmlns:a16="http://schemas.microsoft.com/office/drawing/2014/main" id="{B36D1F6C-A508-433A-AF64-DAB192201B3C}"/>
-              </a:ext>
-            </a:extLst>
-          </p:cNvPr>
-          <p:cNvSpPr/>
-          <p:nvPr/>
-        </p:nvSpPr>
-        <p:spPr>
-          <a:xfrm rot="19263275">
-            <a:off x="3802193" y="1375359"/>
-            <a:ext cx="487680" cy="259080"/>
-          </a:xfrm>
-          <a:prstGeom prst="corner">
-            <a:avLst/>
-          </a:prstGeom>
-          <a:solidFill>
-            <a:schemeClr val="accent1"/>
-          </a:solidFill>
-          <a:ln w="9525" cap="flat">
-            <a:noFill/>
-            <a:prstDash val="solid"/>
-            <a:miter/>
-          </a:ln>
-        </p:spPr>
-        <p:style>
-          <a:lnRef idx="2">
-            <a:schemeClr val="accent1">
-              <a:shade val="50000"/>
-            </a:schemeClr>
-          </a:lnRef>
-          <a:fillRef idx="1">
-            <a:schemeClr val="accent1"/>
-          </a:fillRef>
-          <a:effectRef idx="0">
-            <a:schemeClr val="accent1"/>
-          </a:effectRef>
-          <a:fontRef idx="minor">
-            <a:schemeClr val="lt1"/>
-          </a:fontRef>
-        </p:style>
-        <p:txBody>
-          <a:bodyPr rtlCol="0" anchor="ctr"/>
-          <a:lstStyle/>
-          <a:p>
-            <a:pPr algn="ctr"/>
-            <a:endParaRPr lang="de-DE"/>
-          </a:p>
-        </p:txBody>
-      </p:sp>
-      <p:sp>
-        <p:nvSpPr>
-          <p:cNvPr id="6" name="L-Form 5">
-            <a:extLst>
-              <a:ext uri="{FF2B5EF4-FFF2-40B4-BE49-F238E27FC236}">
-                <a16:creationId xmlns:a16="http://schemas.microsoft.com/office/drawing/2014/main" id="{5699033B-2C8C-4ECC-B498-36FF12057F3B}"/>
-              </a:ext>
-            </a:extLst>
-          </p:cNvPr>
-          <p:cNvSpPr/>
-          <p:nvPr/>
-        </p:nvSpPr>
-        <p:spPr>
-          <a:xfrm rot="19263275">
-            <a:off x="3797825" y="1836676"/>
-            <a:ext cx="487680" cy="259080"/>
-          </a:xfrm>
-          <a:prstGeom prst="corner">
-            <a:avLst/>
-          </a:prstGeom>
-          <a:solidFill>
-            <a:schemeClr val="accent1"/>
-          </a:solidFill>
-          <a:ln w="9525" cap="flat">
-            <a:noFill/>
-            <a:prstDash val="solid"/>
-            <a:miter/>
-          </a:ln>
-        </p:spPr>
-        <p:style>
-          <a:lnRef idx="2">
-            <a:schemeClr val="accent1">
-              <a:shade val="50000"/>
-            </a:schemeClr>
-          </a:lnRef>
-          <a:fillRef idx="1">
-            <a:schemeClr val="accent1"/>
-          </a:fillRef>
-          <a:effectRef idx="0">
-            <a:schemeClr val="accent1"/>
-          </a:effectRef>
-          <a:fontRef idx="minor">
-            <a:schemeClr val="lt1"/>
-          </a:fontRef>
-        </p:style>
-        <p:txBody>
-          <a:bodyPr rtlCol="0" anchor="ctr"/>
-          <a:lstStyle/>
-          <a:p>
-            <a:pPr algn="ctr"/>
-            <a:endParaRPr lang="de-DE"/>
-          </a:p>
-        </p:txBody>
-      </p:sp>
-      <p:sp>
-        <p:nvSpPr>
-          <p:cNvPr id="7" name="L-Form 6">
-            <a:extLst>
-              <a:ext uri="{FF2B5EF4-FFF2-40B4-BE49-F238E27FC236}">
-                <a16:creationId xmlns:a16="http://schemas.microsoft.com/office/drawing/2014/main" id="{1AA1999C-7FC1-4F85-B750-68DC4D1B3453}"/>
-              </a:ext>
-            </a:extLst>
-          </p:cNvPr>
-          <p:cNvSpPr/>
-          <p:nvPr/>
-        </p:nvSpPr>
-        <p:spPr>
-          <a:xfrm rot="19263275">
-            <a:off x="3802192" y="2276008"/>
-            <a:ext cx="487680" cy="259080"/>
-          </a:xfrm>
-          <a:prstGeom prst="corner">
-            <a:avLst/>
-          </a:prstGeom>
-          <a:solidFill>
-            <a:schemeClr val="accent1"/>
-          </a:solidFill>
-          <a:ln w="9525" cap="flat">
-            <a:noFill/>
-            <a:prstDash val="solid"/>
-            <a:miter/>
-          </a:ln>
-        </p:spPr>
-        <p:style>
-          <a:lnRef idx="2">
-            <a:schemeClr val="accent1">
-              <a:shade val="50000"/>
-            </a:schemeClr>
-          </a:lnRef>
-          <a:fillRef idx="1">
-            <a:schemeClr val="accent1"/>
-          </a:fillRef>
-          <a:effectRef idx="0">
-            <a:schemeClr val="accent1"/>
-          </a:effectRef>
-          <a:fontRef idx="minor">
-            <a:schemeClr val="lt1"/>
-          </a:fontRef>
-        </p:style>
-        <p:txBody>
-          <a:bodyPr rtlCol="0" anchor="ctr"/>
-          <a:lstStyle/>
-          <a:p>
-            <a:pPr algn="ctr"/>
-            <a:endParaRPr lang="de-DE"/>
-          </a:p>
-        </p:txBody>
-      </p:sp>
-      <p:sp>
-        <p:nvSpPr>
-          <p:cNvPr id="4" name="Rechteck 3">
-            <a:extLst>
-              <a:ext uri="{FF2B5EF4-FFF2-40B4-BE49-F238E27FC236}">
-                <a16:creationId xmlns:a16="http://schemas.microsoft.com/office/drawing/2014/main" id="{142725ED-F663-481A-957E-9647F704C393}"/>
-              </a:ext>
-            </a:extLst>
-          </p:cNvPr>
-          <p:cNvSpPr/>
-          <p:nvPr/>
-        </p:nvSpPr>
-        <p:spPr>
-          <a:xfrm>
-            <a:off x="3770593" y="2571750"/>
-            <a:ext cx="542144" cy="830997"/>
-          </a:xfrm>
-          <a:prstGeom prst="rect">
-            <a:avLst/>
-          </a:prstGeom>
-          <a:noFill/>
-        </p:spPr>
-        <p:txBody>
-          <a:bodyPr wrap="square" lIns="91440" tIns="45720" rIns="91440" bIns="45720">
-            <a:spAutoFit/>
-          </a:bodyPr>
-          <a:lstStyle/>
-          <a:p>
-            <a:pPr algn="ctr"/>
-            <a:r>
-              <a:rPr lang="de-DE" sz="4800" b="1" cap="none" spc="50" dirty="0">
-                <a:ln w="9525" cmpd="sng">
-                  <a:solidFill>
-                    <a:schemeClr val="accent1"/>
-                  </a:solidFill>
-                  <a:prstDash val="solid"/>
-                </a:ln>
-                <a:solidFill>
-                  <a:srgbClr val="70AD47">
-                    <a:tint val="1000"/>
-                  </a:srgbClr>
-                </a:solidFill>
-                <a:effectLst>
-                  <a:glow rad="38100">
-                    <a:schemeClr val="accent1">
-                      <a:alpha val="40000"/>
-                    </a:schemeClr>
-                  </a:glow>
-                </a:effectLst>
-                <a:latin typeface="+mn-lt"/>
-              </a:rPr>
-              <a:t>?</a:t>
-            </a:r>
-          </a:p>
-        </p:txBody>
-      </p:sp>
-    </p:spTree>
-  </p:cSld>
-  <p:clrMapOvr>
-    <a:masterClrMapping/>
-  </p:clrMapOvr>
-</p:sld>
-</file>
-
-<file path=ppt/slides/slide37.xml><?xml version="1.0" encoding="utf-8"?>
-<p:sld xmlns:a="http://schemas.openxmlformats.org/drawingml/2006/main" xmlns:r="http://schemas.openxmlformats.org/officeDocument/2006/relationships" xmlns:p="http://schemas.openxmlformats.org/presentationml/2006/main">
-  <p:cSld>
-    <p:spTree>
-      <p:nvGrpSpPr>
-        <p:cNvPr id="1" name="Shape 226"/>
-        <p:cNvGrpSpPr/>
-        <p:nvPr/>
-      </p:nvGrpSpPr>
-      <p:grpSpPr>
-        <a:xfrm>
-          <a:off x="0" y="0"/>
-          <a:ext cx="0" cy="0"/>
-          <a:chOff x="0" y="0"/>
-          <a:chExt cx="0" cy="0"/>
-        </a:xfrm>
-      </p:grpSpPr>
-      <p:sp>
-        <p:nvSpPr>
-          <p:cNvPr id="227" name="Google Shape;227;p36"/>
-          <p:cNvSpPr txBox="1">
-            <a:spLocks noGrp="1"/>
-          </p:cNvSpPr>
-          <p:nvPr>
-            <p:ph type="title"/>
-          </p:nvPr>
-        </p:nvSpPr>
-        <p:spPr>
-          <a:prstGeom prst="rect">
-            <a:avLst/>
-          </a:prstGeom>
-        </p:spPr>
-        <p:txBody>
-          <a:bodyPr spcFirstLastPara="1" wrap="square" lIns="91425" tIns="91425" rIns="91425" bIns="91425" anchor="t" anchorCtr="0">
-            <a:noAutofit/>
-          </a:bodyPr>
-          <a:lstStyle/>
-          <a:p>
-            <a:pPr marL="0" lvl="0" indent="0" algn="l" rtl="0">
-              <a:spcBef>
-                <a:spcPts val="0"/>
-              </a:spcBef>
-              <a:spcAft>
-                <a:spcPts val="0"/>
-              </a:spcAft>
-              <a:buNone/>
-            </a:pPr>
-            <a:r>
-              <a:rPr lang="de"/>
-              <a:t>Demo</a:t>
-            </a:r>
-            <a:endParaRPr/>
-          </a:p>
-        </p:txBody>
-      </p:sp>
-      <p:sp>
-        <p:nvSpPr>
-          <p:cNvPr id="2" name="Inhaltsplatzhalter 1">
-            <a:extLst>
-              <a:ext uri="{FF2B5EF4-FFF2-40B4-BE49-F238E27FC236}">
-                <a16:creationId xmlns:a16="http://schemas.microsoft.com/office/drawing/2014/main" id="{82DD5CFC-C87E-4EEB-B892-09C8839C4F7B}"/>
-              </a:ext>
-            </a:extLst>
-          </p:cNvPr>
-          <p:cNvSpPr>
-            <a:spLocks noGrp="1"/>
-          </p:cNvSpPr>
-          <p:nvPr>
-            <p:ph idx="1"/>
-          </p:nvPr>
-        </p:nvSpPr>
-        <p:spPr/>
-        <p:txBody>
-          <a:bodyPr/>
-          <a:lstStyle/>
-          <a:p>
-            <a:endParaRPr lang="de-DE"/>
-          </a:p>
-        </p:txBody>
-      </p:sp>
-    </p:spTree>
-  </p:cSld>
-  <p:clrMapOvr>
-    <a:masterClrMapping/>
-  </p:clrMapOvr>
-</p:sld>
-</file>
-
-<file path=ppt/slides/slide38.xml><?xml version="1.0" encoding="utf-8"?>
-<p:sld xmlns:a="http://schemas.openxmlformats.org/drawingml/2006/main" xmlns:r="http://schemas.openxmlformats.org/officeDocument/2006/relationships" xmlns:p="http://schemas.openxmlformats.org/presentationml/2006/main">
-  <p:cSld>
-    <p:spTree>
-      <p:nvGrpSpPr>
-        <p:cNvPr id="1" name="Shape 232"/>
-        <p:cNvGrpSpPr/>
-        <p:nvPr/>
-      </p:nvGrpSpPr>
-      <p:grpSpPr>
-        <a:xfrm>
-          <a:off x="0" y="0"/>
-          <a:ext cx="0" cy="0"/>
-          <a:chOff x="0" y="0"/>
-          <a:chExt cx="0" cy="0"/>
-        </a:xfrm>
-      </p:grpSpPr>
-      <p:sp>
-        <p:nvSpPr>
-          <p:cNvPr id="233" name="Google Shape;233;p37"/>
-          <p:cNvSpPr txBox="1">
-            <a:spLocks noGrp="1"/>
-          </p:cNvSpPr>
-          <p:nvPr>
-            <p:ph type="title"/>
-          </p:nvPr>
-        </p:nvSpPr>
-        <p:spPr>
-          <a:prstGeom prst="rect">
-            <a:avLst/>
-          </a:prstGeom>
-        </p:spPr>
-        <p:txBody>
-          <a:bodyPr spcFirstLastPara="1" wrap="square" lIns="91425" tIns="91425" rIns="91425" bIns="91425" anchor="t" anchorCtr="0">
-            <a:noAutofit/>
-          </a:bodyPr>
-          <a:lstStyle/>
-          <a:p>
-            <a:pPr marL="0" lvl="0" indent="0" algn="l" rtl="0">
-              <a:spcBef>
-                <a:spcPts val="0"/>
-              </a:spcBef>
-              <a:spcAft>
-                <a:spcPts val="0"/>
-              </a:spcAft>
-              <a:buNone/>
-            </a:pPr>
-            <a:r>
-              <a:rPr lang="de"/>
-              <a:t>Fazit</a:t>
-            </a:r>
-            <a:endParaRPr/>
-          </a:p>
-        </p:txBody>
-      </p:sp>
-      <p:sp>
-        <p:nvSpPr>
-          <p:cNvPr id="2" name="Inhaltsplatzhalter 1">
-            <a:extLst>
-              <a:ext uri="{FF2B5EF4-FFF2-40B4-BE49-F238E27FC236}">
-                <a16:creationId xmlns:a16="http://schemas.microsoft.com/office/drawing/2014/main" id="{8C4A35C0-7A13-402A-AE7B-E588CA15B764}"/>
-              </a:ext>
-            </a:extLst>
-          </p:cNvPr>
-          <p:cNvSpPr>
-            <a:spLocks noGrp="1"/>
-          </p:cNvSpPr>
-          <p:nvPr>
-            <p:ph idx="1"/>
-          </p:nvPr>
-        </p:nvSpPr>
-        <p:spPr/>
-        <p:txBody>
-          <a:bodyPr/>
-          <a:lstStyle/>
-          <a:p>
-            <a:r>
-              <a:rPr lang="de-DE" dirty="0"/>
-              <a:t>Interessantes, nicht triviales Projekt</a:t>
-            </a:r>
-          </a:p>
-          <a:p>
-            <a:r>
-              <a:rPr lang="de-DE" dirty="0"/>
-              <a:t>Blockchain: spannende Technologie – noch nicht ganz ausgereift</a:t>
-            </a:r>
-          </a:p>
-          <a:p>
-            <a:r>
-              <a:rPr lang="de-DE" dirty="0"/>
-              <a:t>Diverse spannende Anwendungsgebiete</a:t>
-            </a:r>
-          </a:p>
-          <a:p>
-            <a:r>
-              <a:rPr lang="de-DE" dirty="0"/>
-              <a:t>Teilweise komplexere Umsetzung</a:t>
-            </a:r>
-          </a:p>
-          <a:p>
-            <a:r>
-              <a:rPr lang="de-DE" dirty="0"/>
-              <a:t>Schwerer zu debuggen</a:t>
-            </a:r>
-          </a:p>
-        </p:txBody>
-      </p:sp>
-    </p:spTree>
-  </p:cSld>
-  <p:clrMapOvr>
-    <a:masterClrMapping/>
-  </p:clrMapOvr>
-</p:sld>
-</file>
-
-<file path=ppt/slides/slide39.xml><?xml version="1.0" encoding="utf-8"?>
-<p:sld xmlns:a="http://schemas.openxmlformats.org/drawingml/2006/main" xmlns:r="http://schemas.openxmlformats.org/officeDocument/2006/relationships" xmlns:p="http://schemas.openxmlformats.org/presentationml/2006/main">
-  <p:cSld>
-    <p:spTree>
-      <p:nvGrpSpPr>
-        <p:cNvPr id="1" name=""/>
-        <p:cNvGrpSpPr/>
-        <p:nvPr/>
-      </p:nvGrpSpPr>
-      <p:grpSpPr>
-        <a:xfrm>
-          <a:off x="0" y="0"/>
-          <a:ext cx="0" cy="0"/>
-          <a:chOff x="0" y="0"/>
-          <a:chExt cx="0" cy="0"/>
-        </a:xfrm>
-      </p:grpSpPr>
-      <p:sp>
-        <p:nvSpPr>
-          <p:cNvPr id="2" name="Untertitel 1">
-            <a:extLst>
-              <a:ext uri="{FF2B5EF4-FFF2-40B4-BE49-F238E27FC236}">
-                <a16:creationId xmlns:a16="http://schemas.microsoft.com/office/drawing/2014/main" id="{B5D06671-70A5-4AA6-8159-6F41E2882324}"/>
-              </a:ext>
-            </a:extLst>
-          </p:cNvPr>
-          <p:cNvSpPr>
-            <a:spLocks noGrp="1"/>
-          </p:cNvSpPr>
-          <p:nvPr>
-            <p:ph type="subTitle" idx="1"/>
-          </p:nvPr>
-        </p:nvSpPr>
-        <p:spPr/>
-        <p:txBody>
-          <a:bodyPr>
-            <a:normAutofit/>
-          </a:bodyPr>
-          <a:lstStyle/>
-          <a:p>
-            <a:r>
-              <a:rPr lang="de-DE" sz="3600" dirty="0"/>
-              <a:t>Vielen Dank!</a:t>
-            </a:r>
-            <a:br>
-              <a:rPr lang="de-DE" sz="3600" dirty="0"/>
-            </a:br>
-            <a:endParaRPr lang="de-DE" sz="3600" dirty="0"/>
-          </a:p>
-        </p:txBody>
-      </p:sp>
-    </p:spTree>
-    <p:extLst>
-      <p:ext uri="{BB962C8B-B14F-4D97-AF65-F5344CB8AC3E}">
-        <p14:creationId xmlns:p14="http://schemas.microsoft.com/office/powerpoint/2010/main" val="3217364585"/>
-      </p:ext>
-    </p:extLst>
   </p:cSld>
   <p:clrMapOvr>
     <a:masterClrMapping/>
@@ -19217,6 +21085,745 @@
       </p:par>
     </p:tnLst>
   </p:timing>
+</p:sld>
+</file>
+
+<file path=ppt/slides/slide40.xml><?xml version="1.0" encoding="utf-8"?>
+<p:sld xmlns:a="http://schemas.openxmlformats.org/drawingml/2006/main" xmlns:r="http://schemas.openxmlformats.org/officeDocument/2006/relationships" xmlns:p="http://schemas.openxmlformats.org/presentationml/2006/main">
+  <p:cSld>
+    <p:spTree>
+      <p:nvGrpSpPr>
+        <p:cNvPr id="1" name="Shape 213"/>
+        <p:cNvGrpSpPr/>
+        <p:nvPr/>
+      </p:nvGrpSpPr>
+      <p:grpSpPr>
+        <a:xfrm>
+          <a:off x="0" y="0"/>
+          <a:ext cx="0" cy="0"/>
+          <a:chOff x="0" y="0"/>
+          <a:chExt cx="0" cy="0"/>
+        </a:xfrm>
+      </p:grpSpPr>
+      <p:sp>
+        <p:nvSpPr>
+          <p:cNvPr id="214" name="Google Shape;214;p34"/>
+          <p:cNvSpPr txBox="1">
+            <a:spLocks noGrp="1"/>
+          </p:cNvSpPr>
+          <p:nvPr>
+            <p:ph type="title"/>
+          </p:nvPr>
+        </p:nvSpPr>
+        <p:spPr>
+          <a:prstGeom prst="rect">
+            <a:avLst/>
+          </a:prstGeom>
+        </p:spPr>
+        <p:txBody>
+          <a:bodyPr spcFirstLastPara="1" wrap="square" lIns="91425" tIns="91425" rIns="91425" bIns="91425" anchor="t" anchorCtr="0">
+            <a:noAutofit/>
+          </a:bodyPr>
+          <a:lstStyle/>
+          <a:p>
+            <a:pPr marL="0" lvl="0" indent="0" algn="l" rtl="0">
+              <a:spcBef>
+                <a:spcPts val="0"/>
+              </a:spcBef>
+              <a:spcAft>
+                <a:spcPts val="0"/>
+              </a:spcAft>
+              <a:buClr>
+                <a:schemeClr val="dk1"/>
+              </a:buClr>
+              <a:buSzPts val="1100"/>
+              <a:buFont typeface="Arial"/>
+              <a:buNone/>
+            </a:pPr>
+            <a:r>
+              <a:rPr lang="de"/>
+              <a:t>Carchain: SmartCar (RaspberryPi)</a:t>
+            </a:r>
+            <a:endParaRPr/>
+          </a:p>
+        </p:txBody>
+      </p:sp>
+      <p:sp>
+        <p:nvSpPr>
+          <p:cNvPr id="215" name="Google Shape;215;p34"/>
+          <p:cNvSpPr txBox="1">
+            <a:spLocks noGrp="1"/>
+          </p:cNvSpPr>
+          <p:nvPr>
+            <p:ph idx="1"/>
+          </p:nvPr>
+        </p:nvSpPr>
+        <p:spPr>
+          <a:prstGeom prst="rect">
+            <a:avLst/>
+          </a:prstGeom>
+        </p:spPr>
+        <p:txBody>
+          <a:bodyPr spcFirstLastPara="1" wrap="square" lIns="91425" tIns="91425" rIns="91425" bIns="91425" anchor="t" anchorCtr="0">
+            <a:noAutofit/>
+          </a:bodyPr>
+          <a:lstStyle/>
+          <a:p>
+            <a:pPr marL="0" lvl="0" indent="0" algn="l" rtl="0">
+              <a:spcBef>
+                <a:spcPts val="0"/>
+              </a:spcBef>
+              <a:spcAft>
+                <a:spcPts val="1600"/>
+              </a:spcAft>
+              <a:buNone/>
+            </a:pPr>
+            <a:r>
+              <a:rPr lang="de" dirty="0"/>
+              <a:t>Monitoring (Prometheus &amp; Grafana)</a:t>
+            </a:r>
+            <a:endParaRPr dirty="0"/>
+          </a:p>
+        </p:txBody>
+      </p:sp>
+      <p:pic>
+        <p:nvPicPr>
+          <p:cNvPr id="216" name="Google Shape;216;p34"/>
+          <p:cNvPicPr preferRelativeResize="0"/>
+          <p:nvPr/>
+        </p:nvPicPr>
+        <p:blipFill>
+          <a:blip r:embed="rId3">
+            <a:alphaModFix/>
+          </a:blip>
+          <a:stretch>
+            <a:fillRect/>
+          </a:stretch>
+        </p:blipFill>
+        <p:spPr>
+          <a:xfrm>
+            <a:off x="1656801" y="1476903"/>
+            <a:ext cx="5599406" cy="3155421"/>
+          </a:xfrm>
+          <a:prstGeom prst="rect">
+            <a:avLst/>
+          </a:prstGeom>
+          <a:noFill/>
+          <a:ln>
+            <a:noFill/>
+          </a:ln>
+        </p:spPr>
+      </p:pic>
+    </p:spTree>
+  </p:cSld>
+  <p:clrMapOvr>
+    <a:masterClrMapping/>
+  </p:clrMapOvr>
+</p:sld>
+</file>
+
+<file path=ppt/slides/slide41.xml><?xml version="1.0" encoding="utf-8"?>
+<p:sld xmlns:a="http://schemas.openxmlformats.org/drawingml/2006/main" xmlns:r="http://schemas.openxmlformats.org/officeDocument/2006/relationships" xmlns:p="http://schemas.openxmlformats.org/presentationml/2006/main">
+  <p:cSld>
+    <p:spTree>
+      <p:nvGrpSpPr>
+        <p:cNvPr id="1" name="Shape 220"/>
+        <p:cNvGrpSpPr/>
+        <p:nvPr/>
+      </p:nvGrpSpPr>
+      <p:grpSpPr>
+        <a:xfrm>
+          <a:off x="0" y="0"/>
+          <a:ext cx="0" cy="0"/>
+          <a:chOff x="0" y="0"/>
+          <a:chExt cx="0" cy="0"/>
+        </a:xfrm>
+      </p:grpSpPr>
+      <p:sp>
+        <p:nvSpPr>
+          <p:cNvPr id="221" name="Google Shape;221;p35"/>
+          <p:cNvSpPr txBox="1">
+            <a:spLocks noGrp="1"/>
+          </p:cNvSpPr>
+          <p:nvPr>
+            <p:ph type="title"/>
+          </p:nvPr>
+        </p:nvSpPr>
+        <p:spPr>
+          <a:prstGeom prst="rect">
+            <a:avLst/>
+          </a:prstGeom>
+        </p:spPr>
+        <p:txBody>
+          <a:bodyPr spcFirstLastPara="1" wrap="square" lIns="91425" tIns="91425" rIns="91425" bIns="91425" anchor="t" anchorCtr="0">
+            <a:noAutofit/>
+          </a:bodyPr>
+          <a:lstStyle/>
+          <a:p>
+            <a:pPr marL="0" lvl="0" indent="0" algn="l" rtl="0">
+              <a:spcBef>
+                <a:spcPts val="0"/>
+              </a:spcBef>
+              <a:spcAft>
+                <a:spcPts val="0"/>
+              </a:spcAft>
+              <a:buNone/>
+            </a:pPr>
+            <a:r>
+              <a:rPr lang="de" dirty="0"/>
+              <a:t>Ergebnis: Carchain - Stand</a:t>
+            </a:r>
+            <a:endParaRPr dirty="0"/>
+          </a:p>
+        </p:txBody>
+      </p:sp>
+      <p:sp>
+        <p:nvSpPr>
+          <p:cNvPr id="2" name="Inhaltsplatzhalter 1">
+            <a:extLst>
+              <a:ext uri="{FF2B5EF4-FFF2-40B4-BE49-F238E27FC236}">
+                <a16:creationId xmlns:a16="http://schemas.microsoft.com/office/drawing/2014/main" id="{72D4D259-0489-4E4E-B272-01F620A1E99A}"/>
+              </a:ext>
+            </a:extLst>
+          </p:cNvPr>
+          <p:cNvSpPr>
+            <a:spLocks noGrp="1"/>
+          </p:cNvSpPr>
+          <p:nvPr>
+            <p:ph idx="1"/>
+          </p:nvPr>
+        </p:nvSpPr>
+        <p:spPr/>
+        <p:txBody>
+          <a:bodyPr/>
+          <a:lstStyle/>
+          <a:p>
+            <a:endParaRPr lang="de-DE" dirty="0"/>
+          </a:p>
+          <a:p>
+            <a:r>
+              <a:rPr lang="de-DE" dirty="0"/>
+              <a:t>Blockchain:</a:t>
+            </a:r>
+          </a:p>
+          <a:p>
+            <a:r>
+              <a:rPr lang="de-DE" dirty="0"/>
+              <a:t>Image-Server:</a:t>
+            </a:r>
+          </a:p>
+          <a:p>
+            <a:r>
+              <a:rPr lang="de-DE" dirty="0"/>
+              <a:t>Car-</a:t>
+            </a:r>
+            <a:r>
+              <a:rPr lang="de-DE" dirty="0" err="1"/>
+              <a:t>Provisioning</a:t>
+            </a:r>
+            <a:r>
+              <a:rPr lang="de-DE" dirty="0"/>
+              <a:t>:</a:t>
+            </a:r>
+          </a:p>
+          <a:p>
+            <a:r>
+              <a:rPr lang="de-DE" dirty="0"/>
+              <a:t>App-Anbindung:</a:t>
+            </a:r>
+          </a:p>
+        </p:txBody>
+      </p:sp>
+      <p:sp>
+        <p:nvSpPr>
+          <p:cNvPr id="3" name="L-Form 2">
+            <a:extLst>
+              <a:ext uri="{FF2B5EF4-FFF2-40B4-BE49-F238E27FC236}">
+                <a16:creationId xmlns:a16="http://schemas.microsoft.com/office/drawing/2014/main" id="{B36D1F6C-A508-433A-AF64-DAB192201B3C}"/>
+              </a:ext>
+            </a:extLst>
+          </p:cNvPr>
+          <p:cNvSpPr/>
+          <p:nvPr/>
+        </p:nvSpPr>
+        <p:spPr>
+          <a:xfrm rot="19263275">
+            <a:off x="3802193" y="1375359"/>
+            <a:ext cx="487680" cy="259080"/>
+          </a:xfrm>
+          <a:prstGeom prst="corner">
+            <a:avLst/>
+          </a:prstGeom>
+          <a:solidFill>
+            <a:schemeClr val="accent1"/>
+          </a:solidFill>
+          <a:ln w="9525" cap="flat">
+            <a:noFill/>
+            <a:prstDash val="solid"/>
+            <a:miter/>
+          </a:ln>
+        </p:spPr>
+        <p:style>
+          <a:lnRef idx="2">
+            <a:schemeClr val="accent1">
+              <a:shade val="50000"/>
+            </a:schemeClr>
+          </a:lnRef>
+          <a:fillRef idx="1">
+            <a:schemeClr val="accent1"/>
+          </a:fillRef>
+          <a:effectRef idx="0">
+            <a:schemeClr val="accent1"/>
+          </a:effectRef>
+          <a:fontRef idx="minor">
+            <a:schemeClr val="lt1"/>
+          </a:fontRef>
+        </p:style>
+        <p:txBody>
+          <a:bodyPr rtlCol="0" anchor="ctr"/>
+          <a:lstStyle/>
+          <a:p>
+            <a:pPr algn="ctr"/>
+            <a:endParaRPr lang="de-DE"/>
+          </a:p>
+        </p:txBody>
+      </p:sp>
+      <p:sp>
+        <p:nvSpPr>
+          <p:cNvPr id="6" name="L-Form 5">
+            <a:extLst>
+              <a:ext uri="{FF2B5EF4-FFF2-40B4-BE49-F238E27FC236}">
+                <a16:creationId xmlns:a16="http://schemas.microsoft.com/office/drawing/2014/main" id="{5699033B-2C8C-4ECC-B498-36FF12057F3B}"/>
+              </a:ext>
+            </a:extLst>
+          </p:cNvPr>
+          <p:cNvSpPr/>
+          <p:nvPr/>
+        </p:nvSpPr>
+        <p:spPr>
+          <a:xfrm rot="19263275">
+            <a:off x="3797825" y="1836676"/>
+            <a:ext cx="487680" cy="259080"/>
+          </a:xfrm>
+          <a:prstGeom prst="corner">
+            <a:avLst/>
+          </a:prstGeom>
+          <a:solidFill>
+            <a:schemeClr val="accent1"/>
+          </a:solidFill>
+          <a:ln w="9525" cap="flat">
+            <a:noFill/>
+            <a:prstDash val="solid"/>
+            <a:miter/>
+          </a:ln>
+        </p:spPr>
+        <p:style>
+          <a:lnRef idx="2">
+            <a:schemeClr val="accent1">
+              <a:shade val="50000"/>
+            </a:schemeClr>
+          </a:lnRef>
+          <a:fillRef idx="1">
+            <a:schemeClr val="accent1"/>
+          </a:fillRef>
+          <a:effectRef idx="0">
+            <a:schemeClr val="accent1"/>
+          </a:effectRef>
+          <a:fontRef idx="minor">
+            <a:schemeClr val="lt1"/>
+          </a:fontRef>
+        </p:style>
+        <p:txBody>
+          <a:bodyPr rtlCol="0" anchor="ctr"/>
+          <a:lstStyle/>
+          <a:p>
+            <a:pPr algn="ctr"/>
+            <a:endParaRPr lang="de-DE"/>
+          </a:p>
+        </p:txBody>
+      </p:sp>
+      <p:sp>
+        <p:nvSpPr>
+          <p:cNvPr id="7" name="L-Form 6">
+            <a:extLst>
+              <a:ext uri="{FF2B5EF4-FFF2-40B4-BE49-F238E27FC236}">
+                <a16:creationId xmlns:a16="http://schemas.microsoft.com/office/drawing/2014/main" id="{1AA1999C-7FC1-4F85-B750-68DC4D1B3453}"/>
+              </a:ext>
+            </a:extLst>
+          </p:cNvPr>
+          <p:cNvSpPr/>
+          <p:nvPr/>
+        </p:nvSpPr>
+        <p:spPr>
+          <a:xfrm rot="19263275">
+            <a:off x="3802192" y="2276008"/>
+            <a:ext cx="487680" cy="259080"/>
+          </a:xfrm>
+          <a:prstGeom prst="corner">
+            <a:avLst/>
+          </a:prstGeom>
+          <a:solidFill>
+            <a:schemeClr val="accent1"/>
+          </a:solidFill>
+          <a:ln w="9525" cap="flat">
+            <a:noFill/>
+            <a:prstDash val="solid"/>
+            <a:miter/>
+          </a:ln>
+        </p:spPr>
+        <p:style>
+          <a:lnRef idx="2">
+            <a:schemeClr val="accent1">
+              <a:shade val="50000"/>
+            </a:schemeClr>
+          </a:lnRef>
+          <a:fillRef idx="1">
+            <a:schemeClr val="accent1"/>
+          </a:fillRef>
+          <a:effectRef idx="0">
+            <a:schemeClr val="accent1"/>
+          </a:effectRef>
+          <a:fontRef idx="minor">
+            <a:schemeClr val="lt1"/>
+          </a:fontRef>
+        </p:style>
+        <p:txBody>
+          <a:bodyPr rtlCol="0" anchor="ctr"/>
+          <a:lstStyle/>
+          <a:p>
+            <a:pPr algn="ctr"/>
+            <a:endParaRPr lang="de-DE"/>
+          </a:p>
+        </p:txBody>
+      </p:sp>
+      <p:sp>
+        <p:nvSpPr>
+          <p:cNvPr id="4" name="Rechteck 3">
+            <a:extLst>
+              <a:ext uri="{FF2B5EF4-FFF2-40B4-BE49-F238E27FC236}">
+                <a16:creationId xmlns:a16="http://schemas.microsoft.com/office/drawing/2014/main" id="{142725ED-F663-481A-957E-9647F704C393}"/>
+              </a:ext>
+            </a:extLst>
+          </p:cNvPr>
+          <p:cNvSpPr/>
+          <p:nvPr/>
+        </p:nvSpPr>
+        <p:spPr>
+          <a:xfrm>
+            <a:off x="3770593" y="2571750"/>
+            <a:ext cx="542144" cy="830997"/>
+          </a:xfrm>
+          <a:prstGeom prst="rect">
+            <a:avLst/>
+          </a:prstGeom>
+          <a:noFill/>
+        </p:spPr>
+        <p:txBody>
+          <a:bodyPr wrap="square" lIns="91440" tIns="45720" rIns="91440" bIns="45720">
+            <a:spAutoFit/>
+          </a:bodyPr>
+          <a:lstStyle/>
+          <a:p>
+            <a:pPr algn="ctr"/>
+            <a:r>
+              <a:rPr lang="de-DE" sz="4800" b="1" cap="none" spc="50" dirty="0">
+                <a:ln w="9525" cmpd="sng">
+                  <a:solidFill>
+                    <a:schemeClr val="accent1"/>
+                  </a:solidFill>
+                  <a:prstDash val="solid"/>
+                </a:ln>
+                <a:solidFill>
+                  <a:srgbClr val="70AD47">
+                    <a:tint val="1000"/>
+                  </a:srgbClr>
+                </a:solidFill>
+                <a:effectLst>
+                  <a:glow rad="38100">
+                    <a:schemeClr val="accent1">
+                      <a:alpha val="40000"/>
+                    </a:schemeClr>
+                  </a:glow>
+                </a:effectLst>
+                <a:latin typeface="+mn-lt"/>
+              </a:rPr>
+              <a:t>?</a:t>
+            </a:r>
+          </a:p>
+        </p:txBody>
+      </p:sp>
+    </p:spTree>
+  </p:cSld>
+  <p:clrMapOvr>
+    <a:masterClrMapping/>
+  </p:clrMapOvr>
+</p:sld>
+</file>
+
+<file path=ppt/slides/slide42.xml><?xml version="1.0" encoding="utf-8"?>
+<p:sld xmlns:a="http://schemas.openxmlformats.org/drawingml/2006/main" xmlns:r="http://schemas.openxmlformats.org/officeDocument/2006/relationships" xmlns:p="http://schemas.openxmlformats.org/presentationml/2006/main">
+  <p:cSld>
+    <p:spTree>
+      <p:nvGrpSpPr>
+        <p:cNvPr id="1" name="Shape 226"/>
+        <p:cNvGrpSpPr/>
+        <p:nvPr/>
+      </p:nvGrpSpPr>
+      <p:grpSpPr>
+        <a:xfrm>
+          <a:off x="0" y="0"/>
+          <a:ext cx="0" cy="0"/>
+          <a:chOff x="0" y="0"/>
+          <a:chExt cx="0" cy="0"/>
+        </a:xfrm>
+      </p:grpSpPr>
+      <p:sp>
+        <p:nvSpPr>
+          <p:cNvPr id="227" name="Google Shape;227;p36"/>
+          <p:cNvSpPr txBox="1">
+            <a:spLocks noGrp="1"/>
+          </p:cNvSpPr>
+          <p:nvPr>
+            <p:ph type="title"/>
+          </p:nvPr>
+        </p:nvSpPr>
+        <p:spPr>
+          <a:prstGeom prst="rect">
+            <a:avLst/>
+          </a:prstGeom>
+        </p:spPr>
+        <p:txBody>
+          <a:bodyPr spcFirstLastPara="1" wrap="square" lIns="91425" tIns="91425" rIns="91425" bIns="91425" anchor="t" anchorCtr="0">
+            <a:noAutofit/>
+          </a:bodyPr>
+          <a:lstStyle/>
+          <a:p>
+            <a:pPr marL="0" lvl="0" indent="0" algn="l" rtl="0">
+              <a:spcBef>
+                <a:spcPts val="0"/>
+              </a:spcBef>
+              <a:spcAft>
+                <a:spcPts val="0"/>
+              </a:spcAft>
+              <a:buNone/>
+            </a:pPr>
+            <a:r>
+              <a:rPr lang="de"/>
+              <a:t>Demo</a:t>
+            </a:r>
+            <a:endParaRPr/>
+          </a:p>
+        </p:txBody>
+      </p:sp>
+      <p:sp>
+        <p:nvSpPr>
+          <p:cNvPr id="2" name="Inhaltsplatzhalter 1">
+            <a:extLst>
+              <a:ext uri="{FF2B5EF4-FFF2-40B4-BE49-F238E27FC236}">
+                <a16:creationId xmlns:a16="http://schemas.microsoft.com/office/drawing/2014/main" id="{82DD5CFC-C87E-4EEB-B892-09C8839C4F7B}"/>
+              </a:ext>
+            </a:extLst>
+          </p:cNvPr>
+          <p:cNvSpPr>
+            <a:spLocks noGrp="1"/>
+          </p:cNvSpPr>
+          <p:nvPr>
+            <p:ph idx="1"/>
+          </p:nvPr>
+        </p:nvSpPr>
+        <p:spPr/>
+        <p:txBody>
+          <a:bodyPr/>
+          <a:lstStyle/>
+          <a:p>
+            <a:endParaRPr lang="de-DE"/>
+          </a:p>
+        </p:txBody>
+      </p:sp>
+    </p:spTree>
+  </p:cSld>
+  <p:clrMapOvr>
+    <a:masterClrMapping/>
+  </p:clrMapOvr>
+</p:sld>
+</file>
+
+<file path=ppt/slides/slide43.xml><?xml version="1.0" encoding="utf-8"?>
+<p:sld xmlns:a="http://schemas.openxmlformats.org/drawingml/2006/main" xmlns:r="http://schemas.openxmlformats.org/officeDocument/2006/relationships" xmlns:p="http://schemas.openxmlformats.org/presentationml/2006/main">
+  <p:cSld>
+    <p:spTree>
+      <p:nvGrpSpPr>
+        <p:cNvPr id="1" name="Shape 232"/>
+        <p:cNvGrpSpPr/>
+        <p:nvPr/>
+      </p:nvGrpSpPr>
+      <p:grpSpPr>
+        <a:xfrm>
+          <a:off x="0" y="0"/>
+          <a:ext cx="0" cy="0"/>
+          <a:chOff x="0" y="0"/>
+          <a:chExt cx="0" cy="0"/>
+        </a:xfrm>
+      </p:grpSpPr>
+      <p:sp>
+        <p:nvSpPr>
+          <p:cNvPr id="233" name="Google Shape;233;p37"/>
+          <p:cNvSpPr txBox="1">
+            <a:spLocks noGrp="1"/>
+          </p:cNvSpPr>
+          <p:nvPr>
+            <p:ph type="title"/>
+          </p:nvPr>
+        </p:nvSpPr>
+        <p:spPr>
+          <a:prstGeom prst="rect">
+            <a:avLst/>
+          </a:prstGeom>
+        </p:spPr>
+        <p:txBody>
+          <a:bodyPr spcFirstLastPara="1" wrap="square" lIns="91425" tIns="91425" rIns="91425" bIns="91425" anchor="t" anchorCtr="0">
+            <a:noAutofit/>
+          </a:bodyPr>
+          <a:lstStyle/>
+          <a:p>
+            <a:pPr marL="0" lvl="0" indent="0" algn="l" rtl="0">
+              <a:spcBef>
+                <a:spcPts val="0"/>
+              </a:spcBef>
+              <a:spcAft>
+                <a:spcPts val="0"/>
+              </a:spcAft>
+              <a:buNone/>
+            </a:pPr>
+            <a:r>
+              <a:rPr lang="de"/>
+              <a:t>Fazit</a:t>
+            </a:r>
+            <a:endParaRPr/>
+          </a:p>
+        </p:txBody>
+      </p:sp>
+      <p:sp>
+        <p:nvSpPr>
+          <p:cNvPr id="2" name="Inhaltsplatzhalter 1">
+            <a:extLst>
+              <a:ext uri="{FF2B5EF4-FFF2-40B4-BE49-F238E27FC236}">
+                <a16:creationId xmlns:a16="http://schemas.microsoft.com/office/drawing/2014/main" id="{8C4A35C0-7A13-402A-AE7B-E588CA15B764}"/>
+              </a:ext>
+            </a:extLst>
+          </p:cNvPr>
+          <p:cNvSpPr>
+            <a:spLocks noGrp="1"/>
+          </p:cNvSpPr>
+          <p:nvPr>
+            <p:ph idx="1"/>
+          </p:nvPr>
+        </p:nvSpPr>
+        <p:spPr/>
+        <p:txBody>
+          <a:bodyPr/>
+          <a:lstStyle/>
+          <a:p>
+            <a:r>
+              <a:rPr lang="de-DE" dirty="0"/>
+              <a:t>Interessantes, nicht triviales Projekt</a:t>
+            </a:r>
+          </a:p>
+          <a:p>
+            <a:r>
+              <a:rPr lang="de-DE" dirty="0"/>
+              <a:t>Blockchain: spannende Technologie – noch nicht ganz ausgereift</a:t>
+            </a:r>
+          </a:p>
+          <a:p>
+            <a:r>
+              <a:rPr lang="de-DE" dirty="0"/>
+              <a:t>Diverse spannende Anwendungsgebiete</a:t>
+            </a:r>
+          </a:p>
+          <a:p>
+            <a:r>
+              <a:rPr lang="de-DE" dirty="0"/>
+              <a:t>Teilweise komplexere Umsetzung</a:t>
+            </a:r>
+          </a:p>
+          <a:p>
+            <a:r>
+              <a:rPr lang="de-DE" dirty="0"/>
+              <a:t>Schwerer zu debuggen</a:t>
+            </a:r>
+          </a:p>
+        </p:txBody>
+      </p:sp>
+    </p:spTree>
+  </p:cSld>
+  <p:clrMapOvr>
+    <a:masterClrMapping/>
+  </p:clrMapOvr>
+</p:sld>
+</file>
+
+<file path=ppt/slides/slide44.xml><?xml version="1.0" encoding="utf-8"?>
+<p:sld xmlns:a="http://schemas.openxmlformats.org/drawingml/2006/main" xmlns:r="http://schemas.openxmlformats.org/officeDocument/2006/relationships" xmlns:p="http://schemas.openxmlformats.org/presentationml/2006/main">
+  <p:cSld>
+    <p:spTree>
+      <p:nvGrpSpPr>
+        <p:cNvPr id="1" name=""/>
+        <p:cNvGrpSpPr/>
+        <p:nvPr/>
+      </p:nvGrpSpPr>
+      <p:grpSpPr>
+        <a:xfrm>
+          <a:off x="0" y="0"/>
+          <a:ext cx="0" cy="0"/>
+          <a:chOff x="0" y="0"/>
+          <a:chExt cx="0" cy="0"/>
+        </a:xfrm>
+      </p:grpSpPr>
+      <p:sp>
+        <p:nvSpPr>
+          <p:cNvPr id="2" name="Untertitel 1">
+            <a:extLst>
+              <a:ext uri="{FF2B5EF4-FFF2-40B4-BE49-F238E27FC236}">
+                <a16:creationId xmlns:a16="http://schemas.microsoft.com/office/drawing/2014/main" id="{B5D06671-70A5-4AA6-8159-6F41E2882324}"/>
+              </a:ext>
+            </a:extLst>
+          </p:cNvPr>
+          <p:cNvSpPr>
+            <a:spLocks noGrp="1"/>
+          </p:cNvSpPr>
+          <p:nvPr>
+            <p:ph type="subTitle" idx="1"/>
+          </p:nvPr>
+        </p:nvSpPr>
+        <p:spPr/>
+        <p:txBody>
+          <a:bodyPr>
+            <a:normAutofit/>
+          </a:bodyPr>
+          <a:lstStyle/>
+          <a:p>
+            <a:r>
+              <a:rPr lang="de-DE" sz="3600" dirty="0"/>
+              <a:t>Vielen Dank!</a:t>
+            </a:r>
+            <a:br>
+              <a:rPr lang="de-DE" sz="3600" dirty="0"/>
+            </a:br>
+            <a:endParaRPr lang="de-DE" sz="3600" dirty="0"/>
+          </a:p>
+        </p:txBody>
+      </p:sp>
+    </p:spTree>
+    <p:extLst>
+      <p:ext uri="{BB962C8B-B14F-4D97-AF65-F5344CB8AC3E}">
+        <p14:creationId xmlns:p14="http://schemas.microsoft.com/office/powerpoint/2010/main" val="3217364585"/>
+      </p:ext>
+    </p:extLst>
+  </p:cSld>
+  <p:clrMapOvr>
+    <a:masterClrMapping/>
+  </p:clrMapOvr>
 </p:sld>
 </file>
 

--- a/Präsentation/PräsiCarchain/Carchain Präsentation.pptx
+++ b/Präsentation/PräsiCarchain/Carchain Präsentation.pptx
@@ -64,12 +64,12 @@
       <p:boldItalic r:id="rId50"/>
     </p:embeddedFont>
     <p:embeddedFont>
-      <p:font typeface="Roboto Light" panose="020B0604020202020204" charset="0"/>
+      <p:font typeface="Roboto Light" panose="02000000000000000000" pitchFamily="2" charset="0"/>
       <p:regular r:id="rId51"/>
       <p:italic r:id="rId52"/>
     </p:embeddedFont>
     <p:embeddedFont>
-      <p:font typeface="Roboto Thin" panose="020B0604020202020204" charset="0"/>
+      <p:font typeface="Roboto Thin" panose="02000000000000000000" pitchFamily="2" charset="0"/>
       <p:regular r:id="rId53"/>
       <p:italic r:id="rId54"/>
     </p:embeddedFont>
@@ -855,7 +855,50 @@
               </a:spcAft>
               <a:buNone/>
             </a:pPr>
-            <a:endParaRPr/>
+            <a:r>
+              <a:rPr lang="de-DE" dirty="0"/>
+              <a:t>Hallo und Willkommen zur Vorstellung von „</a:t>
+            </a:r>
+            <a:r>
+              <a:rPr lang="de-DE" dirty="0" err="1"/>
+              <a:t>Carchain</a:t>
+            </a:r>
+            <a:r>
+              <a:rPr lang="de-DE" dirty="0"/>
+              <a:t>“ – dem </a:t>
+            </a:r>
+            <a:r>
+              <a:rPr lang="de-DE" dirty="0" err="1"/>
+              <a:t>vertrauenswürdgien</a:t>
+            </a:r>
+            <a:r>
+              <a:rPr lang="de-DE" dirty="0"/>
+              <a:t> Carsharing via Blockchain.</a:t>
+            </a:r>
+            <a:br>
+              <a:rPr lang="de-DE" dirty="0"/>
+            </a:br>
+            <a:r>
+              <a:rPr lang="de-DE" dirty="0"/>
+              <a:t>Mein Name ist Simon Gaugler und zusammen mit Nils Riekers, Lukas </a:t>
+            </a:r>
+            <a:r>
+              <a:rPr lang="de-DE" dirty="0" err="1"/>
+              <a:t>Faiß</a:t>
+            </a:r>
+            <a:r>
+              <a:rPr lang="de-DE" dirty="0"/>
+              <a:t> und Bastian </a:t>
+            </a:r>
+            <a:r>
+              <a:rPr lang="de-DE" dirty="0" err="1"/>
+              <a:t>Frewert</a:t>
+            </a:r>
+            <a:r>
+              <a:rPr lang="de-DE" dirty="0"/>
+              <a:t> möchte Ich Ihnen nun die Ergebnisse unseres Projektes präsentieren.</a:t>
+            </a:r>
+            <a:endParaRPr dirty="0"/>
           </a:p>
         </p:txBody>
       </p:sp>
@@ -949,6 +992,33 @@
             <a:noAutofit/>
           </a:bodyPr>
           <a:lstStyle/>
+          <a:p>
+            <a:pPr marL="0" lvl="0" indent="0" algn="l" rtl="0">
+              <a:spcBef>
+                <a:spcPts val="0"/>
+              </a:spcBef>
+              <a:spcAft>
+                <a:spcPts val="0"/>
+              </a:spcAft>
+              <a:buNone/>
+            </a:pPr>
+            <a:r>
+              <a:rPr lang="de-DE" dirty="0"/>
+              <a:t>Alice kauft in aller Ruhe ein, bringt ihre Einkäufe nach Hause -</a:t>
+            </a:r>
+          </a:p>
+          <a:p>
+            <a:pPr marL="0" lvl="0" indent="0" algn="l" rtl="0">
+              <a:spcBef>
+                <a:spcPts val="0"/>
+              </a:spcBef>
+              <a:spcAft>
+                <a:spcPts val="0"/>
+              </a:spcAft>
+              <a:buNone/>
+            </a:pPr>
+            <a:endParaRPr lang="de-DE" dirty="0"/>
+          </a:p>
           <a:p>
             <a:pPr marL="0" lvl="0" indent="0" algn="l" rtl="0">
               <a:spcBef>
@@ -1153,6 +1223,33 @@
             </a:pPr>
             <a:r>
               <a:rPr lang="de-DE" dirty="0"/>
+              <a:t>Und gibt das Auto einfach rechtzeitig wieder an seiner Heimatadresse zurück.</a:t>
+            </a:r>
+          </a:p>
+          <a:p>
+            <a:pPr marL="0" lvl="0" indent="0" algn="l" rtl="0">
+              <a:spcBef>
+                <a:spcPts val="0"/>
+              </a:spcBef>
+              <a:spcAft>
+                <a:spcPts val="0"/>
+              </a:spcAft>
+              <a:buNone/>
+            </a:pPr>
+            <a:endParaRPr lang="de-DE" dirty="0"/>
+          </a:p>
+          <a:p>
+            <a:pPr marL="0" lvl="0" indent="0" algn="l" rtl="0">
+              <a:spcBef>
+                <a:spcPts val="0"/>
+              </a:spcBef>
+              <a:spcAft>
+                <a:spcPts val="0"/>
+              </a:spcAft>
+              <a:buNone/>
+            </a:pPr>
+            <a:r>
+              <a:rPr lang="de-DE" dirty="0"/>
               <a:t>(Idee mit Piktogrammen &amp; Animationen)</a:t>
             </a:r>
             <a:br>
@@ -1345,6 +1442,60 @@
             </a:pPr>
             <a:r>
               <a:rPr lang="de-DE" dirty="0"/>
+              <a:t>Alice konnte einkaufen, Bob hat nebenher etwas Geld verdient, alle sind happy und es herrscht Friede, Freude und Eierkuchen!</a:t>
+            </a:r>
+          </a:p>
+          <a:p>
+            <a:pPr marL="0" lvl="0" indent="0" algn="l" rtl="0">
+              <a:spcBef>
+                <a:spcPts val="0"/>
+              </a:spcBef>
+              <a:spcAft>
+                <a:spcPts val="0"/>
+              </a:spcAft>
+              <a:buNone/>
+            </a:pPr>
+            <a:r>
+              <a:rPr lang="de-DE" dirty="0"/>
+              <a:t>Soweit unsere Idee. Schauen wir uns nun an, wie wir das umgesetzt haben.</a:t>
+            </a:r>
+          </a:p>
+          <a:p>
+            <a:pPr marL="0" lvl="0" indent="0" algn="l" rtl="0">
+              <a:spcBef>
+                <a:spcPts val="0"/>
+              </a:spcBef>
+              <a:spcAft>
+                <a:spcPts val="0"/>
+              </a:spcAft>
+              <a:buNone/>
+            </a:pPr>
+            <a:endParaRPr lang="de-DE" dirty="0"/>
+          </a:p>
+          <a:p>
+            <a:pPr marL="0" lvl="0" indent="0" algn="l" rtl="0">
+              <a:spcBef>
+                <a:spcPts val="0"/>
+              </a:spcBef>
+              <a:spcAft>
+                <a:spcPts val="0"/>
+              </a:spcAft>
+              <a:buNone/>
+            </a:pPr>
+            <a:endParaRPr lang="de-DE" dirty="0"/>
+          </a:p>
+          <a:p>
+            <a:pPr marL="0" lvl="0" indent="0" algn="l" rtl="0">
+              <a:spcBef>
+                <a:spcPts val="0"/>
+              </a:spcBef>
+              <a:spcAft>
+                <a:spcPts val="0"/>
+              </a:spcAft>
+              <a:buNone/>
+            </a:pPr>
+            <a:r>
+              <a:rPr lang="de-DE" dirty="0"/>
               <a:t>(Idee mit Piktogrammen &amp; Animationen)</a:t>
             </a:r>
             <a:br>
@@ -1535,7 +1686,87 @@
               </a:spcAft>
               <a:buNone/>
             </a:pPr>
-            <a:endParaRPr/>
+            <a:r>
+              <a:rPr lang="de-DE" dirty="0"/>
+              <a:t>Um das Konzept so zu realisieren, benötigten wir insbesondere 4 Komponenten. </a:t>
+            </a:r>
+          </a:p>
+          <a:p>
+            <a:pPr marL="0" lvl="0" indent="0" algn="l" rtl="0">
+              <a:spcBef>
+                <a:spcPts val="0"/>
+              </a:spcBef>
+              <a:spcAft>
+                <a:spcPts val="0"/>
+              </a:spcAft>
+              <a:buNone/>
+            </a:pPr>
+            <a:r>
+              <a:rPr lang="de-DE" dirty="0"/>
+              <a:t>Zum einen </a:t>
+            </a:r>
+            <a:r>
+              <a:rPr lang="de-DE" dirty="0" err="1"/>
+              <a:t>einen</a:t>
+            </a:r>
+            <a:r>
+              <a:rPr lang="de-DE" dirty="0"/>
+              <a:t> Raspberry Pi um unser Auto „smart“ zu machen,</a:t>
+            </a:r>
+          </a:p>
+          <a:p>
+            <a:pPr marL="0" lvl="0" indent="0" algn="l" rtl="0">
+              <a:spcBef>
+                <a:spcPts val="0"/>
+              </a:spcBef>
+              <a:spcAft>
+                <a:spcPts val="0"/>
+              </a:spcAft>
+              <a:buNone/>
+            </a:pPr>
+            <a:r>
+              <a:rPr lang="de-DE" dirty="0"/>
+              <a:t>Eine mobile App für das Handling der Transaktionen,</a:t>
+            </a:r>
+          </a:p>
+          <a:p>
+            <a:pPr marL="0" lvl="0" indent="0" algn="l" rtl="0">
+              <a:spcBef>
+                <a:spcPts val="0"/>
+              </a:spcBef>
+              <a:spcAft>
+                <a:spcPts val="0"/>
+              </a:spcAft>
+              <a:buNone/>
+            </a:pPr>
+            <a:r>
+              <a:rPr lang="de-DE" dirty="0"/>
+              <a:t>Natürlich die entsprechenden Smart </a:t>
+            </a:r>
+            <a:r>
+              <a:rPr lang="de-DE" dirty="0" err="1"/>
+              <a:t>Contracts</a:t>
+            </a:r>
+            <a:r>
+              <a:rPr lang="de-DE" dirty="0"/>
+              <a:t> auf der Blockchain und – </a:t>
+            </a:r>
+          </a:p>
+          <a:p>
+            <a:pPr marL="0" lvl="0" indent="0" algn="l" rtl="0">
+              <a:spcBef>
+                <a:spcPts val="0"/>
+              </a:spcBef>
+              <a:spcAft>
+                <a:spcPts val="0"/>
+              </a:spcAft>
+              <a:buNone/>
+            </a:pPr>
+            <a:r>
+              <a:rPr lang="de-DE" dirty="0"/>
+              <a:t>Wie sich herausgestellt hat, einen separaten Image Server.</a:t>
+            </a:r>
+            <a:endParaRPr dirty="0"/>
           </a:p>
         </p:txBody>
       </p:sp>
@@ -1639,7 +1870,79 @@
               </a:spcAft>
               <a:buNone/>
             </a:pPr>
-            <a:endParaRPr/>
+            <a:r>
+              <a:rPr lang="de-DE" dirty="0"/>
+              <a:t>Die resultierende Architektur sieht grob wie folgt aus:</a:t>
+            </a:r>
+          </a:p>
+          <a:p>
+            <a:pPr marL="0" lvl="0" indent="0" algn="l" rtl="0">
+              <a:spcBef>
+                <a:spcPts val="0"/>
+              </a:spcBef>
+              <a:spcAft>
+                <a:spcPts val="0"/>
+              </a:spcAft>
+              <a:buNone/>
+            </a:pPr>
+            <a:r>
+              <a:rPr lang="de-DE" dirty="0"/>
+              <a:t>Das Auto verbindet sich mit der Blockchain um seine Daten einzutragen und Mieter zu validieren und mit dem Image Server um seine Bilder hochzuladen bzw. ggf. aktuell zu halten.</a:t>
+            </a:r>
+          </a:p>
+          <a:p>
+            <a:pPr marL="0" lvl="0" indent="0" algn="l" rtl="0">
+              <a:spcBef>
+                <a:spcPts val="0"/>
+              </a:spcBef>
+              <a:spcAft>
+                <a:spcPts val="0"/>
+              </a:spcAft>
+              <a:buNone/>
+            </a:pPr>
+            <a:r>
+              <a:rPr lang="de-DE" dirty="0"/>
+              <a:t>Die Smartphone App verbindet sich ebenfalls mit der Blockchain um verfügbare Autos anzuzeigen und Mieten zu verwalten und mit dem Bilder Server um die Bilder der Autos anzuzeigen.</a:t>
+            </a:r>
+          </a:p>
+          <a:p>
+            <a:pPr marL="0" lvl="0" indent="0" algn="l" rtl="0">
+              <a:spcBef>
+                <a:spcPts val="0"/>
+              </a:spcBef>
+              <a:spcAft>
+                <a:spcPts val="0"/>
+              </a:spcAft>
+              <a:buNone/>
+            </a:pPr>
+            <a:r>
+              <a:rPr lang="de-DE" dirty="0"/>
+              <a:t>Um Zugriff auf das Fahrzeug zu erhalten, scannt da </a:t>
+            </a:r>
+            <a:r>
+              <a:rPr lang="de-DE" dirty="0" err="1"/>
+              <a:t>sAuto</a:t>
+            </a:r>
+            <a:r>
+              <a:rPr lang="de-DE" dirty="0"/>
+              <a:t> den Barcode der App und validiert die Informationen.</a:t>
+            </a:r>
+          </a:p>
+          <a:p>
+            <a:pPr marL="0" lvl="0" indent="0" algn="l" rtl="0">
+              <a:spcBef>
+                <a:spcPts val="0"/>
+              </a:spcBef>
+              <a:spcAft>
+                <a:spcPts val="0"/>
+              </a:spcAft>
+              <a:buNone/>
+            </a:pPr>
+            <a:r>
+              <a:rPr lang="de-DE" dirty="0"/>
+              <a:t>Schauen wir uns jetzt die Einzelnen Komponenten im Detail an – zunächst geht Lukas auf den Image-Server ein…</a:t>
+            </a:r>
+            <a:endParaRPr dirty="0"/>
           </a:p>
         </p:txBody>
       </p:sp>
@@ -1743,7 +2046,7 @@
               </a:spcAft>
               <a:buNone/>
             </a:pPr>
-            <a:endParaRPr/>
+            <a:endParaRPr dirty="0"/>
           </a:p>
         </p:txBody>
       </p:sp>
@@ -1956,7 +2259,79 @@
               </a:spcAft>
               <a:buNone/>
             </a:pPr>
-            <a:endParaRPr/>
+            <a:r>
+              <a:rPr lang="de-DE" dirty="0"/>
+              <a:t>Danke Lukas. Nun zur App.</a:t>
+            </a:r>
+          </a:p>
+          <a:p>
+            <a:pPr marL="0" lvl="0" indent="0" algn="l" rtl="0">
+              <a:spcBef>
+                <a:spcPts val="0"/>
+              </a:spcBef>
+              <a:spcAft>
+                <a:spcPts val="0"/>
+              </a:spcAft>
+              <a:buNone/>
+            </a:pPr>
+            <a:r>
+              <a:rPr lang="de-DE" dirty="0"/>
+              <a:t>Die App hat insbesondere </a:t>
+            </a:r>
+            <a:r>
+              <a:rPr lang="de-DE" dirty="0" err="1"/>
+              <a:t>fie</a:t>
+            </a:r>
+            <a:r>
+              <a:rPr lang="de-DE" dirty="0"/>
+              <a:t> Funktionen:</a:t>
+            </a:r>
+          </a:p>
+          <a:p>
+            <a:pPr marL="0" lvl="0" indent="0" algn="l" rtl="0">
+              <a:spcBef>
+                <a:spcPts val="0"/>
+              </a:spcBef>
+              <a:spcAft>
+                <a:spcPts val="0"/>
+              </a:spcAft>
+              <a:buNone/>
+            </a:pPr>
+            <a:r>
+              <a:rPr lang="de-DE" dirty="0"/>
+              <a:t>Fahrzeuge zur Vermietung freizugeben, Fahrzeuge suchen und mieten zu können,</a:t>
+            </a:r>
+          </a:p>
+          <a:p>
+            <a:pPr marL="0" lvl="0" indent="0" algn="l" rtl="0">
+              <a:spcBef>
+                <a:spcPts val="0"/>
+              </a:spcBef>
+              <a:spcAft>
+                <a:spcPts val="0"/>
+              </a:spcAft>
+              <a:buNone/>
+            </a:pPr>
+            <a:r>
+              <a:rPr lang="de-DE" dirty="0"/>
+              <a:t>Die entstandenen Kosten und Rechnungen einzusehen – also quasi das Bezahlwallet zu verwalten –</a:t>
+            </a:r>
+          </a:p>
+          <a:p>
+            <a:pPr marL="0" lvl="0" indent="0" algn="l" rtl="0">
+              <a:spcBef>
+                <a:spcPts val="0"/>
+              </a:spcBef>
+              <a:spcAft>
+                <a:spcPts val="0"/>
+              </a:spcAft>
+              <a:buNone/>
+            </a:pPr>
+            <a:r>
+              <a:rPr lang="de-DE" dirty="0"/>
+              <a:t>Den digitalen Autoschlüssel bereitzustellen und natürlich das eigene Profil verwalten zu können.</a:t>
+            </a:r>
+            <a:endParaRPr dirty="0"/>
           </a:p>
         </p:txBody>
       </p:sp>
@@ -1969,11 +2344,11 @@
 </file>
 
 <file path=ppt/notesSlides/notesSlide18.xml><?xml version="1.0" encoding="utf-8"?>
-<p:notes xmlns:a="http://schemas.openxmlformats.org/drawingml/2006/main" xmlns:r="http://schemas.openxmlformats.org/officeDocument/2006/relationships" xmlns:p="http://schemas.openxmlformats.org/presentationml/2006/main" showMasterSp="0" showMasterPhAnim="0">
+<p:notes xmlns:a="http://schemas.openxmlformats.org/drawingml/2006/main" xmlns:r="http://schemas.openxmlformats.org/officeDocument/2006/relationships" xmlns:p="http://schemas.openxmlformats.org/presentationml/2006/main">
   <p:cSld>
     <p:spTree>
       <p:nvGrpSpPr>
-        <p:cNvPr id="1" name="Shape 104"/>
+        <p:cNvPr id="1" name=""/>
         <p:cNvGrpSpPr/>
         <p:nvPr/>
       </p:nvGrpSpPr>
@@ -1987,12 +2362,12 @@
       </p:grpSpPr>
       <p:sp>
         <p:nvSpPr>
-          <p:cNvPr id="105" name="Google Shape;105;g7459a94ec7_0_45:notes"/>
+          <p:cNvPr id="2" name="Folienbildplatzhalter 1"/>
           <p:cNvSpPr>
             <a:spLocks noGrp="1" noRot="1" noChangeAspect="1"/>
           </p:cNvSpPr>
           <p:nvPr>
-            <p:ph type="sldImg" idx="2"/>
+            <p:ph type="sldImg"/>
           </p:nvPr>
         </p:nvSpPr>
         <p:spPr>
@@ -2000,146 +2375,39 @@
             <a:off x="381000" y="685800"/>
             <a:ext cx="6096000" cy="3429000"/>
           </a:xfrm>
-          <a:custGeom>
-            <a:avLst/>
-            <a:gdLst/>
-            <a:ahLst/>
-            <a:cxnLst/>
-            <a:rect l="l" t="t" r="r" b="b"/>
-            <a:pathLst>
-              <a:path w="120000" h="120000" extrusionOk="0">
-                <a:moveTo>
-                  <a:pt x="0" y="0"/>
-                </a:moveTo>
-                <a:lnTo>
-                  <a:pt x="120000" y="0"/>
-                </a:lnTo>
-                <a:lnTo>
-                  <a:pt x="120000" y="120000"/>
-                </a:lnTo>
-                <a:lnTo>
-                  <a:pt x="0" y="120000"/>
-                </a:lnTo>
-                <a:close/>
-              </a:path>
-            </a:pathLst>
-          </a:custGeom>
         </p:spPr>
       </p:sp>
       <p:sp>
         <p:nvSpPr>
-          <p:cNvPr id="106" name="Google Shape;106;g7459a94ec7_0_45:notes"/>
-          <p:cNvSpPr txBox="1">
+          <p:cNvPr id="3" name="Notizenplatzhalter 2"/>
+          <p:cNvSpPr>
             <a:spLocks noGrp="1"/>
           </p:cNvSpPr>
           <p:nvPr>
             <p:ph type="body" idx="1"/>
           </p:nvPr>
         </p:nvSpPr>
-        <p:spPr>
-          <a:xfrm>
-            <a:off x="685800" y="4343400"/>
-            <a:ext cx="5486400" cy="4114800"/>
-          </a:xfrm>
-          <a:prstGeom prst="rect">
-            <a:avLst/>
-          </a:prstGeom>
-        </p:spPr>
+        <p:spPr/>
         <p:txBody>
-          <a:bodyPr spcFirstLastPara="1" wrap="square" lIns="91425" tIns="91425" rIns="91425" bIns="91425" anchor="t" anchorCtr="0">
-            <a:noAutofit/>
-          </a:bodyPr>
+          <a:bodyPr/>
           <a:lstStyle/>
           <a:p>
-            <a:pPr marL="0" lvl="0" indent="0" algn="l" rtl="0">
-              <a:spcBef>
-                <a:spcPts val="0"/>
-              </a:spcBef>
-              <a:spcAft>
-                <a:spcPts val="0"/>
-              </a:spcAft>
+            <a:pPr marL="158750" indent="0">
               <a:buNone/>
             </a:pPr>
             <a:r>
-              <a:rPr lang="de" u="sng">
-                <a:solidFill>
-                  <a:schemeClr val="hlink"/>
-                </a:solidFill>
-                <a:hlinkClick r:id="rId3"/>
-              </a:rPr>
-              <a:t>https://ethereum.org/assets/#black-on-transparent-background</a:t>
-            </a:r>
-            <a:endParaRPr/>
-          </a:p>
-          <a:p>
-            <a:pPr marL="0" lvl="0" indent="0" algn="l" rtl="0">
-              <a:spcBef>
-                <a:spcPts val="0"/>
-              </a:spcBef>
-              <a:spcAft>
-                <a:spcPts val="0"/>
-              </a:spcAft>
-              <a:buNone/>
-            </a:pPr>
-            <a:r>
-              <a:rPr lang="de" u="sng">
-                <a:solidFill>
-                  <a:schemeClr val="hlink"/>
-                </a:solidFill>
-                <a:hlinkClick r:id="rId4"/>
-              </a:rPr>
-              <a:t>https://daiki-sekiguchi.com/2018/08/08/ethereum-what-is-ganache/</a:t>
-            </a:r>
-            <a:endParaRPr/>
-          </a:p>
-          <a:p>
-            <a:pPr marL="0" lvl="0" indent="0" algn="l" rtl="0">
-              <a:spcBef>
-                <a:spcPts val="0"/>
-              </a:spcBef>
-              <a:spcAft>
-                <a:spcPts val="0"/>
-              </a:spcAft>
-              <a:buNone/>
-            </a:pPr>
-            <a:r>
-              <a:rPr lang="de" u="sng">
-                <a:solidFill>
-                  <a:schemeClr val="hlink"/>
-                </a:solidFill>
-                <a:hlinkClick r:id="rId5"/>
-              </a:rPr>
-              <a:t>https://solidity.readthedocs.io/en/v0.6.6/</a:t>
-            </a:r>
-            <a:endParaRPr/>
-          </a:p>
-          <a:p>
-            <a:pPr marL="0" lvl="0" indent="0" algn="l" rtl="0">
-              <a:spcBef>
-                <a:spcPts val="0"/>
-              </a:spcBef>
-              <a:spcAft>
-                <a:spcPts val="0"/>
-              </a:spcAft>
-              <a:buNone/>
-            </a:pPr>
-            <a:endParaRPr/>
-          </a:p>
-          <a:p>
-            <a:pPr marL="0" lvl="0" indent="0" algn="l" rtl="0">
-              <a:spcBef>
-                <a:spcPts val="0"/>
-              </a:spcBef>
-              <a:spcAft>
-                <a:spcPts val="0"/>
-              </a:spcAft>
-              <a:buNone/>
-            </a:pPr>
-            <a:endParaRPr/>
+              <a:rPr lang="de-DE" dirty="0"/>
+              <a:t>Die Fahrzeuge werden in der App in einer übersichtlichen Liste dargestellt. Angezeigt werden die aktuelle Entfernung und der Stundenpreis, sowie Modell, Bild und die minimale und maximale Mietdauer in Stunden. Die Liste ist standardmäßig nach Entfernung sortiert, es kann aber auch nach Preis und Ausleihdauer gefiltert werden.</a:t>
+            </a:r>
           </a:p>
         </p:txBody>
       </p:sp>
     </p:spTree>
+    <p:extLst>
+      <p:ext uri="{BB962C8B-B14F-4D97-AF65-F5344CB8AC3E}">
+        <p14:creationId xmlns:p14="http://schemas.microsoft.com/office/powerpoint/2010/main" val="2711036244"/>
+      </p:ext>
+    </p:extLst>
   </p:cSld>
   <p:clrMapOvr>
     <a:masterClrMapping/>
@@ -2148,11 +2416,11 @@
 </file>
 
 <file path=ppt/notesSlides/notesSlide19.xml><?xml version="1.0" encoding="utf-8"?>
-<p:notes xmlns:a="http://schemas.openxmlformats.org/drawingml/2006/main" xmlns:r="http://schemas.openxmlformats.org/officeDocument/2006/relationships" xmlns:p="http://schemas.openxmlformats.org/presentationml/2006/main" showMasterSp="0" showMasterPhAnim="0">
+<p:notes xmlns:a="http://schemas.openxmlformats.org/drawingml/2006/main" xmlns:r="http://schemas.openxmlformats.org/officeDocument/2006/relationships" xmlns:p="http://schemas.openxmlformats.org/presentationml/2006/main">
   <p:cSld>
     <p:spTree>
       <p:nvGrpSpPr>
-        <p:cNvPr id="1" name="Shape 113"/>
+        <p:cNvPr id="1" name=""/>
         <p:cNvGrpSpPr/>
         <p:nvPr/>
       </p:nvGrpSpPr>
@@ -2166,12 +2434,12 @@
       </p:grpSpPr>
       <p:sp>
         <p:nvSpPr>
-          <p:cNvPr id="114" name="Google Shape;114;g7459a94ec7_1_4:notes"/>
+          <p:cNvPr id="2" name="Folienbildplatzhalter 1"/>
           <p:cNvSpPr>
             <a:spLocks noGrp="1" noRot="1" noChangeAspect="1"/>
           </p:cNvSpPr>
           <p:nvPr>
-            <p:ph type="sldImg" idx="2"/>
+            <p:ph type="sldImg"/>
           </p:nvPr>
         </p:nvSpPr>
         <p:spPr>
@@ -2179,71 +2447,42 @@
             <a:off x="381000" y="685800"/>
             <a:ext cx="6096000" cy="3429000"/>
           </a:xfrm>
-          <a:custGeom>
-            <a:avLst/>
-            <a:gdLst/>
-            <a:ahLst/>
-            <a:cxnLst/>
-            <a:rect l="l" t="t" r="r" b="b"/>
-            <a:pathLst>
-              <a:path w="120000" h="120000" extrusionOk="0">
-                <a:moveTo>
-                  <a:pt x="0" y="0"/>
-                </a:moveTo>
-                <a:lnTo>
-                  <a:pt x="120000" y="0"/>
-                </a:lnTo>
-                <a:lnTo>
-                  <a:pt x="120000" y="120000"/>
-                </a:lnTo>
-                <a:lnTo>
-                  <a:pt x="0" y="120000"/>
-                </a:lnTo>
-                <a:close/>
-              </a:path>
-            </a:pathLst>
-          </a:custGeom>
         </p:spPr>
       </p:sp>
       <p:sp>
         <p:nvSpPr>
-          <p:cNvPr id="115" name="Google Shape;115;g7459a94ec7_1_4:notes"/>
-          <p:cNvSpPr txBox="1">
+          <p:cNvPr id="3" name="Notizenplatzhalter 2"/>
+          <p:cNvSpPr>
             <a:spLocks noGrp="1"/>
           </p:cNvSpPr>
           <p:nvPr>
             <p:ph type="body" idx="1"/>
           </p:nvPr>
         </p:nvSpPr>
-        <p:spPr>
-          <a:xfrm>
-            <a:off x="685800" y="4343400"/>
-            <a:ext cx="5486400" cy="4114800"/>
-          </a:xfrm>
-          <a:prstGeom prst="rect">
-            <a:avLst/>
-          </a:prstGeom>
-        </p:spPr>
+        <p:spPr/>
         <p:txBody>
-          <a:bodyPr spcFirstLastPara="1" wrap="square" lIns="91425" tIns="91425" rIns="91425" bIns="91425" anchor="t" anchorCtr="0">
-            <a:noAutofit/>
-          </a:bodyPr>
+          <a:bodyPr/>
           <a:lstStyle/>
           <a:p>
-            <a:pPr marL="0" lvl="0" indent="0" algn="l" rtl="0">
-              <a:spcBef>
-                <a:spcPts val="0"/>
-              </a:spcBef>
-              <a:spcAft>
-                <a:spcPts val="0"/>
-              </a:spcAft>
-              <a:buNone/>
-            </a:pPr>
-            <a:endParaRPr/>
+            <a:r>
+              <a:rPr lang="de-DE" dirty="0"/>
+              <a:t>Wenn uns ein Auto gefällt, können wir die konkreten Daten einsehen. Dazu zählen weitere Informationen zum Modell, das Nummernschild und die Heimatadresse sowie die Kosten abhängig von der gewünschten Mietlänge.</a:t>
+            </a:r>
+          </a:p>
+          <a:p>
+            <a:r>
+              <a:rPr lang="de-DE" dirty="0"/>
+              <a:t>Gefällt uns das Auto, können wir es mit einem Klick auf den Button einfach Mieten.</a:t>
+            </a:r>
           </a:p>
         </p:txBody>
       </p:sp>
     </p:spTree>
+    <p:extLst>
+      <p:ext uri="{BB962C8B-B14F-4D97-AF65-F5344CB8AC3E}">
+        <p14:creationId xmlns:p14="http://schemas.microsoft.com/office/powerpoint/2010/main" val="164548562"/>
+      </p:ext>
+    </p:extLst>
   </p:cSld>
   <p:clrMapOvr>
     <a:masterClrMapping/>
@@ -2343,7 +2582,48 @@
               </a:spcAft>
               <a:buNone/>
             </a:pPr>
-            <a:endParaRPr/>
+            <a:r>
+              <a:rPr lang="de-DE" dirty="0"/>
+              <a:t>Zunächst geben wir einen kurzen Überblick über die Aufgabe, unsere Ideen und die Vision des Projektes.</a:t>
+            </a:r>
+          </a:p>
+          <a:p>
+            <a:pPr marL="0" lvl="0" indent="0" algn="l" rtl="0">
+              <a:spcBef>
+                <a:spcPts val="0"/>
+              </a:spcBef>
+              <a:spcAft>
+                <a:spcPts val="0"/>
+              </a:spcAft>
+              <a:buNone/>
+            </a:pPr>
+            <a:r>
+              <a:rPr lang="de-DE" dirty="0"/>
+              <a:t>Anschließend werden wir unsere Architektur und die einzelnen Komponenten detaillierter erläutern und ihnen dann mit einer Demo </a:t>
+            </a:r>
+            <a:r>
+              <a:rPr lang="de-DE" dirty="0" err="1"/>
+              <a:t>carchain</a:t>
+            </a:r>
+            <a:r>
+              <a:rPr lang="de-DE" dirty="0"/>
+              <a:t> natürlich auch präsentieren.</a:t>
+            </a:r>
+          </a:p>
+          <a:p>
+            <a:pPr marL="0" lvl="0" indent="0" algn="l" rtl="0">
+              <a:spcBef>
+                <a:spcPts val="0"/>
+              </a:spcBef>
+              <a:spcAft>
+                <a:spcPts val="0"/>
+              </a:spcAft>
+              <a:buNone/>
+            </a:pPr>
+            <a:r>
+              <a:rPr lang="de-DE" dirty="0"/>
+              <a:t>In unserem kurzen Fazit fassen wir zusammen, was wir aus dem Projekt mitgenommen haben.</a:t>
+            </a:r>
           </a:p>
         </p:txBody>
       </p:sp>
@@ -2356,6 +2636,578 @@
 </file>
 
 <file path=ppt/notesSlides/notesSlide20.xml><?xml version="1.0" encoding="utf-8"?>
+<p:notes xmlns:a="http://schemas.openxmlformats.org/drawingml/2006/main" xmlns:r="http://schemas.openxmlformats.org/officeDocument/2006/relationships" xmlns:p="http://schemas.openxmlformats.org/presentationml/2006/main">
+  <p:cSld>
+    <p:spTree>
+      <p:nvGrpSpPr>
+        <p:cNvPr id="1" name=""/>
+        <p:cNvGrpSpPr/>
+        <p:nvPr/>
+      </p:nvGrpSpPr>
+      <p:grpSpPr>
+        <a:xfrm>
+          <a:off x="0" y="0"/>
+          <a:ext cx="0" cy="0"/>
+          <a:chOff x="0" y="0"/>
+          <a:chExt cx="0" cy="0"/>
+        </a:xfrm>
+      </p:grpSpPr>
+      <p:sp>
+        <p:nvSpPr>
+          <p:cNvPr id="2" name="Folienbildplatzhalter 1"/>
+          <p:cNvSpPr>
+            <a:spLocks noGrp="1" noRot="1" noChangeAspect="1"/>
+          </p:cNvSpPr>
+          <p:nvPr>
+            <p:ph type="sldImg"/>
+          </p:nvPr>
+        </p:nvSpPr>
+        <p:spPr>
+          <a:xfrm>
+            <a:off x="381000" y="685800"/>
+            <a:ext cx="6096000" cy="3429000"/>
+          </a:xfrm>
+        </p:spPr>
+      </p:sp>
+      <p:sp>
+        <p:nvSpPr>
+          <p:cNvPr id="3" name="Notizenplatzhalter 2"/>
+          <p:cNvSpPr>
+            <a:spLocks noGrp="1"/>
+          </p:cNvSpPr>
+          <p:nvPr>
+            <p:ph type="body" idx="1"/>
+          </p:nvPr>
+        </p:nvSpPr>
+        <p:spPr/>
+        <p:txBody>
+          <a:bodyPr/>
+          <a:lstStyle/>
+          <a:p>
+            <a:r>
+              <a:rPr lang="de-DE" dirty="0"/>
+              <a:t>Das Auto wird dann </a:t>
+            </a:r>
+            <a:r>
+              <a:rPr lang="de-DE" dirty="0" err="1"/>
+              <a:t>gemeietet</a:t>
+            </a:r>
+            <a:r>
+              <a:rPr lang="de-DE" dirty="0"/>
+              <a:t> und in unserem Fuhrpark mit seinem digitalen Schlüssel angezeigt.</a:t>
+            </a:r>
+          </a:p>
+          <a:p>
+            <a:r>
+              <a:rPr lang="de-DE" dirty="0"/>
+              <a:t>Wir sehen, wie weit das Fahrzeug entfernt ist und wie lange die Miete noch läuft.</a:t>
+            </a:r>
+          </a:p>
+          <a:p>
+            <a:r>
+              <a:rPr lang="de-DE" dirty="0"/>
+              <a:t>Mit einem Klick auf das Fahrzeug wird der digitale Autoschlüssel erzeugt.</a:t>
+            </a:r>
+          </a:p>
+        </p:txBody>
+      </p:sp>
+    </p:spTree>
+    <p:extLst>
+      <p:ext uri="{BB962C8B-B14F-4D97-AF65-F5344CB8AC3E}">
+        <p14:creationId xmlns:p14="http://schemas.microsoft.com/office/powerpoint/2010/main" val="2683297920"/>
+      </p:ext>
+    </p:extLst>
+  </p:cSld>
+  <p:clrMapOvr>
+    <a:masterClrMapping/>
+  </p:clrMapOvr>
+</p:notes>
+</file>
+
+<file path=ppt/notesSlides/notesSlide21.xml><?xml version="1.0" encoding="utf-8"?>
+<p:notes xmlns:a="http://schemas.openxmlformats.org/drawingml/2006/main" xmlns:r="http://schemas.openxmlformats.org/officeDocument/2006/relationships" xmlns:p="http://schemas.openxmlformats.org/presentationml/2006/main">
+  <p:cSld>
+    <p:spTree>
+      <p:nvGrpSpPr>
+        <p:cNvPr id="1" name=""/>
+        <p:cNvGrpSpPr/>
+        <p:nvPr/>
+      </p:nvGrpSpPr>
+      <p:grpSpPr>
+        <a:xfrm>
+          <a:off x="0" y="0"/>
+          <a:ext cx="0" cy="0"/>
+          <a:chOff x="0" y="0"/>
+          <a:chExt cx="0" cy="0"/>
+        </a:xfrm>
+      </p:grpSpPr>
+      <p:sp>
+        <p:nvSpPr>
+          <p:cNvPr id="2" name="Folienbildplatzhalter 1"/>
+          <p:cNvSpPr>
+            <a:spLocks noGrp="1" noRot="1" noChangeAspect="1"/>
+          </p:cNvSpPr>
+          <p:nvPr>
+            <p:ph type="sldImg"/>
+          </p:nvPr>
+        </p:nvSpPr>
+        <p:spPr>
+          <a:xfrm>
+            <a:off x="381000" y="685800"/>
+            <a:ext cx="6096000" cy="3429000"/>
+          </a:xfrm>
+        </p:spPr>
+      </p:sp>
+      <p:sp>
+        <p:nvSpPr>
+          <p:cNvPr id="3" name="Notizenplatzhalter 2"/>
+          <p:cNvSpPr>
+            <a:spLocks noGrp="1"/>
+          </p:cNvSpPr>
+          <p:nvPr>
+            <p:ph type="body" idx="1"/>
+          </p:nvPr>
+        </p:nvSpPr>
+        <p:spPr/>
+        <p:txBody>
+          <a:bodyPr/>
+          <a:lstStyle/>
+          <a:p>
+            <a:r>
+              <a:rPr lang="de-DE" dirty="0"/>
+              <a:t>Dieser bündelt einige Informationen, anhand derer das Fahrzeug überprüfen kann, ob der User tatsächlich zur Nutzung des Fahrzeugs berechtigt ist.</a:t>
+            </a:r>
+          </a:p>
+          <a:p>
+            <a:r>
+              <a:rPr lang="de-DE" dirty="0"/>
+              <a:t>Sobald das Ende der Miete erreicht ist, ist der Schlüssel wieder wirkungslos und das Auto lässt sich nicht mehr öffnen.</a:t>
+            </a:r>
+          </a:p>
+        </p:txBody>
+      </p:sp>
+    </p:spTree>
+    <p:extLst>
+      <p:ext uri="{BB962C8B-B14F-4D97-AF65-F5344CB8AC3E}">
+        <p14:creationId xmlns:p14="http://schemas.microsoft.com/office/powerpoint/2010/main" val="255064321"/>
+      </p:ext>
+    </p:extLst>
+  </p:cSld>
+  <p:clrMapOvr>
+    <a:masterClrMapping/>
+  </p:clrMapOvr>
+</p:notes>
+</file>
+
+<file path=ppt/notesSlides/notesSlide22.xml><?xml version="1.0" encoding="utf-8"?>
+<p:notes xmlns:a="http://schemas.openxmlformats.org/drawingml/2006/main" xmlns:r="http://schemas.openxmlformats.org/officeDocument/2006/relationships" xmlns:p="http://schemas.openxmlformats.org/presentationml/2006/main">
+  <p:cSld>
+    <p:spTree>
+      <p:nvGrpSpPr>
+        <p:cNvPr id="1" name=""/>
+        <p:cNvGrpSpPr/>
+        <p:nvPr/>
+      </p:nvGrpSpPr>
+      <p:grpSpPr>
+        <a:xfrm>
+          <a:off x="0" y="0"/>
+          <a:ext cx="0" cy="0"/>
+          <a:chOff x="0" y="0"/>
+          <a:chExt cx="0" cy="0"/>
+        </a:xfrm>
+      </p:grpSpPr>
+      <p:sp>
+        <p:nvSpPr>
+          <p:cNvPr id="2" name="Folienbildplatzhalter 1"/>
+          <p:cNvSpPr>
+            <a:spLocks noGrp="1" noRot="1" noChangeAspect="1"/>
+          </p:cNvSpPr>
+          <p:nvPr>
+            <p:ph type="sldImg"/>
+          </p:nvPr>
+        </p:nvSpPr>
+        <p:spPr>
+          <a:xfrm>
+            <a:off x="381000" y="685800"/>
+            <a:ext cx="6096000" cy="3429000"/>
+          </a:xfrm>
+        </p:spPr>
+      </p:sp>
+      <p:sp>
+        <p:nvSpPr>
+          <p:cNvPr id="3" name="Notizenplatzhalter 2"/>
+          <p:cNvSpPr>
+            <a:spLocks noGrp="1"/>
+          </p:cNvSpPr>
+          <p:nvPr>
+            <p:ph type="body" idx="1"/>
+          </p:nvPr>
+        </p:nvSpPr>
+        <p:spPr/>
+        <p:txBody>
+          <a:bodyPr/>
+          <a:lstStyle/>
+          <a:p>
+            <a:r>
+              <a:rPr lang="de-DE" dirty="0"/>
+              <a:t>Leider traten bei der Realisierung einige Probleme auf. Die Ethereum-Connector-Bibliothek der Wahl web3j ist in der Android-Version leider noch etwas unausgereift.</a:t>
+            </a:r>
+          </a:p>
+          <a:p>
+            <a:r>
+              <a:rPr lang="de-DE" dirty="0"/>
+              <a:t>So können wir zwar eine Verbindung zu unserer Blockchain herstellen, jedoch schlagen alle Aufrufe der Methoden fehl – es wird stets ein ungültiger oder leerer Rückgabewert geliefert. Wir vermuten, der Fehler liegt unter Anderem in der Portierung der </a:t>
+            </a:r>
+            <a:r>
+              <a:rPr lang="de-DE" dirty="0" err="1"/>
+              <a:t>SmartContracts</a:t>
+            </a:r>
+            <a:r>
+              <a:rPr lang="de-DE" dirty="0"/>
+              <a:t> in Java-Methoden sowie auch an der Bibliothek selbst im Zusammenspiel mit </a:t>
+            </a:r>
+            <a:r>
+              <a:rPr lang="de-DE" dirty="0" err="1"/>
+              <a:t>self-hosted</a:t>
+            </a:r>
+            <a:r>
+              <a:rPr lang="de-DE" dirty="0"/>
+              <a:t> Ethereum Instanzen.</a:t>
+            </a:r>
+          </a:p>
+          <a:p>
+            <a:r>
+              <a:rPr lang="de-DE" dirty="0"/>
+              <a:t>Damit ist leider keine Anbindung der App an die Blockchain möglich gewesen</a:t>
+            </a:r>
+          </a:p>
+          <a:p>
+            <a:r>
+              <a:rPr lang="de-DE" dirty="0"/>
+              <a:t>Alternative Lösungswege wären eine alternative Library – sofern vorhanden, auf einen Bugfix zu warten oder auf ein zentrales Routing über unseren Server auszuweichen, was dem Grundgedanken aber widerspricht. Deshalb und mangels Zeit haben wir bis dato auf diese Alternativen verzichtet und beobachten rege die web3j </a:t>
+            </a:r>
+            <a:r>
+              <a:rPr lang="de-DE" dirty="0" err="1"/>
+              <a:t>github</a:t>
+            </a:r>
+            <a:r>
+              <a:rPr lang="de-DE" dirty="0"/>
+              <a:t> </a:t>
+            </a:r>
+            <a:r>
+              <a:rPr lang="de-DE" dirty="0" err="1"/>
+              <a:t>issues</a:t>
+            </a:r>
+            <a:r>
+              <a:rPr lang="de-DE" dirty="0"/>
+              <a:t>.</a:t>
+            </a:r>
+          </a:p>
+          <a:p>
+            <a:r>
+              <a:rPr lang="de-DE" dirty="0"/>
+              <a:t>Nun aber zum vermutlich spannendsten Teil – wie wir unsere Blockchain umgesetzt haben, erzählt euch nun Basti.</a:t>
+            </a:r>
+          </a:p>
+        </p:txBody>
+      </p:sp>
+    </p:spTree>
+    <p:extLst>
+      <p:ext uri="{BB962C8B-B14F-4D97-AF65-F5344CB8AC3E}">
+        <p14:creationId xmlns:p14="http://schemas.microsoft.com/office/powerpoint/2010/main" val="722521630"/>
+      </p:ext>
+    </p:extLst>
+  </p:cSld>
+  <p:clrMapOvr>
+    <a:masterClrMapping/>
+  </p:clrMapOvr>
+</p:notes>
+</file>
+
+<file path=ppt/notesSlides/notesSlide23.xml><?xml version="1.0" encoding="utf-8"?>
+<p:notes xmlns:a="http://schemas.openxmlformats.org/drawingml/2006/main" xmlns:r="http://schemas.openxmlformats.org/officeDocument/2006/relationships" xmlns:p="http://schemas.openxmlformats.org/presentationml/2006/main" showMasterSp="0" showMasterPhAnim="0">
+  <p:cSld>
+    <p:spTree>
+      <p:nvGrpSpPr>
+        <p:cNvPr id="1" name="Shape 104"/>
+        <p:cNvGrpSpPr/>
+        <p:nvPr/>
+      </p:nvGrpSpPr>
+      <p:grpSpPr>
+        <a:xfrm>
+          <a:off x="0" y="0"/>
+          <a:ext cx="0" cy="0"/>
+          <a:chOff x="0" y="0"/>
+          <a:chExt cx="0" cy="0"/>
+        </a:xfrm>
+      </p:grpSpPr>
+      <p:sp>
+        <p:nvSpPr>
+          <p:cNvPr id="105" name="Google Shape;105;g7459a94ec7_0_45:notes"/>
+          <p:cNvSpPr>
+            <a:spLocks noGrp="1" noRot="1" noChangeAspect="1"/>
+          </p:cNvSpPr>
+          <p:nvPr>
+            <p:ph type="sldImg" idx="2"/>
+          </p:nvPr>
+        </p:nvSpPr>
+        <p:spPr>
+          <a:xfrm>
+            <a:off x="381000" y="685800"/>
+            <a:ext cx="6096000" cy="3429000"/>
+          </a:xfrm>
+          <a:custGeom>
+            <a:avLst/>
+            <a:gdLst/>
+            <a:ahLst/>
+            <a:cxnLst/>
+            <a:rect l="l" t="t" r="r" b="b"/>
+            <a:pathLst>
+              <a:path w="120000" h="120000" extrusionOk="0">
+                <a:moveTo>
+                  <a:pt x="0" y="0"/>
+                </a:moveTo>
+                <a:lnTo>
+                  <a:pt x="120000" y="0"/>
+                </a:lnTo>
+                <a:lnTo>
+                  <a:pt x="120000" y="120000"/>
+                </a:lnTo>
+                <a:lnTo>
+                  <a:pt x="0" y="120000"/>
+                </a:lnTo>
+                <a:close/>
+              </a:path>
+            </a:pathLst>
+          </a:custGeom>
+        </p:spPr>
+      </p:sp>
+      <p:sp>
+        <p:nvSpPr>
+          <p:cNvPr id="106" name="Google Shape;106;g7459a94ec7_0_45:notes"/>
+          <p:cNvSpPr txBox="1">
+            <a:spLocks noGrp="1"/>
+          </p:cNvSpPr>
+          <p:nvPr>
+            <p:ph type="body" idx="1"/>
+          </p:nvPr>
+        </p:nvSpPr>
+        <p:spPr>
+          <a:xfrm>
+            <a:off x="685800" y="4343400"/>
+            <a:ext cx="5486400" cy="4114800"/>
+          </a:xfrm>
+          <a:prstGeom prst="rect">
+            <a:avLst/>
+          </a:prstGeom>
+        </p:spPr>
+        <p:txBody>
+          <a:bodyPr spcFirstLastPara="1" wrap="square" lIns="91425" tIns="91425" rIns="91425" bIns="91425" anchor="t" anchorCtr="0">
+            <a:noAutofit/>
+          </a:bodyPr>
+          <a:lstStyle/>
+          <a:p>
+            <a:pPr marL="0" lvl="0" indent="0" algn="l" rtl="0">
+              <a:spcBef>
+                <a:spcPts val="0"/>
+              </a:spcBef>
+              <a:spcAft>
+                <a:spcPts val="0"/>
+              </a:spcAft>
+              <a:buNone/>
+            </a:pPr>
+            <a:r>
+              <a:rPr lang="de" u="sng">
+                <a:solidFill>
+                  <a:schemeClr val="hlink"/>
+                </a:solidFill>
+                <a:hlinkClick r:id="rId3"/>
+              </a:rPr>
+              <a:t>https://ethereum.org/assets/#black-on-transparent-background</a:t>
+            </a:r>
+            <a:endParaRPr/>
+          </a:p>
+          <a:p>
+            <a:pPr marL="0" lvl="0" indent="0" algn="l" rtl="0">
+              <a:spcBef>
+                <a:spcPts val="0"/>
+              </a:spcBef>
+              <a:spcAft>
+                <a:spcPts val="0"/>
+              </a:spcAft>
+              <a:buNone/>
+            </a:pPr>
+            <a:r>
+              <a:rPr lang="de" u="sng">
+                <a:solidFill>
+                  <a:schemeClr val="hlink"/>
+                </a:solidFill>
+                <a:hlinkClick r:id="rId4"/>
+              </a:rPr>
+              <a:t>https://daiki-sekiguchi.com/2018/08/08/ethereum-what-is-ganache/</a:t>
+            </a:r>
+            <a:endParaRPr/>
+          </a:p>
+          <a:p>
+            <a:pPr marL="0" lvl="0" indent="0" algn="l" rtl="0">
+              <a:spcBef>
+                <a:spcPts val="0"/>
+              </a:spcBef>
+              <a:spcAft>
+                <a:spcPts val="0"/>
+              </a:spcAft>
+              <a:buNone/>
+            </a:pPr>
+            <a:r>
+              <a:rPr lang="de" u="sng">
+                <a:solidFill>
+                  <a:schemeClr val="hlink"/>
+                </a:solidFill>
+                <a:hlinkClick r:id="rId5"/>
+              </a:rPr>
+              <a:t>https://solidity.readthedocs.io/en/v0.6.6/</a:t>
+            </a:r>
+            <a:endParaRPr/>
+          </a:p>
+          <a:p>
+            <a:pPr marL="0" lvl="0" indent="0" algn="l" rtl="0">
+              <a:spcBef>
+                <a:spcPts val="0"/>
+              </a:spcBef>
+              <a:spcAft>
+                <a:spcPts val="0"/>
+              </a:spcAft>
+              <a:buNone/>
+            </a:pPr>
+            <a:endParaRPr/>
+          </a:p>
+          <a:p>
+            <a:pPr marL="0" lvl="0" indent="0" algn="l" rtl="0">
+              <a:spcBef>
+                <a:spcPts val="0"/>
+              </a:spcBef>
+              <a:spcAft>
+                <a:spcPts val="0"/>
+              </a:spcAft>
+              <a:buNone/>
+            </a:pPr>
+            <a:endParaRPr/>
+          </a:p>
+        </p:txBody>
+      </p:sp>
+    </p:spTree>
+  </p:cSld>
+  <p:clrMapOvr>
+    <a:masterClrMapping/>
+  </p:clrMapOvr>
+</p:notes>
+</file>
+
+<file path=ppt/notesSlides/notesSlide24.xml><?xml version="1.0" encoding="utf-8"?>
+<p:notes xmlns:a="http://schemas.openxmlformats.org/drawingml/2006/main" xmlns:r="http://schemas.openxmlformats.org/officeDocument/2006/relationships" xmlns:p="http://schemas.openxmlformats.org/presentationml/2006/main" showMasterSp="0" showMasterPhAnim="0">
+  <p:cSld>
+    <p:spTree>
+      <p:nvGrpSpPr>
+        <p:cNvPr id="1" name="Shape 113"/>
+        <p:cNvGrpSpPr/>
+        <p:nvPr/>
+      </p:nvGrpSpPr>
+      <p:grpSpPr>
+        <a:xfrm>
+          <a:off x="0" y="0"/>
+          <a:ext cx="0" cy="0"/>
+          <a:chOff x="0" y="0"/>
+          <a:chExt cx="0" cy="0"/>
+        </a:xfrm>
+      </p:grpSpPr>
+      <p:sp>
+        <p:nvSpPr>
+          <p:cNvPr id="114" name="Google Shape;114;g7459a94ec7_1_4:notes"/>
+          <p:cNvSpPr>
+            <a:spLocks noGrp="1" noRot="1" noChangeAspect="1"/>
+          </p:cNvSpPr>
+          <p:nvPr>
+            <p:ph type="sldImg" idx="2"/>
+          </p:nvPr>
+        </p:nvSpPr>
+        <p:spPr>
+          <a:xfrm>
+            <a:off x="381000" y="685800"/>
+            <a:ext cx="6096000" cy="3429000"/>
+          </a:xfrm>
+          <a:custGeom>
+            <a:avLst/>
+            <a:gdLst/>
+            <a:ahLst/>
+            <a:cxnLst/>
+            <a:rect l="l" t="t" r="r" b="b"/>
+            <a:pathLst>
+              <a:path w="120000" h="120000" extrusionOk="0">
+                <a:moveTo>
+                  <a:pt x="0" y="0"/>
+                </a:moveTo>
+                <a:lnTo>
+                  <a:pt x="120000" y="0"/>
+                </a:lnTo>
+                <a:lnTo>
+                  <a:pt x="120000" y="120000"/>
+                </a:lnTo>
+                <a:lnTo>
+                  <a:pt x="0" y="120000"/>
+                </a:lnTo>
+                <a:close/>
+              </a:path>
+            </a:pathLst>
+          </a:custGeom>
+        </p:spPr>
+      </p:sp>
+      <p:sp>
+        <p:nvSpPr>
+          <p:cNvPr id="115" name="Google Shape;115;g7459a94ec7_1_4:notes"/>
+          <p:cNvSpPr txBox="1">
+            <a:spLocks noGrp="1"/>
+          </p:cNvSpPr>
+          <p:nvPr>
+            <p:ph type="body" idx="1"/>
+          </p:nvPr>
+        </p:nvSpPr>
+        <p:spPr>
+          <a:xfrm>
+            <a:off x="685800" y="4343400"/>
+            <a:ext cx="5486400" cy="4114800"/>
+          </a:xfrm>
+          <a:prstGeom prst="rect">
+            <a:avLst/>
+          </a:prstGeom>
+        </p:spPr>
+        <p:txBody>
+          <a:bodyPr spcFirstLastPara="1" wrap="square" lIns="91425" tIns="91425" rIns="91425" bIns="91425" anchor="t" anchorCtr="0">
+            <a:noAutofit/>
+          </a:bodyPr>
+          <a:lstStyle/>
+          <a:p>
+            <a:pPr marL="0" lvl="0" indent="0" algn="l" rtl="0">
+              <a:spcBef>
+                <a:spcPts val="0"/>
+              </a:spcBef>
+              <a:spcAft>
+                <a:spcPts val="0"/>
+              </a:spcAft>
+              <a:buNone/>
+            </a:pPr>
+            <a:endParaRPr/>
+          </a:p>
+        </p:txBody>
+      </p:sp>
+    </p:spTree>
+  </p:cSld>
+  <p:clrMapOvr>
+    <a:masterClrMapping/>
+  </p:clrMapOvr>
+</p:notes>
+</file>
+
+<file path=ppt/notesSlides/notesSlide25.xml><?xml version="1.0" encoding="utf-8"?>
 <p:notes xmlns:a="http://schemas.openxmlformats.org/drawingml/2006/main" xmlns:r="http://schemas.openxmlformats.org/officeDocument/2006/relationships" xmlns:p="http://schemas.openxmlformats.org/presentationml/2006/main" showMasterSp="0" showMasterPhAnim="0">
   <p:cSld>
     <p:spTree>
@@ -2459,7 +3311,7 @@
 </p:notes>
 </file>
 
-<file path=ppt/notesSlides/notesSlide21.xml><?xml version="1.0" encoding="utf-8"?>
+<file path=ppt/notesSlides/notesSlide26.xml><?xml version="1.0" encoding="utf-8"?>
 <p:notes xmlns:a="http://schemas.openxmlformats.org/drawingml/2006/main" xmlns:r="http://schemas.openxmlformats.org/officeDocument/2006/relationships" xmlns:p="http://schemas.openxmlformats.org/presentationml/2006/main" showMasterSp="0" showMasterPhAnim="0">
   <p:cSld>
     <p:spTree>
@@ -2563,7 +3415,7 @@
 </p:notes>
 </file>
 
-<file path=ppt/notesSlides/notesSlide22.xml><?xml version="1.0" encoding="utf-8"?>
+<file path=ppt/notesSlides/notesSlide27.xml><?xml version="1.0" encoding="utf-8"?>
 <p:notes xmlns:a="http://schemas.openxmlformats.org/drawingml/2006/main" xmlns:r="http://schemas.openxmlformats.org/officeDocument/2006/relationships" xmlns:p="http://schemas.openxmlformats.org/presentationml/2006/main" showMasterSp="0" showMasterPhAnim="0">
   <p:cSld>
     <p:spTree>
@@ -2667,7 +3519,7 @@
 </p:notes>
 </file>
 
-<file path=ppt/notesSlides/notesSlide23.xml><?xml version="1.0" encoding="utf-8"?>
+<file path=ppt/notesSlides/notesSlide28.xml><?xml version="1.0" encoding="utf-8"?>
 <p:notes xmlns:a="http://schemas.openxmlformats.org/drawingml/2006/main" xmlns:r="http://schemas.openxmlformats.org/officeDocument/2006/relationships" xmlns:p="http://schemas.openxmlformats.org/presentationml/2006/main" showMasterSp="0" showMasterPhAnim="0">
   <p:cSld>
     <p:spTree>
@@ -2771,7 +3623,7 @@
 </p:notes>
 </file>
 
-<file path=ppt/notesSlides/notesSlide24.xml><?xml version="1.0" encoding="utf-8"?>
+<file path=ppt/notesSlides/notesSlide29.xml><?xml version="1.0" encoding="utf-8"?>
 <p:notes xmlns:a="http://schemas.openxmlformats.org/drawingml/2006/main" xmlns:r="http://schemas.openxmlformats.org/officeDocument/2006/relationships" xmlns:p="http://schemas.openxmlformats.org/presentationml/2006/main" showMasterSp="0" showMasterPhAnim="0">
   <p:cSld>
     <p:spTree>
@@ -2832,526 +3684,6 @@
       <p:sp>
         <p:nvSpPr>
           <p:cNvPr id="167" name="Google Shape;167;g7459a94ec7_0_50:notes"/>
-          <p:cNvSpPr txBox="1">
-            <a:spLocks noGrp="1"/>
-          </p:cNvSpPr>
-          <p:nvPr>
-            <p:ph type="body" idx="1"/>
-          </p:nvPr>
-        </p:nvSpPr>
-        <p:spPr>
-          <a:xfrm>
-            <a:off x="685800" y="4343400"/>
-            <a:ext cx="5486400" cy="4114800"/>
-          </a:xfrm>
-          <a:prstGeom prst="rect">
-            <a:avLst/>
-          </a:prstGeom>
-        </p:spPr>
-        <p:txBody>
-          <a:bodyPr spcFirstLastPara="1" wrap="square" lIns="91425" tIns="91425" rIns="91425" bIns="91425" anchor="t" anchorCtr="0">
-            <a:noAutofit/>
-          </a:bodyPr>
-          <a:lstStyle/>
-          <a:p>
-            <a:pPr marL="0" lvl="0" indent="0" algn="l" rtl="0">
-              <a:spcBef>
-                <a:spcPts val="0"/>
-              </a:spcBef>
-              <a:spcAft>
-                <a:spcPts val="0"/>
-              </a:spcAft>
-              <a:buNone/>
-            </a:pPr>
-            <a:endParaRPr/>
-          </a:p>
-        </p:txBody>
-      </p:sp>
-    </p:spTree>
-  </p:cSld>
-  <p:clrMapOvr>
-    <a:masterClrMapping/>
-  </p:clrMapOvr>
-</p:notes>
-</file>
-
-<file path=ppt/notesSlides/notesSlide25.xml><?xml version="1.0" encoding="utf-8"?>
-<p:notes xmlns:a="http://schemas.openxmlformats.org/drawingml/2006/main" xmlns:r="http://schemas.openxmlformats.org/officeDocument/2006/relationships" xmlns:p="http://schemas.openxmlformats.org/presentationml/2006/main" showMasterSp="0" showMasterPhAnim="0">
-  <p:cSld>
-    <p:spTree>
-      <p:nvGrpSpPr>
-        <p:cNvPr id="1" name="Shape 171"/>
-        <p:cNvGrpSpPr/>
-        <p:nvPr/>
-      </p:nvGrpSpPr>
-      <p:grpSpPr>
-        <a:xfrm>
-          <a:off x="0" y="0"/>
-          <a:ext cx="0" cy="0"/>
-          <a:chOff x="0" y="0"/>
-          <a:chExt cx="0" cy="0"/>
-        </a:xfrm>
-      </p:grpSpPr>
-      <p:sp>
-        <p:nvSpPr>
-          <p:cNvPr id="172" name="Google Shape;172;g83e1e28387_3_81:notes"/>
-          <p:cNvSpPr>
-            <a:spLocks noGrp="1" noRot="1" noChangeAspect="1"/>
-          </p:cNvSpPr>
-          <p:nvPr>
-            <p:ph type="sldImg" idx="2"/>
-          </p:nvPr>
-        </p:nvSpPr>
-        <p:spPr>
-          <a:xfrm>
-            <a:off x="381000" y="685800"/>
-            <a:ext cx="6096000" cy="3429000"/>
-          </a:xfrm>
-          <a:custGeom>
-            <a:avLst/>
-            <a:gdLst/>
-            <a:ahLst/>
-            <a:cxnLst/>
-            <a:rect l="l" t="t" r="r" b="b"/>
-            <a:pathLst>
-              <a:path w="120000" h="120000" extrusionOk="0">
-                <a:moveTo>
-                  <a:pt x="0" y="0"/>
-                </a:moveTo>
-                <a:lnTo>
-                  <a:pt x="120000" y="0"/>
-                </a:lnTo>
-                <a:lnTo>
-                  <a:pt x="120000" y="120000"/>
-                </a:lnTo>
-                <a:lnTo>
-                  <a:pt x="0" y="120000"/>
-                </a:lnTo>
-                <a:close/>
-              </a:path>
-            </a:pathLst>
-          </a:custGeom>
-        </p:spPr>
-      </p:sp>
-      <p:sp>
-        <p:nvSpPr>
-          <p:cNvPr id="173" name="Google Shape;173;g83e1e28387_3_81:notes"/>
-          <p:cNvSpPr txBox="1">
-            <a:spLocks noGrp="1"/>
-          </p:cNvSpPr>
-          <p:nvPr>
-            <p:ph type="body" idx="1"/>
-          </p:nvPr>
-        </p:nvSpPr>
-        <p:spPr>
-          <a:xfrm>
-            <a:off x="685800" y="4343400"/>
-            <a:ext cx="5486400" cy="4114800"/>
-          </a:xfrm>
-          <a:prstGeom prst="rect">
-            <a:avLst/>
-          </a:prstGeom>
-        </p:spPr>
-        <p:txBody>
-          <a:bodyPr spcFirstLastPara="1" wrap="square" lIns="91425" tIns="91425" rIns="91425" bIns="91425" anchor="t" anchorCtr="0">
-            <a:noAutofit/>
-          </a:bodyPr>
-          <a:lstStyle/>
-          <a:p>
-            <a:pPr marL="0" lvl="0" indent="0" algn="l" rtl="0">
-              <a:spcBef>
-                <a:spcPts val="0"/>
-              </a:spcBef>
-              <a:spcAft>
-                <a:spcPts val="0"/>
-              </a:spcAft>
-              <a:buNone/>
-            </a:pPr>
-            <a:endParaRPr/>
-          </a:p>
-        </p:txBody>
-      </p:sp>
-    </p:spTree>
-  </p:cSld>
-  <p:clrMapOvr>
-    <a:masterClrMapping/>
-  </p:clrMapOvr>
-</p:notes>
-</file>
-
-<file path=ppt/notesSlides/notesSlide26.xml><?xml version="1.0" encoding="utf-8"?>
-<p:notes xmlns:a="http://schemas.openxmlformats.org/drawingml/2006/main" xmlns:r="http://schemas.openxmlformats.org/officeDocument/2006/relationships" xmlns:p="http://schemas.openxmlformats.org/presentationml/2006/main" showMasterSp="0" showMasterPhAnim="0">
-  <p:cSld>
-    <p:spTree>
-      <p:nvGrpSpPr>
-        <p:cNvPr id="1" name="Shape 179"/>
-        <p:cNvGrpSpPr/>
-        <p:nvPr/>
-      </p:nvGrpSpPr>
-      <p:grpSpPr>
-        <a:xfrm>
-          <a:off x="0" y="0"/>
-          <a:ext cx="0" cy="0"/>
-          <a:chOff x="0" y="0"/>
-          <a:chExt cx="0" cy="0"/>
-        </a:xfrm>
-      </p:grpSpPr>
-      <p:sp>
-        <p:nvSpPr>
-          <p:cNvPr id="180" name="Google Shape;180;g83e1e28387_3_1:notes"/>
-          <p:cNvSpPr>
-            <a:spLocks noGrp="1" noRot="1" noChangeAspect="1"/>
-          </p:cNvSpPr>
-          <p:nvPr>
-            <p:ph type="sldImg" idx="2"/>
-          </p:nvPr>
-        </p:nvSpPr>
-        <p:spPr>
-          <a:xfrm>
-            <a:off x="381000" y="685800"/>
-            <a:ext cx="6096000" cy="3429000"/>
-          </a:xfrm>
-          <a:custGeom>
-            <a:avLst/>
-            <a:gdLst/>
-            <a:ahLst/>
-            <a:cxnLst/>
-            <a:rect l="l" t="t" r="r" b="b"/>
-            <a:pathLst>
-              <a:path w="120000" h="120000" extrusionOk="0">
-                <a:moveTo>
-                  <a:pt x="0" y="0"/>
-                </a:moveTo>
-                <a:lnTo>
-                  <a:pt x="120000" y="0"/>
-                </a:lnTo>
-                <a:lnTo>
-                  <a:pt x="120000" y="120000"/>
-                </a:lnTo>
-                <a:lnTo>
-                  <a:pt x="0" y="120000"/>
-                </a:lnTo>
-                <a:close/>
-              </a:path>
-            </a:pathLst>
-          </a:custGeom>
-        </p:spPr>
-      </p:sp>
-      <p:sp>
-        <p:nvSpPr>
-          <p:cNvPr id="181" name="Google Shape;181;g83e1e28387_3_1:notes"/>
-          <p:cNvSpPr txBox="1">
-            <a:spLocks noGrp="1"/>
-          </p:cNvSpPr>
-          <p:nvPr>
-            <p:ph type="body" idx="1"/>
-          </p:nvPr>
-        </p:nvSpPr>
-        <p:spPr>
-          <a:xfrm>
-            <a:off x="685800" y="4343400"/>
-            <a:ext cx="5486400" cy="4114800"/>
-          </a:xfrm>
-          <a:prstGeom prst="rect">
-            <a:avLst/>
-          </a:prstGeom>
-        </p:spPr>
-        <p:txBody>
-          <a:bodyPr spcFirstLastPara="1" wrap="square" lIns="91425" tIns="91425" rIns="91425" bIns="91425" anchor="t" anchorCtr="0">
-            <a:noAutofit/>
-          </a:bodyPr>
-          <a:lstStyle/>
-          <a:p>
-            <a:pPr marL="0" lvl="0" indent="0" algn="l" rtl="0">
-              <a:spcBef>
-                <a:spcPts val="0"/>
-              </a:spcBef>
-              <a:spcAft>
-                <a:spcPts val="0"/>
-              </a:spcAft>
-              <a:buNone/>
-            </a:pPr>
-            <a:endParaRPr/>
-          </a:p>
-        </p:txBody>
-      </p:sp>
-    </p:spTree>
-  </p:cSld>
-  <p:clrMapOvr>
-    <a:masterClrMapping/>
-  </p:clrMapOvr>
-</p:notes>
-</file>
-
-<file path=ppt/notesSlides/notesSlide27.xml><?xml version="1.0" encoding="utf-8"?>
-<p:notes xmlns:a="http://schemas.openxmlformats.org/drawingml/2006/main" xmlns:r="http://schemas.openxmlformats.org/officeDocument/2006/relationships" xmlns:p="http://schemas.openxmlformats.org/presentationml/2006/main" showMasterSp="0" showMasterPhAnim="0">
-  <p:cSld>
-    <p:spTree>
-      <p:nvGrpSpPr>
-        <p:cNvPr id="1" name="Shape 187"/>
-        <p:cNvGrpSpPr/>
-        <p:nvPr/>
-      </p:nvGrpSpPr>
-      <p:grpSpPr>
-        <a:xfrm>
-          <a:off x="0" y="0"/>
-          <a:ext cx="0" cy="0"/>
-          <a:chOff x="0" y="0"/>
-          <a:chExt cx="0" cy="0"/>
-        </a:xfrm>
-      </p:grpSpPr>
-      <p:sp>
-        <p:nvSpPr>
-          <p:cNvPr id="188" name="Google Shape;188;g83e1e28387_3_64:notes"/>
-          <p:cNvSpPr>
-            <a:spLocks noGrp="1" noRot="1" noChangeAspect="1"/>
-          </p:cNvSpPr>
-          <p:nvPr>
-            <p:ph type="sldImg" idx="2"/>
-          </p:nvPr>
-        </p:nvSpPr>
-        <p:spPr>
-          <a:xfrm>
-            <a:off x="381000" y="685800"/>
-            <a:ext cx="6096000" cy="3429000"/>
-          </a:xfrm>
-          <a:custGeom>
-            <a:avLst/>
-            <a:gdLst/>
-            <a:ahLst/>
-            <a:cxnLst/>
-            <a:rect l="l" t="t" r="r" b="b"/>
-            <a:pathLst>
-              <a:path w="120000" h="120000" extrusionOk="0">
-                <a:moveTo>
-                  <a:pt x="0" y="0"/>
-                </a:moveTo>
-                <a:lnTo>
-                  <a:pt x="120000" y="0"/>
-                </a:lnTo>
-                <a:lnTo>
-                  <a:pt x="120000" y="120000"/>
-                </a:lnTo>
-                <a:lnTo>
-                  <a:pt x="0" y="120000"/>
-                </a:lnTo>
-                <a:close/>
-              </a:path>
-            </a:pathLst>
-          </a:custGeom>
-        </p:spPr>
-      </p:sp>
-      <p:sp>
-        <p:nvSpPr>
-          <p:cNvPr id="189" name="Google Shape;189;g83e1e28387_3_64:notes"/>
-          <p:cNvSpPr txBox="1">
-            <a:spLocks noGrp="1"/>
-          </p:cNvSpPr>
-          <p:nvPr>
-            <p:ph type="body" idx="1"/>
-          </p:nvPr>
-        </p:nvSpPr>
-        <p:spPr>
-          <a:xfrm>
-            <a:off x="685800" y="4343400"/>
-            <a:ext cx="5486400" cy="4114800"/>
-          </a:xfrm>
-          <a:prstGeom prst="rect">
-            <a:avLst/>
-          </a:prstGeom>
-        </p:spPr>
-        <p:txBody>
-          <a:bodyPr spcFirstLastPara="1" wrap="square" lIns="91425" tIns="91425" rIns="91425" bIns="91425" anchor="t" anchorCtr="0">
-            <a:noAutofit/>
-          </a:bodyPr>
-          <a:lstStyle/>
-          <a:p>
-            <a:pPr marL="0" lvl="0" indent="0" algn="l" rtl="0">
-              <a:spcBef>
-                <a:spcPts val="0"/>
-              </a:spcBef>
-              <a:spcAft>
-                <a:spcPts val="0"/>
-              </a:spcAft>
-              <a:buNone/>
-            </a:pPr>
-            <a:endParaRPr/>
-          </a:p>
-        </p:txBody>
-      </p:sp>
-    </p:spTree>
-  </p:cSld>
-  <p:clrMapOvr>
-    <a:masterClrMapping/>
-  </p:clrMapOvr>
-</p:notes>
-</file>
-
-<file path=ppt/notesSlides/notesSlide28.xml><?xml version="1.0" encoding="utf-8"?>
-<p:notes xmlns:a="http://schemas.openxmlformats.org/drawingml/2006/main" xmlns:r="http://schemas.openxmlformats.org/officeDocument/2006/relationships" xmlns:p="http://schemas.openxmlformats.org/presentationml/2006/main" showMasterSp="0" showMasterPhAnim="0">
-  <p:cSld>
-    <p:spTree>
-      <p:nvGrpSpPr>
-        <p:cNvPr id="1" name="Shape 194"/>
-        <p:cNvGrpSpPr/>
-        <p:nvPr/>
-      </p:nvGrpSpPr>
-      <p:grpSpPr>
-        <a:xfrm>
-          <a:off x="0" y="0"/>
-          <a:ext cx="0" cy="0"/>
-          <a:chOff x="0" y="0"/>
-          <a:chExt cx="0" cy="0"/>
-        </a:xfrm>
-      </p:grpSpPr>
-      <p:sp>
-        <p:nvSpPr>
-          <p:cNvPr id="195" name="Google Shape;195;g83e1e28387_3_6:notes"/>
-          <p:cNvSpPr>
-            <a:spLocks noGrp="1" noRot="1" noChangeAspect="1"/>
-          </p:cNvSpPr>
-          <p:nvPr>
-            <p:ph type="sldImg" idx="2"/>
-          </p:nvPr>
-        </p:nvSpPr>
-        <p:spPr>
-          <a:xfrm>
-            <a:off x="381000" y="685800"/>
-            <a:ext cx="6096000" cy="3429000"/>
-          </a:xfrm>
-          <a:custGeom>
-            <a:avLst/>
-            <a:gdLst/>
-            <a:ahLst/>
-            <a:cxnLst/>
-            <a:rect l="l" t="t" r="r" b="b"/>
-            <a:pathLst>
-              <a:path w="120000" h="120000" extrusionOk="0">
-                <a:moveTo>
-                  <a:pt x="0" y="0"/>
-                </a:moveTo>
-                <a:lnTo>
-                  <a:pt x="120000" y="0"/>
-                </a:lnTo>
-                <a:lnTo>
-                  <a:pt x="120000" y="120000"/>
-                </a:lnTo>
-                <a:lnTo>
-                  <a:pt x="0" y="120000"/>
-                </a:lnTo>
-                <a:close/>
-              </a:path>
-            </a:pathLst>
-          </a:custGeom>
-        </p:spPr>
-      </p:sp>
-      <p:sp>
-        <p:nvSpPr>
-          <p:cNvPr id="196" name="Google Shape;196;g83e1e28387_3_6:notes"/>
-          <p:cNvSpPr txBox="1">
-            <a:spLocks noGrp="1"/>
-          </p:cNvSpPr>
-          <p:nvPr>
-            <p:ph type="body" idx="1"/>
-          </p:nvPr>
-        </p:nvSpPr>
-        <p:spPr>
-          <a:xfrm>
-            <a:off x="685800" y="4343400"/>
-            <a:ext cx="5486400" cy="4114800"/>
-          </a:xfrm>
-          <a:prstGeom prst="rect">
-            <a:avLst/>
-          </a:prstGeom>
-        </p:spPr>
-        <p:txBody>
-          <a:bodyPr spcFirstLastPara="1" wrap="square" lIns="91425" tIns="91425" rIns="91425" bIns="91425" anchor="t" anchorCtr="0">
-            <a:noAutofit/>
-          </a:bodyPr>
-          <a:lstStyle/>
-          <a:p>
-            <a:pPr marL="0" lvl="0" indent="0" algn="l" rtl="0">
-              <a:spcBef>
-                <a:spcPts val="0"/>
-              </a:spcBef>
-              <a:spcAft>
-                <a:spcPts val="0"/>
-              </a:spcAft>
-              <a:buNone/>
-            </a:pPr>
-            <a:endParaRPr/>
-          </a:p>
-        </p:txBody>
-      </p:sp>
-    </p:spTree>
-  </p:cSld>
-  <p:clrMapOvr>
-    <a:masterClrMapping/>
-  </p:clrMapOvr>
-</p:notes>
-</file>
-
-<file path=ppt/notesSlides/notesSlide29.xml><?xml version="1.0" encoding="utf-8"?>
-<p:notes xmlns:a="http://schemas.openxmlformats.org/drawingml/2006/main" xmlns:r="http://schemas.openxmlformats.org/officeDocument/2006/relationships" xmlns:p="http://schemas.openxmlformats.org/presentationml/2006/main" showMasterSp="0" showMasterPhAnim="0">
-  <p:cSld>
-    <p:spTree>
-      <p:nvGrpSpPr>
-        <p:cNvPr id="1" name="Shape 201"/>
-        <p:cNvGrpSpPr/>
-        <p:nvPr/>
-      </p:nvGrpSpPr>
-      <p:grpSpPr>
-        <a:xfrm>
-          <a:off x="0" y="0"/>
-          <a:ext cx="0" cy="0"/>
-          <a:chOff x="0" y="0"/>
-          <a:chExt cx="0" cy="0"/>
-        </a:xfrm>
-      </p:grpSpPr>
-      <p:sp>
-        <p:nvSpPr>
-          <p:cNvPr id="202" name="Google Shape;202;g7459a94ec7_0_55:notes"/>
-          <p:cNvSpPr>
-            <a:spLocks noGrp="1" noRot="1" noChangeAspect="1"/>
-          </p:cNvSpPr>
-          <p:nvPr>
-            <p:ph type="sldImg" idx="2"/>
-          </p:nvPr>
-        </p:nvSpPr>
-        <p:spPr>
-          <a:xfrm>
-            <a:off x="381000" y="685800"/>
-            <a:ext cx="6096000" cy="3429000"/>
-          </a:xfrm>
-          <a:custGeom>
-            <a:avLst/>
-            <a:gdLst/>
-            <a:ahLst/>
-            <a:cxnLst/>
-            <a:rect l="l" t="t" r="r" b="b"/>
-            <a:pathLst>
-              <a:path w="120000" h="120000" extrusionOk="0">
-                <a:moveTo>
-                  <a:pt x="0" y="0"/>
-                </a:moveTo>
-                <a:lnTo>
-                  <a:pt x="120000" y="0"/>
-                </a:lnTo>
-                <a:lnTo>
-                  <a:pt x="120000" y="120000"/>
-                </a:lnTo>
-                <a:lnTo>
-                  <a:pt x="0" y="120000"/>
-                </a:lnTo>
-                <a:close/>
-              </a:path>
-            </a:pathLst>
-          </a:custGeom>
-        </p:spPr>
-      </p:sp>
-      <p:sp>
-        <p:nvSpPr>
-          <p:cNvPr id="203" name="Google Shape;203;g7459a94ec7_0_55:notes"/>
           <p:cNvSpPr txBox="1">
             <a:spLocks noGrp="1"/>
           </p:cNvSpPr>
@@ -3487,7 +3819,33 @@
               </a:spcAft>
               <a:buNone/>
             </a:pPr>
-            <a:endParaRPr/>
+            <a:r>
+              <a:rPr lang="de-DE" dirty="0"/>
+              <a:t>Zunächst aber nun zur Aufgabe:</a:t>
+            </a:r>
+            <a:br>
+              <a:rPr lang="de-DE" dirty="0"/>
+            </a:br>
+            <a:r>
+              <a:rPr lang="de-DE" dirty="0"/>
+              <a:t>Im groben Rahmen, war gewünscht, dass wir Mietvorgänge über die Blockchain verwalten.</a:t>
+            </a:r>
+          </a:p>
+          <a:p>
+            <a:pPr marL="0" lvl="0" indent="0" algn="l" rtl="0">
+              <a:spcBef>
+                <a:spcPts val="0"/>
+              </a:spcBef>
+              <a:spcAft>
+                <a:spcPts val="0"/>
+              </a:spcAft>
+              <a:buNone/>
+            </a:pPr>
+            <a:r>
+              <a:rPr lang="de-DE" dirty="0"/>
+              <a:t>Nach der anfänglichen Idee, Wohnungen oder Häuser entsprechend zu vermieten, hatten wir uns entschlossen, auf Fahrzeuge umzuschwenken und mit unserem Projekt „Carsharing via Blockchain“ zu erfinden.</a:t>
+            </a:r>
+            <a:endParaRPr dirty="0"/>
           </a:p>
         </p:txBody>
       </p:sp>
@@ -3500,6 +3858,526 @@
 </file>
 
 <file path=ppt/notesSlides/notesSlide30.xml><?xml version="1.0" encoding="utf-8"?>
+<p:notes xmlns:a="http://schemas.openxmlformats.org/drawingml/2006/main" xmlns:r="http://schemas.openxmlformats.org/officeDocument/2006/relationships" xmlns:p="http://schemas.openxmlformats.org/presentationml/2006/main" showMasterSp="0" showMasterPhAnim="0">
+  <p:cSld>
+    <p:spTree>
+      <p:nvGrpSpPr>
+        <p:cNvPr id="1" name="Shape 171"/>
+        <p:cNvGrpSpPr/>
+        <p:nvPr/>
+      </p:nvGrpSpPr>
+      <p:grpSpPr>
+        <a:xfrm>
+          <a:off x="0" y="0"/>
+          <a:ext cx="0" cy="0"/>
+          <a:chOff x="0" y="0"/>
+          <a:chExt cx="0" cy="0"/>
+        </a:xfrm>
+      </p:grpSpPr>
+      <p:sp>
+        <p:nvSpPr>
+          <p:cNvPr id="172" name="Google Shape;172;g83e1e28387_3_81:notes"/>
+          <p:cNvSpPr>
+            <a:spLocks noGrp="1" noRot="1" noChangeAspect="1"/>
+          </p:cNvSpPr>
+          <p:nvPr>
+            <p:ph type="sldImg" idx="2"/>
+          </p:nvPr>
+        </p:nvSpPr>
+        <p:spPr>
+          <a:xfrm>
+            <a:off x="381000" y="685800"/>
+            <a:ext cx="6096000" cy="3429000"/>
+          </a:xfrm>
+          <a:custGeom>
+            <a:avLst/>
+            <a:gdLst/>
+            <a:ahLst/>
+            <a:cxnLst/>
+            <a:rect l="l" t="t" r="r" b="b"/>
+            <a:pathLst>
+              <a:path w="120000" h="120000" extrusionOk="0">
+                <a:moveTo>
+                  <a:pt x="0" y="0"/>
+                </a:moveTo>
+                <a:lnTo>
+                  <a:pt x="120000" y="0"/>
+                </a:lnTo>
+                <a:lnTo>
+                  <a:pt x="120000" y="120000"/>
+                </a:lnTo>
+                <a:lnTo>
+                  <a:pt x="0" y="120000"/>
+                </a:lnTo>
+                <a:close/>
+              </a:path>
+            </a:pathLst>
+          </a:custGeom>
+        </p:spPr>
+      </p:sp>
+      <p:sp>
+        <p:nvSpPr>
+          <p:cNvPr id="173" name="Google Shape;173;g83e1e28387_3_81:notes"/>
+          <p:cNvSpPr txBox="1">
+            <a:spLocks noGrp="1"/>
+          </p:cNvSpPr>
+          <p:nvPr>
+            <p:ph type="body" idx="1"/>
+          </p:nvPr>
+        </p:nvSpPr>
+        <p:spPr>
+          <a:xfrm>
+            <a:off x="685800" y="4343400"/>
+            <a:ext cx="5486400" cy="4114800"/>
+          </a:xfrm>
+          <a:prstGeom prst="rect">
+            <a:avLst/>
+          </a:prstGeom>
+        </p:spPr>
+        <p:txBody>
+          <a:bodyPr spcFirstLastPara="1" wrap="square" lIns="91425" tIns="91425" rIns="91425" bIns="91425" anchor="t" anchorCtr="0">
+            <a:noAutofit/>
+          </a:bodyPr>
+          <a:lstStyle/>
+          <a:p>
+            <a:pPr marL="0" lvl="0" indent="0" algn="l" rtl="0">
+              <a:spcBef>
+                <a:spcPts val="0"/>
+              </a:spcBef>
+              <a:spcAft>
+                <a:spcPts val="0"/>
+              </a:spcAft>
+              <a:buNone/>
+            </a:pPr>
+            <a:endParaRPr/>
+          </a:p>
+        </p:txBody>
+      </p:sp>
+    </p:spTree>
+  </p:cSld>
+  <p:clrMapOvr>
+    <a:masterClrMapping/>
+  </p:clrMapOvr>
+</p:notes>
+</file>
+
+<file path=ppt/notesSlides/notesSlide31.xml><?xml version="1.0" encoding="utf-8"?>
+<p:notes xmlns:a="http://schemas.openxmlformats.org/drawingml/2006/main" xmlns:r="http://schemas.openxmlformats.org/officeDocument/2006/relationships" xmlns:p="http://schemas.openxmlformats.org/presentationml/2006/main" showMasterSp="0" showMasterPhAnim="0">
+  <p:cSld>
+    <p:spTree>
+      <p:nvGrpSpPr>
+        <p:cNvPr id="1" name="Shape 179"/>
+        <p:cNvGrpSpPr/>
+        <p:nvPr/>
+      </p:nvGrpSpPr>
+      <p:grpSpPr>
+        <a:xfrm>
+          <a:off x="0" y="0"/>
+          <a:ext cx="0" cy="0"/>
+          <a:chOff x="0" y="0"/>
+          <a:chExt cx="0" cy="0"/>
+        </a:xfrm>
+      </p:grpSpPr>
+      <p:sp>
+        <p:nvSpPr>
+          <p:cNvPr id="180" name="Google Shape;180;g83e1e28387_3_1:notes"/>
+          <p:cNvSpPr>
+            <a:spLocks noGrp="1" noRot="1" noChangeAspect="1"/>
+          </p:cNvSpPr>
+          <p:nvPr>
+            <p:ph type="sldImg" idx="2"/>
+          </p:nvPr>
+        </p:nvSpPr>
+        <p:spPr>
+          <a:xfrm>
+            <a:off x="381000" y="685800"/>
+            <a:ext cx="6096000" cy="3429000"/>
+          </a:xfrm>
+          <a:custGeom>
+            <a:avLst/>
+            <a:gdLst/>
+            <a:ahLst/>
+            <a:cxnLst/>
+            <a:rect l="l" t="t" r="r" b="b"/>
+            <a:pathLst>
+              <a:path w="120000" h="120000" extrusionOk="0">
+                <a:moveTo>
+                  <a:pt x="0" y="0"/>
+                </a:moveTo>
+                <a:lnTo>
+                  <a:pt x="120000" y="0"/>
+                </a:lnTo>
+                <a:lnTo>
+                  <a:pt x="120000" y="120000"/>
+                </a:lnTo>
+                <a:lnTo>
+                  <a:pt x="0" y="120000"/>
+                </a:lnTo>
+                <a:close/>
+              </a:path>
+            </a:pathLst>
+          </a:custGeom>
+        </p:spPr>
+      </p:sp>
+      <p:sp>
+        <p:nvSpPr>
+          <p:cNvPr id="181" name="Google Shape;181;g83e1e28387_3_1:notes"/>
+          <p:cNvSpPr txBox="1">
+            <a:spLocks noGrp="1"/>
+          </p:cNvSpPr>
+          <p:nvPr>
+            <p:ph type="body" idx="1"/>
+          </p:nvPr>
+        </p:nvSpPr>
+        <p:spPr>
+          <a:xfrm>
+            <a:off x="685800" y="4343400"/>
+            <a:ext cx="5486400" cy="4114800"/>
+          </a:xfrm>
+          <a:prstGeom prst="rect">
+            <a:avLst/>
+          </a:prstGeom>
+        </p:spPr>
+        <p:txBody>
+          <a:bodyPr spcFirstLastPara="1" wrap="square" lIns="91425" tIns="91425" rIns="91425" bIns="91425" anchor="t" anchorCtr="0">
+            <a:noAutofit/>
+          </a:bodyPr>
+          <a:lstStyle/>
+          <a:p>
+            <a:pPr marL="0" lvl="0" indent="0" algn="l" rtl="0">
+              <a:spcBef>
+                <a:spcPts val="0"/>
+              </a:spcBef>
+              <a:spcAft>
+                <a:spcPts val="0"/>
+              </a:spcAft>
+              <a:buNone/>
+            </a:pPr>
+            <a:endParaRPr/>
+          </a:p>
+        </p:txBody>
+      </p:sp>
+    </p:spTree>
+  </p:cSld>
+  <p:clrMapOvr>
+    <a:masterClrMapping/>
+  </p:clrMapOvr>
+</p:notes>
+</file>
+
+<file path=ppt/notesSlides/notesSlide32.xml><?xml version="1.0" encoding="utf-8"?>
+<p:notes xmlns:a="http://schemas.openxmlformats.org/drawingml/2006/main" xmlns:r="http://schemas.openxmlformats.org/officeDocument/2006/relationships" xmlns:p="http://schemas.openxmlformats.org/presentationml/2006/main" showMasterSp="0" showMasterPhAnim="0">
+  <p:cSld>
+    <p:spTree>
+      <p:nvGrpSpPr>
+        <p:cNvPr id="1" name="Shape 187"/>
+        <p:cNvGrpSpPr/>
+        <p:nvPr/>
+      </p:nvGrpSpPr>
+      <p:grpSpPr>
+        <a:xfrm>
+          <a:off x="0" y="0"/>
+          <a:ext cx="0" cy="0"/>
+          <a:chOff x="0" y="0"/>
+          <a:chExt cx="0" cy="0"/>
+        </a:xfrm>
+      </p:grpSpPr>
+      <p:sp>
+        <p:nvSpPr>
+          <p:cNvPr id="188" name="Google Shape;188;g83e1e28387_3_64:notes"/>
+          <p:cNvSpPr>
+            <a:spLocks noGrp="1" noRot="1" noChangeAspect="1"/>
+          </p:cNvSpPr>
+          <p:nvPr>
+            <p:ph type="sldImg" idx="2"/>
+          </p:nvPr>
+        </p:nvSpPr>
+        <p:spPr>
+          <a:xfrm>
+            <a:off x="381000" y="685800"/>
+            <a:ext cx="6096000" cy="3429000"/>
+          </a:xfrm>
+          <a:custGeom>
+            <a:avLst/>
+            <a:gdLst/>
+            <a:ahLst/>
+            <a:cxnLst/>
+            <a:rect l="l" t="t" r="r" b="b"/>
+            <a:pathLst>
+              <a:path w="120000" h="120000" extrusionOk="0">
+                <a:moveTo>
+                  <a:pt x="0" y="0"/>
+                </a:moveTo>
+                <a:lnTo>
+                  <a:pt x="120000" y="0"/>
+                </a:lnTo>
+                <a:lnTo>
+                  <a:pt x="120000" y="120000"/>
+                </a:lnTo>
+                <a:lnTo>
+                  <a:pt x="0" y="120000"/>
+                </a:lnTo>
+                <a:close/>
+              </a:path>
+            </a:pathLst>
+          </a:custGeom>
+        </p:spPr>
+      </p:sp>
+      <p:sp>
+        <p:nvSpPr>
+          <p:cNvPr id="189" name="Google Shape;189;g83e1e28387_3_64:notes"/>
+          <p:cNvSpPr txBox="1">
+            <a:spLocks noGrp="1"/>
+          </p:cNvSpPr>
+          <p:nvPr>
+            <p:ph type="body" idx="1"/>
+          </p:nvPr>
+        </p:nvSpPr>
+        <p:spPr>
+          <a:xfrm>
+            <a:off x="685800" y="4343400"/>
+            <a:ext cx="5486400" cy="4114800"/>
+          </a:xfrm>
+          <a:prstGeom prst="rect">
+            <a:avLst/>
+          </a:prstGeom>
+        </p:spPr>
+        <p:txBody>
+          <a:bodyPr spcFirstLastPara="1" wrap="square" lIns="91425" tIns="91425" rIns="91425" bIns="91425" anchor="t" anchorCtr="0">
+            <a:noAutofit/>
+          </a:bodyPr>
+          <a:lstStyle/>
+          <a:p>
+            <a:pPr marL="0" lvl="0" indent="0" algn="l" rtl="0">
+              <a:spcBef>
+                <a:spcPts val="0"/>
+              </a:spcBef>
+              <a:spcAft>
+                <a:spcPts val="0"/>
+              </a:spcAft>
+              <a:buNone/>
+            </a:pPr>
+            <a:endParaRPr/>
+          </a:p>
+        </p:txBody>
+      </p:sp>
+    </p:spTree>
+  </p:cSld>
+  <p:clrMapOvr>
+    <a:masterClrMapping/>
+  </p:clrMapOvr>
+</p:notes>
+</file>
+
+<file path=ppt/notesSlides/notesSlide33.xml><?xml version="1.0" encoding="utf-8"?>
+<p:notes xmlns:a="http://schemas.openxmlformats.org/drawingml/2006/main" xmlns:r="http://schemas.openxmlformats.org/officeDocument/2006/relationships" xmlns:p="http://schemas.openxmlformats.org/presentationml/2006/main" showMasterSp="0" showMasterPhAnim="0">
+  <p:cSld>
+    <p:spTree>
+      <p:nvGrpSpPr>
+        <p:cNvPr id="1" name="Shape 194"/>
+        <p:cNvGrpSpPr/>
+        <p:nvPr/>
+      </p:nvGrpSpPr>
+      <p:grpSpPr>
+        <a:xfrm>
+          <a:off x="0" y="0"/>
+          <a:ext cx="0" cy="0"/>
+          <a:chOff x="0" y="0"/>
+          <a:chExt cx="0" cy="0"/>
+        </a:xfrm>
+      </p:grpSpPr>
+      <p:sp>
+        <p:nvSpPr>
+          <p:cNvPr id="195" name="Google Shape;195;g83e1e28387_3_6:notes"/>
+          <p:cNvSpPr>
+            <a:spLocks noGrp="1" noRot="1" noChangeAspect="1"/>
+          </p:cNvSpPr>
+          <p:nvPr>
+            <p:ph type="sldImg" idx="2"/>
+          </p:nvPr>
+        </p:nvSpPr>
+        <p:spPr>
+          <a:xfrm>
+            <a:off x="381000" y="685800"/>
+            <a:ext cx="6096000" cy="3429000"/>
+          </a:xfrm>
+          <a:custGeom>
+            <a:avLst/>
+            <a:gdLst/>
+            <a:ahLst/>
+            <a:cxnLst/>
+            <a:rect l="l" t="t" r="r" b="b"/>
+            <a:pathLst>
+              <a:path w="120000" h="120000" extrusionOk="0">
+                <a:moveTo>
+                  <a:pt x="0" y="0"/>
+                </a:moveTo>
+                <a:lnTo>
+                  <a:pt x="120000" y="0"/>
+                </a:lnTo>
+                <a:lnTo>
+                  <a:pt x="120000" y="120000"/>
+                </a:lnTo>
+                <a:lnTo>
+                  <a:pt x="0" y="120000"/>
+                </a:lnTo>
+                <a:close/>
+              </a:path>
+            </a:pathLst>
+          </a:custGeom>
+        </p:spPr>
+      </p:sp>
+      <p:sp>
+        <p:nvSpPr>
+          <p:cNvPr id="196" name="Google Shape;196;g83e1e28387_3_6:notes"/>
+          <p:cNvSpPr txBox="1">
+            <a:spLocks noGrp="1"/>
+          </p:cNvSpPr>
+          <p:nvPr>
+            <p:ph type="body" idx="1"/>
+          </p:nvPr>
+        </p:nvSpPr>
+        <p:spPr>
+          <a:xfrm>
+            <a:off x="685800" y="4343400"/>
+            <a:ext cx="5486400" cy="4114800"/>
+          </a:xfrm>
+          <a:prstGeom prst="rect">
+            <a:avLst/>
+          </a:prstGeom>
+        </p:spPr>
+        <p:txBody>
+          <a:bodyPr spcFirstLastPara="1" wrap="square" lIns="91425" tIns="91425" rIns="91425" bIns="91425" anchor="t" anchorCtr="0">
+            <a:noAutofit/>
+          </a:bodyPr>
+          <a:lstStyle/>
+          <a:p>
+            <a:pPr marL="0" lvl="0" indent="0" algn="l" rtl="0">
+              <a:spcBef>
+                <a:spcPts val="0"/>
+              </a:spcBef>
+              <a:spcAft>
+                <a:spcPts val="0"/>
+              </a:spcAft>
+              <a:buNone/>
+            </a:pPr>
+            <a:endParaRPr/>
+          </a:p>
+        </p:txBody>
+      </p:sp>
+    </p:spTree>
+  </p:cSld>
+  <p:clrMapOvr>
+    <a:masterClrMapping/>
+  </p:clrMapOvr>
+</p:notes>
+</file>
+
+<file path=ppt/notesSlides/notesSlide34.xml><?xml version="1.0" encoding="utf-8"?>
+<p:notes xmlns:a="http://schemas.openxmlformats.org/drawingml/2006/main" xmlns:r="http://schemas.openxmlformats.org/officeDocument/2006/relationships" xmlns:p="http://schemas.openxmlformats.org/presentationml/2006/main" showMasterSp="0" showMasterPhAnim="0">
+  <p:cSld>
+    <p:spTree>
+      <p:nvGrpSpPr>
+        <p:cNvPr id="1" name="Shape 201"/>
+        <p:cNvGrpSpPr/>
+        <p:nvPr/>
+      </p:nvGrpSpPr>
+      <p:grpSpPr>
+        <a:xfrm>
+          <a:off x="0" y="0"/>
+          <a:ext cx="0" cy="0"/>
+          <a:chOff x="0" y="0"/>
+          <a:chExt cx="0" cy="0"/>
+        </a:xfrm>
+      </p:grpSpPr>
+      <p:sp>
+        <p:nvSpPr>
+          <p:cNvPr id="202" name="Google Shape;202;g7459a94ec7_0_55:notes"/>
+          <p:cNvSpPr>
+            <a:spLocks noGrp="1" noRot="1" noChangeAspect="1"/>
+          </p:cNvSpPr>
+          <p:nvPr>
+            <p:ph type="sldImg" idx="2"/>
+          </p:nvPr>
+        </p:nvSpPr>
+        <p:spPr>
+          <a:xfrm>
+            <a:off x="381000" y="685800"/>
+            <a:ext cx="6096000" cy="3429000"/>
+          </a:xfrm>
+          <a:custGeom>
+            <a:avLst/>
+            <a:gdLst/>
+            <a:ahLst/>
+            <a:cxnLst/>
+            <a:rect l="l" t="t" r="r" b="b"/>
+            <a:pathLst>
+              <a:path w="120000" h="120000" extrusionOk="0">
+                <a:moveTo>
+                  <a:pt x="0" y="0"/>
+                </a:moveTo>
+                <a:lnTo>
+                  <a:pt x="120000" y="0"/>
+                </a:lnTo>
+                <a:lnTo>
+                  <a:pt x="120000" y="120000"/>
+                </a:lnTo>
+                <a:lnTo>
+                  <a:pt x="0" y="120000"/>
+                </a:lnTo>
+                <a:close/>
+              </a:path>
+            </a:pathLst>
+          </a:custGeom>
+        </p:spPr>
+      </p:sp>
+      <p:sp>
+        <p:nvSpPr>
+          <p:cNvPr id="203" name="Google Shape;203;g7459a94ec7_0_55:notes"/>
+          <p:cNvSpPr txBox="1">
+            <a:spLocks noGrp="1"/>
+          </p:cNvSpPr>
+          <p:nvPr>
+            <p:ph type="body" idx="1"/>
+          </p:nvPr>
+        </p:nvSpPr>
+        <p:spPr>
+          <a:xfrm>
+            <a:off x="685800" y="4343400"/>
+            <a:ext cx="5486400" cy="4114800"/>
+          </a:xfrm>
+          <a:prstGeom prst="rect">
+            <a:avLst/>
+          </a:prstGeom>
+        </p:spPr>
+        <p:txBody>
+          <a:bodyPr spcFirstLastPara="1" wrap="square" lIns="91425" tIns="91425" rIns="91425" bIns="91425" anchor="t" anchorCtr="0">
+            <a:noAutofit/>
+          </a:bodyPr>
+          <a:lstStyle/>
+          <a:p>
+            <a:pPr marL="0" lvl="0" indent="0" algn="l" rtl="0">
+              <a:spcBef>
+                <a:spcPts val="0"/>
+              </a:spcBef>
+              <a:spcAft>
+                <a:spcPts val="0"/>
+              </a:spcAft>
+              <a:buNone/>
+            </a:pPr>
+            <a:endParaRPr/>
+          </a:p>
+        </p:txBody>
+      </p:sp>
+    </p:spTree>
+  </p:cSld>
+  <p:clrMapOvr>
+    <a:masterClrMapping/>
+  </p:clrMapOvr>
+</p:notes>
+</file>
+
+<file path=ppt/notesSlides/notesSlide35.xml><?xml version="1.0" encoding="utf-8"?>
 <p:notes xmlns:a="http://schemas.openxmlformats.org/drawingml/2006/main" xmlns:r="http://schemas.openxmlformats.org/officeDocument/2006/relationships" xmlns:p="http://schemas.openxmlformats.org/presentationml/2006/main" showMasterSp="0" showMasterPhAnim="0">
   <p:cSld>
     <p:spTree>
@@ -3603,7 +4481,7 @@
 </p:notes>
 </file>
 
-<file path=ppt/notesSlides/notesSlide31.xml><?xml version="1.0" encoding="utf-8"?>
+<file path=ppt/notesSlides/notesSlide36.xml><?xml version="1.0" encoding="utf-8"?>
 <p:notes xmlns:a="http://schemas.openxmlformats.org/drawingml/2006/main" xmlns:r="http://schemas.openxmlformats.org/officeDocument/2006/relationships" xmlns:p="http://schemas.openxmlformats.org/presentationml/2006/main" showMasterSp="0" showMasterPhAnim="0">
   <p:cSld>
     <p:spTree>
@@ -3695,7 +4573,79 @@
               </a:spcAft>
               <a:buNone/>
             </a:pPr>
-            <a:endParaRPr/>
+            <a:r>
+              <a:rPr lang="de-DE" dirty="0"/>
+              <a:t>Damit ist unsere Architektur weitestgehend komplett.</a:t>
+            </a:r>
+          </a:p>
+          <a:p>
+            <a:pPr marL="0" lvl="0" indent="0" algn="l" rtl="0">
+              <a:spcBef>
+                <a:spcPts val="0"/>
+              </a:spcBef>
+              <a:spcAft>
+                <a:spcPts val="0"/>
+              </a:spcAft>
+              <a:buNone/>
+            </a:pPr>
+            <a:r>
+              <a:rPr lang="de-DE" dirty="0"/>
+              <a:t>Der Stand ist damit zusammengefasst:</a:t>
+            </a:r>
+          </a:p>
+          <a:p>
+            <a:pPr marL="0" lvl="0" indent="0" algn="l" rtl="0">
+              <a:spcBef>
+                <a:spcPts val="0"/>
+              </a:spcBef>
+              <a:spcAft>
+                <a:spcPts val="0"/>
+              </a:spcAft>
+              <a:buNone/>
+            </a:pPr>
+            <a:r>
+              <a:rPr lang="de-DE" dirty="0"/>
+              <a:t>Blockchain, Image Server und Car-Provisionierung funktionieren sehr gut, </a:t>
+            </a:r>
+          </a:p>
+          <a:p>
+            <a:pPr marL="0" lvl="0" indent="0" algn="l" rtl="0">
+              <a:spcBef>
+                <a:spcPts val="0"/>
+              </a:spcBef>
+              <a:spcAft>
+                <a:spcPts val="0"/>
+              </a:spcAft>
+              <a:buNone/>
+            </a:pPr>
+            <a:r>
+              <a:rPr lang="de-DE" dirty="0"/>
+              <a:t>die App ist an sich bereit – kann aber aktuell leider och nicht an die Blockchain angebunden werden.</a:t>
+            </a:r>
+          </a:p>
+          <a:p>
+            <a:pPr marL="0" lvl="0" indent="0" algn="l" rtl="0">
+              <a:spcBef>
+                <a:spcPts val="0"/>
+              </a:spcBef>
+              <a:spcAft>
+                <a:spcPts val="0"/>
+              </a:spcAft>
+              <a:buNone/>
+            </a:pPr>
+            <a:r>
+              <a:rPr lang="de-DE" dirty="0"/>
+              <a:t>Nichtsdestotrotz zeigt euch Nils nun nochmal, wie </a:t>
+            </a:r>
+            <a:r>
+              <a:rPr lang="de-DE" dirty="0" err="1"/>
+              <a:t>carchain</a:t>
+            </a:r>
+            <a:r>
+              <a:rPr lang="de-DE" dirty="0"/>
+              <a:t> in der Praxis aussehen würde und wie es funktioniert:</a:t>
+            </a:r>
+            <a:endParaRPr dirty="0"/>
           </a:p>
         </p:txBody>
       </p:sp>
@@ -3707,7 +4657,7 @@
 </p:notes>
 </file>
 
-<file path=ppt/notesSlides/notesSlide32.xml><?xml version="1.0" encoding="utf-8"?>
+<file path=ppt/notesSlides/notesSlide37.xml><?xml version="1.0" encoding="utf-8"?>
 <p:notes xmlns:a="http://schemas.openxmlformats.org/drawingml/2006/main" xmlns:r="http://schemas.openxmlformats.org/officeDocument/2006/relationships" xmlns:p="http://schemas.openxmlformats.org/presentationml/2006/main" showMasterSp="0" showMasterPhAnim="0">
   <p:cSld>
     <p:spTree>
@@ -3811,7 +4761,7 @@
 </p:notes>
 </file>
 
-<file path=ppt/notesSlides/notesSlide33.xml><?xml version="1.0" encoding="utf-8"?>
+<file path=ppt/notesSlides/notesSlide38.xml><?xml version="1.0" encoding="utf-8"?>
 <p:notes xmlns:a="http://schemas.openxmlformats.org/drawingml/2006/main" xmlns:r="http://schemas.openxmlformats.org/officeDocument/2006/relationships" xmlns:p="http://schemas.openxmlformats.org/presentationml/2006/main" showMasterSp="0" showMasterPhAnim="0">
   <p:cSld>
     <p:spTree>
@@ -3903,11 +4853,130 @@
               </a:spcAft>
               <a:buNone/>
             </a:pPr>
-            <a:endParaRPr/>
+            <a:r>
+              <a:rPr lang="de-DE" dirty="0"/>
+              <a:t>Danke Nils. Zusammengefasst: </a:t>
+            </a:r>
+            <a:r>
+              <a:rPr lang="de-DE" dirty="0" err="1"/>
+              <a:t>Carchain</a:t>
+            </a:r>
+            <a:r>
+              <a:rPr lang="de-DE" dirty="0"/>
+              <a:t> war ein sehr interessantes wenn auch nicht triviales Projekt. Es war einiges an Denk-, Recherche und Implementierungsaufwand nötig.</a:t>
+            </a:r>
+          </a:p>
+          <a:p>
+            <a:pPr marL="0" lvl="0" indent="0" algn="l" rtl="0">
+              <a:spcBef>
+                <a:spcPts val="0"/>
+              </a:spcBef>
+              <a:spcAft>
+                <a:spcPts val="0"/>
+              </a:spcAft>
+              <a:buNone/>
+            </a:pPr>
+            <a:r>
+              <a:rPr lang="de-DE" dirty="0"/>
+              <a:t>Die Blockchain ist eine sehr spannende Technologie, aber aktuell ist vieles noch nicht vollständig ausgereift, es finden sich regelmäßig diverse Stolperfallen.</a:t>
+            </a:r>
+          </a:p>
+          <a:p>
+            <a:pPr marL="0" lvl="0" indent="0" algn="l" rtl="0">
+              <a:spcBef>
+                <a:spcPts val="0"/>
+              </a:spcBef>
+              <a:spcAft>
+                <a:spcPts val="0"/>
+              </a:spcAft>
+              <a:buNone/>
+            </a:pPr>
+            <a:r>
+              <a:rPr lang="de-DE" dirty="0"/>
+              <a:t>Die Umsetzung und Implementierung von innovativen Projekten ist daher aktuell noch etwas schwieriger, nicht zuletzt auch durch das komplexere Debugging.</a:t>
+            </a:r>
+            <a:endParaRPr dirty="0"/>
           </a:p>
         </p:txBody>
       </p:sp>
     </p:spTree>
+  </p:cSld>
+  <p:clrMapOvr>
+    <a:masterClrMapping/>
+  </p:clrMapOvr>
+</p:notes>
+</file>
+
+<file path=ppt/notesSlides/notesSlide39.xml><?xml version="1.0" encoding="utf-8"?>
+<p:notes xmlns:a="http://schemas.openxmlformats.org/drawingml/2006/main" xmlns:r="http://schemas.openxmlformats.org/officeDocument/2006/relationships" xmlns:p="http://schemas.openxmlformats.org/presentationml/2006/main">
+  <p:cSld>
+    <p:spTree>
+      <p:nvGrpSpPr>
+        <p:cNvPr id="1" name=""/>
+        <p:cNvGrpSpPr/>
+        <p:nvPr/>
+      </p:nvGrpSpPr>
+      <p:grpSpPr>
+        <a:xfrm>
+          <a:off x="0" y="0"/>
+          <a:ext cx="0" cy="0"/>
+          <a:chOff x="0" y="0"/>
+          <a:chExt cx="0" cy="0"/>
+        </a:xfrm>
+      </p:grpSpPr>
+      <p:sp>
+        <p:nvSpPr>
+          <p:cNvPr id="2" name="Folienbildplatzhalter 1"/>
+          <p:cNvSpPr>
+            <a:spLocks noGrp="1" noRot="1" noChangeAspect="1"/>
+          </p:cNvSpPr>
+          <p:nvPr>
+            <p:ph type="sldImg"/>
+          </p:nvPr>
+        </p:nvSpPr>
+        <p:spPr>
+          <a:xfrm>
+            <a:off x="381000" y="685800"/>
+            <a:ext cx="6096000" cy="3429000"/>
+          </a:xfrm>
+        </p:spPr>
+      </p:sp>
+      <p:sp>
+        <p:nvSpPr>
+          <p:cNvPr id="3" name="Notizenplatzhalter 2"/>
+          <p:cNvSpPr>
+            <a:spLocks noGrp="1"/>
+          </p:cNvSpPr>
+          <p:nvPr>
+            <p:ph type="body" idx="1"/>
+          </p:nvPr>
+        </p:nvSpPr>
+        <p:spPr/>
+        <p:txBody>
+          <a:bodyPr/>
+          <a:lstStyle/>
+          <a:p>
+            <a:r>
+              <a:rPr lang="de-DE" dirty="0"/>
+              <a:t>Wir bedanken uns für ihr Interesse und freuen uns, wenn auch Sie bald ihr nächstes Auto vertrauensvoll über </a:t>
+            </a:r>
+            <a:r>
+              <a:rPr lang="de-DE" dirty="0" err="1"/>
+              <a:t>carchain</a:t>
+            </a:r>
+            <a:r>
+              <a:rPr lang="de-DE" dirty="0"/>
+              <a:t> mieten können. Dankeschön!</a:t>
+            </a:r>
+          </a:p>
+        </p:txBody>
+      </p:sp>
+    </p:spTree>
+    <p:extLst>
+      <p:ext uri="{BB962C8B-B14F-4D97-AF65-F5344CB8AC3E}">
+        <p14:creationId xmlns:p14="http://schemas.microsoft.com/office/powerpoint/2010/main" val="3415304219"/>
+      </p:ext>
+    </p:extLst>
   </p:cSld>
   <p:clrMapOvr>
     <a:masterClrMapping/>
@@ -3997,6 +5066,113 @@
             <a:noAutofit/>
           </a:bodyPr>
           <a:lstStyle/>
+          <a:p>
+            <a:pPr marL="0" lvl="0" indent="0" algn="l" rtl="0">
+              <a:spcBef>
+                <a:spcPts val="0"/>
+              </a:spcBef>
+              <a:spcAft>
+                <a:spcPts val="0"/>
+              </a:spcAft>
+              <a:buNone/>
+            </a:pPr>
+            <a:r>
+              <a:rPr lang="de-DE" dirty="0"/>
+              <a:t>Die Idee ist recht offensichtlich:</a:t>
+            </a:r>
+          </a:p>
+          <a:p>
+            <a:pPr marL="0" lvl="0" indent="0" algn="l" rtl="0">
+              <a:spcBef>
+                <a:spcPts val="0"/>
+              </a:spcBef>
+              <a:spcAft>
+                <a:spcPts val="0"/>
+              </a:spcAft>
+              <a:buNone/>
+            </a:pPr>
+            <a:r>
+              <a:rPr lang="de-DE" dirty="0"/>
+              <a:t>Bob ist Mediziner und mit der aktuellen Lage sehr beschäftigt und quasi täglich im  Labor.</a:t>
+            </a:r>
+          </a:p>
+          <a:p>
+            <a:pPr marL="0" lvl="0" indent="0" algn="l" rtl="0">
+              <a:spcBef>
+                <a:spcPts val="0"/>
+              </a:spcBef>
+              <a:spcAft>
+                <a:spcPts val="0"/>
+              </a:spcAft>
+              <a:buNone/>
+            </a:pPr>
+            <a:r>
+              <a:rPr lang="de-DE" dirty="0"/>
+              <a:t>Alice ist gerade im </a:t>
+            </a:r>
+            <a:r>
+              <a:rPr lang="de-DE" dirty="0" err="1"/>
+              <a:t>HomeOffice</a:t>
+            </a:r>
+            <a:r>
+              <a:rPr lang="de-DE" dirty="0"/>
+              <a:t> und muss ab und zu einkaufen – besitzt aber kein Auto.</a:t>
+            </a:r>
+          </a:p>
+          <a:p>
+            <a:pPr marL="0" lvl="0" indent="0" algn="l" rtl="0">
+              <a:spcBef>
+                <a:spcPts val="0"/>
+              </a:spcBef>
+              <a:spcAft>
+                <a:spcPts val="0"/>
+              </a:spcAft>
+              <a:buNone/>
+            </a:pPr>
+            <a:r>
+              <a:rPr lang="de-DE" dirty="0"/>
+              <a:t>Wie kann Alice trotzdem einkaufen?</a:t>
+            </a:r>
+          </a:p>
+          <a:p>
+            <a:pPr marL="0" lvl="0" indent="0" algn="l" rtl="0">
+              <a:spcBef>
+                <a:spcPts val="0"/>
+              </a:spcBef>
+              <a:spcAft>
+                <a:spcPts val="0"/>
+              </a:spcAft>
+              <a:buNone/>
+            </a:pPr>
+            <a:endParaRPr lang="de-DE" dirty="0"/>
+          </a:p>
+          <a:p>
+            <a:pPr marL="0" lvl="0" indent="0" algn="l" rtl="0">
+              <a:spcBef>
+                <a:spcPts val="0"/>
+              </a:spcBef>
+              <a:spcAft>
+                <a:spcPts val="0"/>
+              </a:spcAft>
+              <a:buNone/>
+            </a:pPr>
+            <a:r>
+              <a:rPr lang="de-DE" dirty="0"/>
+              <a:t>Da Bob sein Auto im Labor gerade nicht regelmäßig benötigt, *KLICK*</a:t>
+            </a:r>
+          </a:p>
+          <a:p>
+            <a:pPr marL="0" lvl="0" indent="0" algn="l" rtl="0">
+              <a:spcBef>
+                <a:spcPts val="0"/>
+              </a:spcBef>
+              <a:spcAft>
+                <a:spcPts val="0"/>
+              </a:spcAft>
+              <a:buNone/>
+            </a:pPr>
+            <a:endParaRPr lang="de-DE" dirty="0"/>
+          </a:p>
           <a:p>
             <a:pPr marL="0" lvl="0" indent="0" algn="l" rtl="0">
               <a:spcBef>
@@ -4184,6 +5360,92 @@
             <a:noAutofit/>
           </a:bodyPr>
           <a:lstStyle/>
+          <a:p>
+            <a:pPr marL="0" lvl="0" indent="0" algn="l" rtl="0">
+              <a:spcBef>
+                <a:spcPts val="0"/>
+              </a:spcBef>
+              <a:spcAft>
+                <a:spcPts val="0"/>
+              </a:spcAft>
+              <a:buNone/>
+            </a:pPr>
+            <a:r>
+              <a:rPr lang="de-DE" dirty="0"/>
+              <a:t>zückt er sein Handy und bietet es kurzerhand auf dieser coolen neuen Plattform „</a:t>
+            </a:r>
+            <a:r>
+              <a:rPr lang="de-DE" dirty="0" err="1"/>
+              <a:t>carchain</a:t>
+            </a:r>
+            <a:r>
+              <a:rPr lang="de-DE" dirty="0"/>
+              <a:t>“ an. Dazu gibt er die Daten des Fahrzeugs und den gewünschten Preis ein. </a:t>
+            </a:r>
+          </a:p>
+          <a:p>
+            <a:pPr marL="0" lvl="0" indent="0" algn="l" rtl="0">
+              <a:spcBef>
+                <a:spcPts val="0"/>
+              </a:spcBef>
+              <a:spcAft>
+                <a:spcPts val="0"/>
+              </a:spcAft>
+              <a:buNone/>
+            </a:pPr>
+            <a:r>
+              <a:rPr lang="de-DE" dirty="0"/>
+              <a:t>Die Daten werden in der Blockchain gespeichert *klick* – </a:t>
+            </a:r>
+          </a:p>
+          <a:p>
+            <a:pPr marL="0" lvl="0" indent="0" algn="l" rtl="0">
+              <a:spcBef>
+                <a:spcPts val="0"/>
+              </a:spcBef>
+              <a:spcAft>
+                <a:spcPts val="0"/>
+              </a:spcAft>
+              <a:buNone/>
+            </a:pPr>
+            <a:endParaRPr lang="de-DE" dirty="0"/>
+          </a:p>
+          <a:p>
+            <a:pPr marL="0" lvl="0" indent="0" algn="l" rtl="0">
+              <a:spcBef>
+                <a:spcPts val="0"/>
+              </a:spcBef>
+              <a:spcAft>
+                <a:spcPts val="0"/>
+              </a:spcAft>
+              <a:buNone/>
+            </a:pPr>
+            <a:endParaRPr lang="de-DE" dirty="0"/>
+          </a:p>
+          <a:p>
+            <a:pPr marL="0" lvl="0" indent="0" algn="l" rtl="0">
+              <a:spcBef>
+                <a:spcPts val="0"/>
+              </a:spcBef>
+              <a:spcAft>
+                <a:spcPts val="0"/>
+              </a:spcAft>
+              <a:buNone/>
+            </a:pPr>
+            <a:endParaRPr lang="de-DE" dirty="0"/>
+          </a:p>
+          <a:p>
+            <a:pPr marL="0" lvl="0" indent="0" algn="l" rtl="0">
+              <a:spcBef>
+                <a:spcPts val="0"/>
+              </a:spcBef>
+              <a:spcAft>
+                <a:spcPts val="0"/>
+              </a:spcAft>
+              <a:buNone/>
+            </a:pPr>
+            <a:endParaRPr lang="de-DE" dirty="0"/>
+          </a:p>
           <a:p>
             <a:pPr marL="0" lvl="0" indent="0" algn="l" rtl="0">
               <a:spcBef>
@@ -4388,6 +5650,72 @@
             </a:pPr>
             <a:r>
               <a:rPr lang="de-DE" dirty="0"/>
+              <a:t>das Auto ist jetzt bereit! Nun kann Alice wiederum auf ihrem Smartphone Bobs Auto finden.</a:t>
+            </a:r>
+          </a:p>
+          <a:p>
+            <a:pPr marL="0" lvl="0" indent="0" algn="l" rtl="0">
+              <a:spcBef>
+                <a:spcPts val="0"/>
+              </a:spcBef>
+              <a:spcAft>
+                <a:spcPts val="0"/>
+              </a:spcAft>
+              <a:buNone/>
+            </a:pPr>
+            <a:r>
+              <a:rPr lang="de-DE" dirty="0"/>
+              <a:t>Da Sie immer noch einkaufen muss, mietet sie das Auto für 2 Stunden und transferiert den erforderlichen Betrag. *klick*</a:t>
+            </a:r>
+          </a:p>
+          <a:p>
+            <a:pPr marL="0" lvl="0" indent="0" algn="l" rtl="0">
+              <a:spcBef>
+                <a:spcPts val="0"/>
+              </a:spcBef>
+              <a:spcAft>
+                <a:spcPts val="0"/>
+              </a:spcAft>
+              <a:buNone/>
+            </a:pPr>
+            <a:endParaRPr lang="de-DE" dirty="0"/>
+          </a:p>
+          <a:p>
+            <a:pPr marL="0" lvl="0" indent="0" algn="l" rtl="0">
+              <a:spcBef>
+                <a:spcPts val="0"/>
+              </a:spcBef>
+              <a:spcAft>
+                <a:spcPts val="0"/>
+              </a:spcAft>
+              <a:buNone/>
+            </a:pPr>
+            <a:endParaRPr lang="de-DE" dirty="0"/>
+          </a:p>
+          <a:p>
+            <a:pPr marL="0" lvl="0" indent="0" algn="l" rtl="0">
+              <a:spcBef>
+                <a:spcPts val="0"/>
+              </a:spcBef>
+              <a:spcAft>
+                <a:spcPts val="0"/>
+              </a:spcAft>
+              <a:buNone/>
+            </a:pPr>
+            <a:endParaRPr lang="de-DE" dirty="0"/>
+          </a:p>
+          <a:p>
+            <a:pPr marL="0" lvl="0" indent="0" algn="l" rtl="0">
+              <a:spcBef>
+                <a:spcPts val="0"/>
+              </a:spcBef>
+              <a:spcAft>
+                <a:spcPts val="0"/>
+              </a:spcAft>
+              <a:buNone/>
+            </a:pPr>
+            <a:r>
+              <a:rPr lang="de-DE" dirty="0"/>
               <a:t>(Idee mit Piktogrammen &amp; Animationen)</a:t>
             </a:r>
             <a:br>
@@ -4569,6 +5897,80 @@
           </a:bodyPr>
           <a:lstStyle/>
           <a:p>
+            <a:pPr marL="0" marR="0" lvl="0" indent="0" algn="l" defTabSz="914400" rtl="0" eaLnBrk="1" fontAlgn="auto" latinLnBrk="0" hangingPunct="1">
+              <a:lnSpc>
+                <a:spcPct val="100000"/>
+              </a:lnSpc>
+              <a:spcBef>
+                <a:spcPts val="0"/>
+              </a:spcBef>
+              <a:spcAft>
+                <a:spcPts val="0"/>
+              </a:spcAft>
+              <a:buClr>
+                <a:srgbClr val="000000"/>
+              </a:buClr>
+              <a:buSzPts val="1100"/>
+              <a:buFont typeface="Arial"/>
+              <a:buNone/>
+              <a:tabLst/>
+              <a:defRPr/>
+            </a:pPr>
+            <a:r>
+              <a:rPr lang="de-DE" dirty="0"/>
+              <a:t>Sie bekommt nun Zugriff auf das Fahrzeug – der digitale Autoschlüssel in ihrer App ist freigeschalten.</a:t>
+            </a:r>
+          </a:p>
+          <a:p>
+            <a:pPr marL="0" marR="0" lvl="0" indent="0" algn="l" defTabSz="914400" rtl="0" eaLnBrk="1" fontAlgn="auto" latinLnBrk="0" hangingPunct="1">
+              <a:lnSpc>
+                <a:spcPct val="100000"/>
+              </a:lnSpc>
+              <a:spcBef>
+                <a:spcPts val="0"/>
+              </a:spcBef>
+              <a:spcAft>
+                <a:spcPts val="0"/>
+              </a:spcAft>
+              <a:buClr>
+                <a:srgbClr val="000000"/>
+              </a:buClr>
+              <a:buSzPts val="1100"/>
+              <a:buFont typeface="Arial"/>
+              <a:buNone/>
+              <a:tabLst/>
+              <a:defRPr/>
+            </a:pPr>
+            <a:r>
+              <a:rPr lang="de-DE" dirty="0"/>
+              <a:t>Mit ihrem Smartphone geht Alice zum Auto *klick*</a:t>
+            </a:r>
+          </a:p>
+          <a:p>
+            <a:pPr marL="0" lvl="0" indent="0" algn="l" rtl="0">
+              <a:spcBef>
+                <a:spcPts val="0"/>
+              </a:spcBef>
+              <a:spcAft>
+                <a:spcPts val="0"/>
+              </a:spcAft>
+              <a:buNone/>
+            </a:pPr>
+            <a:endParaRPr lang="de-DE" dirty="0"/>
+          </a:p>
+          <a:p>
+            <a:pPr marL="0" lvl="0" indent="0" algn="l" rtl="0">
+              <a:spcBef>
+                <a:spcPts val="0"/>
+              </a:spcBef>
+              <a:spcAft>
+                <a:spcPts val="0"/>
+              </a:spcAft>
+              <a:buNone/>
+            </a:pPr>
+            <a:endParaRPr lang="de-DE" dirty="0"/>
+          </a:p>
+          <a:p>
             <a:pPr marL="0" lvl="0" indent="0" algn="l" rtl="0">
               <a:spcBef>
                 <a:spcPts val="0"/>
@@ -4772,6 +6174,57 @@
             </a:pPr>
             <a:r>
               <a:rPr lang="de-DE" dirty="0"/>
+              <a:t>Und lässt den generierten QR-Code von einer im Auto angebrachten Kamera auslesen.</a:t>
+            </a:r>
+          </a:p>
+          <a:p>
+            <a:pPr marL="0" lvl="0" indent="0" algn="l" rtl="0">
+              <a:spcBef>
+                <a:spcPts val="0"/>
+              </a:spcBef>
+              <a:spcAft>
+                <a:spcPts val="0"/>
+              </a:spcAft>
+              <a:buNone/>
+            </a:pPr>
+            <a:endParaRPr lang="de-DE" dirty="0"/>
+          </a:p>
+          <a:p>
+            <a:pPr marL="0" lvl="0" indent="0" algn="l" rtl="0">
+              <a:spcBef>
+                <a:spcPts val="0"/>
+              </a:spcBef>
+              <a:spcAft>
+                <a:spcPts val="0"/>
+              </a:spcAft>
+              <a:buNone/>
+            </a:pPr>
+            <a:endParaRPr lang="de-DE" dirty="0"/>
+          </a:p>
+          <a:p>
+            <a:pPr marL="0" lvl="0" indent="0" algn="l" rtl="0">
+              <a:spcBef>
+                <a:spcPts val="0"/>
+              </a:spcBef>
+              <a:spcAft>
+                <a:spcPts val="0"/>
+              </a:spcAft>
+              <a:buNone/>
+            </a:pPr>
+            <a:endParaRPr lang="de-DE" dirty="0"/>
+          </a:p>
+          <a:p>
+            <a:pPr marL="0" lvl="0" indent="0" algn="l" rtl="0">
+              <a:spcBef>
+                <a:spcPts val="0"/>
+              </a:spcBef>
+              <a:spcAft>
+                <a:spcPts val="0"/>
+              </a:spcAft>
+              <a:buNone/>
+            </a:pPr>
+            <a:r>
+              <a:rPr lang="de-DE" dirty="0"/>
               <a:t>(Idee mit Piktogrammen &amp; Animationen)</a:t>
             </a:r>
             <a:br>
@@ -4952,6 +6405,45 @@
             <a:noAutofit/>
           </a:bodyPr>
           <a:lstStyle/>
+          <a:p>
+            <a:pPr marL="0" lvl="0" indent="0" algn="l" rtl="0">
+              <a:spcBef>
+                <a:spcPts val="0"/>
+              </a:spcBef>
+              <a:spcAft>
+                <a:spcPts val="0"/>
+              </a:spcAft>
+              <a:buNone/>
+            </a:pPr>
+            <a:r>
+              <a:rPr lang="de-DE" dirty="0"/>
+              <a:t>Jetzt kann Alice einsteigen, und sich auf den Weg machen.</a:t>
+            </a:r>
+          </a:p>
+          <a:p>
+            <a:pPr marL="0" lvl="0" indent="0" algn="l" rtl="0">
+              <a:spcBef>
+                <a:spcPts val="0"/>
+              </a:spcBef>
+              <a:spcAft>
+                <a:spcPts val="0"/>
+              </a:spcAft>
+              <a:buNone/>
+            </a:pPr>
+            <a:endParaRPr lang="de-DE" dirty="0"/>
+          </a:p>
+          <a:p>
+            <a:pPr marL="0" lvl="0" indent="0" algn="l" rtl="0">
+              <a:spcBef>
+                <a:spcPts val="0"/>
+              </a:spcBef>
+              <a:spcAft>
+                <a:spcPts val="0"/>
+              </a:spcAft>
+              <a:buNone/>
+            </a:pPr>
+            <a:endParaRPr lang="de-DE" dirty="0"/>
+          </a:p>
           <a:p>
             <a:pPr marL="0" lvl="0" indent="0" algn="l" rtl="0">
               <a:spcBef>
@@ -14079,7 +15571,7 @@
           <p:nvPr/>
         </p:nvPicPr>
         <p:blipFill>
-          <a:blip r:embed="rId2"/>
+          <a:blip r:embed="rId3"/>
           <a:stretch>
             <a:fillRect/>
           </a:stretch>
@@ -14232,7 +15724,7 @@
           <p:nvPr/>
         </p:nvPicPr>
         <p:blipFill>
-          <a:blip r:embed="rId2"/>
+          <a:blip r:embed="rId3"/>
           <a:srcRect/>
           <a:stretch/>
         </p:blipFill>
@@ -14261,7 +15753,7 @@
           <p:nvPr/>
         </p:nvPicPr>
         <p:blipFill>
-          <a:blip r:embed="rId3"/>
+          <a:blip r:embed="rId4"/>
           <a:srcRect/>
           <a:stretch/>
         </p:blipFill>
@@ -14413,7 +15905,7 @@
           <p:nvPr/>
         </p:nvPicPr>
         <p:blipFill>
-          <a:blip r:embed="rId2"/>
+          <a:blip r:embed="rId3"/>
           <a:srcRect/>
           <a:stretch/>
         </p:blipFill>
@@ -14569,7 +16061,7 @@
           <p:nvPr/>
         </p:nvPicPr>
         <p:blipFill>
-          <a:blip r:embed="rId2"/>
+          <a:blip r:embed="rId3"/>
           <a:srcRect/>
           <a:stretch/>
         </p:blipFill>
@@ -20842,7 +22334,7 @@
                                           </p:stCondLst>
                                         </p:cTn>
                                         <p:tgtEl>
-                                          <p:spTgt spid="31"/>
+                                          <p:spTgt spid="3"/>
                                         </p:tgtEl>
                                         <p:attrNameLst>
                                           <p:attrName>style.visibility</p:attrName>
@@ -20856,6 +22348,59 @@
                                       <p:cBhvr>
                                         <p:cTn id="18" dur="500"/>
                                         <p:tgtEl>
+                                          <p:spTgt spid="3"/>
+                                        </p:tgtEl>
+                                      </p:cBhvr>
+                                    </p:animEffect>
+                                  </p:childTnLst>
+                                </p:cTn>
+                              </p:par>
+                            </p:childTnLst>
+                          </p:cTn>
+                        </p:par>
+                      </p:childTnLst>
+                    </p:cTn>
+                  </p:par>
+                  <p:par>
+                    <p:cTn id="19" fill="hold">
+                      <p:stCondLst>
+                        <p:cond delay="indefinite"/>
+                      </p:stCondLst>
+                      <p:childTnLst>
+                        <p:par>
+                          <p:cTn id="20" fill="hold">
+                            <p:stCondLst>
+                              <p:cond delay="0"/>
+                            </p:stCondLst>
+                            <p:childTnLst>
+                              <p:par>
+                                <p:cTn id="21" presetID="10" presetClass="entr" presetSubtype="0" fill="hold" nodeType="clickEffect">
+                                  <p:stCondLst>
+                                    <p:cond delay="0"/>
+                                  </p:stCondLst>
+                                  <p:childTnLst>
+                                    <p:set>
+                                      <p:cBhvr>
+                                        <p:cTn id="22" dur="1" fill="hold">
+                                          <p:stCondLst>
+                                            <p:cond delay="0"/>
+                                          </p:stCondLst>
+                                        </p:cTn>
+                                        <p:tgtEl>
+                                          <p:spTgt spid="31"/>
+                                        </p:tgtEl>
+                                        <p:attrNameLst>
+                                          <p:attrName>style.visibility</p:attrName>
+                                        </p:attrNameLst>
+                                      </p:cBhvr>
+                                      <p:to>
+                                        <p:strVal val="visible"/>
+                                      </p:to>
+                                    </p:set>
+                                    <p:animEffect transition="in" filter="fade">
+                                      <p:cBhvr>
+                                        <p:cTn id="23" dur="500"/>
+                                        <p:tgtEl>
                                           <p:spTgt spid="31"/>
                                         </p:tgtEl>
                                       </p:cBhvr>
@@ -20864,14 +22409,14 @@
                                 </p:cTn>
                               </p:par>
                               <p:par>
-                                <p:cTn id="19" presetID="10" presetClass="entr" presetSubtype="0" fill="hold" nodeType="withEffect">
+                                <p:cTn id="24" presetID="10" presetClass="entr" presetSubtype="0" fill="hold" nodeType="withEffect">
                                   <p:stCondLst>
                                     <p:cond delay="0"/>
                                   </p:stCondLst>
                                   <p:childTnLst>
                                     <p:set>
                                       <p:cBhvr>
-                                        <p:cTn id="20" dur="1" fill="hold">
+                                        <p:cTn id="25" dur="1" fill="hold">
                                           <p:stCondLst>
                                             <p:cond delay="0"/>
                                           </p:stCondLst>
@@ -20889,62 +22434,9 @@
                                     </p:set>
                                     <p:animEffect transition="in" filter="fade">
                                       <p:cBhvr>
-                                        <p:cTn id="21" dur="500"/>
+                                        <p:cTn id="26" dur="500"/>
                                         <p:tgtEl>
                                           <p:spTgt spid="15"/>
-                                        </p:tgtEl>
-                                      </p:cBhvr>
-                                    </p:animEffect>
-                                  </p:childTnLst>
-                                </p:cTn>
-                              </p:par>
-                            </p:childTnLst>
-                          </p:cTn>
-                        </p:par>
-                      </p:childTnLst>
-                    </p:cTn>
-                  </p:par>
-                  <p:par>
-                    <p:cTn id="22" fill="hold">
-                      <p:stCondLst>
-                        <p:cond delay="indefinite"/>
-                      </p:stCondLst>
-                      <p:childTnLst>
-                        <p:par>
-                          <p:cTn id="23" fill="hold">
-                            <p:stCondLst>
-                              <p:cond delay="0"/>
-                            </p:stCondLst>
-                            <p:childTnLst>
-                              <p:par>
-                                <p:cTn id="24" presetID="10" presetClass="entr" presetSubtype="0" fill="hold" nodeType="clickEffect">
-                                  <p:stCondLst>
-                                    <p:cond delay="0"/>
-                                  </p:stCondLst>
-                                  <p:childTnLst>
-                                    <p:set>
-                                      <p:cBhvr>
-                                        <p:cTn id="25" dur="1" fill="hold">
-                                          <p:stCondLst>
-                                            <p:cond delay="0"/>
-                                          </p:stCondLst>
-                                        </p:cTn>
-                                        <p:tgtEl>
-                                          <p:spTgt spid="3"/>
-                                        </p:tgtEl>
-                                        <p:attrNameLst>
-                                          <p:attrName>style.visibility</p:attrName>
-                                        </p:attrNameLst>
-                                      </p:cBhvr>
-                                      <p:to>
-                                        <p:strVal val="visible"/>
-                                      </p:to>
-                                    </p:set>
-                                    <p:animEffect transition="in" filter="fade">
-                                      <p:cBhvr>
-                                        <p:cTn id="26" dur="500"/>
-                                        <p:tgtEl>
-                                          <p:spTgt spid="3"/>
                                         </p:tgtEl>
                                       </p:cBhvr>
                                     </p:animEffect>

--- a/Präsentation/PräsiCarchain/Carchain Präsentation.pptx
+++ b/Präsentation/PräsiCarchain/Carchain Präsentation.pptx
@@ -5174,7 +5174,7 @@
           <a:p>
             <a:fld id="{FD16AB6C-A335-4EC8-A344-563BA3AEC2C0}" type="slidenum">
               <a:rPr lang="de-DE" smtClean="0"/>
-              <a:t>‹Nr.›</a:t>
+              <a:t>‹#›</a:t>
             </a:fld>
             <a:endParaRPr lang="de-DE"/>
           </a:p>
@@ -5352,7 +5352,7 @@
           <a:p>
             <a:fld id="{FD16AB6C-A335-4EC8-A344-563BA3AEC2C0}" type="slidenum">
               <a:rPr lang="de-DE" smtClean="0"/>
-              <a:t>‹Nr.›</a:t>
+              <a:t>‹#›</a:t>
             </a:fld>
             <a:endParaRPr lang="de-DE"/>
           </a:p>
@@ -5439,7 +5439,7 @@
           <a:p>
             <a:fld id="{FD16AB6C-A335-4EC8-A344-563BA3AEC2C0}" type="slidenum">
               <a:rPr lang="de-DE" smtClean="0"/>
-              <a:t>‹Nr.›</a:t>
+              <a:t>‹#›</a:t>
             </a:fld>
             <a:endParaRPr lang="de-DE"/>
           </a:p>
@@ -5498,7 +5498,7 @@
           <a:p>
             <a:fld id="{FD16AB6C-A335-4EC8-A344-563BA3AEC2C0}" type="slidenum">
               <a:rPr lang="de-DE" smtClean="0"/>
-              <a:t>‹Nr.›</a:t>
+              <a:t>‹#›</a:t>
             </a:fld>
             <a:endParaRPr lang="de-DE"/>
           </a:p>
@@ -5688,7 +5688,7 @@
           <a:p>
             <a:fld id="{FD16AB6C-A335-4EC8-A344-563BA3AEC2C0}" type="slidenum">
               <a:rPr lang="de-DE" smtClean="0"/>
-              <a:t>‹Nr.›</a:t>
+              <a:t>‹#›</a:t>
             </a:fld>
             <a:endParaRPr lang="de-DE"/>
           </a:p>
@@ -14865,7 +14865,11 @@
             </a:pPr>
             <a:r>
               <a:rPr lang="de" dirty="0"/>
-              <a:t>Ethereum</a:t>
+              <a:t>Ethereum - </a:t>
+            </a:r>
+            <a:r>
+              <a:rPr lang="en-US" dirty="0"/>
+              <a:t>Solidity</a:t>
             </a:r>
             <a:endParaRPr dirty="0"/>
           </a:p>
@@ -15044,6 +15048,308 @@
   <p:clrMapOvr>
     <a:masterClrMapping/>
   </p:clrMapOvr>
+  <p:timing>
+    <p:tnLst>
+      <p:par>
+        <p:cTn id="1" dur="indefinite" restart="never" nodeType="tmRoot">
+          <p:childTnLst>
+            <p:seq concurrent="1" nextAc="seek">
+              <p:cTn id="2" dur="indefinite" nodeType="mainSeq">
+                <p:childTnLst>
+                  <p:par>
+                    <p:cTn id="3" fill="hold">
+                      <p:stCondLst>
+                        <p:cond delay="indefinite"/>
+                      </p:stCondLst>
+                      <p:childTnLst>
+                        <p:par>
+                          <p:cTn id="4" fill="hold">
+                            <p:stCondLst>
+                              <p:cond delay="0"/>
+                            </p:stCondLst>
+                            <p:childTnLst>
+                              <p:par>
+                                <p:cTn id="5" presetID="1" presetClass="entr" presetSubtype="0" fill="hold" nodeType="clickEffect">
+                                  <p:stCondLst>
+                                    <p:cond delay="0"/>
+                                  </p:stCondLst>
+                                  <p:childTnLst>
+                                    <p:set>
+                                      <p:cBhvr>
+                                        <p:cTn id="6" dur="1" fill="hold">
+                                          <p:stCondLst>
+                                            <p:cond delay="0"/>
+                                          </p:stCondLst>
+                                        </p:cTn>
+                                        <p:tgtEl>
+                                          <p:spTgt spid="109">
+                                            <p:txEl>
+                                              <p:pRg st="0" end="0"/>
+                                            </p:txEl>
+                                          </p:spTgt>
+                                        </p:tgtEl>
+                                        <p:attrNameLst>
+                                          <p:attrName>style.visibility</p:attrName>
+                                        </p:attrNameLst>
+                                      </p:cBhvr>
+                                      <p:to>
+                                        <p:strVal val="visible"/>
+                                      </p:to>
+                                    </p:set>
+                                  </p:childTnLst>
+                                </p:cTn>
+                              </p:par>
+                              <p:par>
+                                <p:cTn id="7" presetID="1" presetClass="entr" presetSubtype="0" fill="hold" nodeType="withEffect">
+                                  <p:stCondLst>
+                                    <p:cond delay="0"/>
+                                  </p:stCondLst>
+                                  <p:childTnLst>
+                                    <p:set>
+                                      <p:cBhvr>
+                                        <p:cTn id="8" dur="1" fill="hold">
+                                          <p:stCondLst>
+                                            <p:cond delay="0"/>
+                                          </p:stCondLst>
+                                        </p:cTn>
+                                        <p:tgtEl>
+                                          <p:spTgt spid="112"/>
+                                        </p:tgtEl>
+                                        <p:attrNameLst>
+                                          <p:attrName>style.visibility</p:attrName>
+                                        </p:attrNameLst>
+                                      </p:cBhvr>
+                                      <p:to>
+                                        <p:strVal val="visible"/>
+                                      </p:to>
+                                    </p:set>
+                                  </p:childTnLst>
+                                </p:cTn>
+                              </p:par>
+                              <p:par>
+                                <p:cTn id="9" presetID="1" presetClass="entr" presetSubtype="0" fill="hold" nodeType="withEffect">
+                                  <p:stCondLst>
+                                    <p:cond delay="0"/>
+                                  </p:stCondLst>
+                                  <p:childTnLst>
+                                    <p:set>
+                                      <p:cBhvr>
+                                        <p:cTn id="10" dur="1" fill="hold">
+                                          <p:stCondLst>
+                                            <p:cond delay="0"/>
+                                          </p:stCondLst>
+                                        </p:cTn>
+                                        <p:tgtEl>
+                                          <p:spTgt spid="110"/>
+                                        </p:tgtEl>
+                                        <p:attrNameLst>
+                                          <p:attrName>style.visibility</p:attrName>
+                                        </p:attrNameLst>
+                                      </p:cBhvr>
+                                      <p:to>
+                                        <p:strVal val="visible"/>
+                                      </p:to>
+                                    </p:set>
+                                  </p:childTnLst>
+                                </p:cTn>
+                              </p:par>
+                            </p:childTnLst>
+                          </p:cTn>
+                        </p:par>
+                      </p:childTnLst>
+                    </p:cTn>
+                  </p:par>
+                  <p:par>
+                    <p:cTn id="11" fill="hold">
+                      <p:stCondLst>
+                        <p:cond delay="indefinite"/>
+                      </p:stCondLst>
+                      <p:childTnLst>
+                        <p:par>
+                          <p:cTn id="12" fill="hold">
+                            <p:stCondLst>
+                              <p:cond delay="0"/>
+                            </p:stCondLst>
+                            <p:childTnLst>
+                              <p:par>
+                                <p:cTn id="13" presetID="1" presetClass="entr" presetSubtype="0" fill="hold" nodeType="clickEffect">
+                                  <p:stCondLst>
+                                    <p:cond delay="0"/>
+                                  </p:stCondLst>
+                                  <p:childTnLst>
+                                    <p:set>
+                                      <p:cBhvr>
+                                        <p:cTn id="14" dur="1" fill="hold">
+                                          <p:stCondLst>
+                                            <p:cond delay="0"/>
+                                          </p:stCondLst>
+                                        </p:cTn>
+                                        <p:tgtEl>
+                                          <p:spTgt spid="109">
+                                            <p:txEl>
+                                              <p:pRg st="1" end="1"/>
+                                            </p:txEl>
+                                          </p:spTgt>
+                                        </p:tgtEl>
+                                        <p:attrNameLst>
+                                          <p:attrName>style.visibility</p:attrName>
+                                        </p:attrNameLst>
+                                      </p:cBhvr>
+                                      <p:to>
+                                        <p:strVal val="visible"/>
+                                      </p:to>
+                                    </p:set>
+                                  </p:childTnLst>
+                                </p:cTn>
+                              </p:par>
+                              <p:par>
+                                <p:cTn id="15" presetID="1" presetClass="entr" presetSubtype="0" fill="hold" nodeType="withEffect">
+                                  <p:stCondLst>
+                                    <p:cond delay="0"/>
+                                  </p:stCondLst>
+                                  <p:childTnLst>
+                                    <p:set>
+                                      <p:cBhvr>
+                                        <p:cTn id="16" dur="1" fill="hold">
+                                          <p:stCondLst>
+                                            <p:cond delay="0"/>
+                                          </p:stCondLst>
+                                        </p:cTn>
+                                        <p:tgtEl>
+                                          <p:spTgt spid="109">
+                                            <p:txEl>
+                                              <p:pRg st="2" end="2"/>
+                                            </p:txEl>
+                                          </p:spTgt>
+                                        </p:tgtEl>
+                                        <p:attrNameLst>
+                                          <p:attrName>style.visibility</p:attrName>
+                                        </p:attrNameLst>
+                                      </p:cBhvr>
+                                      <p:to>
+                                        <p:strVal val="visible"/>
+                                      </p:to>
+                                    </p:set>
+                                  </p:childTnLst>
+                                </p:cTn>
+                              </p:par>
+                              <p:par>
+                                <p:cTn id="17" presetID="1" presetClass="entr" presetSubtype="0" fill="hold" nodeType="withEffect">
+                                  <p:stCondLst>
+                                    <p:cond delay="0"/>
+                                  </p:stCondLst>
+                                  <p:childTnLst>
+                                    <p:set>
+                                      <p:cBhvr>
+                                        <p:cTn id="18" dur="1" fill="hold">
+                                          <p:stCondLst>
+                                            <p:cond delay="0"/>
+                                          </p:stCondLst>
+                                        </p:cTn>
+                                        <p:tgtEl>
+                                          <p:spTgt spid="109">
+                                            <p:txEl>
+                                              <p:pRg st="3" end="3"/>
+                                            </p:txEl>
+                                          </p:spTgt>
+                                        </p:tgtEl>
+                                        <p:attrNameLst>
+                                          <p:attrName>style.visibility</p:attrName>
+                                        </p:attrNameLst>
+                                      </p:cBhvr>
+                                      <p:to>
+                                        <p:strVal val="visible"/>
+                                      </p:to>
+                                    </p:set>
+                                  </p:childTnLst>
+                                </p:cTn>
+                              </p:par>
+                              <p:par>
+                                <p:cTn id="19" presetID="1" presetClass="entr" presetSubtype="0" fill="hold" nodeType="withEffect">
+                                  <p:stCondLst>
+                                    <p:cond delay="0"/>
+                                  </p:stCondLst>
+                                  <p:childTnLst>
+                                    <p:set>
+                                      <p:cBhvr>
+                                        <p:cTn id="20" dur="1" fill="hold">
+                                          <p:stCondLst>
+                                            <p:cond delay="0"/>
+                                          </p:stCondLst>
+                                        </p:cTn>
+                                        <p:tgtEl>
+                                          <p:spTgt spid="109">
+                                            <p:txEl>
+                                              <p:pRg st="4" end="4"/>
+                                            </p:txEl>
+                                          </p:spTgt>
+                                        </p:tgtEl>
+                                        <p:attrNameLst>
+                                          <p:attrName>style.visibility</p:attrName>
+                                        </p:attrNameLst>
+                                      </p:cBhvr>
+                                      <p:to>
+                                        <p:strVal val="visible"/>
+                                      </p:to>
+                                    </p:set>
+                                  </p:childTnLst>
+                                </p:cTn>
+                              </p:par>
+                              <p:par>
+                                <p:cTn id="21" presetID="1" presetClass="entr" presetSubtype="0" fill="hold" nodeType="withEffect">
+                                  <p:stCondLst>
+                                    <p:cond delay="0"/>
+                                  </p:stCondLst>
+                                  <p:childTnLst>
+                                    <p:set>
+                                      <p:cBhvr>
+                                        <p:cTn id="22" dur="1" fill="hold">
+                                          <p:stCondLst>
+                                            <p:cond delay="0"/>
+                                          </p:stCondLst>
+                                        </p:cTn>
+                                        <p:tgtEl>
+                                          <p:spTgt spid="111"/>
+                                        </p:tgtEl>
+                                        <p:attrNameLst>
+                                          <p:attrName>style.visibility</p:attrName>
+                                        </p:attrNameLst>
+                                      </p:cBhvr>
+                                      <p:to>
+                                        <p:strVal val="visible"/>
+                                      </p:to>
+                                    </p:set>
+                                  </p:childTnLst>
+                                </p:cTn>
+                              </p:par>
+                            </p:childTnLst>
+                          </p:cTn>
+                        </p:par>
+                      </p:childTnLst>
+                    </p:cTn>
+                  </p:par>
+                </p:childTnLst>
+              </p:cTn>
+              <p:prevCondLst>
+                <p:cond evt="onPrev" delay="0">
+                  <p:tgtEl>
+                    <p:sldTgt/>
+                  </p:tgtEl>
+                </p:cond>
+              </p:prevCondLst>
+              <p:nextCondLst>
+                <p:cond evt="onNext" delay="0">
+                  <p:tgtEl>
+                    <p:sldTgt/>
+                  </p:tgtEl>
+                </p:cond>
+              </p:nextCondLst>
+            </p:seq>
+          </p:childTnLst>
+        </p:cTn>
+      </p:par>
+    </p:tnLst>
+  </p:timing>
 </p:sld>
 </file>
 
@@ -15348,6 +15654,399 @@
   <p:clrMapOvr>
     <a:masterClrMapping/>
   </p:clrMapOvr>
+  <p:timing>
+    <p:tnLst>
+      <p:par>
+        <p:cTn id="1" dur="indefinite" restart="never" nodeType="tmRoot">
+          <p:childTnLst>
+            <p:seq concurrent="1" nextAc="seek">
+              <p:cTn id="2" dur="indefinite" nodeType="mainSeq">
+                <p:childTnLst>
+                  <p:par>
+                    <p:cTn id="3" fill="hold">
+                      <p:stCondLst>
+                        <p:cond delay="indefinite"/>
+                      </p:stCondLst>
+                      <p:childTnLst>
+                        <p:par>
+                          <p:cTn id="4" fill="hold">
+                            <p:stCondLst>
+                              <p:cond delay="0"/>
+                            </p:stCondLst>
+                            <p:childTnLst>
+                              <p:par>
+                                <p:cTn id="5" presetID="1" presetClass="entr" presetSubtype="0" fill="hold" grpId="0" nodeType="clickEffect">
+                                  <p:stCondLst>
+                                    <p:cond delay="0"/>
+                                  </p:stCondLst>
+                                  <p:childTnLst>
+                                    <p:set>
+                                      <p:cBhvr>
+                                        <p:cTn id="6" dur="1" fill="hold">
+                                          <p:stCondLst>
+                                            <p:cond delay="0"/>
+                                          </p:stCondLst>
+                                        </p:cTn>
+                                        <p:tgtEl>
+                                          <p:spTgt spid="118">
+                                            <p:txEl>
+                                              <p:pRg st="0" end="0"/>
+                                            </p:txEl>
+                                          </p:spTgt>
+                                        </p:tgtEl>
+                                        <p:attrNameLst>
+                                          <p:attrName>style.visibility</p:attrName>
+                                        </p:attrNameLst>
+                                      </p:cBhvr>
+                                      <p:to>
+                                        <p:strVal val="visible"/>
+                                      </p:to>
+                                    </p:set>
+                                  </p:childTnLst>
+                                </p:cTn>
+                              </p:par>
+                            </p:childTnLst>
+                          </p:cTn>
+                        </p:par>
+                      </p:childTnLst>
+                    </p:cTn>
+                  </p:par>
+                  <p:par>
+                    <p:cTn id="7" fill="hold">
+                      <p:stCondLst>
+                        <p:cond delay="indefinite"/>
+                      </p:stCondLst>
+                      <p:childTnLst>
+                        <p:par>
+                          <p:cTn id="8" fill="hold">
+                            <p:stCondLst>
+                              <p:cond delay="0"/>
+                            </p:stCondLst>
+                            <p:childTnLst>
+                              <p:par>
+                                <p:cTn id="9" presetID="1" presetClass="entr" presetSubtype="0" fill="hold" grpId="0" nodeType="clickEffect">
+                                  <p:stCondLst>
+                                    <p:cond delay="0"/>
+                                  </p:stCondLst>
+                                  <p:childTnLst>
+                                    <p:set>
+                                      <p:cBhvr>
+                                        <p:cTn id="10" dur="1" fill="hold">
+                                          <p:stCondLst>
+                                            <p:cond delay="0"/>
+                                          </p:stCondLst>
+                                        </p:cTn>
+                                        <p:tgtEl>
+                                          <p:spTgt spid="118">
+                                            <p:txEl>
+                                              <p:pRg st="1" end="1"/>
+                                            </p:txEl>
+                                          </p:spTgt>
+                                        </p:tgtEl>
+                                        <p:attrNameLst>
+                                          <p:attrName>style.visibility</p:attrName>
+                                        </p:attrNameLst>
+                                      </p:cBhvr>
+                                      <p:to>
+                                        <p:strVal val="visible"/>
+                                      </p:to>
+                                    </p:set>
+                                  </p:childTnLst>
+                                </p:cTn>
+                              </p:par>
+                            </p:childTnLst>
+                          </p:cTn>
+                        </p:par>
+                      </p:childTnLst>
+                    </p:cTn>
+                  </p:par>
+                  <p:par>
+                    <p:cTn id="11" fill="hold">
+                      <p:stCondLst>
+                        <p:cond delay="indefinite"/>
+                      </p:stCondLst>
+                      <p:childTnLst>
+                        <p:par>
+                          <p:cTn id="12" fill="hold">
+                            <p:stCondLst>
+                              <p:cond delay="0"/>
+                            </p:stCondLst>
+                            <p:childTnLst>
+                              <p:par>
+                                <p:cTn id="13" presetID="1" presetClass="entr" presetSubtype="0" fill="hold" grpId="0" nodeType="clickEffect">
+                                  <p:stCondLst>
+                                    <p:cond delay="0"/>
+                                  </p:stCondLst>
+                                  <p:childTnLst>
+                                    <p:set>
+                                      <p:cBhvr>
+                                        <p:cTn id="14" dur="1" fill="hold">
+                                          <p:stCondLst>
+                                            <p:cond delay="0"/>
+                                          </p:stCondLst>
+                                        </p:cTn>
+                                        <p:tgtEl>
+                                          <p:spTgt spid="118">
+                                            <p:txEl>
+                                              <p:pRg st="2" end="2"/>
+                                            </p:txEl>
+                                          </p:spTgt>
+                                        </p:tgtEl>
+                                        <p:attrNameLst>
+                                          <p:attrName>style.visibility</p:attrName>
+                                        </p:attrNameLst>
+                                      </p:cBhvr>
+                                      <p:to>
+                                        <p:strVal val="visible"/>
+                                      </p:to>
+                                    </p:set>
+                                  </p:childTnLst>
+                                </p:cTn>
+                              </p:par>
+                              <p:par>
+                                <p:cTn id="15" presetID="1" presetClass="entr" presetSubtype="0" fill="hold" grpId="0" nodeType="withEffect">
+                                  <p:stCondLst>
+                                    <p:cond delay="0"/>
+                                  </p:stCondLst>
+                                  <p:childTnLst>
+                                    <p:set>
+                                      <p:cBhvr>
+                                        <p:cTn id="16" dur="1" fill="hold">
+                                          <p:stCondLst>
+                                            <p:cond delay="0"/>
+                                          </p:stCondLst>
+                                        </p:cTn>
+                                        <p:tgtEl>
+                                          <p:spTgt spid="118">
+                                            <p:txEl>
+                                              <p:pRg st="3" end="3"/>
+                                            </p:txEl>
+                                          </p:spTgt>
+                                        </p:tgtEl>
+                                        <p:attrNameLst>
+                                          <p:attrName>style.visibility</p:attrName>
+                                        </p:attrNameLst>
+                                      </p:cBhvr>
+                                      <p:to>
+                                        <p:strVal val="visible"/>
+                                      </p:to>
+                                    </p:set>
+                                  </p:childTnLst>
+                                </p:cTn>
+                              </p:par>
+                              <p:par>
+                                <p:cTn id="17" presetID="1" presetClass="entr" presetSubtype="0" fill="hold" grpId="0" nodeType="withEffect">
+                                  <p:stCondLst>
+                                    <p:cond delay="0"/>
+                                  </p:stCondLst>
+                                  <p:childTnLst>
+                                    <p:set>
+                                      <p:cBhvr>
+                                        <p:cTn id="18" dur="1" fill="hold">
+                                          <p:stCondLst>
+                                            <p:cond delay="0"/>
+                                          </p:stCondLst>
+                                        </p:cTn>
+                                        <p:tgtEl>
+                                          <p:spTgt spid="118">
+                                            <p:txEl>
+                                              <p:pRg st="4" end="4"/>
+                                            </p:txEl>
+                                          </p:spTgt>
+                                        </p:tgtEl>
+                                        <p:attrNameLst>
+                                          <p:attrName>style.visibility</p:attrName>
+                                        </p:attrNameLst>
+                                      </p:cBhvr>
+                                      <p:to>
+                                        <p:strVal val="visible"/>
+                                      </p:to>
+                                    </p:set>
+                                  </p:childTnLst>
+                                </p:cTn>
+                              </p:par>
+                              <p:par>
+                                <p:cTn id="19" presetID="1" presetClass="entr" presetSubtype="0" fill="hold" grpId="0" nodeType="withEffect">
+                                  <p:stCondLst>
+                                    <p:cond delay="0"/>
+                                  </p:stCondLst>
+                                  <p:childTnLst>
+                                    <p:set>
+                                      <p:cBhvr>
+                                        <p:cTn id="20" dur="1" fill="hold">
+                                          <p:stCondLst>
+                                            <p:cond delay="0"/>
+                                          </p:stCondLst>
+                                        </p:cTn>
+                                        <p:tgtEl>
+                                          <p:spTgt spid="118">
+                                            <p:txEl>
+                                              <p:pRg st="5" end="5"/>
+                                            </p:txEl>
+                                          </p:spTgt>
+                                        </p:tgtEl>
+                                        <p:attrNameLst>
+                                          <p:attrName>style.visibility</p:attrName>
+                                        </p:attrNameLst>
+                                      </p:cBhvr>
+                                      <p:to>
+                                        <p:strVal val="visible"/>
+                                      </p:to>
+                                    </p:set>
+                                  </p:childTnLst>
+                                </p:cTn>
+                              </p:par>
+                              <p:par>
+                                <p:cTn id="21" presetID="1" presetClass="entr" presetSubtype="0" fill="hold" grpId="0" nodeType="withEffect">
+                                  <p:stCondLst>
+                                    <p:cond delay="0"/>
+                                  </p:stCondLst>
+                                  <p:childTnLst>
+                                    <p:set>
+                                      <p:cBhvr>
+                                        <p:cTn id="22" dur="1" fill="hold">
+                                          <p:stCondLst>
+                                            <p:cond delay="0"/>
+                                          </p:stCondLst>
+                                        </p:cTn>
+                                        <p:tgtEl>
+                                          <p:spTgt spid="118">
+                                            <p:txEl>
+                                              <p:pRg st="6" end="6"/>
+                                            </p:txEl>
+                                          </p:spTgt>
+                                        </p:tgtEl>
+                                        <p:attrNameLst>
+                                          <p:attrName>style.visibility</p:attrName>
+                                        </p:attrNameLst>
+                                      </p:cBhvr>
+                                      <p:to>
+                                        <p:strVal val="visible"/>
+                                      </p:to>
+                                    </p:set>
+                                  </p:childTnLst>
+                                </p:cTn>
+                              </p:par>
+                              <p:par>
+                                <p:cTn id="23" presetID="1" presetClass="entr" presetSubtype="0" fill="hold" grpId="0" nodeType="withEffect">
+                                  <p:stCondLst>
+                                    <p:cond delay="0"/>
+                                  </p:stCondLst>
+                                  <p:childTnLst>
+                                    <p:set>
+                                      <p:cBhvr>
+                                        <p:cTn id="24" dur="1" fill="hold">
+                                          <p:stCondLst>
+                                            <p:cond delay="0"/>
+                                          </p:stCondLst>
+                                        </p:cTn>
+                                        <p:tgtEl>
+                                          <p:spTgt spid="118">
+                                            <p:txEl>
+                                              <p:pRg st="7" end="7"/>
+                                            </p:txEl>
+                                          </p:spTgt>
+                                        </p:tgtEl>
+                                        <p:attrNameLst>
+                                          <p:attrName>style.visibility</p:attrName>
+                                        </p:attrNameLst>
+                                      </p:cBhvr>
+                                      <p:to>
+                                        <p:strVal val="visible"/>
+                                      </p:to>
+                                    </p:set>
+                                  </p:childTnLst>
+                                </p:cTn>
+                              </p:par>
+                              <p:par>
+                                <p:cTn id="25" presetID="1" presetClass="entr" presetSubtype="0" fill="hold" grpId="0" nodeType="withEffect">
+                                  <p:stCondLst>
+                                    <p:cond delay="0"/>
+                                  </p:stCondLst>
+                                  <p:childTnLst>
+                                    <p:set>
+                                      <p:cBhvr>
+                                        <p:cTn id="26" dur="1" fill="hold">
+                                          <p:stCondLst>
+                                            <p:cond delay="0"/>
+                                          </p:stCondLst>
+                                        </p:cTn>
+                                        <p:tgtEl>
+                                          <p:spTgt spid="118">
+                                            <p:txEl>
+                                              <p:pRg st="8" end="8"/>
+                                            </p:txEl>
+                                          </p:spTgt>
+                                        </p:tgtEl>
+                                        <p:attrNameLst>
+                                          <p:attrName>style.visibility</p:attrName>
+                                        </p:attrNameLst>
+                                      </p:cBhvr>
+                                      <p:to>
+                                        <p:strVal val="visible"/>
+                                      </p:to>
+                                    </p:set>
+                                  </p:childTnLst>
+                                </p:cTn>
+                              </p:par>
+                              <p:par>
+                                <p:cTn id="27" presetID="1" presetClass="entr" presetSubtype="0" fill="hold" nodeType="withEffect">
+                                  <p:stCondLst>
+                                    <p:cond delay="0"/>
+                                  </p:stCondLst>
+                                  <p:childTnLst>
+                                    <p:set>
+                                      <p:cBhvr>
+                                        <p:cTn id="28" dur="1" fill="hold">
+                                          <p:stCondLst>
+                                            <p:cond delay="0"/>
+                                          </p:stCondLst>
+                                        </p:cTn>
+                                        <p:tgtEl>
+                                          <p:spTgt spid="119"/>
+                                        </p:tgtEl>
+                                        <p:attrNameLst>
+                                          <p:attrName>style.visibility</p:attrName>
+                                        </p:attrNameLst>
+                                      </p:cBhvr>
+                                      <p:to>
+                                        <p:strVal val="visible"/>
+                                      </p:to>
+                                    </p:set>
+                                  </p:childTnLst>
+                                </p:cTn>
+                              </p:par>
+                            </p:childTnLst>
+                          </p:cTn>
+                        </p:par>
+                      </p:childTnLst>
+                    </p:cTn>
+                  </p:par>
+                </p:childTnLst>
+              </p:cTn>
+              <p:prevCondLst>
+                <p:cond evt="onPrev" delay="0">
+                  <p:tgtEl>
+                    <p:sldTgt/>
+                  </p:tgtEl>
+                </p:cond>
+              </p:prevCondLst>
+              <p:nextCondLst>
+                <p:cond evt="onNext" delay="0">
+                  <p:tgtEl>
+                    <p:sldTgt/>
+                  </p:tgtEl>
+                </p:cond>
+              </p:nextCondLst>
+            </p:seq>
+          </p:childTnLst>
+        </p:cTn>
+      </p:par>
+    </p:tnLst>
+    <p:bldLst>
+      <p:bldP spid="118" grpId="0" build="p"/>
+    </p:bldLst>
+  </p:timing>
 </p:sld>
 </file>
 
@@ -16528,6 +17227,374 @@
   <p:clrMapOvr>
     <a:masterClrMapping/>
   </p:clrMapOvr>
+  <p:timing>
+    <p:tnLst>
+      <p:par>
+        <p:cTn id="1" dur="indefinite" restart="never" nodeType="tmRoot">
+          <p:childTnLst>
+            <p:seq concurrent="1" nextAc="seek">
+              <p:cTn id="2" dur="indefinite" nodeType="mainSeq">
+                <p:childTnLst>
+                  <p:par>
+                    <p:cTn id="3" fill="hold">
+                      <p:stCondLst>
+                        <p:cond delay="indefinite"/>
+                      </p:stCondLst>
+                      <p:childTnLst>
+                        <p:par>
+                          <p:cTn id="4" fill="hold">
+                            <p:stCondLst>
+                              <p:cond delay="0"/>
+                            </p:stCondLst>
+                            <p:childTnLst>
+                              <p:par>
+                                <p:cTn id="5" presetID="1" presetClass="entr" presetSubtype="0" fill="hold" nodeType="clickEffect">
+                                  <p:stCondLst>
+                                    <p:cond delay="0"/>
+                                  </p:stCondLst>
+                                  <p:childTnLst>
+                                    <p:set>
+                                      <p:cBhvr>
+                                        <p:cTn id="6" dur="1" fill="hold">
+                                          <p:stCondLst>
+                                            <p:cond delay="0"/>
+                                          </p:stCondLst>
+                                        </p:cTn>
+                                        <p:tgtEl>
+                                          <p:spTgt spid="125">
+                                            <p:txEl>
+                                              <p:pRg st="0" end="0"/>
+                                            </p:txEl>
+                                          </p:spTgt>
+                                        </p:tgtEl>
+                                        <p:attrNameLst>
+                                          <p:attrName>style.visibility</p:attrName>
+                                        </p:attrNameLst>
+                                      </p:cBhvr>
+                                      <p:to>
+                                        <p:strVal val="visible"/>
+                                      </p:to>
+                                    </p:set>
+                                  </p:childTnLst>
+                                </p:cTn>
+                              </p:par>
+                              <p:par>
+                                <p:cTn id="7" presetID="1" presetClass="entr" presetSubtype="0" fill="hold" nodeType="withEffect">
+                                  <p:stCondLst>
+                                    <p:cond delay="0"/>
+                                  </p:stCondLst>
+                                  <p:childTnLst>
+                                    <p:set>
+                                      <p:cBhvr>
+                                        <p:cTn id="8" dur="1" fill="hold">
+                                          <p:stCondLst>
+                                            <p:cond delay="0"/>
+                                          </p:stCondLst>
+                                        </p:cTn>
+                                        <p:tgtEl>
+                                          <p:spTgt spid="125">
+                                            <p:txEl>
+                                              <p:pRg st="1" end="1"/>
+                                            </p:txEl>
+                                          </p:spTgt>
+                                        </p:tgtEl>
+                                        <p:attrNameLst>
+                                          <p:attrName>style.visibility</p:attrName>
+                                        </p:attrNameLst>
+                                      </p:cBhvr>
+                                      <p:to>
+                                        <p:strVal val="visible"/>
+                                      </p:to>
+                                    </p:set>
+                                  </p:childTnLst>
+                                </p:cTn>
+                              </p:par>
+                              <p:par>
+                                <p:cTn id="9" presetID="1" presetClass="entr" presetSubtype="0" fill="hold" nodeType="withEffect">
+                                  <p:stCondLst>
+                                    <p:cond delay="0"/>
+                                  </p:stCondLst>
+                                  <p:childTnLst>
+                                    <p:set>
+                                      <p:cBhvr>
+                                        <p:cTn id="10" dur="1" fill="hold">
+                                          <p:stCondLst>
+                                            <p:cond delay="0"/>
+                                          </p:stCondLst>
+                                        </p:cTn>
+                                        <p:tgtEl>
+                                          <p:spTgt spid="125">
+                                            <p:txEl>
+                                              <p:pRg st="2" end="2"/>
+                                            </p:txEl>
+                                          </p:spTgt>
+                                        </p:tgtEl>
+                                        <p:attrNameLst>
+                                          <p:attrName>style.visibility</p:attrName>
+                                        </p:attrNameLst>
+                                      </p:cBhvr>
+                                      <p:to>
+                                        <p:strVal val="visible"/>
+                                      </p:to>
+                                    </p:set>
+                                  </p:childTnLst>
+                                </p:cTn>
+                              </p:par>
+                              <p:par>
+                                <p:cTn id="11" presetID="1" presetClass="entr" presetSubtype="0" fill="hold" nodeType="withEffect">
+                                  <p:stCondLst>
+                                    <p:cond delay="0"/>
+                                  </p:stCondLst>
+                                  <p:childTnLst>
+                                    <p:set>
+                                      <p:cBhvr>
+                                        <p:cTn id="12" dur="1" fill="hold">
+                                          <p:stCondLst>
+                                            <p:cond delay="0"/>
+                                          </p:stCondLst>
+                                        </p:cTn>
+                                        <p:tgtEl>
+                                          <p:spTgt spid="127"/>
+                                        </p:tgtEl>
+                                        <p:attrNameLst>
+                                          <p:attrName>style.visibility</p:attrName>
+                                        </p:attrNameLst>
+                                      </p:cBhvr>
+                                      <p:to>
+                                        <p:strVal val="visible"/>
+                                      </p:to>
+                                    </p:set>
+                                  </p:childTnLst>
+                                </p:cTn>
+                              </p:par>
+                              <p:par>
+                                <p:cTn id="13" presetID="1" presetClass="entr" presetSubtype="0" fill="hold" nodeType="withEffect">
+                                  <p:stCondLst>
+                                    <p:cond delay="0"/>
+                                  </p:stCondLst>
+                                  <p:childTnLst>
+                                    <p:set>
+                                      <p:cBhvr>
+                                        <p:cTn id="14" dur="1" fill="hold">
+                                          <p:stCondLst>
+                                            <p:cond delay="0"/>
+                                          </p:stCondLst>
+                                        </p:cTn>
+                                        <p:tgtEl>
+                                          <p:spTgt spid="125">
+                                            <p:txEl>
+                                              <p:pRg st="3" end="3"/>
+                                            </p:txEl>
+                                          </p:spTgt>
+                                        </p:tgtEl>
+                                        <p:attrNameLst>
+                                          <p:attrName>style.visibility</p:attrName>
+                                        </p:attrNameLst>
+                                      </p:cBhvr>
+                                      <p:to>
+                                        <p:strVal val="visible"/>
+                                      </p:to>
+                                    </p:set>
+                                  </p:childTnLst>
+                                </p:cTn>
+                              </p:par>
+                            </p:childTnLst>
+                          </p:cTn>
+                        </p:par>
+                      </p:childTnLst>
+                    </p:cTn>
+                  </p:par>
+                  <p:par>
+                    <p:cTn id="15" fill="hold">
+                      <p:stCondLst>
+                        <p:cond delay="indefinite"/>
+                      </p:stCondLst>
+                      <p:childTnLst>
+                        <p:par>
+                          <p:cTn id="16" fill="hold">
+                            <p:stCondLst>
+                              <p:cond delay="0"/>
+                            </p:stCondLst>
+                            <p:childTnLst>
+                              <p:par>
+                                <p:cTn id="17" presetID="1" presetClass="entr" presetSubtype="0" fill="hold" nodeType="clickEffect">
+                                  <p:stCondLst>
+                                    <p:cond delay="0"/>
+                                  </p:stCondLst>
+                                  <p:childTnLst>
+                                    <p:set>
+                                      <p:cBhvr>
+                                        <p:cTn id="18" dur="1" fill="hold">
+                                          <p:stCondLst>
+                                            <p:cond delay="0"/>
+                                          </p:stCondLst>
+                                        </p:cTn>
+                                        <p:tgtEl>
+                                          <p:spTgt spid="125">
+                                            <p:txEl>
+                                              <p:pRg st="4" end="4"/>
+                                            </p:txEl>
+                                          </p:spTgt>
+                                        </p:tgtEl>
+                                        <p:attrNameLst>
+                                          <p:attrName>style.visibility</p:attrName>
+                                        </p:attrNameLst>
+                                      </p:cBhvr>
+                                      <p:to>
+                                        <p:strVal val="visible"/>
+                                      </p:to>
+                                    </p:set>
+                                  </p:childTnLst>
+                                </p:cTn>
+                              </p:par>
+                              <p:par>
+                                <p:cTn id="19" presetID="1" presetClass="entr" presetSubtype="0" fill="hold" nodeType="withEffect">
+                                  <p:stCondLst>
+                                    <p:cond delay="0"/>
+                                  </p:stCondLst>
+                                  <p:childTnLst>
+                                    <p:set>
+                                      <p:cBhvr>
+                                        <p:cTn id="20" dur="1" fill="hold">
+                                          <p:stCondLst>
+                                            <p:cond delay="0"/>
+                                          </p:stCondLst>
+                                        </p:cTn>
+                                        <p:tgtEl>
+                                          <p:spTgt spid="125">
+                                            <p:txEl>
+                                              <p:pRg st="5" end="5"/>
+                                            </p:txEl>
+                                          </p:spTgt>
+                                        </p:tgtEl>
+                                        <p:attrNameLst>
+                                          <p:attrName>style.visibility</p:attrName>
+                                        </p:attrNameLst>
+                                      </p:cBhvr>
+                                      <p:to>
+                                        <p:strVal val="visible"/>
+                                      </p:to>
+                                    </p:set>
+                                  </p:childTnLst>
+                                </p:cTn>
+                              </p:par>
+                              <p:par>
+                                <p:cTn id="21" presetID="1" presetClass="entr" presetSubtype="0" fill="hold" nodeType="withEffect">
+                                  <p:stCondLst>
+                                    <p:cond delay="0"/>
+                                  </p:stCondLst>
+                                  <p:childTnLst>
+                                    <p:set>
+                                      <p:cBhvr>
+                                        <p:cTn id="22" dur="1" fill="hold">
+                                          <p:stCondLst>
+                                            <p:cond delay="0"/>
+                                          </p:stCondLst>
+                                        </p:cTn>
+                                        <p:tgtEl>
+                                          <p:spTgt spid="125">
+                                            <p:txEl>
+                                              <p:pRg st="6" end="6"/>
+                                            </p:txEl>
+                                          </p:spTgt>
+                                        </p:tgtEl>
+                                        <p:attrNameLst>
+                                          <p:attrName>style.visibility</p:attrName>
+                                        </p:attrNameLst>
+                                      </p:cBhvr>
+                                      <p:to>
+                                        <p:strVal val="visible"/>
+                                      </p:to>
+                                    </p:set>
+                                  </p:childTnLst>
+                                </p:cTn>
+                              </p:par>
+                              <p:par>
+                                <p:cTn id="23" presetID="1" presetClass="entr" presetSubtype="0" fill="hold" nodeType="withEffect">
+                                  <p:stCondLst>
+                                    <p:cond delay="0"/>
+                                  </p:stCondLst>
+                                  <p:childTnLst>
+                                    <p:set>
+                                      <p:cBhvr>
+                                        <p:cTn id="24" dur="1" fill="hold">
+                                          <p:stCondLst>
+                                            <p:cond delay="0"/>
+                                          </p:stCondLst>
+                                        </p:cTn>
+                                        <p:tgtEl>
+                                          <p:spTgt spid="125">
+                                            <p:txEl>
+                                              <p:pRg st="7" end="7"/>
+                                            </p:txEl>
+                                          </p:spTgt>
+                                        </p:tgtEl>
+                                        <p:attrNameLst>
+                                          <p:attrName>style.visibility</p:attrName>
+                                        </p:attrNameLst>
+                                      </p:cBhvr>
+                                      <p:to>
+                                        <p:strVal val="visible"/>
+                                      </p:to>
+                                    </p:set>
+                                  </p:childTnLst>
+                                </p:cTn>
+                              </p:par>
+                              <p:par>
+                                <p:cTn id="25" presetID="1" presetClass="entr" presetSubtype="0" fill="hold" nodeType="withEffect">
+                                  <p:stCondLst>
+                                    <p:cond delay="0"/>
+                                  </p:stCondLst>
+                                  <p:childTnLst>
+                                    <p:set>
+                                      <p:cBhvr>
+                                        <p:cTn id="26" dur="1" fill="hold">
+                                          <p:stCondLst>
+                                            <p:cond delay="0"/>
+                                          </p:stCondLst>
+                                        </p:cTn>
+                                        <p:tgtEl>
+                                          <p:spTgt spid="126"/>
+                                        </p:tgtEl>
+                                        <p:attrNameLst>
+                                          <p:attrName>style.visibility</p:attrName>
+                                        </p:attrNameLst>
+                                      </p:cBhvr>
+                                      <p:to>
+                                        <p:strVal val="visible"/>
+                                      </p:to>
+                                    </p:set>
+                                  </p:childTnLst>
+                                </p:cTn>
+                              </p:par>
+                            </p:childTnLst>
+                          </p:cTn>
+                        </p:par>
+                      </p:childTnLst>
+                    </p:cTn>
+                  </p:par>
+                </p:childTnLst>
+              </p:cTn>
+              <p:prevCondLst>
+                <p:cond evt="onPrev" delay="0">
+                  <p:tgtEl>
+                    <p:sldTgt/>
+                  </p:tgtEl>
+                </p:cond>
+              </p:prevCondLst>
+              <p:nextCondLst>
+                <p:cond evt="onNext" delay="0">
+                  <p:tgtEl>
+                    <p:sldTgt/>
+                  </p:tgtEl>
+                </p:cond>
+              </p:nextCondLst>
+            </p:seq>
+          </p:childTnLst>
+        </p:cTn>
+      </p:par>
+    </p:tnLst>
+  </p:timing>
 </p:sld>
 </file>
 
@@ -16790,6 +17857,347 @@
   <p:clrMapOvr>
     <a:masterClrMapping/>
   </p:clrMapOvr>
+  <p:timing>
+    <p:tnLst>
+      <p:par>
+        <p:cTn id="1" dur="indefinite" restart="never" nodeType="tmRoot">
+          <p:childTnLst>
+            <p:seq concurrent="1" nextAc="seek">
+              <p:cTn id="2" dur="indefinite" nodeType="mainSeq">
+                <p:childTnLst>
+                  <p:par>
+                    <p:cTn id="3" fill="hold">
+                      <p:stCondLst>
+                        <p:cond delay="indefinite"/>
+                      </p:stCondLst>
+                      <p:childTnLst>
+                        <p:par>
+                          <p:cTn id="4" fill="hold">
+                            <p:stCondLst>
+                              <p:cond delay="0"/>
+                            </p:stCondLst>
+                            <p:childTnLst>
+                              <p:par>
+                                <p:cTn id="5" presetID="1" presetClass="entr" presetSubtype="0" fill="hold" nodeType="clickEffect">
+                                  <p:stCondLst>
+                                    <p:cond delay="0"/>
+                                  </p:stCondLst>
+                                  <p:childTnLst>
+                                    <p:set>
+                                      <p:cBhvr>
+                                        <p:cTn id="6" dur="1" fill="hold">
+                                          <p:stCondLst>
+                                            <p:cond delay="0"/>
+                                          </p:stCondLst>
+                                        </p:cTn>
+                                        <p:tgtEl>
+                                          <p:spTgt spid="134"/>
+                                        </p:tgtEl>
+                                        <p:attrNameLst>
+                                          <p:attrName>style.visibility</p:attrName>
+                                        </p:attrNameLst>
+                                      </p:cBhvr>
+                                      <p:to>
+                                        <p:strVal val="visible"/>
+                                      </p:to>
+                                    </p:set>
+                                  </p:childTnLst>
+                                </p:cTn>
+                              </p:par>
+                            </p:childTnLst>
+                          </p:cTn>
+                        </p:par>
+                      </p:childTnLst>
+                    </p:cTn>
+                  </p:par>
+                  <p:par>
+                    <p:cTn id="7" fill="hold">
+                      <p:stCondLst>
+                        <p:cond delay="indefinite"/>
+                      </p:stCondLst>
+                      <p:childTnLst>
+                        <p:par>
+                          <p:cTn id="8" fill="hold">
+                            <p:stCondLst>
+                              <p:cond delay="0"/>
+                            </p:stCondLst>
+                            <p:childTnLst>
+                              <p:par>
+                                <p:cTn id="9" presetID="1" presetClass="entr" presetSubtype="0" fill="hold" nodeType="clickEffect">
+                                  <p:stCondLst>
+                                    <p:cond delay="0"/>
+                                  </p:stCondLst>
+                                  <p:childTnLst>
+                                    <p:set>
+                                      <p:cBhvr>
+                                        <p:cTn id="10" dur="1" fill="hold">
+                                          <p:stCondLst>
+                                            <p:cond delay="0"/>
+                                          </p:stCondLst>
+                                        </p:cTn>
+                                        <p:tgtEl>
+                                          <p:spTgt spid="133">
+                                            <p:txEl>
+                                              <p:pRg st="0" end="0"/>
+                                            </p:txEl>
+                                          </p:spTgt>
+                                        </p:tgtEl>
+                                        <p:attrNameLst>
+                                          <p:attrName>style.visibility</p:attrName>
+                                        </p:attrNameLst>
+                                      </p:cBhvr>
+                                      <p:to>
+                                        <p:strVal val="visible"/>
+                                      </p:to>
+                                    </p:set>
+                                  </p:childTnLst>
+                                </p:cTn>
+                              </p:par>
+                              <p:par>
+                                <p:cTn id="11" presetID="1" presetClass="entr" presetSubtype="0" fill="hold" nodeType="withEffect">
+                                  <p:stCondLst>
+                                    <p:cond delay="0"/>
+                                  </p:stCondLst>
+                                  <p:childTnLst>
+                                    <p:set>
+                                      <p:cBhvr>
+                                        <p:cTn id="12" dur="1" fill="hold">
+                                          <p:stCondLst>
+                                            <p:cond delay="0"/>
+                                          </p:stCondLst>
+                                        </p:cTn>
+                                        <p:tgtEl>
+                                          <p:spTgt spid="133">
+                                            <p:txEl>
+                                              <p:pRg st="1" end="1"/>
+                                            </p:txEl>
+                                          </p:spTgt>
+                                        </p:tgtEl>
+                                        <p:attrNameLst>
+                                          <p:attrName>style.visibility</p:attrName>
+                                        </p:attrNameLst>
+                                      </p:cBhvr>
+                                      <p:to>
+                                        <p:strVal val="visible"/>
+                                      </p:to>
+                                    </p:set>
+                                  </p:childTnLst>
+                                </p:cTn>
+                              </p:par>
+                              <p:par>
+                                <p:cTn id="13" presetID="1" presetClass="entr" presetSubtype="0" fill="hold" nodeType="withEffect">
+                                  <p:stCondLst>
+                                    <p:cond delay="0"/>
+                                  </p:stCondLst>
+                                  <p:childTnLst>
+                                    <p:set>
+                                      <p:cBhvr>
+                                        <p:cTn id="14" dur="1" fill="hold">
+                                          <p:stCondLst>
+                                            <p:cond delay="0"/>
+                                          </p:stCondLst>
+                                        </p:cTn>
+                                        <p:tgtEl>
+                                          <p:spTgt spid="133">
+                                            <p:txEl>
+                                              <p:pRg st="2" end="2"/>
+                                            </p:txEl>
+                                          </p:spTgt>
+                                        </p:tgtEl>
+                                        <p:attrNameLst>
+                                          <p:attrName>style.visibility</p:attrName>
+                                        </p:attrNameLst>
+                                      </p:cBhvr>
+                                      <p:to>
+                                        <p:strVal val="visible"/>
+                                      </p:to>
+                                    </p:set>
+                                  </p:childTnLst>
+                                </p:cTn>
+                              </p:par>
+                              <p:par>
+                                <p:cTn id="15" presetID="1" presetClass="entr" presetSubtype="0" fill="hold" nodeType="withEffect">
+                                  <p:stCondLst>
+                                    <p:cond delay="0"/>
+                                  </p:stCondLst>
+                                  <p:childTnLst>
+                                    <p:set>
+                                      <p:cBhvr>
+                                        <p:cTn id="16" dur="1" fill="hold">
+                                          <p:stCondLst>
+                                            <p:cond delay="0"/>
+                                          </p:stCondLst>
+                                        </p:cTn>
+                                        <p:tgtEl>
+                                          <p:spTgt spid="133">
+                                            <p:txEl>
+                                              <p:pRg st="3" end="3"/>
+                                            </p:txEl>
+                                          </p:spTgt>
+                                        </p:tgtEl>
+                                        <p:attrNameLst>
+                                          <p:attrName>style.visibility</p:attrName>
+                                        </p:attrNameLst>
+                                      </p:cBhvr>
+                                      <p:to>
+                                        <p:strVal val="visible"/>
+                                      </p:to>
+                                    </p:set>
+                                  </p:childTnLst>
+                                </p:cTn>
+                              </p:par>
+                              <p:par>
+                                <p:cTn id="17" presetID="1" presetClass="entr" presetSubtype="0" fill="hold" nodeType="withEffect">
+                                  <p:stCondLst>
+                                    <p:cond delay="0"/>
+                                  </p:stCondLst>
+                                  <p:childTnLst>
+                                    <p:set>
+                                      <p:cBhvr>
+                                        <p:cTn id="18" dur="1" fill="hold">
+                                          <p:stCondLst>
+                                            <p:cond delay="0"/>
+                                          </p:stCondLst>
+                                        </p:cTn>
+                                        <p:tgtEl>
+                                          <p:spTgt spid="133">
+                                            <p:txEl>
+                                              <p:pRg st="4" end="4"/>
+                                            </p:txEl>
+                                          </p:spTgt>
+                                        </p:tgtEl>
+                                        <p:attrNameLst>
+                                          <p:attrName>style.visibility</p:attrName>
+                                        </p:attrNameLst>
+                                      </p:cBhvr>
+                                      <p:to>
+                                        <p:strVal val="visible"/>
+                                      </p:to>
+                                    </p:set>
+                                  </p:childTnLst>
+                                </p:cTn>
+                              </p:par>
+                              <p:par>
+                                <p:cTn id="19" presetID="1" presetClass="entr" presetSubtype="0" fill="hold" nodeType="withEffect">
+                                  <p:stCondLst>
+                                    <p:cond delay="0"/>
+                                  </p:stCondLst>
+                                  <p:childTnLst>
+                                    <p:set>
+                                      <p:cBhvr>
+                                        <p:cTn id="20" dur="1" fill="hold">
+                                          <p:stCondLst>
+                                            <p:cond delay="0"/>
+                                          </p:stCondLst>
+                                        </p:cTn>
+                                        <p:tgtEl>
+                                          <p:spTgt spid="133">
+                                            <p:txEl>
+                                              <p:pRg st="5" end="5"/>
+                                            </p:txEl>
+                                          </p:spTgt>
+                                        </p:tgtEl>
+                                        <p:attrNameLst>
+                                          <p:attrName>style.visibility</p:attrName>
+                                        </p:attrNameLst>
+                                      </p:cBhvr>
+                                      <p:to>
+                                        <p:strVal val="visible"/>
+                                      </p:to>
+                                    </p:set>
+                                  </p:childTnLst>
+                                </p:cTn>
+                              </p:par>
+                              <p:par>
+                                <p:cTn id="21" presetID="1" presetClass="entr" presetSubtype="0" fill="hold" nodeType="withEffect">
+                                  <p:stCondLst>
+                                    <p:cond delay="0"/>
+                                  </p:stCondLst>
+                                  <p:childTnLst>
+                                    <p:set>
+                                      <p:cBhvr>
+                                        <p:cTn id="22" dur="1" fill="hold">
+                                          <p:stCondLst>
+                                            <p:cond delay="0"/>
+                                          </p:stCondLst>
+                                        </p:cTn>
+                                        <p:tgtEl>
+                                          <p:spTgt spid="133">
+                                            <p:txEl>
+                                              <p:pRg st="6" end="6"/>
+                                            </p:txEl>
+                                          </p:spTgt>
+                                        </p:tgtEl>
+                                        <p:attrNameLst>
+                                          <p:attrName>style.visibility</p:attrName>
+                                        </p:attrNameLst>
+                                      </p:cBhvr>
+                                      <p:to>
+                                        <p:strVal val="visible"/>
+                                      </p:to>
+                                    </p:set>
+                                  </p:childTnLst>
+                                </p:cTn>
+                              </p:par>
+                              <p:par>
+                                <p:cTn id="23" presetID="1" presetClass="entr" presetSubtype="0" fill="hold" nodeType="withEffect">
+                                  <p:stCondLst>
+                                    <p:cond delay="0"/>
+                                  </p:stCondLst>
+                                  <p:childTnLst>
+                                    <p:set>
+                                      <p:cBhvr>
+                                        <p:cTn id="24" dur="1" fill="hold">
+                                          <p:stCondLst>
+                                            <p:cond delay="0"/>
+                                          </p:stCondLst>
+                                        </p:cTn>
+                                        <p:tgtEl>
+                                          <p:spTgt spid="133">
+                                            <p:txEl>
+                                              <p:pRg st="7" end="7"/>
+                                            </p:txEl>
+                                          </p:spTgt>
+                                        </p:tgtEl>
+                                        <p:attrNameLst>
+                                          <p:attrName>style.visibility</p:attrName>
+                                        </p:attrNameLst>
+                                      </p:cBhvr>
+                                      <p:to>
+                                        <p:strVal val="visible"/>
+                                      </p:to>
+                                    </p:set>
+                                  </p:childTnLst>
+                                </p:cTn>
+                              </p:par>
+                            </p:childTnLst>
+                          </p:cTn>
+                        </p:par>
+                      </p:childTnLst>
+                    </p:cTn>
+                  </p:par>
+                </p:childTnLst>
+              </p:cTn>
+              <p:prevCondLst>
+                <p:cond evt="onPrev" delay="0">
+                  <p:tgtEl>
+                    <p:sldTgt/>
+                  </p:tgtEl>
+                </p:cond>
+              </p:prevCondLst>
+              <p:nextCondLst>
+                <p:cond evt="onNext" delay="0">
+                  <p:tgtEl>
+                    <p:sldTgt/>
+                  </p:tgtEl>
+                </p:cond>
+              </p:nextCondLst>
+            </p:seq>
+          </p:childTnLst>
+        </p:cTn>
+      </p:par>
+    </p:tnLst>
+  </p:timing>
 </p:sld>
 </file>
 
@@ -16846,10 +18254,14 @@
               <a:buNone/>
             </a:pPr>
             <a:r>
-              <a:rPr lang="de"/>
-              <a:t>Carchain: Funktionsweise</a:t>
-            </a:r>
-            <a:endParaRPr/>
+              <a:rPr lang="de" dirty="0"/>
+              <a:t>Carchain: </a:t>
+            </a:r>
+            <a:r>
+              <a:rPr lang="en-US" dirty="0" err="1"/>
+              <a:t>Ablauf</a:t>
+            </a:r>
+            <a:endParaRPr dirty="0"/>
           </a:p>
         </p:txBody>
       </p:sp>
@@ -17923,6 +19335,550 @@
   <p:clrMapOvr>
     <a:masterClrMapping/>
   </p:clrMapOvr>
+  <p:timing>
+    <p:tnLst>
+      <p:par>
+        <p:cTn id="1" dur="indefinite" restart="never" nodeType="tmRoot">
+          <p:childTnLst>
+            <p:seq concurrent="1" nextAc="seek">
+              <p:cTn id="2" dur="indefinite" nodeType="mainSeq">
+                <p:childTnLst>
+                  <p:par>
+                    <p:cTn id="3" fill="hold">
+                      <p:stCondLst>
+                        <p:cond delay="indefinite"/>
+                      </p:stCondLst>
+                      <p:childTnLst>
+                        <p:par>
+                          <p:cTn id="4" fill="hold">
+                            <p:stCondLst>
+                              <p:cond delay="0"/>
+                            </p:stCondLst>
+                            <p:childTnLst>
+                              <p:par>
+                                <p:cTn id="5" presetID="1" presetClass="entr" presetSubtype="0" fill="hold" grpId="0" nodeType="clickEffect">
+                                  <p:stCondLst>
+                                    <p:cond delay="0"/>
+                                  </p:stCondLst>
+                                  <p:childTnLst>
+                                    <p:set>
+                                      <p:cBhvr>
+                                        <p:cTn id="6" dur="1" fill="hold">
+                                          <p:stCondLst>
+                                            <p:cond delay="0"/>
+                                          </p:stCondLst>
+                                        </p:cTn>
+                                        <p:tgtEl>
+                                          <p:spTgt spid="142"/>
+                                        </p:tgtEl>
+                                        <p:attrNameLst>
+                                          <p:attrName>style.visibility</p:attrName>
+                                        </p:attrNameLst>
+                                      </p:cBhvr>
+                                      <p:to>
+                                        <p:strVal val="visible"/>
+                                      </p:to>
+                                    </p:set>
+                                  </p:childTnLst>
+                                </p:cTn>
+                              </p:par>
+                              <p:par>
+                                <p:cTn id="7" presetID="1" presetClass="entr" presetSubtype="0" fill="hold" grpId="0" nodeType="withEffect">
+                                  <p:stCondLst>
+                                    <p:cond delay="0"/>
+                                  </p:stCondLst>
+                                  <p:childTnLst>
+                                    <p:set>
+                                      <p:cBhvr>
+                                        <p:cTn id="8" dur="1" fill="hold">
+                                          <p:stCondLst>
+                                            <p:cond delay="0"/>
+                                          </p:stCondLst>
+                                        </p:cTn>
+                                        <p:tgtEl>
+                                          <p:spTgt spid="146"/>
+                                        </p:tgtEl>
+                                        <p:attrNameLst>
+                                          <p:attrName>style.visibility</p:attrName>
+                                        </p:attrNameLst>
+                                      </p:cBhvr>
+                                      <p:to>
+                                        <p:strVal val="visible"/>
+                                      </p:to>
+                                    </p:set>
+                                  </p:childTnLst>
+                                </p:cTn>
+                              </p:par>
+                              <p:par>
+                                <p:cTn id="9" presetID="1" presetClass="entr" presetSubtype="0" fill="hold" grpId="0" nodeType="withEffect">
+                                  <p:stCondLst>
+                                    <p:cond delay="0"/>
+                                  </p:stCondLst>
+                                  <p:childTnLst>
+                                    <p:set>
+                                      <p:cBhvr>
+                                        <p:cTn id="10" dur="1" fill="hold">
+                                          <p:stCondLst>
+                                            <p:cond delay="0"/>
+                                          </p:stCondLst>
+                                        </p:cTn>
+                                        <p:tgtEl>
+                                          <p:spTgt spid="141"/>
+                                        </p:tgtEl>
+                                        <p:attrNameLst>
+                                          <p:attrName>style.visibility</p:attrName>
+                                        </p:attrNameLst>
+                                      </p:cBhvr>
+                                      <p:to>
+                                        <p:strVal val="visible"/>
+                                      </p:to>
+                                    </p:set>
+                                  </p:childTnLst>
+                                </p:cTn>
+                              </p:par>
+                              <p:par>
+                                <p:cTn id="11" presetID="1" presetClass="entr" presetSubtype="0" fill="hold" grpId="0" nodeType="withEffect">
+                                  <p:stCondLst>
+                                    <p:cond delay="0"/>
+                                  </p:stCondLst>
+                                  <p:childTnLst>
+                                    <p:set>
+                                      <p:cBhvr>
+                                        <p:cTn id="12" dur="1" fill="hold">
+                                          <p:stCondLst>
+                                            <p:cond delay="0"/>
+                                          </p:stCondLst>
+                                        </p:cTn>
+                                        <p:tgtEl>
+                                          <p:spTgt spid="145"/>
+                                        </p:tgtEl>
+                                        <p:attrNameLst>
+                                          <p:attrName>style.visibility</p:attrName>
+                                        </p:attrNameLst>
+                                      </p:cBhvr>
+                                      <p:to>
+                                        <p:strVal val="visible"/>
+                                      </p:to>
+                                    </p:set>
+                                  </p:childTnLst>
+                                </p:cTn>
+                              </p:par>
+                              <p:par>
+                                <p:cTn id="13" presetID="1" presetClass="entr" presetSubtype="0" fill="hold" grpId="0" nodeType="withEffect">
+                                  <p:stCondLst>
+                                    <p:cond delay="0"/>
+                                  </p:stCondLst>
+                                  <p:childTnLst>
+                                    <p:set>
+                                      <p:cBhvr>
+                                        <p:cTn id="14" dur="1" fill="hold">
+                                          <p:stCondLst>
+                                            <p:cond delay="0"/>
+                                          </p:stCondLst>
+                                        </p:cTn>
+                                        <p:tgtEl>
+                                          <p:spTgt spid="140"/>
+                                        </p:tgtEl>
+                                        <p:attrNameLst>
+                                          <p:attrName>style.visibility</p:attrName>
+                                        </p:attrNameLst>
+                                      </p:cBhvr>
+                                      <p:to>
+                                        <p:strVal val="visible"/>
+                                      </p:to>
+                                    </p:set>
+                                  </p:childTnLst>
+                                </p:cTn>
+                              </p:par>
+                              <p:par>
+                                <p:cTn id="15" presetID="1" presetClass="entr" presetSubtype="0" fill="hold" grpId="0" nodeType="withEffect">
+                                  <p:stCondLst>
+                                    <p:cond delay="0"/>
+                                  </p:stCondLst>
+                                  <p:childTnLst>
+                                    <p:set>
+                                      <p:cBhvr>
+                                        <p:cTn id="16" dur="1" fill="hold">
+                                          <p:stCondLst>
+                                            <p:cond delay="0"/>
+                                          </p:stCondLst>
+                                        </p:cTn>
+                                        <p:tgtEl>
+                                          <p:spTgt spid="149"/>
+                                        </p:tgtEl>
+                                        <p:attrNameLst>
+                                          <p:attrName>style.visibility</p:attrName>
+                                        </p:attrNameLst>
+                                      </p:cBhvr>
+                                      <p:to>
+                                        <p:strVal val="visible"/>
+                                      </p:to>
+                                    </p:set>
+                                  </p:childTnLst>
+                                </p:cTn>
+                              </p:par>
+                              <p:par>
+                                <p:cTn id="17" presetID="1" presetClass="entr" presetSubtype="0" fill="hold" grpId="0" nodeType="withEffect">
+                                  <p:stCondLst>
+                                    <p:cond delay="0"/>
+                                  </p:stCondLst>
+                                  <p:childTnLst>
+                                    <p:set>
+                                      <p:cBhvr>
+                                        <p:cTn id="18" dur="1" fill="hold">
+                                          <p:stCondLst>
+                                            <p:cond delay="0"/>
+                                          </p:stCondLst>
+                                        </p:cTn>
+                                        <p:tgtEl>
+                                          <p:spTgt spid="153"/>
+                                        </p:tgtEl>
+                                        <p:attrNameLst>
+                                          <p:attrName>style.visibility</p:attrName>
+                                        </p:attrNameLst>
+                                      </p:cBhvr>
+                                      <p:to>
+                                        <p:strVal val="visible"/>
+                                      </p:to>
+                                    </p:set>
+                                  </p:childTnLst>
+                                </p:cTn>
+                              </p:par>
+                              <p:par>
+                                <p:cTn id="19" presetID="1" presetClass="entr" presetSubtype="0" fill="hold" grpId="0" nodeType="withEffect">
+                                  <p:stCondLst>
+                                    <p:cond delay="0"/>
+                                  </p:stCondLst>
+                                  <p:childTnLst>
+                                    <p:set>
+                                      <p:cBhvr>
+                                        <p:cTn id="20" dur="1" fill="hold">
+                                          <p:stCondLst>
+                                            <p:cond delay="0"/>
+                                          </p:stCondLst>
+                                        </p:cTn>
+                                        <p:tgtEl>
+                                          <p:spTgt spid="154"/>
+                                        </p:tgtEl>
+                                        <p:attrNameLst>
+                                          <p:attrName>style.visibility</p:attrName>
+                                        </p:attrNameLst>
+                                      </p:cBhvr>
+                                      <p:to>
+                                        <p:strVal val="visible"/>
+                                      </p:to>
+                                    </p:set>
+                                  </p:childTnLst>
+                                </p:cTn>
+                              </p:par>
+                              <p:par>
+                                <p:cTn id="21" presetID="1" presetClass="entr" presetSubtype="0" fill="hold" grpId="0" nodeType="withEffect">
+                                  <p:stCondLst>
+                                    <p:cond delay="0"/>
+                                  </p:stCondLst>
+                                  <p:childTnLst>
+                                    <p:set>
+                                      <p:cBhvr>
+                                        <p:cTn id="22" dur="1" fill="hold">
+                                          <p:stCondLst>
+                                            <p:cond delay="0"/>
+                                          </p:stCondLst>
+                                        </p:cTn>
+                                        <p:tgtEl>
+                                          <p:spTgt spid="151"/>
+                                        </p:tgtEl>
+                                        <p:attrNameLst>
+                                          <p:attrName>style.visibility</p:attrName>
+                                        </p:attrNameLst>
+                                      </p:cBhvr>
+                                      <p:to>
+                                        <p:strVal val="visible"/>
+                                      </p:to>
+                                    </p:set>
+                                  </p:childTnLst>
+                                </p:cTn>
+                              </p:par>
+                            </p:childTnLst>
+                          </p:cTn>
+                        </p:par>
+                      </p:childTnLst>
+                    </p:cTn>
+                  </p:par>
+                  <p:par>
+                    <p:cTn id="23" fill="hold">
+                      <p:stCondLst>
+                        <p:cond delay="indefinite"/>
+                      </p:stCondLst>
+                      <p:childTnLst>
+                        <p:par>
+                          <p:cTn id="24" fill="hold">
+                            <p:stCondLst>
+                              <p:cond delay="0"/>
+                            </p:stCondLst>
+                            <p:childTnLst>
+                              <p:par>
+                                <p:cTn id="25" presetID="1" presetClass="entr" presetSubtype="0" fill="hold" grpId="0" nodeType="clickEffect">
+                                  <p:stCondLst>
+                                    <p:cond delay="0"/>
+                                  </p:stCondLst>
+                                  <p:childTnLst>
+                                    <p:set>
+                                      <p:cBhvr>
+                                        <p:cTn id="26" dur="1" fill="hold">
+                                          <p:stCondLst>
+                                            <p:cond delay="0"/>
+                                          </p:stCondLst>
+                                        </p:cTn>
+                                        <p:tgtEl>
+                                          <p:spTgt spid="147"/>
+                                        </p:tgtEl>
+                                        <p:attrNameLst>
+                                          <p:attrName>style.visibility</p:attrName>
+                                        </p:attrNameLst>
+                                      </p:cBhvr>
+                                      <p:to>
+                                        <p:strVal val="visible"/>
+                                      </p:to>
+                                    </p:set>
+                                  </p:childTnLst>
+                                </p:cTn>
+                              </p:par>
+                              <p:par>
+                                <p:cTn id="27" presetID="1" presetClass="entr" presetSubtype="0" fill="hold" grpId="0" nodeType="withEffect">
+                                  <p:stCondLst>
+                                    <p:cond delay="0"/>
+                                  </p:stCondLst>
+                                  <p:childTnLst>
+                                    <p:set>
+                                      <p:cBhvr>
+                                        <p:cTn id="28" dur="1" fill="hold">
+                                          <p:stCondLst>
+                                            <p:cond delay="0"/>
+                                          </p:stCondLst>
+                                        </p:cTn>
+                                        <p:tgtEl>
+                                          <p:spTgt spid="143"/>
+                                        </p:tgtEl>
+                                        <p:attrNameLst>
+                                          <p:attrName>style.visibility</p:attrName>
+                                        </p:attrNameLst>
+                                      </p:cBhvr>
+                                      <p:to>
+                                        <p:strVal val="visible"/>
+                                      </p:to>
+                                    </p:set>
+                                  </p:childTnLst>
+                                </p:cTn>
+                              </p:par>
+                              <p:par>
+                                <p:cTn id="29" presetID="1" presetClass="entr" presetSubtype="0" fill="hold" grpId="0" nodeType="withEffect">
+                                  <p:stCondLst>
+                                    <p:cond delay="0"/>
+                                  </p:stCondLst>
+                                  <p:childTnLst>
+                                    <p:set>
+                                      <p:cBhvr>
+                                        <p:cTn id="30" dur="1" fill="hold">
+                                          <p:stCondLst>
+                                            <p:cond delay="0"/>
+                                          </p:stCondLst>
+                                        </p:cTn>
+                                        <p:tgtEl>
+                                          <p:spTgt spid="148"/>
+                                        </p:tgtEl>
+                                        <p:attrNameLst>
+                                          <p:attrName>style.visibility</p:attrName>
+                                        </p:attrNameLst>
+                                      </p:cBhvr>
+                                      <p:to>
+                                        <p:strVal val="visible"/>
+                                      </p:to>
+                                    </p:set>
+                                  </p:childTnLst>
+                                </p:cTn>
+                              </p:par>
+                              <p:par>
+                                <p:cTn id="31" presetID="1" presetClass="entr" presetSubtype="0" fill="hold" grpId="0" nodeType="withEffect">
+                                  <p:stCondLst>
+                                    <p:cond delay="0"/>
+                                  </p:stCondLst>
+                                  <p:childTnLst>
+                                    <p:set>
+                                      <p:cBhvr>
+                                        <p:cTn id="32" dur="1" fill="hold">
+                                          <p:stCondLst>
+                                            <p:cond delay="0"/>
+                                          </p:stCondLst>
+                                        </p:cTn>
+                                        <p:tgtEl>
+                                          <p:spTgt spid="155"/>
+                                        </p:tgtEl>
+                                        <p:attrNameLst>
+                                          <p:attrName>style.visibility</p:attrName>
+                                        </p:attrNameLst>
+                                      </p:cBhvr>
+                                      <p:to>
+                                        <p:strVal val="visible"/>
+                                      </p:to>
+                                    </p:set>
+                                  </p:childTnLst>
+                                </p:cTn>
+                              </p:par>
+                              <p:par>
+                                <p:cTn id="33" presetID="1" presetClass="entr" presetSubtype="0" fill="hold" grpId="0" nodeType="withEffect">
+                                  <p:stCondLst>
+                                    <p:cond delay="0"/>
+                                  </p:stCondLst>
+                                  <p:childTnLst>
+                                    <p:set>
+                                      <p:cBhvr>
+                                        <p:cTn id="34" dur="1" fill="hold">
+                                          <p:stCondLst>
+                                            <p:cond delay="0"/>
+                                          </p:stCondLst>
+                                        </p:cTn>
+                                        <p:tgtEl>
+                                          <p:spTgt spid="156"/>
+                                        </p:tgtEl>
+                                        <p:attrNameLst>
+                                          <p:attrName>style.visibility</p:attrName>
+                                        </p:attrNameLst>
+                                      </p:cBhvr>
+                                      <p:to>
+                                        <p:strVal val="visible"/>
+                                      </p:to>
+                                    </p:set>
+                                  </p:childTnLst>
+                                </p:cTn>
+                              </p:par>
+                              <p:par>
+                                <p:cTn id="35" presetID="1" presetClass="entr" presetSubtype="0" fill="hold" grpId="0" nodeType="withEffect">
+                                  <p:stCondLst>
+                                    <p:cond delay="0"/>
+                                  </p:stCondLst>
+                                  <p:childTnLst>
+                                    <p:set>
+                                      <p:cBhvr>
+                                        <p:cTn id="36" dur="1" fill="hold">
+                                          <p:stCondLst>
+                                            <p:cond delay="0"/>
+                                          </p:stCondLst>
+                                        </p:cTn>
+                                        <p:tgtEl>
+                                          <p:spTgt spid="144"/>
+                                        </p:tgtEl>
+                                        <p:attrNameLst>
+                                          <p:attrName>style.visibility</p:attrName>
+                                        </p:attrNameLst>
+                                      </p:cBhvr>
+                                      <p:to>
+                                        <p:strVal val="visible"/>
+                                      </p:to>
+                                    </p:set>
+                                  </p:childTnLst>
+                                </p:cTn>
+                              </p:par>
+                              <p:par>
+                                <p:cTn id="37" presetID="1" presetClass="entr" presetSubtype="0" fill="hold" grpId="0" nodeType="withEffect">
+                                  <p:stCondLst>
+                                    <p:cond delay="0"/>
+                                  </p:stCondLst>
+                                  <p:childTnLst>
+                                    <p:set>
+                                      <p:cBhvr>
+                                        <p:cTn id="38" dur="1" fill="hold">
+                                          <p:stCondLst>
+                                            <p:cond delay="0"/>
+                                          </p:stCondLst>
+                                        </p:cTn>
+                                        <p:tgtEl>
+                                          <p:spTgt spid="150"/>
+                                        </p:tgtEl>
+                                        <p:attrNameLst>
+                                          <p:attrName>style.visibility</p:attrName>
+                                        </p:attrNameLst>
+                                      </p:cBhvr>
+                                      <p:to>
+                                        <p:strVal val="visible"/>
+                                      </p:to>
+                                    </p:set>
+                                  </p:childTnLst>
+                                </p:cTn>
+                              </p:par>
+                              <p:par>
+                                <p:cTn id="39" presetID="1" presetClass="entr" presetSubtype="0" fill="hold" grpId="0" nodeType="withEffect">
+                                  <p:stCondLst>
+                                    <p:cond delay="0"/>
+                                  </p:stCondLst>
+                                  <p:childTnLst>
+                                    <p:set>
+                                      <p:cBhvr>
+                                        <p:cTn id="40" dur="1" fill="hold">
+                                          <p:stCondLst>
+                                            <p:cond delay="0"/>
+                                          </p:stCondLst>
+                                        </p:cTn>
+                                        <p:tgtEl>
+                                          <p:spTgt spid="152"/>
+                                        </p:tgtEl>
+                                        <p:attrNameLst>
+                                          <p:attrName>style.visibility</p:attrName>
+                                        </p:attrNameLst>
+                                      </p:cBhvr>
+                                      <p:to>
+                                        <p:strVal val="visible"/>
+                                      </p:to>
+                                    </p:set>
+                                  </p:childTnLst>
+                                </p:cTn>
+                              </p:par>
+                            </p:childTnLst>
+                          </p:cTn>
+                        </p:par>
+                      </p:childTnLst>
+                    </p:cTn>
+                  </p:par>
+                </p:childTnLst>
+              </p:cTn>
+              <p:prevCondLst>
+                <p:cond evt="onPrev" delay="0">
+                  <p:tgtEl>
+                    <p:sldTgt/>
+                  </p:tgtEl>
+                </p:cond>
+              </p:prevCondLst>
+              <p:nextCondLst>
+                <p:cond evt="onNext" delay="0">
+                  <p:tgtEl>
+                    <p:sldTgt/>
+                  </p:tgtEl>
+                </p:cond>
+              </p:nextCondLst>
+            </p:seq>
+          </p:childTnLst>
+        </p:cTn>
+      </p:par>
+    </p:tnLst>
+    <p:bldLst>
+      <p:bldP spid="140" grpId="0" animBg="1"/>
+      <p:bldP spid="141" grpId="0" animBg="1"/>
+      <p:bldP spid="142" grpId="0" animBg="1"/>
+      <p:bldP spid="143" grpId="0" animBg="1"/>
+      <p:bldP spid="144" grpId="0" animBg="1"/>
+      <p:bldP spid="145" grpId="0" animBg="1"/>
+      <p:bldP spid="146" grpId="0" animBg="1"/>
+      <p:bldP spid="147" grpId="0" animBg="1"/>
+      <p:bldP spid="148" grpId="0" animBg="1"/>
+      <p:bldP spid="149" grpId="0" animBg="1"/>
+      <p:bldP spid="150" grpId="0" animBg="1"/>
+      <p:bldP spid="151" grpId="0"/>
+      <p:bldP spid="152" grpId="0"/>
+      <p:bldP spid="153" grpId="0"/>
+      <p:bldP spid="154" grpId="0"/>
+      <p:bldP spid="155" grpId="0" animBg="1"/>
+      <p:bldP spid="156" grpId="0" animBg="1"/>
+    </p:bldLst>
+  </p:timing>
 </p:sld>
 </file>
 
@@ -17979,35 +19935,14 @@
               <a:buNone/>
             </a:pPr>
             <a:r>
-              <a:rPr lang="de"/>
-              <a:t>Carchain: Funktionsweise</a:t>
-            </a:r>
-            <a:endParaRPr/>
-          </a:p>
-        </p:txBody>
-      </p:sp>
-      <p:sp>
-        <p:nvSpPr>
-          <p:cNvPr id="2" name="Inhaltsplatzhalter 1">
-            <a:extLst>
-              <a:ext uri="{FF2B5EF4-FFF2-40B4-BE49-F238E27FC236}">
-                <a16:creationId xmlns:a16="http://schemas.microsoft.com/office/drawing/2014/main" id="{CF60FB9F-F923-46BB-AC09-6380140ABF85}"/>
-              </a:ext>
-            </a:extLst>
-          </p:cNvPr>
-          <p:cNvSpPr>
-            <a:spLocks noGrp="1"/>
-          </p:cNvSpPr>
-          <p:nvPr>
-            <p:ph idx="1"/>
-          </p:nvPr>
-        </p:nvSpPr>
-        <p:spPr/>
-        <p:txBody>
-          <a:bodyPr/>
-          <a:lstStyle/>
-          <a:p>
-            <a:endParaRPr lang="de-DE"/>
+              <a:rPr lang="de" dirty="0"/>
+              <a:t>Carchain: </a:t>
+            </a:r>
+            <a:r>
+              <a:rPr lang="en-US" dirty="0" err="1"/>
+              <a:t>Interaktion</a:t>
+            </a:r>
+            <a:endParaRPr dirty="0"/>
           </a:p>
         </p:txBody>
       </p:sp>
@@ -18100,6 +20035,171 @@
   <p:clrMapOvr>
     <a:masterClrMapping/>
   </p:clrMapOvr>
+  <p:timing>
+    <p:tnLst>
+      <p:par>
+        <p:cTn id="1" dur="indefinite" restart="never" nodeType="tmRoot">
+          <p:childTnLst>
+            <p:seq concurrent="1" nextAc="seek">
+              <p:cTn id="2" dur="indefinite" nodeType="mainSeq">
+                <p:childTnLst>
+                  <p:par>
+                    <p:cTn id="3" fill="hold">
+                      <p:stCondLst>
+                        <p:cond delay="indefinite"/>
+                      </p:stCondLst>
+                      <p:childTnLst>
+                        <p:par>
+                          <p:cTn id="4" fill="hold">
+                            <p:stCondLst>
+                              <p:cond delay="0"/>
+                            </p:stCondLst>
+                            <p:childTnLst>
+                              <p:par>
+                                <p:cTn id="5" presetID="1" presetClass="entr" presetSubtype="0" fill="hold" nodeType="clickEffect">
+                                  <p:stCondLst>
+                                    <p:cond delay="0"/>
+                                  </p:stCondLst>
+                                  <p:childTnLst>
+                                    <p:set>
+                                      <p:cBhvr>
+                                        <p:cTn id="6" dur="1" fill="hold">
+                                          <p:stCondLst>
+                                            <p:cond delay="0"/>
+                                          </p:stCondLst>
+                                        </p:cTn>
+                                        <p:tgtEl>
+                                          <p:spTgt spid="162"/>
+                                        </p:tgtEl>
+                                        <p:attrNameLst>
+                                          <p:attrName>style.visibility</p:attrName>
+                                        </p:attrNameLst>
+                                      </p:cBhvr>
+                                      <p:to>
+                                        <p:strVal val="visible"/>
+                                      </p:to>
+                                    </p:set>
+                                  </p:childTnLst>
+                                </p:cTn>
+                              </p:par>
+                            </p:childTnLst>
+                          </p:cTn>
+                        </p:par>
+                      </p:childTnLst>
+                    </p:cTn>
+                  </p:par>
+                  <p:par>
+                    <p:cTn id="7" fill="hold">
+                      <p:stCondLst>
+                        <p:cond delay="indefinite"/>
+                      </p:stCondLst>
+                      <p:childTnLst>
+                        <p:par>
+                          <p:cTn id="8" fill="hold">
+                            <p:stCondLst>
+                              <p:cond delay="0"/>
+                            </p:stCondLst>
+                            <p:childTnLst>
+                              <p:par>
+                                <p:cTn id="9" presetID="1" presetClass="entr" presetSubtype="0" fill="hold" nodeType="clickEffect">
+                                  <p:stCondLst>
+                                    <p:cond delay="0"/>
+                                  </p:stCondLst>
+                                  <p:childTnLst>
+                                    <p:set>
+                                      <p:cBhvr>
+                                        <p:cTn id="10" dur="1" fill="hold">
+                                          <p:stCondLst>
+                                            <p:cond delay="0"/>
+                                          </p:stCondLst>
+                                        </p:cTn>
+                                        <p:tgtEl>
+                                          <p:spTgt spid="163"/>
+                                        </p:tgtEl>
+                                        <p:attrNameLst>
+                                          <p:attrName>style.visibility</p:attrName>
+                                        </p:attrNameLst>
+                                      </p:cBhvr>
+                                      <p:to>
+                                        <p:strVal val="visible"/>
+                                      </p:to>
+                                    </p:set>
+                                  </p:childTnLst>
+                                </p:cTn>
+                              </p:par>
+                            </p:childTnLst>
+                          </p:cTn>
+                        </p:par>
+                      </p:childTnLst>
+                    </p:cTn>
+                  </p:par>
+                  <p:par>
+                    <p:cTn id="11" fill="hold">
+                      <p:stCondLst>
+                        <p:cond delay="indefinite"/>
+                      </p:stCondLst>
+                      <p:childTnLst>
+                        <p:par>
+                          <p:cTn id="12" fill="hold">
+                            <p:stCondLst>
+                              <p:cond delay="0"/>
+                            </p:stCondLst>
+                            <p:childTnLst>
+                              <p:par>
+                                <p:cTn id="13" presetID="1" presetClass="entr" presetSubtype="0" fill="hold" nodeType="clickEffect">
+                                  <p:stCondLst>
+                                    <p:cond delay="0"/>
+                                  </p:stCondLst>
+                                  <p:childTnLst>
+                                    <p:set>
+                                      <p:cBhvr>
+                                        <p:cTn id="14" dur="1" fill="hold">
+                                          <p:stCondLst>
+                                            <p:cond delay="0"/>
+                                          </p:stCondLst>
+                                        </p:cTn>
+                                        <p:tgtEl>
+                                          <p:spTgt spid="164"/>
+                                        </p:tgtEl>
+                                        <p:attrNameLst>
+                                          <p:attrName>style.visibility</p:attrName>
+                                        </p:attrNameLst>
+                                      </p:cBhvr>
+                                      <p:to>
+                                        <p:strVal val="visible"/>
+                                      </p:to>
+                                    </p:set>
+                                  </p:childTnLst>
+                                </p:cTn>
+                              </p:par>
+                            </p:childTnLst>
+                          </p:cTn>
+                        </p:par>
+                      </p:childTnLst>
+                    </p:cTn>
+                  </p:par>
+                </p:childTnLst>
+              </p:cTn>
+              <p:prevCondLst>
+                <p:cond evt="onPrev" delay="0">
+                  <p:tgtEl>
+                    <p:sldTgt/>
+                  </p:tgtEl>
+                </p:cond>
+              </p:prevCondLst>
+              <p:nextCondLst>
+                <p:cond evt="onNext" delay="0">
+                  <p:tgtEl>
+                    <p:sldTgt/>
+                  </p:tgtEl>
+                </p:cond>
+              </p:nextCondLst>
+            </p:seq>
+          </p:childTnLst>
+        </p:cTn>
+      </p:par>
+    </p:tnLst>
+  </p:timing>
 </p:sld>
 </file>
 

--- a/Präsentation/PräsiCarchain/Carchain Präsentation.pptx
+++ b/Präsentation/PräsiCarchain/Carchain Präsentation.pptx
@@ -64,12 +64,12 @@
       <p:boldItalic r:id="rId50"/>
     </p:embeddedFont>
     <p:embeddedFont>
-      <p:font typeface="Roboto Light" panose="02000000000000000000" pitchFamily="2" charset="0"/>
+      <p:font typeface="Roboto Light" panose="020B0604020202020204" charset="0"/>
       <p:regular r:id="rId51"/>
       <p:italic r:id="rId52"/>
     </p:embeddedFont>
     <p:embeddedFont>
-      <p:font typeface="Roboto Thin" panose="02000000000000000000" pitchFamily="2" charset="0"/>
+      <p:font typeface="Roboto Thin" panose="020B0604020202020204" charset="0"/>
       <p:regular r:id="rId53"/>
       <p:italic r:id="rId54"/>
     </p:embeddedFont>
@@ -1004,115 +1004,8 @@
             </a:pPr>
             <a:r>
               <a:rPr lang="de-DE" dirty="0"/>
-              <a:t>Alice kauft in aller Ruhe ein, bringt ihre Einkäufe nach Hause -</a:t>
-            </a:r>
-          </a:p>
-          <a:p>
-            <a:pPr marL="0" lvl="0" indent="0" algn="l" rtl="0">
-              <a:spcBef>
-                <a:spcPts val="0"/>
-              </a:spcBef>
-              <a:spcAft>
-                <a:spcPts val="0"/>
-              </a:spcAft>
-              <a:buNone/>
-            </a:pPr>
-            <a:endParaRPr lang="de-DE" dirty="0"/>
-          </a:p>
-          <a:p>
-            <a:pPr marL="0" lvl="0" indent="0" algn="l" rtl="0">
-              <a:spcBef>
-                <a:spcPts val="0"/>
-              </a:spcBef>
-              <a:spcAft>
-                <a:spcPts val="0"/>
-              </a:spcAft>
-              <a:buNone/>
-            </a:pPr>
-            <a:r>
-              <a:rPr lang="de-DE" dirty="0"/>
-              <a:t>(Idee mit Piktogrammen &amp; Animationen)</a:t>
-            </a:r>
-            <a:br>
-              <a:rPr lang="de-DE" dirty="0"/>
-            </a:br>
-            <a:r>
-              <a:rPr lang="de-DE" dirty="0"/>
-              <a:t>A hat Auto, braucht aber nicht immer → Stellt zur Verfügung</a:t>
-            </a:r>
-            <a:br>
-              <a:rPr lang="de-DE" dirty="0"/>
-            </a:br>
-            <a:r>
-              <a:rPr lang="de-DE" dirty="0"/>
-              <a:t>Firma A2 möchte Autos vermieten → stellt zur Verfügung</a:t>
-            </a:r>
-          </a:p>
-          <a:p>
-            <a:pPr marL="0" lvl="0" indent="0" algn="l" rtl="0">
-              <a:spcBef>
-                <a:spcPts val="1600"/>
-              </a:spcBef>
-              <a:spcAft>
-                <a:spcPts val="1600"/>
-              </a:spcAft>
-              <a:buNone/>
-            </a:pPr>
-            <a:r>
-              <a:rPr lang="de-DE" dirty="0"/>
-              <a:t>B benötigt Auto → kann Autos einsehen</a:t>
-            </a:r>
-            <a:br>
-              <a:rPr lang="de-DE" dirty="0"/>
-            </a:br>
-            <a:r>
-              <a:rPr lang="de-DE" dirty="0"/>
-              <a:t>B findet Auto &amp; startet Miete auf Zeit (</a:t>
-            </a:r>
-            <a:r>
-              <a:rPr lang="de-DE" dirty="0" err="1"/>
-              <a:t>Pre</a:t>
-            </a:r>
-            <a:r>
-              <a:rPr lang="de-DE" dirty="0"/>
-              <a:t>-Paid), </a:t>
-            </a:r>
-            <a:br>
-              <a:rPr lang="de-DE" dirty="0"/>
-            </a:br>
-            <a:r>
-              <a:rPr lang="de-DE" dirty="0"/>
-              <a:t>Eintrag wird auf BC mit Zeiten hinterlegt</a:t>
-            </a:r>
-            <a:br>
-              <a:rPr lang="de-DE" dirty="0"/>
-            </a:br>
-            <a:br>
-              <a:rPr lang="de-DE" dirty="0"/>
-            </a:br>
-            <a:r>
-              <a:rPr lang="de-DE" dirty="0"/>
-              <a:t>B geht zu Auto, App generiert Barcode, Auto liest Barcode, validiert und öffnet - oder nicht, B kann fahren &amp; nutzen</a:t>
-            </a:r>
-            <a:br>
-              <a:rPr lang="de-DE" dirty="0"/>
-            </a:br>
-            <a:r>
-              <a:rPr lang="de-DE" dirty="0"/>
-              <a:t>B bringt Auto rechtzeitig zurück - alle happy</a:t>
-            </a:r>
-          </a:p>
-          <a:p>
-            <a:pPr marL="0" lvl="0" indent="0" algn="l" rtl="0">
-              <a:spcBef>
-                <a:spcPts val="0"/>
-              </a:spcBef>
-              <a:spcAft>
-                <a:spcPts val="0"/>
-              </a:spcAft>
-              <a:buNone/>
-            </a:pPr>
-            <a:endParaRPr dirty="0"/>
+              <a:t>Alice kauft in aller Ruhe ein, *KLICK* bringt ihre Einkäufe nach Hause -</a:t>
+            </a:r>
           </a:p>
         </p:txBody>
       </p:sp>
@@ -1223,7 +1116,7 @@
             </a:pPr>
             <a:r>
               <a:rPr lang="de-DE" dirty="0"/>
-              <a:t>Und gibt das Auto einfach rechtzeitig wieder an seiner Heimatadresse zurück.</a:t>
+              <a:t>Und gibt das Auto einfach rechtzeitig *KLICK* wieder an seiner Heimatadresse zurück.</a:t>
             </a:r>
           </a:p>
           <a:p>
@@ -1237,89 +1130,6 @@
               <a:buNone/>
             </a:pPr>
             <a:endParaRPr lang="de-DE" dirty="0"/>
-          </a:p>
-          <a:p>
-            <a:pPr marL="0" lvl="0" indent="0" algn="l" rtl="0">
-              <a:spcBef>
-                <a:spcPts val="0"/>
-              </a:spcBef>
-              <a:spcAft>
-                <a:spcPts val="0"/>
-              </a:spcAft>
-              <a:buNone/>
-            </a:pPr>
-            <a:r>
-              <a:rPr lang="de-DE" dirty="0"/>
-              <a:t>(Idee mit Piktogrammen &amp; Animationen)</a:t>
-            </a:r>
-            <a:br>
-              <a:rPr lang="de-DE" dirty="0"/>
-            </a:br>
-            <a:r>
-              <a:rPr lang="de-DE" dirty="0"/>
-              <a:t>A hat Auto, braucht aber nicht immer → Stellt zur Verfügung</a:t>
-            </a:r>
-            <a:br>
-              <a:rPr lang="de-DE" dirty="0"/>
-            </a:br>
-            <a:r>
-              <a:rPr lang="de-DE" dirty="0"/>
-              <a:t>Firma A2 möchte Autos vermieten → stellt zur Verfügung</a:t>
-            </a:r>
-          </a:p>
-          <a:p>
-            <a:pPr marL="0" lvl="0" indent="0" algn="l" rtl="0">
-              <a:spcBef>
-                <a:spcPts val="1600"/>
-              </a:spcBef>
-              <a:spcAft>
-                <a:spcPts val="1600"/>
-              </a:spcAft>
-              <a:buNone/>
-            </a:pPr>
-            <a:r>
-              <a:rPr lang="de-DE" dirty="0"/>
-              <a:t>B benötigt Auto → kann Autos einsehen</a:t>
-            </a:r>
-            <a:br>
-              <a:rPr lang="de-DE" dirty="0"/>
-            </a:br>
-            <a:r>
-              <a:rPr lang="de-DE" dirty="0"/>
-              <a:t>B findet Auto &amp; startet Miete auf Zeit (</a:t>
-            </a:r>
-            <a:r>
-              <a:rPr lang="de-DE" dirty="0" err="1"/>
-              <a:t>Pre</a:t>
-            </a:r>
-            <a:r>
-              <a:rPr lang="de-DE" dirty="0"/>
-              <a:t>-Paid), </a:t>
-            </a:r>
-            <a:br>
-              <a:rPr lang="de-DE" dirty="0"/>
-            </a:br>
-            <a:r>
-              <a:rPr lang="de-DE" dirty="0"/>
-              <a:t>Eintrag wird auf BC mit Zeiten hinterlegt</a:t>
-            </a:r>
-            <a:br>
-              <a:rPr lang="de-DE" dirty="0"/>
-            </a:br>
-            <a:br>
-              <a:rPr lang="de-DE" dirty="0"/>
-            </a:br>
-            <a:r>
-              <a:rPr lang="de-DE" dirty="0"/>
-              <a:t>B geht zu Auto, App generiert Barcode, Auto liest Barcode, validiert und öffnet - oder nicht, B kann fahren &amp; nutzen</a:t>
-            </a:r>
-            <a:br>
-              <a:rPr lang="de-DE" dirty="0"/>
-            </a:br>
-            <a:r>
-              <a:rPr lang="de-DE" dirty="0"/>
-              <a:t>B bringt Auto rechtzeitig zurück - alle happy</a:t>
-            </a:r>
           </a:p>
           <a:p>
             <a:pPr marL="0" lvl="0" indent="0" algn="l" rtl="0">
@@ -1442,7 +1252,7 @@
             </a:pPr>
             <a:r>
               <a:rPr lang="de-DE" dirty="0"/>
-              <a:t>Alice konnte einkaufen, Bob hat nebenher etwas Geld verdient, alle sind happy und es herrscht Friede, Freude und Eierkuchen!</a:t>
+              <a:t>Alice konnte einkaufen, Bob hat nebenher etwas Geld verdient, alle sind happy *KLICK* und es herrscht Friede, Freude und Eierkuchen!</a:t>
             </a:r>
           </a:p>
           <a:p>
@@ -1471,101 +1281,6 @@
               <a:buNone/>
             </a:pPr>
             <a:endParaRPr lang="de-DE" dirty="0"/>
-          </a:p>
-          <a:p>
-            <a:pPr marL="0" lvl="0" indent="0" algn="l" rtl="0">
-              <a:spcBef>
-                <a:spcPts val="0"/>
-              </a:spcBef>
-              <a:spcAft>
-                <a:spcPts val="0"/>
-              </a:spcAft>
-              <a:buNone/>
-            </a:pPr>
-            <a:endParaRPr lang="de-DE" dirty="0"/>
-          </a:p>
-          <a:p>
-            <a:pPr marL="0" lvl="0" indent="0" algn="l" rtl="0">
-              <a:spcBef>
-                <a:spcPts val="0"/>
-              </a:spcBef>
-              <a:spcAft>
-                <a:spcPts val="0"/>
-              </a:spcAft>
-              <a:buNone/>
-            </a:pPr>
-            <a:r>
-              <a:rPr lang="de-DE" dirty="0"/>
-              <a:t>(Idee mit Piktogrammen &amp; Animationen)</a:t>
-            </a:r>
-            <a:br>
-              <a:rPr lang="de-DE" dirty="0"/>
-            </a:br>
-            <a:r>
-              <a:rPr lang="de-DE" dirty="0"/>
-              <a:t>A hat Auto, braucht aber nicht immer → Stellt zur Verfügung</a:t>
-            </a:r>
-            <a:br>
-              <a:rPr lang="de-DE" dirty="0"/>
-            </a:br>
-            <a:r>
-              <a:rPr lang="de-DE" dirty="0"/>
-              <a:t>Firma A2 möchte Autos vermieten → stellt zur Verfügung</a:t>
-            </a:r>
-          </a:p>
-          <a:p>
-            <a:pPr marL="0" lvl="0" indent="0" algn="l" rtl="0">
-              <a:spcBef>
-                <a:spcPts val="1600"/>
-              </a:spcBef>
-              <a:spcAft>
-                <a:spcPts val="1600"/>
-              </a:spcAft>
-              <a:buNone/>
-            </a:pPr>
-            <a:r>
-              <a:rPr lang="de-DE" dirty="0"/>
-              <a:t>B benötigt Auto → kann Autos einsehen</a:t>
-            </a:r>
-            <a:br>
-              <a:rPr lang="de-DE" dirty="0"/>
-            </a:br>
-            <a:r>
-              <a:rPr lang="de-DE" dirty="0"/>
-              <a:t>B findet Auto &amp; startet Miete auf Zeit (</a:t>
-            </a:r>
-            <a:r>
-              <a:rPr lang="de-DE" dirty="0" err="1"/>
-              <a:t>Pre</a:t>
-            </a:r>
-            <a:r>
-              <a:rPr lang="de-DE" dirty="0"/>
-              <a:t>-Paid), </a:t>
-            </a:r>
-            <a:br>
-              <a:rPr lang="de-DE" dirty="0"/>
-            </a:br>
-            <a:r>
-              <a:rPr lang="de-DE" dirty="0"/>
-              <a:t>Eintrag wird auf BC mit Zeiten hinterlegt</a:t>
-            </a:r>
-            <a:br>
-              <a:rPr lang="de-DE" dirty="0"/>
-            </a:br>
-            <a:br>
-              <a:rPr lang="de-DE" dirty="0"/>
-            </a:br>
-            <a:r>
-              <a:rPr lang="de-DE" dirty="0"/>
-              <a:t>B geht zu Auto, App generiert Barcode, Auto liest Barcode, validiert und öffnet - oder nicht, B kann fahren &amp; nutzen</a:t>
-            </a:r>
-            <a:br>
-              <a:rPr lang="de-DE" dirty="0"/>
-            </a:br>
-            <a:r>
-              <a:rPr lang="de-DE" dirty="0"/>
-              <a:t>B bringt Auto rechtzeitig zurück - alle happy</a:t>
-            </a:r>
           </a:p>
           <a:p>
             <a:pPr marL="0" lvl="0" indent="0" algn="l" rtl="0">
@@ -1703,7 +1418,7 @@
             </a:pPr>
             <a:r>
               <a:rPr lang="de-DE" dirty="0"/>
-              <a:t>Zum einen </a:t>
+              <a:t>*KLICK* Zum einen </a:t>
             </a:r>
             <a:r>
               <a:rPr lang="de-DE" dirty="0" err="1"/>
@@ -1726,7 +1441,7 @@
             </a:pPr>
             <a:r>
               <a:rPr lang="de-DE" dirty="0"/>
-              <a:t>Eine mobile App für das Handling der Transaktionen,</a:t>
+              <a:t>*KLICK* Eine mobile App für das Handling der Transaktionen,</a:t>
             </a:r>
           </a:p>
           <a:p>
@@ -1741,7 +1456,7 @@
             </a:pPr>
             <a:r>
               <a:rPr lang="de-DE" dirty="0"/>
-              <a:t>Natürlich die entsprechenden Smart </a:t>
+              <a:t>*KLICK* Natürlich die entsprechenden Smart </a:t>
             </a:r>
             <a:r>
               <a:rPr lang="de-DE" dirty="0" err="1"/>
@@ -1764,7 +1479,7 @@
             </a:pPr>
             <a:r>
               <a:rPr lang="de-DE" dirty="0"/>
-              <a:t>Wie sich herausgestellt hat, einen separaten Image Server.</a:t>
+              <a:t>*KLICK* Wie sich herausgestellt hat, einen separaten Image Server.</a:t>
             </a:r>
             <a:endParaRPr dirty="0"/>
           </a:p>
@@ -1887,7 +1602,7 @@
             </a:pPr>
             <a:r>
               <a:rPr lang="de-DE" dirty="0"/>
-              <a:t>Das Auto verbindet sich mit der Blockchain um seine Daten einzutragen und Mieter zu validieren und mit dem Image Server um seine Bilder hochzuladen bzw. ggf. aktuell zu halten.</a:t>
+              <a:t>*KLICK* Das Auto verbindet sich mit der Blockchain um seine Daten einzutragen und Mieter zu validieren und mit dem Image Server um seine Bilder hochzuladen bzw. ggf. aktuell zu halten.</a:t>
             </a:r>
           </a:p>
           <a:p>
@@ -1902,7 +1617,7 @@
             </a:pPr>
             <a:r>
               <a:rPr lang="de-DE" dirty="0"/>
-              <a:t>Die Smartphone App verbindet sich ebenfalls mit der Blockchain um verfügbare Autos anzuzeigen und Mieten zu verwalten und mit dem Bilder Server um die Bilder der Autos anzuzeigen.</a:t>
+              <a:t>*KLICK* Die Smartphone App verbindet sich ebenfalls mit der Blockchain um verfügbare Autos anzuzeigen und Mieten zu verwalten und mit dem Bilder Server um die Bilder der Autos anzuzeigen.</a:t>
             </a:r>
           </a:p>
           <a:p>
@@ -1917,15 +1632,7 @@
             </a:pPr>
             <a:r>
               <a:rPr lang="de-DE" dirty="0"/>
-              <a:t>Um Zugriff auf das Fahrzeug zu erhalten, scannt da </a:t>
-            </a:r>
-            <a:r>
-              <a:rPr lang="de-DE" dirty="0" err="1"/>
-              <a:t>sAuto</a:t>
-            </a:r>
-            <a:r>
-              <a:rPr lang="de-DE" dirty="0"/>
-              <a:t> den Barcode der App und validiert die Informationen.</a:t>
+              <a:t>*KLICK* Um Zugriff auf das Fahrzeug zu erhalten, scannt das Auto den Barcode der App und validiert die Informationen.</a:t>
             </a:r>
           </a:p>
           <a:p>
@@ -3843,7 +3550,7 @@
             </a:pPr>
             <a:r>
               <a:rPr lang="de-DE" dirty="0"/>
-              <a:t>Nach der anfänglichen Idee, Wohnungen oder Häuser entsprechend zu vermieten, hatten wir uns entschlossen, auf Fahrzeuge umzuschwenken und mit unserem Projekt „Carsharing via Blockchain“ zu erfinden.</a:t>
+              <a:t>Nach der anfänglichen Idee, Wohnungen oder Häuser entsprechend zu vermieten, *KLICK* hatten wir uns entschlossen, auf Fahrzeuge umzuschwenken und mit unserem Projekt „Carsharing via Blockchain“ zu erfinden.</a:t>
             </a:r>
             <a:endParaRPr dirty="0"/>
           </a:p>
@@ -4855,7 +4562,7 @@
             </a:pPr>
             <a:r>
               <a:rPr lang="de-DE" dirty="0"/>
-              <a:t>Danke Nils. Zusammengefasst: </a:t>
+              <a:t>Danke Nils. Zusammengefasst: *KLICK*  </a:t>
             </a:r>
             <a:r>
               <a:rPr lang="de-DE" dirty="0" err="1"/>
@@ -4863,7 +4570,7 @@
             </a:r>
             <a:r>
               <a:rPr lang="de-DE" dirty="0"/>
-              <a:t> war ein sehr interessantes wenn auch nicht triviales Projekt. Es war einiges an Denk-, Recherche und Implementierungsaufwand nötig.</a:t>
+              <a:t> war ein sehr interessantes wenn auch nicht triviales Projekt. Es war einiges an Denk-, Recherche und Implementierungsaufwand nötig. *KLICK*</a:t>
             </a:r>
           </a:p>
           <a:p>
@@ -4878,7 +4585,7 @@
             </a:pPr>
             <a:r>
               <a:rPr lang="de-DE" dirty="0"/>
-              <a:t>Die Blockchain ist eine sehr spannende Technologie, aber aktuell ist vieles noch nicht vollständig ausgereift, es finden sich regelmäßig diverse Stolperfallen.</a:t>
+              <a:t>Die Blockchain ist eine sehr spannende Technologie mit vielen Anwendungsgebieten, aber aktuell ist vieles noch nicht vollständig ausgereift, es finden sich regelmäßig diverse Stolperfallen. *KLICK*</a:t>
             </a:r>
           </a:p>
           <a:p>
@@ -4893,7 +4600,7 @@
             </a:pPr>
             <a:r>
               <a:rPr lang="de-DE" dirty="0"/>
-              <a:t>Die Umsetzung und Implementierung von innovativen Projekten ist daher aktuell noch etwas schwieriger, nicht zuletzt auch durch das komplexere Debugging.</a:t>
+              <a:t>Die Umsetzung und Implementierung von innovativen Projekten ist daher aktuell noch etwas schwieriger, nicht zuletzt *KLICK* auch durch das komplexere Debugging.</a:t>
             </a:r>
             <a:endParaRPr dirty="0"/>
           </a:p>
@@ -5093,7 +4800,7 @@
             </a:pPr>
             <a:r>
               <a:rPr lang="de-DE" dirty="0"/>
-              <a:t>Bob ist Mediziner und mit der aktuellen Lage sehr beschäftigt und quasi täglich im  Labor.</a:t>
+              <a:t>*KLICK* Bob ist Mediziner und mit der aktuellen Lage sehr beschäftigt und quasi *KLICK* täglich im  Labor.</a:t>
             </a:r>
           </a:p>
           <a:p>
@@ -5108,7 +4815,7 @@
             </a:pPr>
             <a:r>
               <a:rPr lang="de-DE" dirty="0"/>
-              <a:t>Alice ist gerade im </a:t>
+              <a:t>Alice *KLICK* ist gerade im </a:t>
             </a:r>
             <a:r>
               <a:rPr lang="de-DE" dirty="0" err="1"/>
@@ -5116,7 +4823,7 @@
             </a:r>
             <a:r>
               <a:rPr lang="de-DE" dirty="0"/>
-              <a:t> und muss ab und zu einkaufen – besitzt aber kein Auto.</a:t>
+              <a:t> und muss ab und zu einkaufen *KLICK* – besitzt aber kein Auto.</a:t>
             </a:r>
           </a:p>
           <a:p>
@@ -5131,7 +4838,7 @@
             </a:pPr>
             <a:r>
               <a:rPr lang="de-DE" dirty="0"/>
-              <a:t>Wie kann Alice trotzdem einkaufen?</a:t>
+              <a:t>*KLICK* Wie kann Alice trotzdem einkaufen?</a:t>
             </a:r>
           </a:p>
           <a:p>
@@ -5158,7 +4865,7 @@
             </a:pPr>
             <a:r>
               <a:rPr lang="de-DE" dirty="0"/>
-              <a:t>Da Bob sein Auto im Labor gerade nicht regelmäßig benötigt, *KLICK*</a:t>
+              <a:t>Da Bob *KLICK* sein Auto im Labor gerade nicht regelmäßig benötigt,</a:t>
             </a:r>
           </a:p>
           <a:p>
@@ -5372,7 +5079,7 @@
             </a:pPr>
             <a:r>
               <a:rPr lang="de-DE" dirty="0"/>
-              <a:t>zückt er sein Handy und bietet es kurzerhand auf dieser coolen neuen Plattform „</a:t>
+              <a:t>*KLICK* zückt er sein Handy und bietet es kurzerhand auf dieser *KLICK* coolen neuen Plattform „</a:t>
             </a:r>
             <a:r>
               <a:rPr lang="de-DE" dirty="0" err="1"/>
@@ -5380,7 +5087,7 @@
             </a:r>
             <a:r>
               <a:rPr lang="de-DE" dirty="0"/>
-              <a:t>“ an. Dazu gibt er die Daten des Fahrzeugs und den gewünschten Preis ein. </a:t>
+              <a:t>“ an. Dazu *KLICK* gibt er die Daten des Fahrzeugs und den gewünschten Preis ein. </a:t>
             </a:r>
           </a:p>
           <a:p>
@@ -5395,7 +5102,7 @@
             </a:pPr>
             <a:r>
               <a:rPr lang="de-DE" dirty="0"/>
-              <a:t>Die Daten werden in der Blockchain gespeichert *klick* – </a:t>
+              <a:t>*KLICK* Die Daten werden in der Blockchain gespeichert  – </a:t>
             </a:r>
           </a:p>
           <a:p>
@@ -5433,101 +5140,6 @@
               <a:buNone/>
             </a:pPr>
             <a:endParaRPr lang="de-DE" dirty="0"/>
-          </a:p>
-          <a:p>
-            <a:pPr marL="0" lvl="0" indent="0" algn="l" rtl="0">
-              <a:spcBef>
-                <a:spcPts val="0"/>
-              </a:spcBef>
-              <a:spcAft>
-                <a:spcPts val="0"/>
-              </a:spcAft>
-              <a:buNone/>
-            </a:pPr>
-            <a:endParaRPr lang="de-DE" dirty="0"/>
-          </a:p>
-          <a:p>
-            <a:pPr marL="0" lvl="0" indent="0" algn="l" rtl="0">
-              <a:spcBef>
-                <a:spcPts val="0"/>
-              </a:spcBef>
-              <a:spcAft>
-                <a:spcPts val="0"/>
-              </a:spcAft>
-              <a:buNone/>
-            </a:pPr>
-            <a:r>
-              <a:rPr lang="de-DE" dirty="0"/>
-              <a:t>(Idee mit Piktogrammen &amp; Animationen)</a:t>
-            </a:r>
-            <a:br>
-              <a:rPr lang="de-DE" dirty="0"/>
-            </a:br>
-            <a:r>
-              <a:rPr lang="de-DE" dirty="0"/>
-              <a:t>A hat Auto, braucht aber nicht immer → Stellt zur Verfügung</a:t>
-            </a:r>
-            <a:br>
-              <a:rPr lang="de-DE" dirty="0"/>
-            </a:br>
-            <a:r>
-              <a:rPr lang="de-DE" dirty="0"/>
-              <a:t>Firma A2 möchte Autos vermieten → stellt zur Verfügung</a:t>
-            </a:r>
-          </a:p>
-          <a:p>
-            <a:pPr marL="0" lvl="0" indent="0" algn="l" rtl="0">
-              <a:spcBef>
-                <a:spcPts val="1600"/>
-              </a:spcBef>
-              <a:spcAft>
-                <a:spcPts val="1600"/>
-              </a:spcAft>
-              <a:buNone/>
-            </a:pPr>
-            <a:r>
-              <a:rPr lang="de-DE" dirty="0"/>
-              <a:t>B benötigt Auto → kann Autos einsehen</a:t>
-            </a:r>
-            <a:br>
-              <a:rPr lang="de-DE" dirty="0"/>
-            </a:br>
-            <a:r>
-              <a:rPr lang="de-DE" dirty="0"/>
-              <a:t>B findet Auto &amp; startet Miete auf Zeit (</a:t>
-            </a:r>
-            <a:r>
-              <a:rPr lang="de-DE" dirty="0" err="1"/>
-              <a:t>Pre</a:t>
-            </a:r>
-            <a:r>
-              <a:rPr lang="de-DE" dirty="0"/>
-              <a:t>-Paid), </a:t>
-            </a:r>
-            <a:br>
-              <a:rPr lang="de-DE" dirty="0"/>
-            </a:br>
-            <a:r>
-              <a:rPr lang="de-DE" dirty="0"/>
-              <a:t>Eintrag wird auf BC mit Zeiten hinterlegt</a:t>
-            </a:r>
-            <a:br>
-              <a:rPr lang="de-DE" dirty="0"/>
-            </a:br>
-            <a:br>
-              <a:rPr lang="de-DE" dirty="0"/>
-            </a:br>
-            <a:r>
-              <a:rPr lang="de-DE" dirty="0"/>
-              <a:t>B geht zu Auto, App generiert Barcode, Auto liest Barcode, validiert und öffnet - oder nicht, B kann fahren &amp; nutzen</a:t>
-            </a:r>
-            <a:br>
-              <a:rPr lang="de-DE" dirty="0"/>
-            </a:br>
-            <a:r>
-              <a:rPr lang="de-DE" dirty="0"/>
-              <a:t>B bringt Auto rechtzeitig zurück - alle happy</a:t>
-            </a:r>
           </a:p>
           <a:p>
             <a:pPr marL="0" lvl="0" indent="0" algn="l" rtl="0">
@@ -5650,7 +5262,7 @@
             </a:pPr>
             <a:r>
               <a:rPr lang="de-DE" dirty="0"/>
-              <a:t>das Auto ist jetzt bereit! Nun kann Alice wiederum auf ihrem Smartphone Bobs Auto finden.</a:t>
+              <a:t>das Auto ist jetzt bereit! *KLICK* Nun kann Alice wiederum auf ihrem Smartphone *KLICK* Bobs Auto finden.</a:t>
             </a:r>
           </a:p>
           <a:p>
@@ -5665,7 +5277,7 @@
             </a:pPr>
             <a:r>
               <a:rPr lang="de-DE" dirty="0"/>
-              <a:t>Da Sie immer noch einkaufen muss, mietet sie das Auto für 2 Stunden und transferiert den erforderlichen Betrag. *klick*</a:t>
+              <a:t>Da Sie immer noch einkaufen muss, mietet sie das Auto für 2 Stunden und *KLICK* transferiert den erforderlichen Betrag. *klick*</a:t>
             </a:r>
           </a:p>
           <a:p>
@@ -5691,101 +5303,6 @@
               <a:buNone/>
             </a:pPr>
             <a:endParaRPr lang="de-DE" dirty="0"/>
-          </a:p>
-          <a:p>
-            <a:pPr marL="0" lvl="0" indent="0" algn="l" rtl="0">
-              <a:spcBef>
-                <a:spcPts val="0"/>
-              </a:spcBef>
-              <a:spcAft>
-                <a:spcPts val="0"/>
-              </a:spcAft>
-              <a:buNone/>
-            </a:pPr>
-            <a:endParaRPr lang="de-DE" dirty="0"/>
-          </a:p>
-          <a:p>
-            <a:pPr marL="0" lvl="0" indent="0" algn="l" rtl="0">
-              <a:spcBef>
-                <a:spcPts val="0"/>
-              </a:spcBef>
-              <a:spcAft>
-                <a:spcPts val="0"/>
-              </a:spcAft>
-              <a:buNone/>
-            </a:pPr>
-            <a:r>
-              <a:rPr lang="de-DE" dirty="0"/>
-              <a:t>(Idee mit Piktogrammen &amp; Animationen)</a:t>
-            </a:r>
-            <a:br>
-              <a:rPr lang="de-DE" dirty="0"/>
-            </a:br>
-            <a:r>
-              <a:rPr lang="de-DE" dirty="0"/>
-              <a:t>A hat Auto, braucht aber nicht immer → Stellt zur Verfügung</a:t>
-            </a:r>
-            <a:br>
-              <a:rPr lang="de-DE" dirty="0"/>
-            </a:br>
-            <a:r>
-              <a:rPr lang="de-DE" dirty="0"/>
-              <a:t>Firma A2 möchte Autos vermieten → stellt zur Verfügung</a:t>
-            </a:r>
-          </a:p>
-          <a:p>
-            <a:pPr marL="0" lvl="0" indent="0" algn="l" rtl="0">
-              <a:spcBef>
-                <a:spcPts val="1600"/>
-              </a:spcBef>
-              <a:spcAft>
-                <a:spcPts val="1600"/>
-              </a:spcAft>
-              <a:buNone/>
-            </a:pPr>
-            <a:r>
-              <a:rPr lang="de-DE" dirty="0"/>
-              <a:t>B benötigt Auto → kann Autos einsehen</a:t>
-            </a:r>
-            <a:br>
-              <a:rPr lang="de-DE" dirty="0"/>
-            </a:br>
-            <a:r>
-              <a:rPr lang="de-DE" dirty="0"/>
-              <a:t>B findet Auto &amp; startet Miete auf Zeit (</a:t>
-            </a:r>
-            <a:r>
-              <a:rPr lang="de-DE" dirty="0" err="1"/>
-              <a:t>Pre</a:t>
-            </a:r>
-            <a:r>
-              <a:rPr lang="de-DE" dirty="0"/>
-              <a:t>-Paid), </a:t>
-            </a:r>
-            <a:br>
-              <a:rPr lang="de-DE" dirty="0"/>
-            </a:br>
-            <a:r>
-              <a:rPr lang="de-DE" dirty="0"/>
-              <a:t>Eintrag wird auf BC mit Zeiten hinterlegt</a:t>
-            </a:r>
-            <a:br>
-              <a:rPr lang="de-DE" dirty="0"/>
-            </a:br>
-            <a:br>
-              <a:rPr lang="de-DE" dirty="0"/>
-            </a:br>
-            <a:r>
-              <a:rPr lang="de-DE" dirty="0"/>
-              <a:t>B geht zu Auto, App generiert Barcode, Auto liest Barcode, validiert und öffnet - oder nicht, B kann fahren &amp; nutzen</a:t>
-            </a:r>
-            <a:br>
-              <a:rPr lang="de-DE" dirty="0"/>
-            </a:br>
-            <a:r>
-              <a:rPr lang="de-DE" dirty="0"/>
-              <a:t>B bringt Auto rechtzeitig zurück - alle happy</a:t>
-            </a:r>
           </a:p>
           <a:p>
             <a:pPr marL="0" lvl="0" indent="0" algn="l" rtl="0">
@@ -5943,7 +5460,7 @@
             </a:pPr>
             <a:r>
               <a:rPr lang="de-DE" dirty="0"/>
-              <a:t>Mit ihrem Smartphone geht Alice zum Auto *klick*</a:t>
+              <a:t>*KLICK* Mit ihrem Smartphone geht Alice zum Auto </a:t>
             </a:r>
           </a:p>
           <a:p>
@@ -5957,101 +5474,6 @@
               <a:buNone/>
             </a:pPr>
             <a:endParaRPr lang="de-DE" dirty="0"/>
-          </a:p>
-          <a:p>
-            <a:pPr marL="0" lvl="0" indent="0" algn="l" rtl="0">
-              <a:spcBef>
-                <a:spcPts val="0"/>
-              </a:spcBef>
-              <a:spcAft>
-                <a:spcPts val="0"/>
-              </a:spcAft>
-              <a:buNone/>
-            </a:pPr>
-            <a:endParaRPr lang="de-DE" dirty="0"/>
-          </a:p>
-          <a:p>
-            <a:pPr marL="0" lvl="0" indent="0" algn="l" rtl="0">
-              <a:spcBef>
-                <a:spcPts val="0"/>
-              </a:spcBef>
-              <a:spcAft>
-                <a:spcPts val="0"/>
-              </a:spcAft>
-              <a:buNone/>
-            </a:pPr>
-            <a:r>
-              <a:rPr lang="de-DE" dirty="0"/>
-              <a:t>(Idee mit Piktogrammen &amp; Animationen)</a:t>
-            </a:r>
-            <a:br>
-              <a:rPr lang="de-DE" dirty="0"/>
-            </a:br>
-            <a:r>
-              <a:rPr lang="de-DE" dirty="0"/>
-              <a:t>A hat Auto, braucht aber nicht immer → Stellt zur Verfügung</a:t>
-            </a:r>
-            <a:br>
-              <a:rPr lang="de-DE" dirty="0"/>
-            </a:br>
-            <a:r>
-              <a:rPr lang="de-DE" dirty="0"/>
-              <a:t>Firma A2 möchte Autos vermieten → stellt zur Verfügung</a:t>
-            </a:r>
-          </a:p>
-          <a:p>
-            <a:pPr marL="0" lvl="0" indent="0" algn="l" rtl="0">
-              <a:spcBef>
-                <a:spcPts val="1600"/>
-              </a:spcBef>
-              <a:spcAft>
-                <a:spcPts val="1600"/>
-              </a:spcAft>
-              <a:buNone/>
-            </a:pPr>
-            <a:r>
-              <a:rPr lang="de-DE" dirty="0"/>
-              <a:t>B benötigt Auto → kann Autos einsehen</a:t>
-            </a:r>
-            <a:br>
-              <a:rPr lang="de-DE" dirty="0"/>
-            </a:br>
-            <a:r>
-              <a:rPr lang="de-DE" dirty="0"/>
-              <a:t>B findet Auto &amp; startet Miete auf Zeit (</a:t>
-            </a:r>
-            <a:r>
-              <a:rPr lang="de-DE" dirty="0" err="1"/>
-              <a:t>Pre</a:t>
-            </a:r>
-            <a:r>
-              <a:rPr lang="de-DE" dirty="0"/>
-              <a:t>-Paid), </a:t>
-            </a:r>
-            <a:br>
-              <a:rPr lang="de-DE" dirty="0"/>
-            </a:br>
-            <a:r>
-              <a:rPr lang="de-DE" dirty="0"/>
-              <a:t>Eintrag wird auf BC mit Zeiten hinterlegt</a:t>
-            </a:r>
-            <a:br>
-              <a:rPr lang="de-DE" dirty="0"/>
-            </a:br>
-            <a:br>
-              <a:rPr lang="de-DE" dirty="0"/>
-            </a:br>
-            <a:r>
-              <a:rPr lang="de-DE" dirty="0"/>
-              <a:t>B geht zu Auto, App generiert Barcode, Auto liest Barcode, validiert und öffnet - oder nicht, B kann fahren &amp; nutzen</a:t>
-            </a:r>
-            <a:br>
-              <a:rPr lang="de-DE" dirty="0"/>
-            </a:br>
-            <a:r>
-              <a:rPr lang="de-DE" dirty="0"/>
-              <a:t>B bringt Auto rechtzeitig zurück - alle happy</a:t>
-            </a:r>
           </a:p>
           <a:p>
             <a:pPr marL="0" lvl="0" indent="0" algn="l" rtl="0">
@@ -6211,101 +5633,6 @@
               </a:spcAft>
               <a:buNone/>
             </a:pPr>
-            <a:endParaRPr lang="de-DE" dirty="0"/>
-          </a:p>
-          <a:p>
-            <a:pPr marL="0" lvl="0" indent="0" algn="l" rtl="0">
-              <a:spcBef>
-                <a:spcPts val="0"/>
-              </a:spcBef>
-              <a:spcAft>
-                <a:spcPts val="0"/>
-              </a:spcAft>
-              <a:buNone/>
-            </a:pPr>
-            <a:r>
-              <a:rPr lang="de-DE" dirty="0"/>
-              <a:t>(Idee mit Piktogrammen &amp; Animationen)</a:t>
-            </a:r>
-            <a:br>
-              <a:rPr lang="de-DE" dirty="0"/>
-            </a:br>
-            <a:r>
-              <a:rPr lang="de-DE" dirty="0"/>
-              <a:t>A hat Auto, braucht aber nicht immer → Stellt zur Verfügung</a:t>
-            </a:r>
-            <a:br>
-              <a:rPr lang="de-DE" dirty="0"/>
-            </a:br>
-            <a:r>
-              <a:rPr lang="de-DE" dirty="0"/>
-              <a:t>Firma A2 möchte Autos vermieten → stellt zur Verfügung</a:t>
-            </a:r>
-          </a:p>
-          <a:p>
-            <a:pPr marL="0" lvl="0" indent="0" algn="l" rtl="0">
-              <a:spcBef>
-                <a:spcPts val="1600"/>
-              </a:spcBef>
-              <a:spcAft>
-                <a:spcPts val="1600"/>
-              </a:spcAft>
-              <a:buNone/>
-            </a:pPr>
-            <a:r>
-              <a:rPr lang="de-DE" dirty="0"/>
-              <a:t>B benötigt Auto → kann Autos einsehen</a:t>
-            </a:r>
-            <a:br>
-              <a:rPr lang="de-DE" dirty="0"/>
-            </a:br>
-            <a:r>
-              <a:rPr lang="de-DE" dirty="0"/>
-              <a:t>B findet Auto &amp; startet Miete auf Zeit (</a:t>
-            </a:r>
-            <a:r>
-              <a:rPr lang="de-DE" dirty="0" err="1"/>
-              <a:t>Pre</a:t>
-            </a:r>
-            <a:r>
-              <a:rPr lang="de-DE" dirty="0"/>
-              <a:t>-Paid), </a:t>
-            </a:r>
-            <a:br>
-              <a:rPr lang="de-DE" dirty="0"/>
-            </a:br>
-            <a:r>
-              <a:rPr lang="de-DE" dirty="0"/>
-              <a:t>Eintrag wird auf BC mit Zeiten hinterlegt</a:t>
-            </a:r>
-            <a:br>
-              <a:rPr lang="de-DE" dirty="0"/>
-            </a:br>
-            <a:br>
-              <a:rPr lang="de-DE" dirty="0"/>
-            </a:br>
-            <a:r>
-              <a:rPr lang="de-DE" dirty="0"/>
-              <a:t>B geht zu Auto, App generiert Barcode, Auto liest Barcode, validiert und öffnet - oder nicht, B kann fahren &amp; nutzen</a:t>
-            </a:r>
-            <a:br>
-              <a:rPr lang="de-DE" dirty="0"/>
-            </a:br>
-            <a:r>
-              <a:rPr lang="de-DE" dirty="0"/>
-              <a:t>B bringt Auto rechtzeitig zurück - alle happy</a:t>
-            </a:r>
-          </a:p>
-          <a:p>
-            <a:pPr marL="0" lvl="0" indent="0" algn="l" rtl="0">
-              <a:spcBef>
-                <a:spcPts val="0"/>
-              </a:spcBef>
-              <a:spcAft>
-                <a:spcPts val="0"/>
-              </a:spcAft>
-              <a:buNone/>
-            </a:pPr>
             <a:endParaRPr dirty="0"/>
           </a:p>
         </p:txBody>
@@ -6417,7 +5744,7 @@
             </a:pPr>
             <a:r>
               <a:rPr lang="de-DE" dirty="0"/>
-              <a:t>Jetzt kann Alice einsteigen, und sich auf den Weg machen.</a:t>
+              <a:t>Jetzt kann Alice einsteigen, *KLICK* und sich auf den Weg machen.</a:t>
             </a:r>
           </a:p>
           <a:p>
@@ -6431,101 +5758,6 @@
               <a:buNone/>
             </a:pPr>
             <a:endParaRPr lang="de-DE" dirty="0"/>
-          </a:p>
-          <a:p>
-            <a:pPr marL="0" lvl="0" indent="0" algn="l" rtl="0">
-              <a:spcBef>
-                <a:spcPts val="0"/>
-              </a:spcBef>
-              <a:spcAft>
-                <a:spcPts val="0"/>
-              </a:spcAft>
-              <a:buNone/>
-            </a:pPr>
-            <a:endParaRPr lang="de-DE" dirty="0"/>
-          </a:p>
-          <a:p>
-            <a:pPr marL="0" lvl="0" indent="0" algn="l" rtl="0">
-              <a:spcBef>
-                <a:spcPts val="0"/>
-              </a:spcBef>
-              <a:spcAft>
-                <a:spcPts val="0"/>
-              </a:spcAft>
-              <a:buNone/>
-            </a:pPr>
-            <a:r>
-              <a:rPr lang="de-DE" dirty="0"/>
-              <a:t>(Idee mit Piktogrammen &amp; Animationen)</a:t>
-            </a:r>
-            <a:br>
-              <a:rPr lang="de-DE" dirty="0"/>
-            </a:br>
-            <a:r>
-              <a:rPr lang="de-DE" dirty="0"/>
-              <a:t>A hat Auto, braucht aber nicht immer → Stellt zur Verfügung</a:t>
-            </a:r>
-            <a:br>
-              <a:rPr lang="de-DE" dirty="0"/>
-            </a:br>
-            <a:r>
-              <a:rPr lang="de-DE" dirty="0"/>
-              <a:t>Firma A2 möchte Autos vermieten → stellt zur Verfügung</a:t>
-            </a:r>
-          </a:p>
-          <a:p>
-            <a:pPr marL="0" lvl="0" indent="0" algn="l" rtl="0">
-              <a:spcBef>
-                <a:spcPts val="1600"/>
-              </a:spcBef>
-              <a:spcAft>
-                <a:spcPts val="1600"/>
-              </a:spcAft>
-              <a:buNone/>
-            </a:pPr>
-            <a:r>
-              <a:rPr lang="de-DE" dirty="0"/>
-              <a:t>B benötigt Auto → kann Autos einsehen</a:t>
-            </a:r>
-            <a:br>
-              <a:rPr lang="de-DE" dirty="0"/>
-            </a:br>
-            <a:r>
-              <a:rPr lang="de-DE" dirty="0"/>
-              <a:t>B findet Auto &amp; startet Miete auf Zeit (</a:t>
-            </a:r>
-            <a:r>
-              <a:rPr lang="de-DE" dirty="0" err="1"/>
-              <a:t>Pre</a:t>
-            </a:r>
-            <a:r>
-              <a:rPr lang="de-DE" dirty="0"/>
-              <a:t>-Paid), </a:t>
-            </a:r>
-            <a:br>
-              <a:rPr lang="de-DE" dirty="0"/>
-            </a:br>
-            <a:r>
-              <a:rPr lang="de-DE" dirty="0"/>
-              <a:t>Eintrag wird auf BC mit Zeiten hinterlegt</a:t>
-            </a:r>
-            <a:br>
-              <a:rPr lang="de-DE" dirty="0"/>
-            </a:br>
-            <a:br>
-              <a:rPr lang="de-DE" dirty="0"/>
-            </a:br>
-            <a:r>
-              <a:rPr lang="de-DE" dirty="0"/>
-              <a:t>B geht zu Auto, App generiert Barcode, Auto liest Barcode, validiert und öffnet - oder nicht, B kann fahren &amp; nutzen</a:t>
-            </a:r>
-            <a:br>
-              <a:rPr lang="de-DE" dirty="0"/>
-            </a:br>
-            <a:r>
-              <a:rPr lang="de-DE" dirty="0"/>
-              <a:t>B bringt Auto rechtzeitig zurück - alle happy</a:t>
-            </a:r>
           </a:p>
           <a:p>
             <a:pPr marL="0" lvl="0" indent="0" algn="l" rtl="0">
@@ -13953,7 +13185,7 @@
             </a:pPr>
             <a:r>
               <a:rPr lang="de" sz="1800" dirty="0"/>
-              <a:t>Einleitung / Einführung (Simon)</a:t>
+              <a:t>Einleitung / Einführung</a:t>
             </a:r>
             <a:endParaRPr sz="1800" dirty="0"/>
           </a:p>
@@ -14073,9 +13305,9 @@
               <a:rPr lang="de" sz="1400" dirty="0">
                 <a:latin typeface="+mn-lt"/>
               </a:rPr>
-              <a:t>Server (Bilder) (Faiß)</a:t>
-            </a:r>
-            <a:endParaRPr sz="1400" dirty="0">
+              <a:t>Server</a:t>
+            </a:r>
+            <a:endParaRPr lang="de-DE" sz="1400" dirty="0">
               <a:latin typeface="+mn-lt"/>
             </a:endParaRPr>
           </a:p>
@@ -14091,14 +13323,11 @@
               <a:buAutoNum type="alphaLcPeriod"/>
             </a:pPr>
             <a:r>
-              <a:rPr lang="de" sz="1400" dirty="0">
+              <a:rPr lang="de-DE" sz="1400" dirty="0">
                 <a:latin typeface="+mn-lt"/>
               </a:rPr>
-              <a:t>App (Mieten)  (Simon)</a:t>
-            </a:r>
-            <a:endParaRPr sz="1400" dirty="0">
-              <a:latin typeface="+mn-lt"/>
-            </a:endParaRPr>
+              <a:t>App</a:t>
+            </a:r>
           </a:p>
           <a:p>
             <a:pPr marL="914400" lvl="1" indent="-304800" algn="l" rtl="0">
@@ -14115,7 +13344,7 @@
               <a:rPr lang="de" sz="1400" dirty="0">
                 <a:latin typeface="+mn-lt"/>
               </a:rPr>
-              <a:t>Blockchain  (Basti)</a:t>
+              <a:t>Blockchain </a:t>
             </a:r>
             <a:endParaRPr sz="1400" dirty="0">
               <a:latin typeface="+mn-lt"/>
@@ -14136,7 +13365,7 @@
               <a:rPr lang="de" sz="1400" dirty="0">
                 <a:latin typeface="+mn-lt"/>
               </a:rPr>
-              <a:t>SmartCar (RaspberryPi)  (Nils)</a:t>
+              <a:t>SmartCar (RaspberryPi) </a:t>
             </a:r>
             <a:endParaRPr sz="1400" dirty="0">
               <a:latin typeface="+mn-lt"/>
@@ -14174,7 +13403,7 @@
               <a:rPr lang="de" sz="1400" dirty="0">
                 <a:latin typeface="+mn-lt"/>
               </a:rPr>
-              <a:t>Fakten / Stand (Simon)</a:t>
+              <a:t>Fakten / Stand</a:t>
             </a:r>
             <a:endParaRPr sz="1400" dirty="0">
               <a:latin typeface="+mn-lt"/>
@@ -14195,7 +13424,7 @@
               <a:rPr lang="de" sz="1400" dirty="0">
                 <a:latin typeface="+mn-lt"/>
               </a:rPr>
-              <a:t>Demo (Alle?)</a:t>
+              <a:t>Demo </a:t>
             </a:r>
             <a:endParaRPr sz="1400" dirty="0">
               <a:latin typeface="+mn-lt"/>
@@ -14214,7 +13443,7 @@
             </a:pPr>
             <a:r>
               <a:rPr lang="de" sz="1800" dirty="0"/>
-              <a:t>Fazit (Simon?)</a:t>
+              <a:t>Fazit</a:t>
             </a:r>
             <a:endParaRPr sz="1800" dirty="0"/>
           </a:p>
@@ -23049,6 +22278,227 @@
   <p:clrMapOvr>
     <a:masterClrMapping/>
   </p:clrMapOvr>
+  <p:timing>
+    <p:tnLst>
+      <p:par>
+        <p:cTn id="1" dur="indefinite" restart="never" nodeType="tmRoot">
+          <p:childTnLst>
+            <p:seq concurrent="1" nextAc="seek">
+              <p:cTn id="2" dur="indefinite" nodeType="mainSeq">
+                <p:childTnLst>
+                  <p:par>
+                    <p:cTn id="3" fill="hold">
+                      <p:stCondLst>
+                        <p:cond delay="indefinite"/>
+                      </p:stCondLst>
+                      <p:childTnLst>
+                        <p:par>
+                          <p:cTn id="4" fill="hold">
+                            <p:stCondLst>
+                              <p:cond delay="0"/>
+                            </p:stCondLst>
+                            <p:childTnLst>
+                              <p:par>
+                                <p:cTn id="5" presetID="10" presetClass="entr" presetSubtype="0" fill="hold" grpId="0" nodeType="clickEffect">
+                                  <p:stCondLst>
+                                    <p:cond delay="0"/>
+                                  </p:stCondLst>
+                                  <p:childTnLst>
+                                    <p:set>
+                                      <p:cBhvr>
+                                        <p:cTn id="6" dur="1" fill="hold">
+                                          <p:stCondLst>
+                                            <p:cond delay="0"/>
+                                          </p:stCondLst>
+                                        </p:cTn>
+                                        <p:tgtEl>
+                                          <p:spTgt spid="3"/>
+                                        </p:tgtEl>
+                                        <p:attrNameLst>
+                                          <p:attrName>style.visibility</p:attrName>
+                                        </p:attrNameLst>
+                                      </p:cBhvr>
+                                      <p:to>
+                                        <p:strVal val="visible"/>
+                                      </p:to>
+                                    </p:set>
+                                    <p:animEffect transition="in" filter="fade">
+                                      <p:cBhvr>
+                                        <p:cTn id="7" dur="500"/>
+                                        <p:tgtEl>
+                                          <p:spTgt spid="3"/>
+                                        </p:tgtEl>
+                                      </p:cBhvr>
+                                    </p:animEffect>
+                                  </p:childTnLst>
+                                </p:cTn>
+                              </p:par>
+                            </p:childTnLst>
+                          </p:cTn>
+                        </p:par>
+                        <p:par>
+                          <p:cTn id="8" fill="hold">
+                            <p:stCondLst>
+                              <p:cond delay="500"/>
+                            </p:stCondLst>
+                            <p:childTnLst>
+                              <p:par>
+                                <p:cTn id="9" presetID="10" presetClass="entr" presetSubtype="0" fill="hold" grpId="0" nodeType="afterEffect">
+                                  <p:stCondLst>
+                                    <p:cond delay="0"/>
+                                  </p:stCondLst>
+                                  <p:childTnLst>
+                                    <p:set>
+                                      <p:cBhvr>
+                                        <p:cTn id="10" dur="1" fill="hold">
+                                          <p:stCondLst>
+                                            <p:cond delay="0"/>
+                                          </p:stCondLst>
+                                        </p:cTn>
+                                        <p:tgtEl>
+                                          <p:spTgt spid="6"/>
+                                        </p:tgtEl>
+                                        <p:attrNameLst>
+                                          <p:attrName>style.visibility</p:attrName>
+                                        </p:attrNameLst>
+                                      </p:cBhvr>
+                                      <p:to>
+                                        <p:strVal val="visible"/>
+                                      </p:to>
+                                    </p:set>
+                                    <p:animEffect transition="in" filter="fade">
+                                      <p:cBhvr>
+                                        <p:cTn id="11" dur="500"/>
+                                        <p:tgtEl>
+                                          <p:spTgt spid="6"/>
+                                        </p:tgtEl>
+                                      </p:cBhvr>
+                                    </p:animEffect>
+                                  </p:childTnLst>
+                                </p:cTn>
+                              </p:par>
+                            </p:childTnLst>
+                          </p:cTn>
+                        </p:par>
+                        <p:par>
+                          <p:cTn id="12" fill="hold">
+                            <p:stCondLst>
+                              <p:cond delay="1000"/>
+                            </p:stCondLst>
+                            <p:childTnLst>
+                              <p:par>
+                                <p:cTn id="13" presetID="10" presetClass="entr" presetSubtype="0" fill="hold" grpId="0" nodeType="afterEffect">
+                                  <p:stCondLst>
+                                    <p:cond delay="0"/>
+                                  </p:stCondLst>
+                                  <p:childTnLst>
+                                    <p:set>
+                                      <p:cBhvr>
+                                        <p:cTn id="14" dur="1" fill="hold">
+                                          <p:stCondLst>
+                                            <p:cond delay="0"/>
+                                          </p:stCondLst>
+                                        </p:cTn>
+                                        <p:tgtEl>
+                                          <p:spTgt spid="7"/>
+                                        </p:tgtEl>
+                                        <p:attrNameLst>
+                                          <p:attrName>style.visibility</p:attrName>
+                                        </p:attrNameLst>
+                                      </p:cBhvr>
+                                      <p:to>
+                                        <p:strVal val="visible"/>
+                                      </p:to>
+                                    </p:set>
+                                    <p:animEffect transition="in" filter="fade">
+                                      <p:cBhvr>
+                                        <p:cTn id="15" dur="500"/>
+                                        <p:tgtEl>
+                                          <p:spTgt spid="7"/>
+                                        </p:tgtEl>
+                                      </p:cBhvr>
+                                    </p:animEffect>
+                                  </p:childTnLst>
+                                </p:cTn>
+                              </p:par>
+                            </p:childTnLst>
+                          </p:cTn>
+                        </p:par>
+                        <p:par>
+                          <p:cTn id="16" fill="hold">
+                            <p:stCondLst>
+                              <p:cond delay="1500"/>
+                            </p:stCondLst>
+                            <p:childTnLst>
+                              <p:par>
+                                <p:cTn id="17" presetID="10" presetClass="entr" presetSubtype="0" fill="hold" grpId="0" nodeType="afterEffect">
+                                  <p:stCondLst>
+                                    <p:cond delay="0"/>
+                                  </p:stCondLst>
+                                  <p:childTnLst>
+                                    <p:set>
+                                      <p:cBhvr>
+                                        <p:cTn id="18" dur="1" fill="hold">
+                                          <p:stCondLst>
+                                            <p:cond delay="0"/>
+                                          </p:stCondLst>
+                                        </p:cTn>
+                                        <p:tgtEl>
+                                          <p:spTgt spid="4"/>
+                                        </p:tgtEl>
+                                        <p:attrNameLst>
+                                          <p:attrName>style.visibility</p:attrName>
+                                        </p:attrNameLst>
+                                      </p:cBhvr>
+                                      <p:to>
+                                        <p:strVal val="visible"/>
+                                      </p:to>
+                                    </p:set>
+                                    <p:animEffect transition="in" filter="fade">
+                                      <p:cBhvr>
+                                        <p:cTn id="19" dur="500"/>
+                                        <p:tgtEl>
+                                          <p:spTgt spid="4"/>
+                                        </p:tgtEl>
+                                      </p:cBhvr>
+                                    </p:animEffect>
+                                  </p:childTnLst>
+                                </p:cTn>
+                              </p:par>
+                            </p:childTnLst>
+                          </p:cTn>
+                        </p:par>
+                      </p:childTnLst>
+                    </p:cTn>
+                  </p:par>
+                </p:childTnLst>
+              </p:cTn>
+              <p:prevCondLst>
+                <p:cond evt="onPrev" delay="0">
+                  <p:tgtEl>
+                    <p:sldTgt/>
+                  </p:tgtEl>
+                </p:cond>
+              </p:prevCondLst>
+              <p:nextCondLst>
+                <p:cond evt="onNext" delay="0">
+                  <p:tgtEl>
+                    <p:sldTgt/>
+                  </p:tgtEl>
+                </p:cond>
+              </p:nextCondLst>
+            </p:seq>
+          </p:childTnLst>
+        </p:cTn>
+      </p:par>
+    </p:tnLst>
+    <p:bldLst>
+      <p:bldP spid="3" grpId="0" animBg="1"/>
+      <p:bldP spid="6" grpId="0" animBg="1"/>
+      <p:bldP spid="7" grpId="0" animBg="1"/>
+      <p:bldP spid="4" grpId="0"/>
+    </p:bldLst>
+  </p:timing>
 </p:sld>
 </file>
 
@@ -23252,6 +22702,332 @@
   <p:clrMapOvr>
     <a:masterClrMapping/>
   </p:clrMapOvr>
+  <p:timing>
+    <p:tnLst>
+      <p:par>
+        <p:cTn id="1" dur="indefinite" restart="never" nodeType="tmRoot">
+          <p:childTnLst>
+            <p:seq concurrent="1" nextAc="seek">
+              <p:cTn id="2" dur="indefinite" nodeType="mainSeq">
+                <p:childTnLst>
+                  <p:par>
+                    <p:cTn id="3" fill="hold">
+                      <p:stCondLst>
+                        <p:cond delay="indefinite"/>
+                      </p:stCondLst>
+                      <p:childTnLst>
+                        <p:par>
+                          <p:cTn id="4" fill="hold">
+                            <p:stCondLst>
+                              <p:cond delay="0"/>
+                            </p:stCondLst>
+                            <p:childTnLst>
+                              <p:par>
+                                <p:cTn id="5" presetID="10" presetClass="entr" presetSubtype="0" fill="hold" nodeType="clickEffect">
+                                  <p:stCondLst>
+                                    <p:cond delay="0"/>
+                                  </p:stCondLst>
+                                  <p:childTnLst>
+                                    <p:set>
+                                      <p:cBhvr>
+                                        <p:cTn id="6" dur="1" fill="hold">
+                                          <p:stCondLst>
+                                            <p:cond delay="0"/>
+                                          </p:stCondLst>
+                                        </p:cTn>
+                                        <p:tgtEl>
+                                          <p:spTgt spid="2">
+                                            <p:txEl>
+                                              <p:pRg st="0" end="0"/>
+                                            </p:txEl>
+                                          </p:spTgt>
+                                        </p:tgtEl>
+                                        <p:attrNameLst>
+                                          <p:attrName>style.visibility</p:attrName>
+                                        </p:attrNameLst>
+                                      </p:cBhvr>
+                                      <p:to>
+                                        <p:strVal val="visible"/>
+                                      </p:to>
+                                    </p:set>
+                                    <p:animEffect transition="in" filter="fade">
+                                      <p:cBhvr>
+                                        <p:cTn id="7" dur="500"/>
+                                        <p:tgtEl>
+                                          <p:spTgt spid="2">
+                                            <p:txEl>
+                                              <p:pRg st="0" end="0"/>
+                                            </p:txEl>
+                                          </p:spTgt>
+                                        </p:tgtEl>
+                                      </p:cBhvr>
+                                    </p:animEffect>
+                                  </p:childTnLst>
+                                </p:cTn>
+                              </p:par>
+                            </p:childTnLst>
+                          </p:cTn>
+                        </p:par>
+                      </p:childTnLst>
+                    </p:cTn>
+                  </p:par>
+                  <p:par>
+                    <p:cTn id="8" fill="hold">
+                      <p:stCondLst>
+                        <p:cond delay="indefinite"/>
+                      </p:stCondLst>
+                      <p:childTnLst>
+                        <p:par>
+                          <p:cTn id="9" fill="hold">
+                            <p:stCondLst>
+                              <p:cond delay="0"/>
+                            </p:stCondLst>
+                            <p:childTnLst>
+                              <p:par>
+                                <p:cTn id="10" presetID="10" presetClass="entr" presetSubtype="0" fill="hold" nodeType="clickEffect">
+                                  <p:stCondLst>
+                                    <p:cond delay="0"/>
+                                  </p:stCondLst>
+                                  <p:childTnLst>
+                                    <p:set>
+                                      <p:cBhvr>
+                                        <p:cTn id="11" dur="1" fill="hold">
+                                          <p:stCondLst>
+                                            <p:cond delay="0"/>
+                                          </p:stCondLst>
+                                        </p:cTn>
+                                        <p:tgtEl>
+                                          <p:spTgt spid="2">
+                                            <p:txEl>
+                                              <p:pRg st="1" end="1"/>
+                                            </p:txEl>
+                                          </p:spTgt>
+                                        </p:tgtEl>
+                                        <p:attrNameLst>
+                                          <p:attrName>style.visibility</p:attrName>
+                                        </p:attrNameLst>
+                                      </p:cBhvr>
+                                      <p:to>
+                                        <p:strVal val="visible"/>
+                                      </p:to>
+                                    </p:set>
+                                    <p:animEffect transition="in" filter="fade">
+                                      <p:cBhvr>
+                                        <p:cTn id="12" dur="500"/>
+                                        <p:tgtEl>
+                                          <p:spTgt spid="2">
+                                            <p:txEl>
+                                              <p:pRg st="1" end="1"/>
+                                            </p:txEl>
+                                          </p:spTgt>
+                                        </p:tgtEl>
+                                      </p:cBhvr>
+                                    </p:animEffect>
+                                  </p:childTnLst>
+                                </p:cTn>
+                              </p:par>
+                            </p:childTnLst>
+                          </p:cTn>
+                        </p:par>
+                        <p:par>
+                          <p:cTn id="13" fill="hold">
+                            <p:stCondLst>
+                              <p:cond delay="500"/>
+                            </p:stCondLst>
+                            <p:childTnLst>
+                              <p:par>
+                                <p:cTn id="14" presetID="10" presetClass="entr" presetSubtype="0" fill="hold" nodeType="afterEffect">
+                                  <p:stCondLst>
+                                    <p:cond delay="0"/>
+                                  </p:stCondLst>
+                                  <p:childTnLst>
+                                    <p:set>
+                                      <p:cBhvr>
+                                        <p:cTn id="15" dur="1" fill="hold">
+                                          <p:stCondLst>
+                                            <p:cond delay="0"/>
+                                          </p:stCondLst>
+                                        </p:cTn>
+                                        <p:tgtEl>
+                                          <p:spTgt spid="2">
+                                            <p:txEl>
+                                              <p:pRg st="2" end="2"/>
+                                            </p:txEl>
+                                          </p:spTgt>
+                                        </p:tgtEl>
+                                        <p:attrNameLst>
+                                          <p:attrName>style.visibility</p:attrName>
+                                        </p:attrNameLst>
+                                      </p:cBhvr>
+                                      <p:to>
+                                        <p:strVal val="visible"/>
+                                      </p:to>
+                                    </p:set>
+                                    <p:animEffect transition="in" filter="fade">
+                                      <p:cBhvr>
+                                        <p:cTn id="16" dur="500"/>
+                                        <p:tgtEl>
+                                          <p:spTgt spid="2">
+                                            <p:txEl>
+                                              <p:pRg st="2" end="2"/>
+                                            </p:txEl>
+                                          </p:spTgt>
+                                        </p:tgtEl>
+                                      </p:cBhvr>
+                                    </p:animEffect>
+                                  </p:childTnLst>
+                                </p:cTn>
+                              </p:par>
+                            </p:childTnLst>
+                          </p:cTn>
+                        </p:par>
+                      </p:childTnLst>
+                    </p:cTn>
+                  </p:par>
+                  <p:par>
+                    <p:cTn id="17" fill="hold">
+                      <p:stCondLst>
+                        <p:cond delay="indefinite"/>
+                      </p:stCondLst>
+                      <p:childTnLst>
+                        <p:par>
+                          <p:cTn id="18" fill="hold">
+                            <p:stCondLst>
+                              <p:cond delay="0"/>
+                            </p:stCondLst>
+                            <p:childTnLst>
+                              <p:par>
+                                <p:cTn id="19" presetID="10" presetClass="entr" presetSubtype="0" fill="hold" nodeType="clickEffect">
+                                  <p:stCondLst>
+                                    <p:cond delay="0"/>
+                                  </p:stCondLst>
+                                  <p:childTnLst>
+                                    <p:set>
+                                      <p:cBhvr>
+                                        <p:cTn id="20" dur="1" fill="hold">
+                                          <p:stCondLst>
+                                            <p:cond delay="0"/>
+                                          </p:stCondLst>
+                                        </p:cTn>
+                                        <p:tgtEl>
+                                          <p:spTgt spid="2">
+                                            <p:txEl>
+                                              <p:pRg st="3" end="3"/>
+                                            </p:txEl>
+                                          </p:spTgt>
+                                        </p:tgtEl>
+                                        <p:attrNameLst>
+                                          <p:attrName>style.visibility</p:attrName>
+                                        </p:attrNameLst>
+                                      </p:cBhvr>
+                                      <p:to>
+                                        <p:strVal val="visible"/>
+                                      </p:to>
+                                    </p:set>
+                                    <p:animEffect transition="in" filter="fade">
+                                      <p:cBhvr>
+                                        <p:cTn id="21" dur="500"/>
+                                        <p:tgtEl>
+                                          <p:spTgt spid="2">
+                                            <p:txEl>
+                                              <p:pRg st="3" end="3"/>
+                                            </p:txEl>
+                                          </p:spTgt>
+                                        </p:tgtEl>
+                                      </p:cBhvr>
+                                    </p:animEffect>
+                                  </p:childTnLst>
+                                </p:cTn>
+                              </p:par>
+                            </p:childTnLst>
+                          </p:cTn>
+                        </p:par>
+                      </p:childTnLst>
+                    </p:cTn>
+                  </p:par>
+                  <p:par>
+                    <p:cTn id="22" fill="hold">
+                      <p:stCondLst>
+                        <p:cond delay="indefinite"/>
+                      </p:stCondLst>
+                      <p:childTnLst>
+                        <p:par>
+                          <p:cTn id="23" fill="hold">
+                            <p:stCondLst>
+                              <p:cond delay="0"/>
+                            </p:stCondLst>
+                            <p:childTnLst>
+                              <p:par>
+                                <p:cTn id="24" presetID="10" presetClass="entr" presetSubtype="0" fill="hold" nodeType="clickEffect">
+                                  <p:stCondLst>
+                                    <p:cond delay="0"/>
+                                  </p:stCondLst>
+                                  <p:childTnLst>
+                                    <p:set>
+                                      <p:cBhvr>
+                                        <p:cTn id="25" dur="1" fill="hold">
+                                          <p:stCondLst>
+                                            <p:cond delay="0"/>
+                                          </p:stCondLst>
+                                        </p:cTn>
+                                        <p:tgtEl>
+                                          <p:spTgt spid="2">
+                                            <p:txEl>
+                                              <p:pRg st="4" end="4"/>
+                                            </p:txEl>
+                                          </p:spTgt>
+                                        </p:tgtEl>
+                                        <p:attrNameLst>
+                                          <p:attrName>style.visibility</p:attrName>
+                                        </p:attrNameLst>
+                                      </p:cBhvr>
+                                      <p:to>
+                                        <p:strVal val="visible"/>
+                                      </p:to>
+                                    </p:set>
+                                    <p:animEffect transition="in" filter="fade">
+                                      <p:cBhvr>
+                                        <p:cTn id="26" dur="500"/>
+                                        <p:tgtEl>
+                                          <p:spTgt spid="2">
+                                            <p:txEl>
+                                              <p:pRg st="4" end="4"/>
+                                            </p:txEl>
+                                          </p:spTgt>
+                                        </p:tgtEl>
+                                      </p:cBhvr>
+                                    </p:animEffect>
+                                  </p:childTnLst>
+                                </p:cTn>
+                              </p:par>
+                            </p:childTnLst>
+                          </p:cTn>
+                        </p:par>
+                      </p:childTnLst>
+                    </p:cTn>
+                  </p:par>
+                </p:childTnLst>
+              </p:cTn>
+              <p:prevCondLst>
+                <p:cond evt="onPrev" delay="0">
+                  <p:tgtEl>
+                    <p:sldTgt/>
+                  </p:tgtEl>
+                </p:cond>
+              </p:prevCondLst>
+              <p:nextCondLst>
+                <p:cond evt="onNext" delay="0">
+                  <p:tgtEl>
+                    <p:sldTgt/>
+                  </p:tgtEl>
+                </p:cond>
+              </p:nextCondLst>
+            </p:seq>
+          </p:childTnLst>
+        </p:cTn>
+      </p:par>
+    </p:tnLst>
+  </p:timing>
 </p:sld>
 </file>
 
